--- a/slides/ddl-w6l2.pptx
+++ b/slides/ddl-w6l2.pptx
@@ -5,23 +5,17 @@
     <p:sldMasterId id="2147483649" r:id="rId1"/>
   </p:sldMasterIdLst>
   <p:notesMasterIdLst>
-    <p:notesMasterId r:id="rId13"/>
+    <p:notesMasterId r:id="rId7"/>
   </p:notesMasterIdLst>
   <p:handoutMasterIdLst>
-    <p:handoutMasterId r:id="rId14"/>
+    <p:handoutMasterId r:id="rId8"/>
   </p:handoutMasterIdLst>
   <p:sldIdLst>
-    <p:sldId id="256" r:id="rId2"/>
-    <p:sldId id="263" r:id="rId3"/>
-    <p:sldId id="264" r:id="rId4"/>
-    <p:sldId id="265" r:id="rId5"/>
-    <p:sldId id="267" r:id="rId6"/>
-    <p:sldId id="268" r:id="rId7"/>
-    <p:sldId id="269" r:id="rId8"/>
-    <p:sldId id="270" r:id="rId9"/>
-    <p:sldId id="271" r:id="rId10"/>
-    <p:sldId id="272" r:id="rId11"/>
-    <p:sldId id="275" r:id="rId12"/>
+    <p:sldId id="276" r:id="rId2"/>
+    <p:sldId id="277" r:id="rId3"/>
+    <p:sldId id="278" r:id="rId4"/>
+    <p:sldId id="279" r:id="rId5"/>
+    <p:sldId id="280" r:id="rId6"/>
   </p:sldIdLst>
   <p:sldSz cx="9144000" cy="6858000" type="screen4x3"/>
   <p:notesSz cx="6858000" cy="9144000"/>
@@ -150,6 +144,40 @@
       </a:defRPr>
     </a:lvl9pPr>
   </p:defaultTextStyle>
+  <p:extLst>
+    <p:ext uri="{EFAFB233-063F-42B5-8137-9DF3F51BA10A}">
+      <p15:sldGuideLst xmlns:p15="http://schemas.microsoft.com/office/powerpoint/2012/main">
+        <p15:guide id="1" orient="horz" pos="2160">
+          <p15:clr>
+            <a:srgbClr val="A4A3A4"/>
+          </p15:clr>
+        </p15:guide>
+        <p15:guide id="2" orient="horz" pos="866">
+          <p15:clr>
+            <a:srgbClr val="A4A3A4"/>
+          </p15:clr>
+        </p15:guide>
+        <p15:guide id="3" pos="2880">
+          <p15:clr>
+            <a:srgbClr val="A4A3A4"/>
+          </p15:clr>
+        </p15:guide>
+        <p15:guide id="4" pos="476">
+          <p15:clr>
+            <a:srgbClr val="A4A3A4"/>
+          </p15:clr>
+        </p15:guide>
+        <p15:guide id="5" pos="1111">
+          <p15:clr>
+            <a:srgbClr val="A4A3A4"/>
+          </p15:clr>
+        </p15:guide>
+      </p15:sldGuideLst>
+    </p:ext>
+    <p:ext uri="{2D200454-40CA-4A62-9FC3-DE9A4176ACB9}">
+      <p15:notesGuideLst xmlns:p15="http://schemas.microsoft.com/office/powerpoint/2012/main"/>
+    </p:ext>
+  </p:extLst>
 </p:presentation>
 </file>
 
@@ -266,7 +294,7 @@
             <a:fld id="{373F1B60-BDF4-4D63-AD79-99D5A5B1DF99}" type="datetime1">
               <a:rPr lang="en-US"/>
               <a:pPr/>
-              <a:t>2/19/2013</a:t>
+              <a:t>12/12/2018</a:t>
             </a:fld>
             <a:endParaRPr lang="en-US"/>
           </a:p>
@@ -485,7 +513,7 @@
             <a:fld id="{4387A7AA-DFE9-4771-BEDE-3294FCEBFB02}" type="datetime1">
               <a:rPr lang="en-US"/>
               <a:pPr/>
-              <a:t>2/19/2013</a:t>
+              <a:t>12/12/2018</a:t>
             </a:fld>
             <a:endParaRPr lang="en-US"/>
           </a:p>
@@ -495,7 +523,7 @@
         <p:nvSpPr>
           <p:cNvPr id="50180" name="Rectangle 4"/>
           <p:cNvSpPr>
-            <a:spLocks noRot="1" noChangeArrowheads="1" noTextEdit="1"/>
+            <a:spLocks noGrp="1" noRot="1" noChangeAspect="1" noChangeArrowheads="1" noTextEdit="1"/>
           </p:cNvSpPr>
           <p:nvPr>
             <p:ph type="sldImg" idx="2"/>
@@ -876,7 +904,7 @@
             <a:fld id="{8541E2CD-DBF4-40F9-B6F8-EEFD0DF8A138}" type="datetime1">
               <a:rPr lang="en-US"/>
               <a:pPr/>
-              <a:t>2/19/2013</a:t>
+              <a:t>12/12/2018</a:t>
             </a:fld>
             <a:endParaRPr lang="en-US"/>
           </a:p>
@@ -936,7 +964,7 @@
         <p:nvSpPr>
           <p:cNvPr id="182274" name="Rectangle 2"/>
           <p:cNvSpPr>
-            <a:spLocks noRot="1" noChangeArrowheads="1" noTextEdit="1"/>
+            <a:spLocks noGrp="1" noRot="1" noChangeAspect="1" noChangeArrowheads="1" noTextEdit="1"/>
           </p:cNvSpPr>
           <p:nvPr>
             <p:ph type="sldImg"/>
@@ -966,1586 +994,11 @@
         </p:txBody>
       </p:sp>
     </p:spTree>
-  </p:cSld>
-  <p:clrMapOvr>
-    <a:masterClrMapping/>
-  </p:clrMapOvr>
-</p:notes>
-</file>
-
-<file path=ppt/notesSlides/notesSlide10.xml><?xml version="1.0" encoding="utf-8"?>
-<p:notes xmlns:a="http://schemas.openxmlformats.org/drawingml/2006/main" xmlns:r="http://schemas.openxmlformats.org/officeDocument/2006/relationships" xmlns:p="http://schemas.openxmlformats.org/presentationml/2006/main">
-  <p:cSld>
-    <p:spTree>
-      <p:nvGrpSpPr>
-        <p:cNvPr id="1" name=""/>
-        <p:cNvGrpSpPr/>
-        <p:nvPr/>
-      </p:nvGrpSpPr>
-      <p:grpSpPr>
-        <a:xfrm>
-          <a:off x="0" y="0"/>
-          <a:ext cx="0" cy="0"/>
-          <a:chOff x="0" y="0"/>
-          <a:chExt cx="0" cy="0"/>
-        </a:xfrm>
-      </p:grpSpPr>
-      <p:sp>
-        <p:nvSpPr>
-          <p:cNvPr id="4" name="Rectangle 2"/>
-          <p:cNvSpPr>
-            <a:spLocks noGrp="1" noChangeArrowheads="1"/>
-          </p:cNvSpPr>
-          <p:nvPr>
-            <p:ph type="hdr" sz="quarter"/>
-          </p:nvPr>
-        </p:nvSpPr>
-        <p:spPr>
-          <a:ln/>
-        </p:spPr>
-        <p:txBody>
-          <a:bodyPr/>
-          <a:lstStyle/>
-          <a:p>
-            <a:r>
-              <a:rPr lang="en-US"/>
-              <a:t>xxxxxxxxxxxxxxx</a:t>
-            </a:r>
-          </a:p>
-        </p:txBody>
-      </p:sp>
-      <p:sp>
-        <p:nvSpPr>
-          <p:cNvPr id="5" name="Rectangle 3"/>
-          <p:cNvSpPr>
-            <a:spLocks noGrp="1" noChangeArrowheads="1"/>
-          </p:cNvSpPr>
-          <p:nvPr>
-            <p:ph type="dt" idx="1"/>
-          </p:nvPr>
-        </p:nvSpPr>
-        <p:spPr>
-          <a:ln/>
-        </p:spPr>
-        <p:txBody>
-          <a:bodyPr/>
-          <a:lstStyle/>
-          <a:p>
-            <a:fld id="{A3734206-9E0D-45A8-9A9C-E9E820231454}" type="datetime1">
-              <a:rPr lang="en-US"/>
-              <a:pPr/>
-              <a:t>2/19/2013</a:t>
-            </a:fld>
-            <a:endParaRPr lang="en-US"/>
-          </a:p>
-        </p:txBody>
-      </p:sp>
-      <p:sp>
-        <p:nvSpPr>
-          <p:cNvPr id="6" name="Rectangle 6"/>
-          <p:cNvSpPr>
-            <a:spLocks noGrp="1" noChangeArrowheads="1"/>
-          </p:cNvSpPr>
-          <p:nvPr>
-            <p:ph type="ftr" sz="quarter" idx="4"/>
-          </p:nvPr>
-        </p:nvSpPr>
-        <p:spPr>
-          <a:ln/>
-        </p:spPr>
-        <p:txBody>
-          <a:bodyPr/>
-          <a:lstStyle/>
-          <a:p>
-            <a:r>
-              <a:rPr lang="en-US"/>
-              <a:t>xxxxxxxxxxxxx</a:t>
-            </a:r>
-          </a:p>
-        </p:txBody>
-      </p:sp>
-      <p:sp>
-        <p:nvSpPr>
-          <p:cNvPr id="7" name="Rectangle 7"/>
-          <p:cNvSpPr>
-            <a:spLocks noGrp="1" noChangeArrowheads="1"/>
-          </p:cNvSpPr>
-          <p:nvPr>
-            <p:ph type="sldNum" sz="quarter" idx="5"/>
-          </p:nvPr>
-        </p:nvSpPr>
-        <p:spPr>
-          <a:ln/>
-        </p:spPr>
-        <p:txBody>
-          <a:bodyPr/>
-          <a:lstStyle/>
-          <a:p>
-            <a:fld id="{3E24F508-BEE9-43B6-9C9C-05A1D82BD706}" type="slidenum">
-              <a:rPr lang="en-US"/>
-              <a:pPr/>
-              <a:t>10</a:t>
-            </a:fld>
-            <a:endParaRPr lang="en-US"/>
-          </a:p>
-        </p:txBody>
-      </p:sp>
-      <p:sp>
-        <p:nvSpPr>
-          <p:cNvPr id="191490" name="Rectangle 2"/>
-          <p:cNvSpPr>
-            <a:spLocks noRot="1" noChangeArrowheads="1" noTextEdit="1"/>
-          </p:cNvSpPr>
-          <p:nvPr>
-            <p:ph type="sldImg"/>
-          </p:nvPr>
-        </p:nvSpPr>
-        <p:spPr>
-          <a:ln/>
-        </p:spPr>
-      </p:sp>
-      <p:sp>
-        <p:nvSpPr>
-          <p:cNvPr id="191491" name="Rectangle 3"/>
-          <p:cNvSpPr>
-            <a:spLocks noGrp="1" noChangeArrowheads="1"/>
-          </p:cNvSpPr>
-          <p:nvPr>
-            <p:ph type="body" idx="1"/>
-          </p:nvPr>
-        </p:nvSpPr>
-        <p:spPr/>
-        <p:txBody>
-          <a:bodyPr/>
-          <a:lstStyle/>
-          <a:p>
-            <a:endParaRPr lang="nl-NL"/>
-          </a:p>
-        </p:txBody>
-      </p:sp>
-    </p:spTree>
-  </p:cSld>
-  <p:clrMapOvr>
-    <a:masterClrMapping/>
-  </p:clrMapOvr>
-</p:notes>
-</file>
-
-<file path=ppt/notesSlides/notesSlide11.xml><?xml version="1.0" encoding="utf-8"?>
-<p:notes xmlns:a="http://schemas.openxmlformats.org/drawingml/2006/main" xmlns:r="http://schemas.openxmlformats.org/officeDocument/2006/relationships" xmlns:p="http://schemas.openxmlformats.org/presentationml/2006/main">
-  <p:cSld>
-    <p:spTree>
-      <p:nvGrpSpPr>
-        <p:cNvPr id="1" name=""/>
-        <p:cNvGrpSpPr/>
-        <p:nvPr/>
-      </p:nvGrpSpPr>
-      <p:grpSpPr>
-        <a:xfrm>
-          <a:off x="0" y="0"/>
-          <a:ext cx="0" cy="0"/>
-          <a:chOff x="0" y="0"/>
-          <a:chExt cx="0" cy="0"/>
-        </a:xfrm>
-      </p:grpSpPr>
-      <p:sp>
-        <p:nvSpPr>
-          <p:cNvPr id="4" name="Rectangle 2"/>
-          <p:cNvSpPr>
-            <a:spLocks noGrp="1" noChangeArrowheads="1"/>
-          </p:cNvSpPr>
-          <p:nvPr>
-            <p:ph type="hdr" sz="quarter"/>
-          </p:nvPr>
-        </p:nvSpPr>
-        <p:spPr>
-          <a:ln/>
-        </p:spPr>
-        <p:txBody>
-          <a:bodyPr/>
-          <a:lstStyle/>
-          <a:p>
-            <a:r>
-              <a:rPr lang="en-US"/>
-              <a:t>xxxxxxxxxxxxxxx</a:t>
-            </a:r>
-          </a:p>
-        </p:txBody>
-      </p:sp>
-      <p:sp>
-        <p:nvSpPr>
-          <p:cNvPr id="5" name="Rectangle 3"/>
-          <p:cNvSpPr>
-            <a:spLocks noGrp="1" noChangeArrowheads="1"/>
-          </p:cNvSpPr>
-          <p:nvPr>
-            <p:ph type="dt" idx="1"/>
-          </p:nvPr>
-        </p:nvSpPr>
-        <p:spPr>
-          <a:ln/>
-        </p:spPr>
-        <p:txBody>
-          <a:bodyPr/>
-          <a:lstStyle/>
-          <a:p>
-            <a:fld id="{E01E3979-3EA1-4091-9A9F-0CDBD48FB10C}" type="datetime1">
-              <a:rPr lang="en-US"/>
-              <a:pPr/>
-              <a:t>2/19/2013</a:t>
-            </a:fld>
-            <a:endParaRPr lang="en-US"/>
-          </a:p>
-        </p:txBody>
-      </p:sp>
-      <p:sp>
-        <p:nvSpPr>
-          <p:cNvPr id="6" name="Rectangle 6"/>
-          <p:cNvSpPr>
-            <a:spLocks noGrp="1" noChangeArrowheads="1"/>
-          </p:cNvSpPr>
-          <p:nvPr>
-            <p:ph type="ftr" sz="quarter" idx="4"/>
-          </p:nvPr>
-        </p:nvSpPr>
-        <p:spPr>
-          <a:ln/>
-        </p:spPr>
-        <p:txBody>
-          <a:bodyPr/>
-          <a:lstStyle/>
-          <a:p>
-            <a:r>
-              <a:rPr lang="en-US"/>
-              <a:t>xxxxxxxxxxxxx</a:t>
-            </a:r>
-          </a:p>
-        </p:txBody>
-      </p:sp>
-      <p:sp>
-        <p:nvSpPr>
-          <p:cNvPr id="7" name="Rectangle 7"/>
-          <p:cNvSpPr>
-            <a:spLocks noGrp="1" noChangeArrowheads="1"/>
-          </p:cNvSpPr>
-          <p:nvPr>
-            <p:ph type="sldNum" sz="quarter" idx="5"/>
-          </p:nvPr>
-        </p:nvSpPr>
-        <p:spPr>
-          <a:ln/>
-        </p:spPr>
-        <p:txBody>
-          <a:bodyPr/>
-          <a:lstStyle/>
-          <a:p>
-            <a:fld id="{66654B76-19AB-4A8A-A997-35CF46824B95}" type="slidenum">
-              <a:rPr lang="en-US"/>
-              <a:pPr/>
-              <a:t>11</a:t>
-            </a:fld>
-            <a:endParaRPr lang="en-US"/>
-          </a:p>
-        </p:txBody>
-      </p:sp>
-      <p:sp>
-        <p:nvSpPr>
-          <p:cNvPr id="192514" name="Rectangle 2"/>
-          <p:cNvSpPr>
-            <a:spLocks noRot="1" noChangeArrowheads="1" noTextEdit="1"/>
-          </p:cNvSpPr>
-          <p:nvPr>
-            <p:ph type="sldImg"/>
-          </p:nvPr>
-        </p:nvSpPr>
-        <p:spPr>
-          <a:ln/>
-        </p:spPr>
-      </p:sp>
-      <p:sp>
-        <p:nvSpPr>
-          <p:cNvPr id="192515" name="Rectangle 3"/>
-          <p:cNvSpPr>
-            <a:spLocks noGrp="1" noChangeArrowheads="1"/>
-          </p:cNvSpPr>
-          <p:nvPr>
-            <p:ph type="body" idx="1"/>
-          </p:nvPr>
-        </p:nvSpPr>
-        <p:spPr/>
-        <p:txBody>
-          <a:bodyPr/>
-          <a:lstStyle/>
-          <a:p>
-            <a:endParaRPr lang="nl-NL"/>
-          </a:p>
-        </p:txBody>
-      </p:sp>
-    </p:spTree>
-  </p:cSld>
-  <p:clrMapOvr>
-    <a:masterClrMapping/>
-  </p:clrMapOvr>
-</p:notes>
-</file>
-
-<file path=ppt/notesSlides/notesSlide2.xml><?xml version="1.0" encoding="utf-8"?>
-<p:notes xmlns:a="http://schemas.openxmlformats.org/drawingml/2006/main" xmlns:r="http://schemas.openxmlformats.org/officeDocument/2006/relationships" xmlns:p="http://schemas.openxmlformats.org/presentationml/2006/main">
-  <p:cSld>
-    <p:spTree>
-      <p:nvGrpSpPr>
-        <p:cNvPr id="1" name=""/>
-        <p:cNvGrpSpPr/>
-        <p:nvPr/>
-      </p:nvGrpSpPr>
-      <p:grpSpPr>
-        <a:xfrm>
-          <a:off x="0" y="0"/>
-          <a:ext cx="0" cy="0"/>
-          <a:chOff x="0" y="0"/>
-          <a:chExt cx="0" cy="0"/>
-        </a:xfrm>
-      </p:grpSpPr>
-      <p:sp>
-        <p:nvSpPr>
-          <p:cNvPr id="4" name="Rectangle 2"/>
-          <p:cNvSpPr>
-            <a:spLocks noGrp="1" noChangeArrowheads="1"/>
-          </p:cNvSpPr>
-          <p:nvPr>
-            <p:ph type="hdr" sz="quarter"/>
-          </p:nvPr>
-        </p:nvSpPr>
-        <p:spPr>
-          <a:ln/>
-        </p:spPr>
-        <p:txBody>
-          <a:bodyPr/>
-          <a:lstStyle/>
-          <a:p>
-            <a:r>
-              <a:rPr lang="en-US"/>
-              <a:t>xxxxxxxxxxxxxxx</a:t>
-            </a:r>
-          </a:p>
-        </p:txBody>
-      </p:sp>
-      <p:sp>
-        <p:nvSpPr>
-          <p:cNvPr id="5" name="Rectangle 3"/>
-          <p:cNvSpPr>
-            <a:spLocks noGrp="1" noChangeArrowheads="1"/>
-          </p:cNvSpPr>
-          <p:nvPr>
-            <p:ph type="dt" idx="1"/>
-          </p:nvPr>
-        </p:nvSpPr>
-        <p:spPr>
-          <a:ln/>
-        </p:spPr>
-        <p:txBody>
-          <a:bodyPr/>
-          <a:lstStyle/>
-          <a:p>
-            <a:fld id="{D75D9CB6-A154-4961-BE96-B8A670095A3E}" type="datetime1">
-              <a:rPr lang="en-US"/>
-              <a:pPr/>
-              <a:t>2/19/2013</a:t>
-            </a:fld>
-            <a:endParaRPr lang="en-US"/>
-          </a:p>
-        </p:txBody>
-      </p:sp>
-      <p:sp>
-        <p:nvSpPr>
-          <p:cNvPr id="6" name="Rectangle 6"/>
-          <p:cNvSpPr>
-            <a:spLocks noGrp="1" noChangeArrowheads="1"/>
-          </p:cNvSpPr>
-          <p:nvPr>
-            <p:ph type="ftr" sz="quarter" idx="4"/>
-          </p:nvPr>
-        </p:nvSpPr>
-        <p:spPr>
-          <a:ln/>
-        </p:spPr>
-        <p:txBody>
-          <a:bodyPr/>
-          <a:lstStyle/>
-          <a:p>
-            <a:r>
-              <a:rPr lang="en-US"/>
-              <a:t>xxxxxxxxxxxxx</a:t>
-            </a:r>
-          </a:p>
-        </p:txBody>
-      </p:sp>
-      <p:sp>
-        <p:nvSpPr>
-          <p:cNvPr id="7" name="Rectangle 7"/>
-          <p:cNvSpPr>
-            <a:spLocks noGrp="1" noChangeArrowheads="1"/>
-          </p:cNvSpPr>
-          <p:nvPr>
-            <p:ph type="sldNum" sz="quarter" idx="5"/>
-          </p:nvPr>
-        </p:nvSpPr>
-        <p:spPr>
-          <a:ln/>
-        </p:spPr>
-        <p:txBody>
-          <a:bodyPr/>
-          <a:lstStyle/>
-          <a:p>
-            <a:fld id="{9670D17F-B3A3-4718-8A92-DA29315C8C76}" type="slidenum">
-              <a:rPr lang="en-US"/>
-              <a:pPr/>
-              <a:t>2</a:t>
-            </a:fld>
-            <a:endParaRPr lang="en-US"/>
-          </a:p>
-        </p:txBody>
-      </p:sp>
-      <p:sp>
-        <p:nvSpPr>
-          <p:cNvPr id="183298" name="Rectangle 2"/>
-          <p:cNvSpPr>
-            <a:spLocks noRot="1" noChangeArrowheads="1" noTextEdit="1"/>
-          </p:cNvSpPr>
-          <p:nvPr>
-            <p:ph type="sldImg"/>
-          </p:nvPr>
-        </p:nvSpPr>
-        <p:spPr>
-          <a:ln/>
-        </p:spPr>
-      </p:sp>
-      <p:sp>
-        <p:nvSpPr>
-          <p:cNvPr id="183299" name="Rectangle 3"/>
-          <p:cNvSpPr>
-            <a:spLocks noGrp="1" noChangeArrowheads="1"/>
-          </p:cNvSpPr>
-          <p:nvPr>
-            <p:ph type="body" idx="1"/>
-          </p:nvPr>
-        </p:nvSpPr>
-        <p:spPr/>
-        <p:txBody>
-          <a:bodyPr/>
-          <a:lstStyle/>
-          <a:p>
-            <a:endParaRPr lang="nl-NL"/>
-          </a:p>
-        </p:txBody>
-      </p:sp>
-    </p:spTree>
-  </p:cSld>
-  <p:clrMapOvr>
-    <a:masterClrMapping/>
-  </p:clrMapOvr>
-</p:notes>
-</file>
-
-<file path=ppt/notesSlides/notesSlide3.xml><?xml version="1.0" encoding="utf-8"?>
-<p:notes xmlns:a="http://schemas.openxmlformats.org/drawingml/2006/main" xmlns:r="http://schemas.openxmlformats.org/officeDocument/2006/relationships" xmlns:p="http://schemas.openxmlformats.org/presentationml/2006/main">
-  <p:cSld>
-    <p:spTree>
-      <p:nvGrpSpPr>
-        <p:cNvPr id="1" name=""/>
-        <p:cNvGrpSpPr/>
-        <p:nvPr/>
-      </p:nvGrpSpPr>
-      <p:grpSpPr>
-        <a:xfrm>
-          <a:off x="0" y="0"/>
-          <a:ext cx="0" cy="0"/>
-          <a:chOff x="0" y="0"/>
-          <a:chExt cx="0" cy="0"/>
-        </a:xfrm>
-      </p:grpSpPr>
-      <p:sp>
-        <p:nvSpPr>
-          <p:cNvPr id="4" name="Rectangle 2"/>
-          <p:cNvSpPr>
-            <a:spLocks noGrp="1" noChangeArrowheads="1"/>
-          </p:cNvSpPr>
-          <p:nvPr>
-            <p:ph type="hdr" sz="quarter"/>
-          </p:nvPr>
-        </p:nvSpPr>
-        <p:spPr>
-          <a:ln/>
-        </p:spPr>
-        <p:txBody>
-          <a:bodyPr/>
-          <a:lstStyle/>
-          <a:p>
-            <a:r>
-              <a:rPr lang="en-US"/>
-              <a:t>xxxxxxxxxxxxxxx</a:t>
-            </a:r>
-          </a:p>
-        </p:txBody>
-      </p:sp>
-      <p:sp>
-        <p:nvSpPr>
-          <p:cNvPr id="5" name="Rectangle 3"/>
-          <p:cNvSpPr>
-            <a:spLocks noGrp="1" noChangeArrowheads="1"/>
-          </p:cNvSpPr>
-          <p:nvPr>
-            <p:ph type="dt" idx="1"/>
-          </p:nvPr>
-        </p:nvSpPr>
-        <p:spPr>
-          <a:ln/>
-        </p:spPr>
-        <p:txBody>
-          <a:bodyPr/>
-          <a:lstStyle/>
-          <a:p>
-            <a:fld id="{FE64602E-BCD2-4C79-9F9B-2C05BD27637D}" type="datetime1">
-              <a:rPr lang="en-US"/>
-              <a:pPr/>
-              <a:t>2/19/2013</a:t>
-            </a:fld>
-            <a:endParaRPr lang="en-US"/>
-          </a:p>
-        </p:txBody>
-      </p:sp>
-      <p:sp>
-        <p:nvSpPr>
-          <p:cNvPr id="6" name="Rectangle 6"/>
-          <p:cNvSpPr>
-            <a:spLocks noGrp="1" noChangeArrowheads="1"/>
-          </p:cNvSpPr>
-          <p:nvPr>
-            <p:ph type="ftr" sz="quarter" idx="4"/>
-          </p:nvPr>
-        </p:nvSpPr>
-        <p:spPr>
-          <a:ln/>
-        </p:spPr>
-        <p:txBody>
-          <a:bodyPr/>
-          <a:lstStyle/>
-          <a:p>
-            <a:r>
-              <a:rPr lang="en-US"/>
-              <a:t>xxxxxxxxxxxxx</a:t>
-            </a:r>
-          </a:p>
-        </p:txBody>
-      </p:sp>
-      <p:sp>
-        <p:nvSpPr>
-          <p:cNvPr id="7" name="Rectangle 7"/>
-          <p:cNvSpPr>
-            <a:spLocks noGrp="1" noChangeArrowheads="1"/>
-          </p:cNvSpPr>
-          <p:nvPr>
-            <p:ph type="sldNum" sz="quarter" idx="5"/>
-          </p:nvPr>
-        </p:nvSpPr>
-        <p:spPr>
-          <a:ln/>
-        </p:spPr>
-        <p:txBody>
-          <a:bodyPr/>
-          <a:lstStyle/>
-          <a:p>
-            <a:fld id="{CDD309D1-08CF-441E-9DB4-960ECFE49892}" type="slidenum">
-              <a:rPr lang="en-US"/>
-              <a:pPr/>
-              <a:t>3</a:t>
-            </a:fld>
-            <a:endParaRPr lang="en-US"/>
-          </a:p>
-        </p:txBody>
-      </p:sp>
-      <p:sp>
-        <p:nvSpPr>
-          <p:cNvPr id="184322" name="Rectangle 2"/>
-          <p:cNvSpPr>
-            <a:spLocks noRot="1" noChangeArrowheads="1" noTextEdit="1"/>
-          </p:cNvSpPr>
-          <p:nvPr>
-            <p:ph type="sldImg"/>
-          </p:nvPr>
-        </p:nvSpPr>
-        <p:spPr>
-          <a:ln/>
-        </p:spPr>
-      </p:sp>
-      <p:sp>
-        <p:nvSpPr>
-          <p:cNvPr id="184323" name="Rectangle 3"/>
-          <p:cNvSpPr>
-            <a:spLocks noGrp="1" noChangeArrowheads="1"/>
-          </p:cNvSpPr>
-          <p:nvPr>
-            <p:ph type="body" idx="1"/>
-          </p:nvPr>
-        </p:nvSpPr>
-        <p:spPr/>
-        <p:txBody>
-          <a:bodyPr/>
-          <a:lstStyle/>
-          <a:p>
-            <a:endParaRPr lang="nl-NL"/>
-          </a:p>
-        </p:txBody>
-      </p:sp>
-    </p:spTree>
-  </p:cSld>
-  <p:clrMapOvr>
-    <a:masterClrMapping/>
-  </p:clrMapOvr>
-</p:notes>
-</file>
-
-<file path=ppt/notesSlides/notesSlide4.xml><?xml version="1.0" encoding="utf-8"?>
-<p:notes xmlns:a="http://schemas.openxmlformats.org/drawingml/2006/main" xmlns:r="http://schemas.openxmlformats.org/officeDocument/2006/relationships" xmlns:p="http://schemas.openxmlformats.org/presentationml/2006/main">
-  <p:cSld>
-    <p:spTree>
-      <p:nvGrpSpPr>
-        <p:cNvPr id="1" name=""/>
-        <p:cNvGrpSpPr/>
-        <p:nvPr/>
-      </p:nvGrpSpPr>
-      <p:grpSpPr>
-        <a:xfrm>
-          <a:off x="0" y="0"/>
-          <a:ext cx="0" cy="0"/>
-          <a:chOff x="0" y="0"/>
-          <a:chExt cx="0" cy="0"/>
-        </a:xfrm>
-      </p:grpSpPr>
-      <p:sp>
-        <p:nvSpPr>
-          <p:cNvPr id="4" name="Rectangle 2"/>
-          <p:cNvSpPr>
-            <a:spLocks noGrp="1" noChangeArrowheads="1"/>
-          </p:cNvSpPr>
-          <p:nvPr>
-            <p:ph type="hdr" sz="quarter"/>
-          </p:nvPr>
-        </p:nvSpPr>
-        <p:spPr>
-          <a:ln/>
-        </p:spPr>
-        <p:txBody>
-          <a:bodyPr/>
-          <a:lstStyle/>
-          <a:p>
-            <a:r>
-              <a:rPr lang="en-US"/>
-              <a:t>xxxxxxxxxxxxxxx</a:t>
-            </a:r>
-          </a:p>
-        </p:txBody>
-      </p:sp>
-      <p:sp>
-        <p:nvSpPr>
-          <p:cNvPr id="5" name="Rectangle 3"/>
-          <p:cNvSpPr>
-            <a:spLocks noGrp="1" noChangeArrowheads="1"/>
-          </p:cNvSpPr>
-          <p:nvPr>
-            <p:ph type="dt" idx="1"/>
-          </p:nvPr>
-        </p:nvSpPr>
-        <p:spPr>
-          <a:ln/>
-        </p:spPr>
-        <p:txBody>
-          <a:bodyPr/>
-          <a:lstStyle/>
-          <a:p>
-            <a:fld id="{3A9285C3-5D65-4A73-97EF-F314E52DFB4D}" type="datetime1">
-              <a:rPr lang="en-US"/>
-              <a:pPr/>
-              <a:t>2/19/2013</a:t>
-            </a:fld>
-            <a:endParaRPr lang="en-US"/>
-          </a:p>
-        </p:txBody>
-      </p:sp>
-      <p:sp>
-        <p:nvSpPr>
-          <p:cNvPr id="6" name="Rectangle 6"/>
-          <p:cNvSpPr>
-            <a:spLocks noGrp="1" noChangeArrowheads="1"/>
-          </p:cNvSpPr>
-          <p:nvPr>
-            <p:ph type="ftr" sz="quarter" idx="4"/>
-          </p:nvPr>
-        </p:nvSpPr>
-        <p:spPr>
-          <a:ln/>
-        </p:spPr>
-        <p:txBody>
-          <a:bodyPr/>
-          <a:lstStyle/>
-          <a:p>
-            <a:r>
-              <a:rPr lang="en-US"/>
-              <a:t>xxxxxxxxxxxxx</a:t>
-            </a:r>
-          </a:p>
-        </p:txBody>
-      </p:sp>
-      <p:sp>
-        <p:nvSpPr>
-          <p:cNvPr id="7" name="Rectangle 7"/>
-          <p:cNvSpPr>
-            <a:spLocks noGrp="1" noChangeArrowheads="1"/>
-          </p:cNvSpPr>
-          <p:nvPr>
-            <p:ph type="sldNum" sz="quarter" idx="5"/>
-          </p:nvPr>
-        </p:nvSpPr>
-        <p:spPr>
-          <a:ln/>
-        </p:spPr>
-        <p:txBody>
-          <a:bodyPr/>
-          <a:lstStyle/>
-          <a:p>
-            <a:fld id="{228D5BC3-B994-462F-A11D-9C2A0A52EDDD}" type="slidenum">
-              <a:rPr lang="en-US"/>
-              <a:pPr/>
-              <a:t>4</a:t>
-            </a:fld>
-            <a:endParaRPr lang="en-US"/>
-          </a:p>
-        </p:txBody>
-      </p:sp>
-      <p:sp>
-        <p:nvSpPr>
-          <p:cNvPr id="185346" name="Rectangle 2"/>
-          <p:cNvSpPr>
-            <a:spLocks noRot="1" noChangeArrowheads="1" noTextEdit="1"/>
-          </p:cNvSpPr>
-          <p:nvPr>
-            <p:ph type="sldImg"/>
-          </p:nvPr>
-        </p:nvSpPr>
-        <p:spPr>
-          <a:ln/>
-        </p:spPr>
-      </p:sp>
-      <p:sp>
-        <p:nvSpPr>
-          <p:cNvPr id="185347" name="Rectangle 3"/>
-          <p:cNvSpPr>
-            <a:spLocks noGrp="1" noChangeArrowheads="1"/>
-          </p:cNvSpPr>
-          <p:nvPr>
-            <p:ph type="body" idx="1"/>
-          </p:nvPr>
-        </p:nvSpPr>
-        <p:spPr/>
-        <p:txBody>
-          <a:bodyPr/>
-          <a:lstStyle/>
-          <a:p>
-            <a:endParaRPr lang="nl-NL"/>
-          </a:p>
-        </p:txBody>
-      </p:sp>
-    </p:spTree>
-  </p:cSld>
-  <p:clrMapOvr>
-    <a:masterClrMapping/>
-  </p:clrMapOvr>
-</p:notes>
-</file>
-
-<file path=ppt/notesSlides/notesSlide5.xml><?xml version="1.0" encoding="utf-8"?>
-<p:notes xmlns:a="http://schemas.openxmlformats.org/drawingml/2006/main" xmlns:r="http://schemas.openxmlformats.org/officeDocument/2006/relationships" xmlns:p="http://schemas.openxmlformats.org/presentationml/2006/main">
-  <p:cSld>
-    <p:spTree>
-      <p:nvGrpSpPr>
-        <p:cNvPr id="1" name=""/>
-        <p:cNvGrpSpPr/>
-        <p:nvPr/>
-      </p:nvGrpSpPr>
-      <p:grpSpPr>
-        <a:xfrm>
-          <a:off x="0" y="0"/>
-          <a:ext cx="0" cy="0"/>
-          <a:chOff x="0" y="0"/>
-          <a:chExt cx="0" cy="0"/>
-        </a:xfrm>
-      </p:grpSpPr>
-      <p:sp>
-        <p:nvSpPr>
-          <p:cNvPr id="4" name="Rectangle 2"/>
-          <p:cNvSpPr>
-            <a:spLocks noGrp="1" noChangeArrowheads="1"/>
-          </p:cNvSpPr>
-          <p:nvPr>
-            <p:ph type="hdr" sz="quarter"/>
-          </p:nvPr>
-        </p:nvSpPr>
-        <p:spPr>
-          <a:ln/>
-        </p:spPr>
-        <p:txBody>
-          <a:bodyPr/>
-          <a:lstStyle/>
-          <a:p>
-            <a:r>
-              <a:rPr lang="en-US"/>
-              <a:t>xxxxxxxxxxxxxxx</a:t>
-            </a:r>
-          </a:p>
-        </p:txBody>
-      </p:sp>
-      <p:sp>
-        <p:nvSpPr>
-          <p:cNvPr id="5" name="Rectangle 3"/>
-          <p:cNvSpPr>
-            <a:spLocks noGrp="1" noChangeArrowheads="1"/>
-          </p:cNvSpPr>
-          <p:nvPr>
-            <p:ph type="dt" idx="1"/>
-          </p:nvPr>
-        </p:nvSpPr>
-        <p:spPr>
-          <a:ln/>
-        </p:spPr>
-        <p:txBody>
-          <a:bodyPr/>
-          <a:lstStyle/>
-          <a:p>
-            <a:fld id="{A4B8657F-9B7B-42B4-A71A-56C1FB299691}" type="datetime1">
-              <a:rPr lang="en-US"/>
-              <a:pPr/>
-              <a:t>2/19/2013</a:t>
-            </a:fld>
-            <a:endParaRPr lang="en-US"/>
-          </a:p>
-        </p:txBody>
-      </p:sp>
-      <p:sp>
-        <p:nvSpPr>
-          <p:cNvPr id="6" name="Rectangle 6"/>
-          <p:cNvSpPr>
-            <a:spLocks noGrp="1" noChangeArrowheads="1"/>
-          </p:cNvSpPr>
-          <p:nvPr>
-            <p:ph type="ftr" sz="quarter" idx="4"/>
-          </p:nvPr>
-        </p:nvSpPr>
-        <p:spPr>
-          <a:ln/>
-        </p:spPr>
-        <p:txBody>
-          <a:bodyPr/>
-          <a:lstStyle/>
-          <a:p>
-            <a:r>
-              <a:rPr lang="en-US"/>
-              <a:t>xxxxxxxxxxxxx</a:t>
-            </a:r>
-          </a:p>
-        </p:txBody>
-      </p:sp>
-      <p:sp>
-        <p:nvSpPr>
-          <p:cNvPr id="7" name="Rectangle 7"/>
-          <p:cNvSpPr>
-            <a:spLocks noGrp="1" noChangeArrowheads="1"/>
-          </p:cNvSpPr>
-          <p:nvPr>
-            <p:ph type="sldNum" sz="quarter" idx="5"/>
-          </p:nvPr>
-        </p:nvSpPr>
-        <p:spPr>
-          <a:ln/>
-        </p:spPr>
-        <p:txBody>
-          <a:bodyPr/>
-          <a:lstStyle/>
-          <a:p>
-            <a:fld id="{98A3F1F1-1BE1-4826-8E66-04F9BEBFBA7E}" type="slidenum">
-              <a:rPr lang="en-US"/>
-              <a:pPr/>
-              <a:t>5</a:t>
-            </a:fld>
-            <a:endParaRPr lang="en-US"/>
-          </a:p>
-        </p:txBody>
-      </p:sp>
-      <p:sp>
-        <p:nvSpPr>
-          <p:cNvPr id="186370" name="Rectangle 2"/>
-          <p:cNvSpPr>
-            <a:spLocks noRot="1" noChangeArrowheads="1" noTextEdit="1"/>
-          </p:cNvSpPr>
-          <p:nvPr>
-            <p:ph type="sldImg"/>
-          </p:nvPr>
-        </p:nvSpPr>
-        <p:spPr>
-          <a:ln/>
-        </p:spPr>
-      </p:sp>
-      <p:sp>
-        <p:nvSpPr>
-          <p:cNvPr id="186371" name="Rectangle 3"/>
-          <p:cNvSpPr>
-            <a:spLocks noGrp="1" noChangeArrowheads="1"/>
-          </p:cNvSpPr>
-          <p:nvPr>
-            <p:ph type="body" idx="1"/>
-          </p:nvPr>
-        </p:nvSpPr>
-        <p:spPr/>
-        <p:txBody>
-          <a:bodyPr/>
-          <a:lstStyle/>
-          <a:p>
-            <a:endParaRPr lang="nl-NL"/>
-          </a:p>
-        </p:txBody>
-      </p:sp>
-    </p:spTree>
-  </p:cSld>
-  <p:clrMapOvr>
-    <a:masterClrMapping/>
-  </p:clrMapOvr>
-</p:notes>
-</file>
-
-<file path=ppt/notesSlides/notesSlide6.xml><?xml version="1.0" encoding="utf-8"?>
-<p:notes xmlns:a="http://schemas.openxmlformats.org/drawingml/2006/main" xmlns:r="http://schemas.openxmlformats.org/officeDocument/2006/relationships" xmlns:p="http://schemas.openxmlformats.org/presentationml/2006/main">
-  <p:cSld>
-    <p:spTree>
-      <p:nvGrpSpPr>
-        <p:cNvPr id="1" name=""/>
-        <p:cNvGrpSpPr/>
-        <p:nvPr/>
-      </p:nvGrpSpPr>
-      <p:grpSpPr>
-        <a:xfrm>
-          <a:off x="0" y="0"/>
-          <a:ext cx="0" cy="0"/>
-          <a:chOff x="0" y="0"/>
-          <a:chExt cx="0" cy="0"/>
-        </a:xfrm>
-      </p:grpSpPr>
-      <p:sp>
-        <p:nvSpPr>
-          <p:cNvPr id="4" name="Rectangle 2"/>
-          <p:cNvSpPr>
-            <a:spLocks noGrp="1" noChangeArrowheads="1"/>
-          </p:cNvSpPr>
-          <p:nvPr>
-            <p:ph type="hdr" sz="quarter"/>
-          </p:nvPr>
-        </p:nvSpPr>
-        <p:spPr>
-          <a:ln/>
-        </p:spPr>
-        <p:txBody>
-          <a:bodyPr/>
-          <a:lstStyle/>
-          <a:p>
-            <a:r>
-              <a:rPr lang="en-US"/>
-              <a:t>xxxxxxxxxxxxxxx</a:t>
-            </a:r>
-          </a:p>
-        </p:txBody>
-      </p:sp>
-      <p:sp>
-        <p:nvSpPr>
-          <p:cNvPr id="5" name="Rectangle 3"/>
-          <p:cNvSpPr>
-            <a:spLocks noGrp="1" noChangeArrowheads="1"/>
-          </p:cNvSpPr>
-          <p:nvPr>
-            <p:ph type="dt" idx="1"/>
-          </p:nvPr>
-        </p:nvSpPr>
-        <p:spPr>
-          <a:ln/>
-        </p:spPr>
-        <p:txBody>
-          <a:bodyPr/>
-          <a:lstStyle/>
-          <a:p>
-            <a:fld id="{2A04ECD9-CD1F-48DC-A3FA-02E8247F768F}" type="datetime1">
-              <a:rPr lang="en-US"/>
-              <a:pPr/>
-              <a:t>2/19/2013</a:t>
-            </a:fld>
-            <a:endParaRPr lang="en-US"/>
-          </a:p>
-        </p:txBody>
-      </p:sp>
-      <p:sp>
-        <p:nvSpPr>
-          <p:cNvPr id="6" name="Rectangle 6"/>
-          <p:cNvSpPr>
-            <a:spLocks noGrp="1" noChangeArrowheads="1"/>
-          </p:cNvSpPr>
-          <p:nvPr>
-            <p:ph type="ftr" sz="quarter" idx="4"/>
-          </p:nvPr>
-        </p:nvSpPr>
-        <p:spPr>
-          <a:ln/>
-        </p:spPr>
-        <p:txBody>
-          <a:bodyPr/>
-          <a:lstStyle/>
-          <a:p>
-            <a:r>
-              <a:rPr lang="en-US"/>
-              <a:t>xxxxxxxxxxxxx</a:t>
-            </a:r>
-          </a:p>
-        </p:txBody>
-      </p:sp>
-      <p:sp>
-        <p:nvSpPr>
-          <p:cNvPr id="7" name="Rectangle 7"/>
-          <p:cNvSpPr>
-            <a:spLocks noGrp="1" noChangeArrowheads="1"/>
-          </p:cNvSpPr>
-          <p:nvPr>
-            <p:ph type="sldNum" sz="quarter" idx="5"/>
-          </p:nvPr>
-        </p:nvSpPr>
-        <p:spPr>
-          <a:ln/>
-        </p:spPr>
-        <p:txBody>
-          <a:bodyPr/>
-          <a:lstStyle/>
-          <a:p>
-            <a:fld id="{A54D6D3A-60B6-4E2F-96FF-5A0A1570CE34}" type="slidenum">
-              <a:rPr lang="en-US"/>
-              <a:pPr/>
-              <a:t>6</a:t>
-            </a:fld>
-            <a:endParaRPr lang="en-US"/>
-          </a:p>
-        </p:txBody>
-      </p:sp>
-      <p:sp>
-        <p:nvSpPr>
-          <p:cNvPr id="187394" name="Rectangle 2"/>
-          <p:cNvSpPr>
-            <a:spLocks noRot="1" noChangeArrowheads="1" noTextEdit="1"/>
-          </p:cNvSpPr>
-          <p:nvPr>
-            <p:ph type="sldImg"/>
-          </p:nvPr>
-        </p:nvSpPr>
-        <p:spPr>
-          <a:ln/>
-        </p:spPr>
-      </p:sp>
-      <p:sp>
-        <p:nvSpPr>
-          <p:cNvPr id="187395" name="Rectangle 3"/>
-          <p:cNvSpPr>
-            <a:spLocks noGrp="1" noChangeArrowheads="1"/>
-          </p:cNvSpPr>
-          <p:nvPr>
-            <p:ph type="body" idx="1"/>
-          </p:nvPr>
-        </p:nvSpPr>
-        <p:spPr/>
-        <p:txBody>
-          <a:bodyPr/>
-          <a:lstStyle/>
-          <a:p>
-            <a:endParaRPr lang="nl-NL"/>
-          </a:p>
-        </p:txBody>
-      </p:sp>
-    </p:spTree>
-  </p:cSld>
-  <p:clrMapOvr>
-    <a:masterClrMapping/>
-  </p:clrMapOvr>
-</p:notes>
-</file>
-
-<file path=ppt/notesSlides/notesSlide7.xml><?xml version="1.0" encoding="utf-8"?>
-<p:notes xmlns:a="http://schemas.openxmlformats.org/drawingml/2006/main" xmlns:r="http://schemas.openxmlformats.org/officeDocument/2006/relationships" xmlns:p="http://schemas.openxmlformats.org/presentationml/2006/main">
-  <p:cSld>
-    <p:spTree>
-      <p:nvGrpSpPr>
-        <p:cNvPr id="1" name=""/>
-        <p:cNvGrpSpPr/>
-        <p:nvPr/>
-      </p:nvGrpSpPr>
-      <p:grpSpPr>
-        <a:xfrm>
-          <a:off x="0" y="0"/>
-          <a:ext cx="0" cy="0"/>
-          <a:chOff x="0" y="0"/>
-          <a:chExt cx="0" cy="0"/>
-        </a:xfrm>
-      </p:grpSpPr>
-      <p:sp>
-        <p:nvSpPr>
-          <p:cNvPr id="4" name="Rectangle 2"/>
-          <p:cNvSpPr>
-            <a:spLocks noGrp="1" noChangeArrowheads="1"/>
-          </p:cNvSpPr>
-          <p:nvPr>
-            <p:ph type="hdr" sz="quarter"/>
-          </p:nvPr>
-        </p:nvSpPr>
-        <p:spPr>
-          <a:ln/>
-        </p:spPr>
-        <p:txBody>
-          <a:bodyPr/>
-          <a:lstStyle/>
-          <a:p>
-            <a:r>
-              <a:rPr lang="en-US"/>
-              <a:t>xxxxxxxxxxxxxxx</a:t>
-            </a:r>
-          </a:p>
-        </p:txBody>
-      </p:sp>
-      <p:sp>
-        <p:nvSpPr>
-          <p:cNvPr id="5" name="Rectangle 3"/>
-          <p:cNvSpPr>
-            <a:spLocks noGrp="1" noChangeArrowheads="1"/>
-          </p:cNvSpPr>
-          <p:nvPr>
-            <p:ph type="dt" idx="1"/>
-          </p:nvPr>
-        </p:nvSpPr>
-        <p:spPr>
-          <a:ln/>
-        </p:spPr>
-        <p:txBody>
-          <a:bodyPr/>
-          <a:lstStyle/>
-          <a:p>
-            <a:fld id="{44D02D24-DF92-4868-A617-AFB17E64FD83}" type="datetime1">
-              <a:rPr lang="en-US"/>
-              <a:pPr/>
-              <a:t>2/19/2013</a:t>
-            </a:fld>
-            <a:endParaRPr lang="en-US"/>
-          </a:p>
-        </p:txBody>
-      </p:sp>
-      <p:sp>
-        <p:nvSpPr>
-          <p:cNvPr id="6" name="Rectangle 6"/>
-          <p:cNvSpPr>
-            <a:spLocks noGrp="1" noChangeArrowheads="1"/>
-          </p:cNvSpPr>
-          <p:nvPr>
-            <p:ph type="ftr" sz="quarter" idx="4"/>
-          </p:nvPr>
-        </p:nvSpPr>
-        <p:spPr>
-          <a:ln/>
-        </p:spPr>
-        <p:txBody>
-          <a:bodyPr/>
-          <a:lstStyle/>
-          <a:p>
-            <a:r>
-              <a:rPr lang="en-US"/>
-              <a:t>xxxxxxxxxxxxx</a:t>
-            </a:r>
-          </a:p>
-        </p:txBody>
-      </p:sp>
-      <p:sp>
-        <p:nvSpPr>
-          <p:cNvPr id="7" name="Rectangle 7"/>
-          <p:cNvSpPr>
-            <a:spLocks noGrp="1" noChangeArrowheads="1"/>
-          </p:cNvSpPr>
-          <p:nvPr>
-            <p:ph type="sldNum" sz="quarter" idx="5"/>
-          </p:nvPr>
-        </p:nvSpPr>
-        <p:spPr>
-          <a:ln/>
-        </p:spPr>
-        <p:txBody>
-          <a:bodyPr/>
-          <a:lstStyle/>
-          <a:p>
-            <a:fld id="{1CE20ECD-122A-431E-9180-D0AF6053AA97}" type="slidenum">
-              <a:rPr lang="en-US"/>
-              <a:pPr/>
-              <a:t>7</a:t>
-            </a:fld>
-            <a:endParaRPr lang="en-US"/>
-          </a:p>
-        </p:txBody>
-      </p:sp>
-      <p:sp>
-        <p:nvSpPr>
-          <p:cNvPr id="188418" name="Rectangle 2"/>
-          <p:cNvSpPr>
-            <a:spLocks noRot="1" noChangeArrowheads="1" noTextEdit="1"/>
-          </p:cNvSpPr>
-          <p:nvPr>
-            <p:ph type="sldImg"/>
-          </p:nvPr>
-        </p:nvSpPr>
-        <p:spPr>
-          <a:ln/>
-        </p:spPr>
-      </p:sp>
-      <p:sp>
-        <p:nvSpPr>
-          <p:cNvPr id="188419" name="Rectangle 3"/>
-          <p:cNvSpPr>
-            <a:spLocks noGrp="1" noChangeArrowheads="1"/>
-          </p:cNvSpPr>
-          <p:nvPr>
-            <p:ph type="body" idx="1"/>
-          </p:nvPr>
-        </p:nvSpPr>
-        <p:spPr/>
-        <p:txBody>
-          <a:bodyPr/>
-          <a:lstStyle/>
-          <a:p>
-            <a:endParaRPr lang="nl-NL"/>
-          </a:p>
-        </p:txBody>
-      </p:sp>
-    </p:spTree>
-  </p:cSld>
-  <p:clrMapOvr>
-    <a:masterClrMapping/>
-  </p:clrMapOvr>
-</p:notes>
-</file>
-
-<file path=ppt/notesSlides/notesSlide8.xml><?xml version="1.0" encoding="utf-8"?>
-<p:notes xmlns:a="http://schemas.openxmlformats.org/drawingml/2006/main" xmlns:r="http://schemas.openxmlformats.org/officeDocument/2006/relationships" xmlns:p="http://schemas.openxmlformats.org/presentationml/2006/main">
-  <p:cSld>
-    <p:spTree>
-      <p:nvGrpSpPr>
-        <p:cNvPr id="1" name=""/>
-        <p:cNvGrpSpPr/>
-        <p:nvPr/>
-      </p:nvGrpSpPr>
-      <p:grpSpPr>
-        <a:xfrm>
-          <a:off x="0" y="0"/>
-          <a:ext cx="0" cy="0"/>
-          <a:chOff x="0" y="0"/>
-          <a:chExt cx="0" cy="0"/>
-        </a:xfrm>
-      </p:grpSpPr>
-      <p:sp>
-        <p:nvSpPr>
-          <p:cNvPr id="4" name="Rectangle 2"/>
-          <p:cNvSpPr>
-            <a:spLocks noGrp="1" noChangeArrowheads="1"/>
-          </p:cNvSpPr>
-          <p:nvPr>
-            <p:ph type="hdr" sz="quarter"/>
-          </p:nvPr>
-        </p:nvSpPr>
-        <p:spPr>
-          <a:ln/>
-        </p:spPr>
-        <p:txBody>
-          <a:bodyPr/>
-          <a:lstStyle/>
-          <a:p>
-            <a:r>
-              <a:rPr lang="en-US"/>
-              <a:t>xxxxxxxxxxxxxxx</a:t>
-            </a:r>
-          </a:p>
-        </p:txBody>
-      </p:sp>
-      <p:sp>
-        <p:nvSpPr>
-          <p:cNvPr id="5" name="Rectangle 3"/>
-          <p:cNvSpPr>
-            <a:spLocks noGrp="1" noChangeArrowheads="1"/>
-          </p:cNvSpPr>
-          <p:nvPr>
-            <p:ph type="dt" idx="1"/>
-          </p:nvPr>
-        </p:nvSpPr>
-        <p:spPr>
-          <a:ln/>
-        </p:spPr>
-        <p:txBody>
-          <a:bodyPr/>
-          <a:lstStyle/>
-          <a:p>
-            <a:fld id="{65156C2C-AC52-4106-9D3A-30D2E7496094}" type="datetime1">
-              <a:rPr lang="en-US"/>
-              <a:pPr/>
-              <a:t>2/19/2013</a:t>
-            </a:fld>
-            <a:endParaRPr lang="en-US"/>
-          </a:p>
-        </p:txBody>
-      </p:sp>
-      <p:sp>
-        <p:nvSpPr>
-          <p:cNvPr id="6" name="Rectangle 6"/>
-          <p:cNvSpPr>
-            <a:spLocks noGrp="1" noChangeArrowheads="1"/>
-          </p:cNvSpPr>
-          <p:nvPr>
-            <p:ph type="ftr" sz="quarter" idx="4"/>
-          </p:nvPr>
-        </p:nvSpPr>
-        <p:spPr>
-          <a:ln/>
-        </p:spPr>
-        <p:txBody>
-          <a:bodyPr/>
-          <a:lstStyle/>
-          <a:p>
-            <a:r>
-              <a:rPr lang="en-US"/>
-              <a:t>xxxxxxxxxxxxx</a:t>
-            </a:r>
-          </a:p>
-        </p:txBody>
-      </p:sp>
-      <p:sp>
-        <p:nvSpPr>
-          <p:cNvPr id="7" name="Rectangle 7"/>
-          <p:cNvSpPr>
-            <a:spLocks noGrp="1" noChangeArrowheads="1"/>
-          </p:cNvSpPr>
-          <p:nvPr>
-            <p:ph type="sldNum" sz="quarter" idx="5"/>
-          </p:nvPr>
-        </p:nvSpPr>
-        <p:spPr>
-          <a:ln/>
-        </p:spPr>
-        <p:txBody>
-          <a:bodyPr/>
-          <a:lstStyle/>
-          <a:p>
-            <a:fld id="{22015A77-993A-47B7-8DFA-A8FC7083A1A9}" type="slidenum">
-              <a:rPr lang="en-US"/>
-              <a:pPr/>
-              <a:t>8</a:t>
-            </a:fld>
-            <a:endParaRPr lang="en-US"/>
-          </a:p>
-        </p:txBody>
-      </p:sp>
-      <p:sp>
-        <p:nvSpPr>
-          <p:cNvPr id="189442" name="Rectangle 2"/>
-          <p:cNvSpPr>
-            <a:spLocks noRot="1" noChangeArrowheads="1" noTextEdit="1"/>
-          </p:cNvSpPr>
-          <p:nvPr>
-            <p:ph type="sldImg"/>
-          </p:nvPr>
-        </p:nvSpPr>
-        <p:spPr>
-          <a:ln/>
-        </p:spPr>
-      </p:sp>
-      <p:sp>
-        <p:nvSpPr>
-          <p:cNvPr id="189443" name="Rectangle 3"/>
-          <p:cNvSpPr>
-            <a:spLocks noGrp="1" noChangeArrowheads="1"/>
-          </p:cNvSpPr>
-          <p:nvPr>
-            <p:ph type="body" idx="1"/>
-          </p:nvPr>
-        </p:nvSpPr>
-        <p:spPr/>
-        <p:txBody>
-          <a:bodyPr/>
-          <a:lstStyle/>
-          <a:p>
-            <a:endParaRPr lang="nl-NL"/>
-          </a:p>
-        </p:txBody>
-      </p:sp>
-    </p:spTree>
-  </p:cSld>
-  <p:clrMapOvr>
-    <a:masterClrMapping/>
-  </p:clrMapOvr>
-</p:notes>
-</file>
-
-<file path=ppt/notesSlides/notesSlide9.xml><?xml version="1.0" encoding="utf-8"?>
-<p:notes xmlns:a="http://schemas.openxmlformats.org/drawingml/2006/main" xmlns:r="http://schemas.openxmlformats.org/officeDocument/2006/relationships" xmlns:p="http://schemas.openxmlformats.org/presentationml/2006/main">
-  <p:cSld>
-    <p:spTree>
-      <p:nvGrpSpPr>
-        <p:cNvPr id="1" name=""/>
-        <p:cNvGrpSpPr/>
-        <p:nvPr/>
-      </p:nvGrpSpPr>
-      <p:grpSpPr>
-        <a:xfrm>
-          <a:off x="0" y="0"/>
-          <a:ext cx="0" cy="0"/>
-          <a:chOff x="0" y="0"/>
-          <a:chExt cx="0" cy="0"/>
-        </a:xfrm>
-      </p:grpSpPr>
-      <p:sp>
-        <p:nvSpPr>
-          <p:cNvPr id="4" name="Rectangle 2"/>
-          <p:cNvSpPr>
-            <a:spLocks noGrp="1" noChangeArrowheads="1"/>
-          </p:cNvSpPr>
-          <p:nvPr>
-            <p:ph type="hdr" sz="quarter"/>
-          </p:nvPr>
-        </p:nvSpPr>
-        <p:spPr>
-          <a:ln/>
-        </p:spPr>
-        <p:txBody>
-          <a:bodyPr/>
-          <a:lstStyle/>
-          <a:p>
-            <a:r>
-              <a:rPr lang="en-US"/>
-              <a:t>xxxxxxxxxxxxxxx</a:t>
-            </a:r>
-          </a:p>
-        </p:txBody>
-      </p:sp>
-      <p:sp>
-        <p:nvSpPr>
-          <p:cNvPr id="5" name="Rectangle 3"/>
-          <p:cNvSpPr>
-            <a:spLocks noGrp="1" noChangeArrowheads="1"/>
-          </p:cNvSpPr>
-          <p:nvPr>
-            <p:ph type="dt" idx="1"/>
-          </p:nvPr>
-        </p:nvSpPr>
-        <p:spPr>
-          <a:ln/>
-        </p:spPr>
-        <p:txBody>
-          <a:bodyPr/>
-          <a:lstStyle/>
-          <a:p>
-            <a:fld id="{6D2115F2-323E-4739-AAA5-A0527194E8D9}" type="datetime1">
-              <a:rPr lang="en-US"/>
-              <a:pPr/>
-              <a:t>2/19/2013</a:t>
-            </a:fld>
-            <a:endParaRPr lang="en-US"/>
-          </a:p>
-        </p:txBody>
-      </p:sp>
-      <p:sp>
-        <p:nvSpPr>
-          <p:cNvPr id="6" name="Rectangle 6"/>
-          <p:cNvSpPr>
-            <a:spLocks noGrp="1" noChangeArrowheads="1"/>
-          </p:cNvSpPr>
-          <p:nvPr>
-            <p:ph type="ftr" sz="quarter" idx="4"/>
-          </p:nvPr>
-        </p:nvSpPr>
-        <p:spPr>
-          <a:ln/>
-        </p:spPr>
-        <p:txBody>
-          <a:bodyPr/>
-          <a:lstStyle/>
-          <a:p>
-            <a:r>
-              <a:rPr lang="en-US"/>
-              <a:t>xxxxxxxxxxxxx</a:t>
-            </a:r>
-          </a:p>
-        </p:txBody>
-      </p:sp>
-      <p:sp>
-        <p:nvSpPr>
-          <p:cNvPr id="7" name="Rectangle 7"/>
-          <p:cNvSpPr>
-            <a:spLocks noGrp="1" noChangeArrowheads="1"/>
-          </p:cNvSpPr>
-          <p:nvPr>
-            <p:ph type="sldNum" sz="quarter" idx="5"/>
-          </p:nvPr>
-        </p:nvSpPr>
-        <p:spPr>
-          <a:ln/>
-        </p:spPr>
-        <p:txBody>
-          <a:bodyPr/>
-          <a:lstStyle/>
-          <a:p>
-            <a:fld id="{AD2C158C-A258-478D-9F91-4BA9D35DE1F3}" type="slidenum">
-              <a:rPr lang="en-US"/>
-              <a:pPr/>
-              <a:t>9</a:t>
-            </a:fld>
-            <a:endParaRPr lang="en-US"/>
-          </a:p>
-        </p:txBody>
-      </p:sp>
-      <p:sp>
-        <p:nvSpPr>
-          <p:cNvPr id="190466" name="Rectangle 2"/>
-          <p:cNvSpPr>
-            <a:spLocks noRot="1" noChangeArrowheads="1" noTextEdit="1"/>
-          </p:cNvSpPr>
-          <p:nvPr>
-            <p:ph type="sldImg"/>
-          </p:nvPr>
-        </p:nvSpPr>
-        <p:spPr>
-          <a:ln/>
-        </p:spPr>
-      </p:sp>
-      <p:sp>
-        <p:nvSpPr>
-          <p:cNvPr id="190467" name="Rectangle 3"/>
-          <p:cNvSpPr>
-            <a:spLocks noGrp="1" noChangeArrowheads="1"/>
-          </p:cNvSpPr>
-          <p:nvPr>
-            <p:ph type="body" idx="1"/>
-          </p:nvPr>
-        </p:nvSpPr>
-        <p:spPr/>
-        <p:txBody>
-          <a:bodyPr/>
-          <a:lstStyle/>
-          <a:p>
-            <a:endParaRPr lang="nl-NL"/>
-          </a:p>
-        </p:txBody>
-      </p:sp>
-    </p:spTree>
+    <p:extLst>
+      <p:ext uri="{BB962C8B-B14F-4D97-AF65-F5344CB8AC3E}">
+        <p14:creationId xmlns:p14="http://schemas.microsoft.com/office/powerpoint/2010/main" val="2717242949"/>
+      </p:ext>
+    </p:extLst>
   </p:cSld>
   <p:clrMapOvr>
     <a:masterClrMapping/>
@@ -2671,7 +1124,7 @@
             <a:fld id="{93F21019-3A00-48AC-9663-40DF67A83229}" type="datetime1">
               <a:rPr lang="en-US"/>
               <a:pPr/>
-              <a:t>2/19/2013</a:t>
+              <a:t>12/12/2018</a:t>
             </a:fld>
             <a:endParaRPr lang="en-US">
               <a:solidFill>
@@ -2857,7 +1310,7 @@
             <a:fld id="{8B2EF9C8-0AC3-4A53-9A61-1834A571F420}" type="datetime1">
               <a:rPr lang="en-US"/>
               <a:pPr/>
-              <a:t>2/19/2013</a:t>
+              <a:t>12/12/2018</a:t>
             </a:fld>
             <a:endParaRPr lang="en-US" sz="1400">
               <a:solidFill>
@@ -3054,7 +1507,7 @@
             <a:fld id="{F02960F3-A385-4905-A491-FDC17E063DD1}" type="datetime1">
               <a:rPr lang="en-US"/>
               <a:pPr/>
-              <a:t>2/19/2013</a:t>
+              <a:t>12/12/2018</a:t>
             </a:fld>
             <a:endParaRPr lang="en-US" sz="1400">
               <a:solidFill>
@@ -3313,7 +1766,7 @@
             <a:fld id="{CD3AD70A-8E2A-47B5-AC18-ABBB5A8E737D}" type="datetime1">
               <a:rPr lang="en-US"/>
               <a:pPr/>
-              <a:t>2/19/2013</a:t>
+              <a:t>12/12/2018</a:t>
             </a:fld>
             <a:endParaRPr lang="en-US" sz="1400">
               <a:solidFill>
@@ -3549,7 +2002,7 @@
             <a:fld id="{07008C2E-9BD6-496B-BFC3-B4A975EBC85E}" type="datetime1">
               <a:rPr lang="en-US"/>
               <a:pPr/>
-              <a:t>2/19/2013</a:t>
+              <a:t>12/12/2018</a:t>
             </a:fld>
             <a:endParaRPr lang="en-US" sz="1400">
               <a:solidFill>
@@ -3728,7 +2181,7 @@
             <a:fld id="{1AA2C3CF-866C-4FDE-B76D-4E9536901630}" type="datetime1">
               <a:rPr lang="en-US"/>
               <a:pPr/>
-              <a:t>2/19/2013</a:t>
+              <a:t>12/12/2018</a:t>
             </a:fld>
             <a:endParaRPr lang="en-US" sz="1400">
               <a:solidFill>
@@ -3907,7 +2360,7 @@
             <a:fld id="{555EE259-FE08-4558-B721-B189FFE77284}" type="datetime1">
               <a:rPr lang="en-US"/>
               <a:pPr/>
-              <a:t>2/19/2013</a:t>
+              <a:t>12/12/2018</a:t>
             </a:fld>
             <a:endParaRPr lang="en-US" sz="1400">
               <a:solidFill>
@@ -4176,7 +2629,7 @@
             <a:fld id="{0AF4064E-5624-49AB-B7C6-E301A8F6B1FF}" type="datetime1">
               <a:rPr lang="en-US"/>
               <a:pPr/>
-              <a:t>2/19/2013</a:t>
+              <a:t>12/12/2018</a:t>
             </a:fld>
             <a:endParaRPr lang="en-US" sz="1400">
               <a:solidFill>
@@ -4373,7 +2826,7 @@
             <a:fld id="{CBC97FCD-6C54-4833-B032-BFBCDFA8379D}" type="datetime1">
               <a:rPr lang="en-US"/>
               <a:pPr/>
-              <a:t>2/19/2013</a:t>
+              <a:t>12/12/2018</a:t>
             </a:fld>
             <a:endParaRPr lang="en-US" sz="1400">
               <a:solidFill>
@@ -4582,7 +3035,7 @@
             <a:fld id="{F04AA577-515A-431F-98B6-3B03494ABB11}" type="datetime1">
               <a:rPr lang="en-US"/>
               <a:pPr/>
-              <a:t>2/19/2013</a:t>
+              <a:t>12/12/2018</a:t>
             </a:fld>
             <a:endParaRPr lang="en-US" sz="1400">
               <a:solidFill>
@@ -4887,7 +3340,7 @@
             <a:fld id="{6475F1A4-C474-4345-A800-2F40B0E4E70C}" type="datetime1">
               <a:rPr lang="en-US"/>
               <a:pPr/>
-              <a:t>2/19/2013</a:t>
+              <a:t>12/12/2018</a:t>
             </a:fld>
             <a:endParaRPr lang="en-US" sz="1400">
               <a:solidFill>
@@ -5331,7 +3784,7 @@
             <a:fld id="{7BA535AB-820E-4207-9DA8-5F37106C7AF4}" type="datetime1">
               <a:rPr lang="en-US"/>
               <a:pPr/>
-              <a:t>2/19/2013</a:t>
+              <a:t>12/12/2018</a:t>
             </a:fld>
             <a:endParaRPr lang="en-US" sz="1400">
               <a:solidFill>
@@ -5466,7 +3919,7 @@
             <a:fld id="{0A7E69FA-D7EE-42C0-9117-1971B541885F}" type="datetime1">
               <a:rPr lang="en-US"/>
               <a:pPr/>
-              <a:t>2/19/2013</a:t>
+              <a:t>12/12/2018</a:t>
             </a:fld>
             <a:endParaRPr lang="en-US" sz="1400">
               <a:solidFill>
@@ -5578,7 +4031,7 @@
             <a:fld id="{10D7644E-1B5D-4325-BA79-338DF2B89B56}" type="datetime1">
               <a:rPr lang="en-US"/>
               <a:pPr/>
-              <a:t>2/19/2013</a:t>
+              <a:t>12/12/2018</a:t>
             </a:fld>
             <a:endParaRPr lang="en-US" sz="1400">
               <a:solidFill>
@@ -5872,7 +4325,7 @@
             <a:fld id="{B790C882-0B74-4932-8998-E9ABB8AF1740}" type="datetime1">
               <a:rPr lang="en-US"/>
               <a:pPr/>
-              <a:t>2/19/2013</a:t>
+              <a:t>12/12/2018</a:t>
             </a:fld>
             <a:endParaRPr lang="en-US" sz="1400">
               <a:solidFill>
@@ -6142,7 +4595,7 @@
             <a:fld id="{9DC585DC-AE7D-44C1-90AB-C3A391DEA065}" type="datetime1">
               <a:rPr lang="en-US"/>
               <a:pPr/>
-              <a:t>2/19/2013</a:t>
+              <a:t>12/12/2018</a:t>
             </a:fld>
             <a:endParaRPr lang="en-US" sz="1400">
               <a:solidFill>
@@ -6406,7 +4859,7 @@
             <a:fld id="{256CE565-1940-4E5F-9190-C0815CEAAA9D}" type="datetime1">
               <a:rPr lang="en-US"/>
               <a:pPr/>
-              <a:t>2/19/2013</a:t>
+              <a:t>12/12/2018</a:t>
             </a:fld>
             <a:endParaRPr lang="en-US"/>
           </a:p>
@@ -6976,15 +5429,71 @@
             <p:ph type="ctrTitle"/>
           </p:nvPr>
         </p:nvSpPr>
-        <p:spPr/>
+        <p:spPr>
+          <a:xfrm>
+            <a:off x="1798638" y="2286000"/>
+            <a:ext cx="6583362" cy="2492990"/>
+          </a:xfrm>
+        </p:spPr>
         <p:txBody>
           <a:bodyPr/>
           <a:lstStyle/>
           <a:p>
             <a:r>
-              <a:rPr lang="en-US"/>
-              <a:t>HU powerpoint-presentatie</a:t>
-            </a:r>
+              <a:rPr lang="en-US" dirty="0" smtClean="0"/>
+              <a:t>Data-driven learning</a:t>
+            </a:r>
+            <a:br>
+              <a:rPr lang="en-US" dirty="0" smtClean="0"/>
+            </a:br>
+            <a:r>
+              <a:rPr lang="en-US" sz="2400" dirty="0" smtClean="0"/>
+              <a:t>W6 L2</a:t>
+            </a:r>
+            <a:r>
+              <a:rPr lang="en-US" sz="2400" dirty="0" smtClean="0"/>
+              <a:t>:</a:t>
+            </a:r>
+            <a:br>
+              <a:rPr lang="en-US" sz="2400" dirty="0" smtClean="0"/>
+            </a:br>
+            <a:r>
+              <a:rPr lang="en-US" sz="2000" dirty="0" smtClean="0"/>
+              <a:t>Machine learning: supervised learning</a:t>
+            </a:r>
+            <a:r>
+              <a:rPr lang="en-US" sz="2000" dirty="0" smtClean="0"/>
+              <a:t/>
+            </a:r>
+            <a:br>
+              <a:rPr lang="en-US" sz="2000" dirty="0" smtClean="0"/>
+            </a:br>
+            <a:r>
+              <a:rPr lang="en-US" sz="2000" dirty="0" smtClean="0"/>
+              <a:t>Decision trees and Random Forest</a:t>
+            </a:r>
+            <a:br>
+              <a:rPr lang="en-US" sz="2000" dirty="0" smtClean="0"/>
+            </a:br>
+            <a:r>
+              <a:rPr lang="en-US" sz="2000" dirty="0" smtClean="0"/>
+              <a:t>Logistic regression</a:t>
+            </a:r>
+            <a:r>
+              <a:rPr lang="en-US" sz="2400" dirty="0" smtClean="0"/>
+              <a:t/>
+            </a:r>
+            <a:br>
+              <a:rPr lang="en-US" sz="2400" dirty="0" smtClean="0"/>
+            </a:br>
+            <a:r>
+              <a:rPr lang="en-US" sz="2000" dirty="0" smtClean="0"/>
+              <a:t/>
+            </a:r>
+            <a:br>
+              <a:rPr lang="en-US" sz="2000" dirty="0" smtClean="0"/>
+            </a:br>
+            <a:endParaRPr lang="en-US" sz="2000" dirty="0"/>
           </a:p>
         </p:txBody>
       </p:sp>
@@ -7001,1682 +5510,39 @@
         <p:spPr>
           <a:xfrm>
             <a:off x="1798638" y="3886200"/>
-            <a:ext cx="6583362" cy="336550"/>
+            <a:ext cx="6583362" cy="1569660"/>
           </a:xfrm>
         </p:spPr>
         <p:txBody>
           <a:bodyPr/>
           <a:lstStyle/>
           <a:p>
-            <a:r>
-              <a:rPr lang="en-US"/>
-              <a:t>Voorbeelden en suggesties</a:t>
-            </a:r>
+            <a:endParaRPr lang="en-US" dirty="0" smtClean="0"/>
+          </a:p>
+          <a:p>
+            <a:endParaRPr lang="en-US" dirty="0"/>
+          </a:p>
+          <a:p>
+            <a:endParaRPr lang="en-US" dirty="0" smtClean="0"/>
+          </a:p>
+          <a:p>
+            <a:endParaRPr lang="en-US" dirty="0"/>
+          </a:p>
+          <a:p>
+            <a:r>
+              <a:rPr lang="en-US" dirty="0" smtClean="0"/>
+              <a:t>Jonas Moons</a:t>
+            </a:r>
+            <a:endParaRPr lang="en-US" dirty="0"/>
           </a:p>
         </p:txBody>
       </p:sp>
     </p:spTree>
-  </p:cSld>
-  <p:clrMapOvr>
-    <a:masterClrMapping/>
-  </p:clrMapOvr>
-  <p:timing>
-    <p:tnLst>
-      <p:par>
-        <p:cTn id="1" dur="indefinite" restart="never" nodeType="tmRoot"/>
-      </p:par>
-    </p:tnLst>
-  </p:timing>
-</p:sld>
-</file>
-
-<file path=ppt/slides/slide10.xml><?xml version="1.0" encoding="utf-8"?>
-<p:sld xmlns:a="http://schemas.openxmlformats.org/drawingml/2006/main" xmlns:r="http://schemas.openxmlformats.org/officeDocument/2006/relationships" xmlns:p="http://schemas.openxmlformats.org/presentationml/2006/main">
-  <p:cSld>
-    <p:spTree>
-      <p:nvGrpSpPr>
-        <p:cNvPr id="1" name=""/>
-        <p:cNvGrpSpPr/>
-        <p:nvPr/>
-      </p:nvGrpSpPr>
-      <p:grpSpPr>
-        <a:xfrm>
-          <a:off x="0" y="0"/>
-          <a:ext cx="0" cy="0"/>
-          <a:chOff x="0" y="0"/>
-          <a:chExt cx="0" cy="0"/>
-        </a:xfrm>
-      </p:grpSpPr>
-      <p:sp>
-        <p:nvSpPr>
-          <p:cNvPr id="176130" name="Rectangle 2"/>
-          <p:cNvSpPr>
-            <a:spLocks noGrp="1" noChangeArrowheads="1"/>
-          </p:cNvSpPr>
-          <p:nvPr>
-            <p:ph type="title"/>
-          </p:nvPr>
-        </p:nvSpPr>
-        <p:spPr/>
-        <p:txBody>
-          <a:bodyPr/>
-          <a:lstStyle/>
-          <a:p>
-            <a:r>
-              <a:rPr lang="en-US"/>
-              <a:t>HU ppt [tabel]</a:t>
-            </a:r>
-          </a:p>
-        </p:txBody>
-      </p:sp>
-      <p:graphicFrame>
-        <p:nvGraphicFramePr>
-          <p:cNvPr id="176488" name="Group 360"/>
-          <p:cNvGraphicFramePr>
-            <a:graphicFrameLocks noGrp="1"/>
-          </p:cNvGraphicFramePr>
-          <p:nvPr>
-            <p:ph type="tbl" idx="1"/>
-          </p:nvPr>
-        </p:nvGraphicFramePr>
-        <p:xfrm>
-          <a:off x="762000" y="1762125"/>
-          <a:ext cx="7620000" cy="2540002"/>
-        </p:xfrm>
-        <a:graphic>
-          <a:graphicData uri="http://schemas.openxmlformats.org/drawingml/2006/table">
-            <a:tbl>
-              <a:tblPr/>
-              <a:tblGrid>
-                <a:gridCol w="1905000"/>
-                <a:gridCol w="1905000"/>
-                <a:gridCol w="1905000"/>
-                <a:gridCol w="1905000"/>
-              </a:tblGrid>
-              <a:tr h="636588">
-                <a:tc>
-                  <a:txBody>
-                    <a:bodyPr/>
-                    <a:lstStyle/>
-                    <a:p>
-                      <a:pPr marL="0" marR="0" lvl="0" indent="0" algn="l" defTabSz="914400" rtl="0" eaLnBrk="1" fontAlgn="base" latinLnBrk="0" hangingPunct="1">
-                        <a:lnSpc>
-                          <a:spcPct val="100000"/>
-                        </a:lnSpc>
-                        <a:spcBef>
-                          <a:spcPct val="20000"/>
-                        </a:spcBef>
-                        <a:spcAft>
-                          <a:spcPct val="0"/>
-                        </a:spcAft>
-                        <a:buClr>
-                          <a:srgbClr val="ED0010"/>
-                        </a:buClr>
-                        <a:buSzPct val="60000"/>
-                        <a:buFont typeface="Zapf Dingbats" charset="2"/>
-                        <a:buNone/>
-                        <a:tabLst/>
-                      </a:pPr>
-                      <a:endParaRPr kumimoji="0" lang="nl-NL" sz="2400" b="0" i="0" u="none" strike="noStrike" cap="none" normalizeH="0" baseline="0" smtClean="0">
-                        <a:ln>
-                          <a:noFill/>
-                        </a:ln>
-                        <a:solidFill>
-                          <a:srgbClr val="000000"/>
-                        </a:solidFill>
-                        <a:effectLst/>
-                        <a:latin typeface="Arial" charset="0"/>
-                      </a:endParaRPr>
-                    </a:p>
-                  </a:txBody>
-                  <a:tcPr horzOverflow="overflow">
-                    <a:lnL w="12700" cap="flat" cmpd="sng" algn="ctr">
-                      <a:solidFill>
-                        <a:schemeClr val="bg1"/>
-                      </a:solidFill>
-                      <a:prstDash val="solid"/>
-                      <a:round/>
-                      <a:headEnd type="none" w="med" len="med"/>
-                      <a:tailEnd type="none" w="med" len="med"/>
-                    </a:lnL>
-                    <a:lnR w="28575" cap="flat" cmpd="sng" algn="ctr">
-                      <a:solidFill>
-                        <a:schemeClr val="bg1"/>
-                      </a:solidFill>
-                      <a:prstDash val="solid"/>
-                      <a:round/>
-                      <a:headEnd type="none" w="med" len="med"/>
-                      <a:tailEnd type="none" w="med" len="med"/>
-                    </a:lnR>
-                    <a:lnT w="12700" cap="flat" cmpd="sng" algn="ctr">
-                      <a:solidFill>
-                        <a:schemeClr val="bg1"/>
-                      </a:solidFill>
-                      <a:prstDash val="solid"/>
-                      <a:round/>
-                      <a:headEnd type="none" w="med" len="med"/>
-                      <a:tailEnd type="none" w="med" len="med"/>
-                    </a:lnT>
-                    <a:lnB w="28575" cap="flat" cmpd="sng" algn="ctr">
-                      <a:solidFill>
-                        <a:schemeClr val="bg1"/>
-                      </a:solidFill>
-                      <a:prstDash val="solid"/>
-                      <a:round/>
-                      <a:headEnd type="none" w="med" len="med"/>
-                      <a:tailEnd type="none" w="med" len="med"/>
-                    </a:lnB>
-                    <a:lnTlToBr>
-                      <a:noFill/>
-                    </a:lnTlToBr>
-                    <a:lnBlToTr>
-                      <a:noFill/>
-                    </a:lnBlToTr>
-                    <a:solidFill>
-                      <a:schemeClr val="accent1"/>
-                    </a:solidFill>
-                  </a:tcPr>
-                </a:tc>
-                <a:tc>
-                  <a:txBody>
-                    <a:bodyPr/>
-                    <a:lstStyle/>
-                    <a:p>
-                      <a:pPr marL="0" marR="0" lvl="0" indent="0" algn="l" defTabSz="914400" rtl="0" eaLnBrk="1" fontAlgn="base" latinLnBrk="0" hangingPunct="1">
-                        <a:lnSpc>
-                          <a:spcPct val="100000"/>
-                        </a:lnSpc>
-                        <a:spcBef>
-                          <a:spcPct val="20000"/>
-                        </a:spcBef>
-                        <a:spcAft>
-                          <a:spcPct val="0"/>
-                        </a:spcAft>
-                        <a:buClr>
-                          <a:srgbClr val="ED0010"/>
-                        </a:buClr>
-                        <a:buSzPct val="60000"/>
-                        <a:buFont typeface="Zapf Dingbats" charset="2"/>
-                        <a:buNone/>
-                        <a:tabLst/>
-                      </a:pPr>
-                      <a:r>
-                        <a:rPr kumimoji="0" lang="en-US" sz="2400" b="1" i="0" u="none" strike="noStrike" cap="none" normalizeH="0" baseline="0" smtClean="0">
-                          <a:ln>
-                            <a:noFill/>
-                          </a:ln>
-                          <a:solidFill>
-                            <a:srgbClr val="000000"/>
-                          </a:solidFill>
-                          <a:effectLst/>
-                          <a:latin typeface="Arial" charset="0"/>
-                        </a:rPr>
-                        <a:t>Instituut</a:t>
-                      </a:r>
-                      <a:endParaRPr kumimoji="0" lang="en-US" sz="2400" b="0" i="0" u="none" strike="noStrike" cap="none" normalizeH="0" baseline="0" smtClean="0">
-                        <a:ln>
-                          <a:noFill/>
-                        </a:ln>
-                        <a:solidFill>
-                          <a:srgbClr val="000000"/>
-                        </a:solidFill>
-                        <a:effectLst/>
-                        <a:latin typeface="Arial" charset="0"/>
-                      </a:endParaRPr>
-                    </a:p>
-                  </a:txBody>
-                  <a:tcPr horzOverflow="overflow">
-                    <a:lnL w="28575" cap="flat" cmpd="sng" algn="ctr">
-                      <a:solidFill>
-                        <a:schemeClr val="bg1"/>
-                      </a:solidFill>
-                      <a:prstDash val="solid"/>
-                      <a:round/>
-                      <a:headEnd type="none" w="med" len="med"/>
-                      <a:tailEnd type="none" w="med" len="med"/>
-                    </a:lnL>
-                    <a:lnR w="28575" cap="flat" cmpd="sng" algn="ctr">
-                      <a:solidFill>
-                        <a:schemeClr val="bg1"/>
-                      </a:solidFill>
-                      <a:prstDash val="solid"/>
-                      <a:round/>
-                      <a:headEnd type="none" w="med" len="med"/>
-                      <a:tailEnd type="none" w="med" len="med"/>
-                    </a:lnR>
-                    <a:lnT w="12700" cap="flat" cmpd="sng" algn="ctr">
-                      <a:solidFill>
-                        <a:schemeClr val="bg1"/>
-                      </a:solidFill>
-                      <a:prstDash val="solid"/>
-                      <a:round/>
-                      <a:headEnd type="none" w="med" len="med"/>
-                      <a:tailEnd type="none" w="med" len="med"/>
-                    </a:lnT>
-                    <a:lnB w="28575" cap="flat" cmpd="sng" algn="ctr">
-                      <a:solidFill>
-                        <a:schemeClr val="bg1"/>
-                      </a:solidFill>
-                      <a:prstDash val="solid"/>
-                      <a:round/>
-                      <a:headEnd type="none" w="med" len="med"/>
-                      <a:tailEnd type="none" w="med" len="med"/>
-                    </a:lnB>
-                    <a:lnTlToBr>
-                      <a:noFill/>
-                    </a:lnTlToBr>
-                    <a:lnBlToTr>
-                      <a:noFill/>
-                    </a:lnBlToTr>
-                    <a:solidFill>
-                      <a:schemeClr val="accent1"/>
-                    </a:solidFill>
-                  </a:tcPr>
-                </a:tc>
-                <a:tc>
-                  <a:txBody>
-                    <a:bodyPr/>
-                    <a:lstStyle/>
-                    <a:p>
-                      <a:pPr marL="0" marR="0" lvl="0" indent="0" algn="l" defTabSz="914400" rtl="0" eaLnBrk="1" fontAlgn="base" latinLnBrk="0" hangingPunct="1">
-                        <a:lnSpc>
-                          <a:spcPct val="100000"/>
-                        </a:lnSpc>
-                        <a:spcBef>
-                          <a:spcPct val="20000"/>
-                        </a:spcBef>
-                        <a:spcAft>
-                          <a:spcPct val="0"/>
-                        </a:spcAft>
-                        <a:buClr>
-                          <a:srgbClr val="ED0010"/>
-                        </a:buClr>
-                        <a:buSzPct val="60000"/>
-                        <a:buFont typeface="Zapf Dingbats" charset="2"/>
-                        <a:buNone/>
-                        <a:tabLst/>
-                      </a:pPr>
-                      <a:r>
-                        <a:rPr kumimoji="0" lang="en-US" sz="2400" b="1" i="0" u="none" strike="noStrike" cap="none" normalizeH="0" baseline="0" smtClean="0">
-                          <a:ln>
-                            <a:noFill/>
-                          </a:ln>
-                          <a:solidFill>
-                            <a:srgbClr val="000000"/>
-                          </a:solidFill>
-                          <a:effectLst/>
-                          <a:latin typeface="Arial" charset="0"/>
-                        </a:rPr>
-                        <a:t>academie</a:t>
-                      </a:r>
-                    </a:p>
-                  </a:txBody>
-                  <a:tcPr horzOverflow="overflow">
-                    <a:lnL w="28575" cap="flat" cmpd="sng" algn="ctr">
-                      <a:solidFill>
-                        <a:schemeClr val="bg1"/>
-                      </a:solidFill>
-                      <a:prstDash val="solid"/>
-                      <a:round/>
-                      <a:headEnd type="none" w="med" len="med"/>
-                      <a:tailEnd type="none" w="med" len="med"/>
-                    </a:lnL>
-                    <a:lnR w="28575" cap="flat" cmpd="sng" algn="ctr">
-                      <a:solidFill>
-                        <a:schemeClr val="bg1"/>
-                      </a:solidFill>
-                      <a:prstDash val="solid"/>
-                      <a:round/>
-                      <a:headEnd type="none" w="med" len="med"/>
-                      <a:tailEnd type="none" w="med" len="med"/>
-                    </a:lnR>
-                    <a:lnT w="12700" cap="flat" cmpd="sng" algn="ctr">
-                      <a:solidFill>
-                        <a:schemeClr val="bg1"/>
-                      </a:solidFill>
-                      <a:prstDash val="solid"/>
-                      <a:round/>
-                      <a:headEnd type="none" w="med" len="med"/>
-                      <a:tailEnd type="none" w="med" len="med"/>
-                    </a:lnT>
-                    <a:lnB w="28575" cap="flat" cmpd="sng" algn="ctr">
-                      <a:solidFill>
-                        <a:schemeClr val="bg1"/>
-                      </a:solidFill>
-                      <a:prstDash val="solid"/>
-                      <a:round/>
-                      <a:headEnd type="none" w="med" len="med"/>
-                      <a:tailEnd type="none" w="med" len="med"/>
-                    </a:lnB>
-                    <a:lnTlToBr>
-                      <a:noFill/>
-                    </a:lnTlToBr>
-                    <a:lnBlToTr>
-                      <a:noFill/>
-                    </a:lnBlToTr>
-                    <a:solidFill>
-                      <a:schemeClr val="accent1"/>
-                    </a:solidFill>
-                  </a:tcPr>
-                </a:tc>
-                <a:tc>
-                  <a:txBody>
-                    <a:bodyPr/>
-                    <a:lstStyle/>
-                    <a:p>
-                      <a:pPr marL="0" marR="0" lvl="0" indent="0" algn="l" defTabSz="914400" rtl="0" eaLnBrk="1" fontAlgn="base" latinLnBrk="0" hangingPunct="1">
-                        <a:lnSpc>
-                          <a:spcPct val="100000"/>
-                        </a:lnSpc>
-                        <a:spcBef>
-                          <a:spcPct val="20000"/>
-                        </a:spcBef>
-                        <a:spcAft>
-                          <a:spcPct val="0"/>
-                        </a:spcAft>
-                        <a:buClr>
-                          <a:srgbClr val="ED0010"/>
-                        </a:buClr>
-                        <a:buSzPct val="60000"/>
-                        <a:buFont typeface="Zapf Dingbats" charset="2"/>
-                        <a:buNone/>
-                        <a:tabLst/>
-                      </a:pPr>
-                      <a:r>
-                        <a:rPr kumimoji="0" lang="en-US" sz="2400" b="1" i="0" u="none" strike="noStrike" cap="none" normalizeH="0" baseline="0" smtClean="0">
-                          <a:ln>
-                            <a:noFill/>
-                          </a:ln>
-                          <a:solidFill>
-                            <a:srgbClr val="000000"/>
-                          </a:solidFill>
-                          <a:effectLst/>
-                          <a:latin typeface="Arial" charset="0"/>
-                        </a:rPr>
-                        <a:t>centrum</a:t>
-                      </a:r>
-                    </a:p>
-                  </a:txBody>
-                  <a:tcPr horzOverflow="overflow">
-                    <a:lnL w="28575" cap="flat" cmpd="sng" algn="ctr">
-                      <a:solidFill>
-                        <a:schemeClr val="bg1"/>
-                      </a:solidFill>
-                      <a:prstDash val="solid"/>
-                      <a:round/>
-                      <a:headEnd type="none" w="med" len="med"/>
-                      <a:tailEnd type="none" w="med" len="med"/>
-                    </a:lnL>
-                    <a:lnR w="12700" cap="flat" cmpd="sng" algn="ctr">
-                      <a:solidFill>
-                        <a:schemeClr val="bg1"/>
-                      </a:solidFill>
-                      <a:prstDash val="solid"/>
-                      <a:round/>
-                      <a:headEnd type="none" w="med" len="med"/>
-                      <a:tailEnd type="none" w="med" len="med"/>
-                    </a:lnR>
-                    <a:lnT w="12700" cap="flat" cmpd="sng" algn="ctr">
-                      <a:solidFill>
-                        <a:schemeClr val="bg1"/>
-                      </a:solidFill>
-                      <a:prstDash val="solid"/>
-                      <a:round/>
-                      <a:headEnd type="none" w="med" len="med"/>
-                      <a:tailEnd type="none" w="med" len="med"/>
-                    </a:lnT>
-                    <a:lnB w="28575" cap="flat" cmpd="sng" algn="ctr">
-                      <a:solidFill>
-                        <a:schemeClr val="bg1"/>
-                      </a:solidFill>
-                      <a:prstDash val="solid"/>
-                      <a:round/>
-                      <a:headEnd type="none" w="med" len="med"/>
-                      <a:tailEnd type="none" w="med" len="med"/>
-                    </a:lnB>
-                    <a:lnTlToBr>
-                      <a:noFill/>
-                    </a:lnTlToBr>
-                    <a:lnBlToTr>
-                      <a:noFill/>
-                    </a:lnBlToTr>
-                    <a:solidFill>
-                      <a:schemeClr val="accent1"/>
-                    </a:solidFill>
-                  </a:tcPr>
-                </a:tc>
-              </a:tr>
-              <a:tr h="633413">
-                <a:tc>
-                  <a:txBody>
-                    <a:bodyPr/>
-                    <a:lstStyle/>
-                    <a:p>
-                      <a:pPr marL="0" marR="0" lvl="0" indent="0" algn="l" defTabSz="914400" rtl="0" eaLnBrk="1" fontAlgn="base" latinLnBrk="0" hangingPunct="1">
-                        <a:lnSpc>
-                          <a:spcPct val="100000"/>
-                        </a:lnSpc>
-                        <a:spcBef>
-                          <a:spcPct val="20000"/>
-                        </a:spcBef>
-                        <a:spcAft>
-                          <a:spcPct val="0"/>
-                        </a:spcAft>
-                        <a:buClr>
-                          <a:srgbClr val="ED0010"/>
-                        </a:buClr>
-                        <a:buSzPct val="60000"/>
-                        <a:buFont typeface="Zapf Dingbats" charset="2"/>
-                        <a:buNone/>
-                        <a:tabLst/>
-                      </a:pPr>
-                      <a:r>
-                        <a:rPr kumimoji="0" lang="en-US" sz="2400" b="1" i="0" u="none" strike="noStrike" cap="none" normalizeH="0" baseline="0" smtClean="0">
-                          <a:ln>
-                            <a:noFill/>
-                          </a:ln>
-                          <a:solidFill>
-                            <a:srgbClr val="000000"/>
-                          </a:solidFill>
-                          <a:effectLst/>
-                          <a:latin typeface="Arial" charset="0"/>
-                        </a:rPr>
-                        <a:t>2003</a:t>
-                      </a:r>
-                      <a:endParaRPr kumimoji="0" lang="en-US" sz="2400" b="0" i="0" u="none" strike="noStrike" cap="none" normalizeH="0" baseline="0" smtClean="0">
-                        <a:ln>
-                          <a:noFill/>
-                        </a:ln>
-                        <a:solidFill>
-                          <a:srgbClr val="000000"/>
-                        </a:solidFill>
-                        <a:effectLst/>
-                        <a:latin typeface="Arial" charset="0"/>
-                      </a:endParaRPr>
-                    </a:p>
-                  </a:txBody>
-                  <a:tcPr horzOverflow="overflow">
-                    <a:lnL w="12700" cap="flat" cmpd="sng" algn="ctr">
-                      <a:solidFill>
-                        <a:schemeClr val="bg1"/>
-                      </a:solidFill>
-                      <a:prstDash val="solid"/>
-                      <a:round/>
-                      <a:headEnd type="none" w="med" len="med"/>
-                      <a:tailEnd type="none" w="med" len="med"/>
-                    </a:lnL>
-                    <a:lnR w="28575" cap="flat" cmpd="sng" algn="ctr">
-                      <a:solidFill>
-                        <a:schemeClr val="bg1"/>
-                      </a:solidFill>
-                      <a:prstDash val="solid"/>
-                      <a:round/>
-                      <a:headEnd type="none" w="med" len="med"/>
-                      <a:tailEnd type="none" w="med" len="med"/>
-                    </a:lnR>
-                    <a:lnT w="28575" cap="flat" cmpd="sng" algn="ctr">
-                      <a:solidFill>
-                        <a:schemeClr val="bg1"/>
-                      </a:solidFill>
-                      <a:prstDash val="solid"/>
-                      <a:round/>
-                      <a:headEnd type="none" w="med" len="med"/>
-                      <a:tailEnd type="none" w="med" len="med"/>
-                    </a:lnT>
-                    <a:lnB w="28575" cap="flat" cmpd="sng" algn="ctr">
-                      <a:solidFill>
-                        <a:schemeClr val="bg1"/>
-                      </a:solidFill>
-                      <a:prstDash val="solid"/>
-                      <a:round/>
-                      <a:headEnd type="none" w="med" len="med"/>
-                      <a:tailEnd type="none" w="med" len="med"/>
-                    </a:lnB>
-                    <a:lnTlToBr>
-                      <a:noFill/>
-                    </a:lnTlToBr>
-                    <a:lnBlToTr>
-                      <a:noFill/>
-                    </a:lnBlToTr>
-                    <a:solidFill>
-                      <a:schemeClr val="accent1"/>
-                    </a:solidFill>
-                  </a:tcPr>
-                </a:tc>
-                <a:tc>
-                  <a:txBody>
-                    <a:bodyPr/>
-                    <a:lstStyle/>
-                    <a:p>
-                      <a:pPr marL="0" marR="0" lvl="0" indent="0" algn="l" defTabSz="914400" rtl="0" eaLnBrk="1" fontAlgn="base" latinLnBrk="0" hangingPunct="1">
-                        <a:lnSpc>
-                          <a:spcPct val="100000"/>
-                        </a:lnSpc>
-                        <a:spcBef>
-                          <a:spcPct val="20000"/>
-                        </a:spcBef>
-                        <a:spcAft>
-                          <a:spcPct val="0"/>
-                        </a:spcAft>
-                        <a:buClr>
-                          <a:srgbClr val="ED0010"/>
-                        </a:buClr>
-                        <a:buSzPct val="60000"/>
-                        <a:buFont typeface="Zapf Dingbats" charset="2"/>
-                        <a:buNone/>
-                        <a:tabLst/>
-                      </a:pPr>
-                      <a:r>
-                        <a:rPr kumimoji="0" lang="en-US" sz="2400" b="0" i="0" u="none" strike="noStrike" cap="none" normalizeH="0" baseline="0" smtClean="0">
-                          <a:ln>
-                            <a:noFill/>
-                          </a:ln>
-                          <a:solidFill>
-                            <a:srgbClr val="000000"/>
-                          </a:solidFill>
-                          <a:effectLst/>
-                          <a:latin typeface="Arial" charset="0"/>
-                        </a:rPr>
-                        <a:t>30%</a:t>
-                      </a:r>
-                    </a:p>
-                  </a:txBody>
-                  <a:tcPr horzOverflow="overflow">
-                    <a:lnL w="28575" cap="flat" cmpd="sng" algn="ctr">
-                      <a:solidFill>
-                        <a:schemeClr val="bg1"/>
-                      </a:solidFill>
-                      <a:prstDash val="solid"/>
-                      <a:round/>
-                      <a:headEnd type="none" w="med" len="med"/>
-                      <a:tailEnd type="none" w="med" len="med"/>
-                    </a:lnL>
-                    <a:lnR w="28575" cap="flat" cmpd="sng" algn="ctr">
-                      <a:solidFill>
-                        <a:schemeClr val="bg1"/>
-                      </a:solidFill>
-                      <a:prstDash val="solid"/>
-                      <a:round/>
-                      <a:headEnd type="none" w="med" len="med"/>
-                      <a:tailEnd type="none" w="med" len="med"/>
-                    </a:lnR>
-                    <a:lnT w="28575" cap="flat" cmpd="sng" algn="ctr">
-                      <a:solidFill>
-                        <a:schemeClr val="bg1"/>
-                      </a:solidFill>
-                      <a:prstDash val="solid"/>
-                      <a:round/>
-                      <a:headEnd type="none" w="med" len="med"/>
-                      <a:tailEnd type="none" w="med" len="med"/>
-                    </a:lnT>
-                    <a:lnB w="28575" cap="flat" cmpd="sng" algn="ctr">
-                      <a:solidFill>
-                        <a:schemeClr val="bg1"/>
-                      </a:solidFill>
-                      <a:prstDash val="solid"/>
-                      <a:round/>
-                      <a:headEnd type="none" w="med" len="med"/>
-                      <a:tailEnd type="none" w="med" len="med"/>
-                    </a:lnB>
-                    <a:lnTlToBr>
-                      <a:noFill/>
-                    </a:lnTlToBr>
-                    <a:lnBlToTr>
-                      <a:noFill/>
-                    </a:lnBlToTr>
-                    <a:solidFill>
-                      <a:schemeClr val="accent1"/>
-                    </a:solidFill>
-                  </a:tcPr>
-                </a:tc>
-                <a:tc>
-                  <a:txBody>
-                    <a:bodyPr/>
-                    <a:lstStyle/>
-                    <a:p>
-                      <a:pPr marL="0" marR="0" lvl="0" indent="0" algn="l" defTabSz="914400" rtl="0" eaLnBrk="1" fontAlgn="base" latinLnBrk="0" hangingPunct="1">
-                        <a:lnSpc>
-                          <a:spcPct val="100000"/>
-                        </a:lnSpc>
-                        <a:spcBef>
-                          <a:spcPct val="20000"/>
-                        </a:spcBef>
-                        <a:spcAft>
-                          <a:spcPct val="0"/>
-                        </a:spcAft>
-                        <a:buClr>
-                          <a:srgbClr val="ED0010"/>
-                        </a:buClr>
-                        <a:buSzPct val="60000"/>
-                        <a:buFont typeface="Zapf Dingbats" charset="2"/>
-                        <a:buNone/>
-                        <a:tabLst/>
-                      </a:pPr>
-                      <a:r>
-                        <a:rPr kumimoji="0" lang="en-US" sz="2400" b="0" i="0" u="none" strike="noStrike" cap="none" normalizeH="0" baseline="0" smtClean="0">
-                          <a:ln>
-                            <a:noFill/>
-                          </a:ln>
-                          <a:solidFill>
-                            <a:srgbClr val="000000"/>
-                          </a:solidFill>
-                          <a:effectLst/>
-                          <a:latin typeface="Arial" charset="0"/>
-                        </a:rPr>
-                        <a:t>28%</a:t>
-                      </a:r>
-                    </a:p>
-                  </a:txBody>
-                  <a:tcPr horzOverflow="overflow">
-                    <a:lnL w="28575" cap="flat" cmpd="sng" algn="ctr">
-                      <a:solidFill>
-                        <a:schemeClr val="bg1"/>
-                      </a:solidFill>
-                      <a:prstDash val="solid"/>
-                      <a:round/>
-                      <a:headEnd type="none" w="med" len="med"/>
-                      <a:tailEnd type="none" w="med" len="med"/>
-                    </a:lnL>
-                    <a:lnR w="28575" cap="flat" cmpd="sng" algn="ctr">
-                      <a:solidFill>
-                        <a:schemeClr val="bg1"/>
-                      </a:solidFill>
-                      <a:prstDash val="solid"/>
-                      <a:round/>
-                      <a:headEnd type="none" w="med" len="med"/>
-                      <a:tailEnd type="none" w="med" len="med"/>
-                    </a:lnR>
-                    <a:lnT w="28575" cap="flat" cmpd="sng" algn="ctr">
-                      <a:solidFill>
-                        <a:schemeClr val="bg1"/>
-                      </a:solidFill>
-                      <a:prstDash val="solid"/>
-                      <a:round/>
-                      <a:headEnd type="none" w="med" len="med"/>
-                      <a:tailEnd type="none" w="med" len="med"/>
-                    </a:lnT>
-                    <a:lnB w="28575" cap="flat" cmpd="sng" algn="ctr">
-                      <a:solidFill>
-                        <a:schemeClr val="bg1"/>
-                      </a:solidFill>
-                      <a:prstDash val="solid"/>
-                      <a:round/>
-                      <a:headEnd type="none" w="med" len="med"/>
-                      <a:tailEnd type="none" w="med" len="med"/>
-                    </a:lnB>
-                    <a:lnTlToBr>
-                      <a:noFill/>
-                    </a:lnTlToBr>
-                    <a:lnBlToTr>
-                      <a:noFill/>
-                    </a:lnBlToTr>
-                    <a:solidFill>
-                      <a:schemeClr val="accent1"/>
-                    </a:solidFill>
-                  </a:tcPr>
-                </a:tc>
-                <a:tc>
-                  <a:txBody>
-                    <a:bodyPr/>
-                    <a:lstStyle/>
-                    <a:p>
-                      <a:pPr marL="0" marR="0" lvl="0" indent="0" algn="l" defTabSz="914400" rtl="0" eaLnBrk="1" fontAlgn="base" latinLnBrk="0" hangingPunct="1">
-                        <a:lnSpc>
-                          <a:spcPct val="100000"/>
-                        </a:lnSpc>
-                        <a:spcBef>
-                          <a:spcPct val="20000"/>
-                        </a:spcBef>
-                        <a:spcAft>
-                          <a:spcPct val="0"/>
-                        </a:spcAft>
-                        <a:buClr>
-                          <a:srgbClr val="ED0010"/>
-                        </a:buClr>
-                        <a:buSzPct val="60000"/>
-                        <a:buFont typeface="Zapf Dingbats" charset="2"/>
-                        <a:buNone/>
-                        <a:tabLst/>
-                      </a:pPr>
-                      <a:r>
-                        <a:rPr kumimoji="0" lang="en-US" sz="2400" b="0" i="0" u="none" strike="noStrike" cap="none" normalizeH="0" baseline="0" smtClean="0">
-                          <a:ln>
-                            <a:noFill/>
-                          </a:ln>
-                          <a:solidFill>
-                            <a:srgbClr val="000000"/>
-                          </a:solidFill>
-                          <a:effectLst/>
-                          <a:latin typeface="Arial" charset="0"/>
-                        </a:rPr>
-                        <a:t>32%</a:t>
-                      </a:r>
-                    </a:p>
-                  </a:txBody>
-                  <a:tcPr horzOverflow="overflow">
-                    <a:lnL w="28575" cap="flat" cmpd="sng" algn="ctr">
-                      <a:solidFill>
-                        <a:schemeClr val="bg1"/>
-                      </a:solidFill>
-                      <a:prstDash val="solid"/>
-                      <a:round/>
-                      <a:headEnd type="none" w="med" len="med"/>
-                      <a:tailEnd type="none" w="med" len="med"/>
-                    </a:lnL>
-                    <a:lnR w="12700" cap="flat" cmpd="sng" algn="ctr">
-                      <a:solidFill>
-                        <a:schemeClr val="bg1"/>
-                      </a:solidFill>
-                      <a:prstDash val="solid"/>
-                      <a:round/>
-                      <a:headEnd type="none" w="med" len="med"/>
-                      <a:tailEnd type="none" w="med" len="med"/>
-                    </a:lnR>
-                    <a:lnT w="28575" cap="flat" cmpd="sng" algn="ctr">
-                      <a:solidFill>
-                        <a:schemeClr val="bg1"/>
-                      </a:solidFill>
-                      <a:prstDash val="solid"/>
-                      <a:round/>
-                      <a:headEnd type="none" w="med" len="med"/>
-                      <a:tailEnd type="none" w="med" len="med"/>
-                    </a:lnT>
-                    <a:lnB w="28575" cap="flat" cmpd="sng" algn="ctr">
-                      <a:solidFill>
-                        <a:schemeClr val="bg1"/>
-                      </a:solidFill>
-                      <a:prstDash val="solid"/>
-                      <a:round/>
-                      <a:headEnd type="none" w="med" len="med"/>
-                      <a:tailEnd type="none" w="med" len="med"/>
-                    </a:lnB>
-                    <a:lnTlToBr>
-                      <a:noFill/>
-                    </a:lnTlToBr>
-                    <a:lnBlToTr>
-                      <a:noFill/>
-                    </a:lnBlToTr>
-                    <a:solidFill>
-                      <a:schemeClr val="accent1"/>
-                    </a:solidFill>
-                  </a:tcPr>
-                </a:tc>
-              </a:tr>
-              <a:tr h="636588">
-                <a:tc>
-                  <a:txBody>
-                    <a:bodyPr/>
-                    <a:lstStyle/>
-                    <a:p>
-                      <a:pPr marL="0" marR="0" lvl="0" indent="0" algn="l" defTabSz="914400" rtl="0" eaLnBrk="1" fontAlgn="base" latinLnBrk="0" hangingPunct="1">
-                        <a:lnSpc>
-                          <a:spcPct val="100000"/>
-                        </a:lnSpc>
-                        <a:spcBef>
-                          <a:spcPct val="20000"/>
-                        </a:spcBef>
-                        <a:spcAft>
-                          <a:spcPct val="0"/>
-                        </a:spcAft>
-                        <a:buClr>
-                          <a:srgbClr val="ED0010"/>
-                        </a:buClr>
-                        <a:buSzPct val="60000"/>
-                        <a:buFont typeface="Zapf Dingbats" charset="2"/>
-                        <a:buNone/>
-                        <a:tabLst/>
-                      </a:pPr>
-                      <a:r>
-                        <a:rPr kumimoji="0" lang="en-US" sz="2400" b="1" i="0" u="none" strike="noStrike" cap="none" normalizeH="0" baseline="0" smtClean="0">
-                          <a:ln>
-                            <a:noFill/>
-                          </a:ln>
-                          <a:solidFill>
-                            <a:srgbClr val="000000"/>
-                          </a:solidFill>
-                          <a:effectLst/>
-                          <a:latin typeface="Arial" charset="0"/>
-                        </a:rPr>
-                        <a:t>2004</a:t>
-                      </a:r>
-                      <a:endParaRPr kumimoji="0" lang="en-US" sz="2400" b="0" i="0" u="none" strike="noStrike" cap="none" normalizeH="0" baseline="0" smtClean="0">
-                        <a:ln>
-                          <a:noFill/>
-                        </a:ln>
-                        <a:solidFill>
-                          <a:srgbClr val="000000"/>
-                        </a:solidFill>
-                        <a:effectLst/>
-                        <a:latin typeface="Arial" charset="0"/>
-                      </a:endParaRPr>
-                    </a:p>
-                  </a:txBody>
-                  <a:tcPr horzOverflow="overflow">
-                    <a:lnL w="12700" cap="flat" cmpd="sng" algn="ctr">
-                      <a:solidFill>
-                        <a:schemeClr val="bg1"/>
-                      </a:solidFill>
-                      <a:prstDash val="solid"/>
-                      <a:round/>
-                      <a:headEnd type="none" w="med" len="med"/>
-                      <a:tailEnd type="none" w="med" len="med"/>
-                    </a:lnL>
-                    <a:lnR w="28575" cap="flat" cmpd="sng" algn="ctr">
-                      <a:solidFill>
-                        <a:schemeClr val="bg1"/>
-                      </a:solidFill>
-                      <a:prstDash val="solid"/>
-                      <a:round/>
-                      <a:headEnd type="none" w="med" len="med"/>
-                      <a:tailEnd type="none" w="med" len="med"/>
-                    </a:lnR>
-                    <a:lnT w="28575" cap="flat" cmpd="sng" algn="ctr">
-                      <a:solidFill>
-                        <a:schemeClr val="bg1"/>
-                      </a:solidFill>
-                      <a:prstDash val="solid"/>
-                      <a:round/>
-                      <a:headEnd type="none" w="med" len="med"/>
-                      <a:tailEnd type="none" w="med" len="med"/>
-                    </a:lnT>
-                    <a:lnB w="28575" cap="flat" cmpd="sng" algn="ctr">
-                      <a:solidFill>
-                        <a:schemeClr val="bg1"/>
-                      </a:solidFill>
-                      <a:prstDash val="solid"/>
-                      <a:round/>
-                      <a:headEnd type="none" w="med" len="med"/>
-                      <a:tailEnd type="none" w="med" len="med"/>
-                    </a:lnB>
-                    <a:lnTlToBr>
-                      <a:noFill/>
-                    </a:lnTlToBr>
-                    <a:lnBlToTr>
-                      <a:noFill/>
-                    </a:lnBlToTr>
-                    <a:solidFill>
-                      <a:schemeClr val="accent1"/>
-                    </a:solidFill>
-                  </a:tcPr>
-                </a:tc>
-                <a:tc>
-                  <a:txBody>
-                    <a:bodyPr/>
-                    <a:lstStyle/>
-                    <a:p>
-                      <a:pPr marL="0" marR="0" lvl="0" indent="0" algn="l" defTabSz="914400" rtl="0" eaLnBrk="1" fontAlgn="base" latinLnBrk="0" hangingPunct="1">
-                        <a:lnSpc>
-                          <a:spcPct val="100000"/>
-                        </a:lnSpc>
-                        <a:spcBef>
-                          <a:spcPct val="20000"/>
-                        </a:spcBef>
-                        <a:spcAft>
-                          <a:spcPct val="0"/>
-                        </a:spcAft>
-                        <a:buClr>
-                          <a:srgbClr val="ED0010"/>
-                        </a:buClr>
-                        <a:buSzPct val="60000"/>
-                        <a:buFont typeface="Zapf Dingbats" charset="2"/>
-                        <a:buNone/>
-                        <a:tabLst/>
-                      </a:pPr>
-                      <a:r>
-                        <a:rPr kumimoji="0" lang="en-US" sz="2400" b="0" i="0" u="none" strike="noStrike" cap="none" normalizeH="0" baseline="0" smtClean="0">
-                          <a:ln>
-                            <a:noFill/>
-                          </a:ln>
-                          <a:solidFill>
-                            <a:srgbClr val="000000"/>
-                          </a:solidFill>
-                          <a:effectLst/>
-                          <a:latin typeface="Arial" charset="0"/>
-                        </a:rPr>
-                        <a:t>28%</a:t>
-                      </a:r>
-                    </a:p>
-                  </a:txBody>
-                  <a:tcPr horzOverflow="overflow">
-                    <a:lnL w="28575" cap="flat" cmpd="sng" algn="ctr">
-                      <a:solidFill>
-                        <a:schemeClr val="bg1"/>
-                      </a:solidFill>
-                      <a:prstDash val="solid"/>
-                      <a:round/>
-                      <a:headEnd type="none" w="med" len="med"/>
-                      <a:tailEnd type="none" w="med" len="med"/>
-                    </a:lnL>
-                    <a:lnR w="28575" cap="flat" cmpd="sng" algn="ctr">
-                      <a:solidFill>
-                        <a:schemeClr val="bg1"/>
-                      </a:solidFill>
-                      <a:prstDash val="solid"/>
-                      <a:round/>
-                      <a:headEnd type="none" w="med" len="med"/>
-                      <a:tailEnd type="none" w="med" len="med"/>
-                    </a:lnR>
-                    <a:lnT w="28575" cap="flat" cmpd="sng" algn="ctr">
-                      <a:solidFill>
-                        <a:schemeClr val="bg1"/>
-                      </a:solidFill>
-                      <a:prstDash val="solid"/>
-                      <a:round/>
-                      <a:headEnd type="none" w="med" len="med"/>
-                      <a:tailEnd type="none" w="med" len="med"/>
-                    </a:lnT>
-                    <a:lnB w="28575" cap="flat" cmpd="sng" algn="ctr">
-                      <a:solidFill>
-                        <a:schemeClr val="bg1"/>
-                      </a:solidFill>
-                      <a:prstDash val="solid"/>
-                      <a:round/>
-                      <a:headEnd type="none" w="med" len="med"/>
-                      <a:tailEnd type="none" w="med" len="med"/>
-                    </a:lnB>
-                    <a:lnTlToBr>
-                      <a:noFill/>
-                    </a:lnTlToBr>
-                    <a:lnBlToTr>
-                      <a:noFill/>
-                    </a:lnBlToTr>
-                    <a:solidFill>
-                      <a:schemeClr val="accent1"/>
-                    </a:solidFill>
-                  </a:tcPr>
-                </a:tc>
-                <a:tc>
-                  <a:txBody>
-                    <a:bodyPr/>
-                    <a:lstStyle/>
-                    <a:p>
-                      <a:pPr marL="0" marR="0" lvl="0" indent="0" algn="l" defTabSz="914400" rtl="0" eaLnBrk="1" fontAlgn="base" latinLnBrk="0" hangingPunct="1">
-                        <a:lnSpc>
-                          <a:spcPct val="100000"/>
-                        </a:lnSpc>
-                        <a:spcBef>
-                          <a:spcPct val="20000"/>
-                        </a:spcBef>
-                        <a:spcAft>
-                          <a:spcPct val="0"/>
-                        </a:spcAft>
-                        <a:buClr>
-                          <a:srgbClr val="ED0010"/>
-                        </a:buClr>
-                        <a:buSzPct val="60000"/>
-                        <a:buFont typeface="Zapf Dingbats" charset="2"/>
-                        <a:buNone/>
-                        <a:tabLst/>
-                      </a:pPr>
-                      <a:r>
-                        <a:rPr kumimoji="0" lang="en-US" sz="2400" b="0" i="0" u="none" strike="noStrike" cap="none" normalizeH="0" baseline="0" smtClean="0">
-                          <a:ln>
-                            <a:noFill/>
-                          </a:ln>
-                          <a:solidFill>
-                            <a:srgbClr val="000000"/>
-                          </a:solidFill>
-                          <a:effectLst/>
-                          <a:latin typeface="Arial" charset="0"/>
-                        </a:rPr>
-                        <a:t>32%</a:t>
-                      </a:r>
-                    </a:p>
-                  </a:txBody>
-                  <a:tcPr horzOverflow="overflow">
-                    <a:lnL w="28575" cap="flat" cmpd="sng" algn="ctr">
-                      <a:solidFill>
-                        <a:schemeClr val="bg1"/>
-                      </a:solidFill>
-                      <a:prstDash val="solid"/>
-                      <a:round/>
-                      <a:headEnd type="none" w="med" len="med"/>
-                      <a:tailEnd type="none" w="med" len="med"/>
-                    </a:lnL>
-                    <a:lnR w="28575" cap="flat" cmpd="sng" algn="ctr">
-                      <a:solidFill>
-                        <a:schemeClr val="bg1"/>
-                      </a:solidFill>
-                      <a:prstDash val="solid"/>
-                      <a:round/>
-                      <a:headEnd type="none" w="med" len="med"/>
-                      <a:tailEnd type="none" w="med" len="med"/>
-                    </a:lnR>
-                    <a:lnT w="28575" cap="flat" cmpd="sng" algn="ctr">
-                      <a:solidFill>
-                        <a:schemeClr val="bg1"/>
-                      </a:solidFill>
-                      <a:prstDash val="solid"/>
-                      <a:round/>
-                      <a:headEnd type="none" w="med" len="med"/>
-                      <a:tailEnd type="none" w="med" len="med"/>
-                    </a:lnT>
-                    <a:lnB w="28575" cap="flat" cmpd="sng" algn="ctr">
-                      <a:solidFill>
-                        <a:schemeClr val="bg1"/>
-                      </a:solidFill>
-                      <a:prstDash val="solid"/>
-                      <a:round/>
-                      <a:headEnd type="none" w="med" len="med"/>
-                      <a:tailEnd type="none" w="med" len="med"/>
-                    </a:lnB>
-                    <a:lnTlToBr>
-                      <a:noFill/>
-                    </a:lnTlToBr>
-                    <a:lnBlToTr>
-                      <a:noFill/>
-                    </a:lnBlToTr>
-                    <a:solidFill>
-                      <a:schemeClr val="accent1"/>
-                    </a:solidFill>
-                  </a:tcPr>
-                </a:tc>
-                <a:tc>
-                  <a:txBody>
-                    <a:bodyPr/>
-                    <a:lstStyle/>
-                    <a:p>
-                      <a:pPr marL="0" marR="0" lvl="0" indent="0" algn="l" defTabSz="914400" rtl="0" eaLnBrk="1" fontAlgn="base" latinLnBrk="0" hangingPunct="1">
-                        <a:lnSpc>
-                          <a:spcPct val="100000"/>
-                        </a:lnSpc>
-                        <a:spcBef>
-                          <a:spcPct val="20000"/>
-                        </a:spcBef>
-                        <a:spcAft>
-                          <a:spcPct val="0"/>
-                        </a:spcAft>
-                        <a:buClr>
-                          <a:srgbClr val="ED0010"/>
-                        </a:buClr>
-                        <a:buSzPct val="60000"/>
-                        <a:buFont typeface="Zapf Dingbats" charset="2"/>
-                        <a:buNone/>
-                        <a:tabLst/>
-                      </a:pPr>
-                      <a:r>
-                        <a:rPr kumimoji="0" lang="en-US" sz="2400" b="0" i="0" u="none" strike="noStrike" cap="none" normalizeH="0" baseline="0" smtClean="0">
-                          <a:ln>
-                            <a:noFill/>
-                          </a:ln>
-                          <a:solidFill>
-                            <a:srgbClr val="000000"/>
-                          </a:solidFill>
-                          <a:effectLst/>
-                          <a:latin typeface="Arial" charset="0"/>
-                        </a:rPr>
-                        <a:t>30%</a:t>
-                      </a:r>
-                    </a:p>
-                  </a:txBody>
-                  <a:tcPr horzOverflow="overflow">
-                    <a:lnL w="28575" cap="flat" cmpd="sng" algn="ctr">
-                      <a:solidFill>
-                        <a:schemeClr val="bg1"/>
-                      </a:solidFill>
-                      <a:prstDash val="solid"/>
-                      <a:round/>
-                      <a:headEnd type="none" w="med" len="med"/>
-                      <a:tailEnd type="none" w="med" len="med"/>
-                    </a:lnL>
-                    <a:lnR w="12700" cap="flat" cmpd="sng" algn="ctr">
-                      <a:solidFill>
-                        <a:schemeClr val="bg1"/>
-                      </a:solidFill>
-                      <a:prstDash val="solid"/>
-                      <a:round/>
-                      <a:headEnd type="none" w="med" len="med"/>
-                      <a:tailEnd type="none" w="med" len="med"/>
-                    </a:lnR>
-                    <a:lnT w="28575" cap="flat" cmpd="sng" algn="ctr">
-                      <a:solidFill>
-                        <a:schemeClr val="bg1"/>
-                      </a:solidFill>
-                      <a:prstDash val="solid"/>
-                      <a:round/>
-                      <a:headEnd type="none" w="med" len="med"/>
-                      <a:tailEnd type="none" w="med" len="med"/>
-                    </a:lnT>
-                    <a:lnB w="28575" cap="flat" cmpd="sng" algn="ctr">
-                      <a:solidFill>
-                        <a:schemeClr val="bg1"/>
-                      </a:solidFill>
-                      <a:prstDash val="solid"/>
-                      <a:round/>
-                      <a:headEnd type="none" w="med" len="med"/>
-                      <a:tailEnd type="none" w="med" len="med"/>
-                    </a:lnB>
-                    <a:lnTlToBr>
-                      <a:noFill/>
-                    </a:lnTlToBr>
-                    <a:lnBlToTr>
-                      <a:noFill/>
-                    </a:lnBlToTr>
-                    <a:solidFill>
-                      <a:schemeClr val="accent1"/>
-                    </a:solidFill>
-                  </a:tcPr>
-                </a:tc>
-              </a:tr>
-              <a:tr h="633413">
-                <a:tc>
-                  <a:txBody>
-                    <a:bodyPr/>
-                    <a:lstStyle/>
-                    <a:p>
-                      <a:pPr marL="0" marR="0" lvl="0" indent="0" algn="l" defTabSz="914400" rtl="0" eaLnBrk="1" fontAlgn="base" latinLnBrk="0" hangingPunct="1">
-                        <a:lnSpc>
-                          <a:spcPct val="100000"/>
-                        </a:lnSpc>
-                        <a:spcBef>
-                          <a:spcPct val="20000"/>
-                        </a:spcBef>
-                        <a:spcAft>
-                          <a:spcPct val="0"/>
-                        </a:spcAft>
-                        <a:buClr>
-                          <a:srgbClr val="ED0010"/>
-                        </a:buClr>
-                        <a:buSzPct val="60000"/>
-                        <a:buFont typeface="Zapf Dingbats" charset="2"/>
-                        <a:buNone/>
-                        <a:tabLst/>
-                      </a:pPr>
-                      <a:r>
-                        <a:rPr kumimoji="0" lang="en-US" sz="2400" b="1" i="0" u="none" strike="noStrike" cap="none" normalizeH="0" baseline="0" smtClean="0">
-                          <a:ln>
-                            <a:noFill/>
-                          </a:ln>
-                          <a:solidFill>
-                            <a:srgbClr val="000000"/>
-                          </a:solidFill>
-                          <a:effectLst/>
-                          <a:latin typeface="Arial" charset="0"/>
-                        </a:rPr>
-                        <a:t>2005</a:t>
-                      </a:r>
-                      <a:endParaRPr kumimoji="0" lang="en-US" sz="2400" b="0" i="0" u="none" strike="noStrike" cap="none" normalizeH="0" baseline="0" smtClean="0">
-                        <a:ln>
-                          <a:noFill/>
-                        </a:ln>
-                        <a:solidFill>
-                          <a:srgbClr val="000000"/>
-                        </a:solidFill>
-                        <a:effectLst/>
-                        <a:latin typeface="Arial" charset="0"/>
-                      </a:endParaRPr>
-                    </a:p>
-                  </a:txBody>
-                  <a:tcPr horzOverflow="overflow">
-                    <a:lnL w="12700" cap="flat" cmpd="sng" algn="ctr">
-                      <a:solidFill>
-                        <a:schemeClr val="bg1"/>
-                      </a:solidFill>
-                      <a:prstDash val="solid"/>
-                      <a:round/>
-                      <a:headEnd type="none" w="med" len="med"/>
-                      <a:tailEnd type="none" w="med" len="med"/>
-                    </a:lnL>
-                    <a:lnR w="28575" cap="flat" cmpd="sng" algn="ctr">
-                      <a:solidFill>
-                        <a:schemeClr val="bg1"/>
-                      </a:solidFill>
-                      <a:prstDash val="solid"/>
-                      <a:round/>
-                      <a:headEnd type="none" w="med" len="med"/>
-                      <a:tailEnd type="none" w="med" len="med"/>
-                    </a:lnR>
-                    <a:lnT w="28575" cap="flat" cmpd="sng" algn="ctr">
-                      <a:solidFill>
-                        <a:schemeClr val="bg1"/>
-                      </a:solidFill>
-                      <a:prstDash val="solid"/>
-                      <a:round/>
-                      <a:headEnd type="none" w="med" len="med"/>
-                      <a:tailEnd type="none" w="med" len="med"/>
-                    </a:lnT>
-                    <a:lnB w="12700" cap="flat" cmpd="sng" algn="ctr">
-                      <a:solidFill>
-                        <a:schemeClr val="bg1"/>
-                      </a:solidFill>
-                      <a:prstDash val="solid"/>
-                      <a:round/>
-                      <a:headEnd type="none" w="med" len="med"/>
-                      <a:tailEnd type="none" w="med" len="med"/>
-                    </a:lnB>
-                    <a:lnTlToBr>
-                      <a:noFill/>
-                    </a:lnTlToBr>
-                    <a:lnBlToTr>
-                      <a:noFill/>
-                    </a:lnBlToTr>
-                    <a:solidFill>
-                      <a:schemeClr val="accent1"/>
-                    </a:solidFill>
-                  </a:tcPr>
-                </a:tc>
-                <a:tc>
-                  <a:txBody>
-                    <a:bodyPr/>
-                    <a:lstStyle/>
-                    <a:p>
-                      <a:pPr marL="0" marR="0" lvl="0" indent="0" algn="l" defTabSz="914400" rtl="0" eaLnBrk="1" fontAlgn="base" latinLnBrk="0" hangingPunct="1">
-                        <a:lnSpc>
-                          <a:spcPct val="100000"/>
-                        </a:lnSpc>
-                        <a:spcBef>
-                          <a:spcPct val="20000"/>
-                        </a:spcBef>
-                        <a:spcAft>
-                          <a:spcPct val="0"/>
-                        </a:spcAft>
-                        <a:buClr>
-                          <a:srgbClr val="ED0010"/>
-                        </a:buClr>
-                        <a:buSzPct val="60000"/>
-                        <a:buFont typeface="Zapf Dingbats" charset="2"/>
-                        <a:buNone/>
-                        <a:tabLst/>
-                      </a:pPr>
-                      <a:r>
-                        <a:rPr kumimoji="0" lang="en-US" sz="2400" b="0" i="0" u="none" strike="noStrike" cap="none" normalizeH="0" baseline="0" smtClean="0">
-                          <a:ln>
-                            <a:noFill/>
-                          </a:ln>
-                          <a:solidFill>
-                            <a:srgbClr val="000000"/>
-                          </a:solidFill>
-                          <a:effectLst/>
-                          <a:latin typeface="Arial" charset="0"/>
-                        </a:rPr>
-                        <a:t>32%</a:t>
-                      </a:r>
-                    </a:p>
-                  </a:txBody>
-                  <a:tcPr horzOverflow="overflow">
-                    <a:lnL w="28575" cap="flat" cmpd="sng" algn="ctr">
-                      <a:solidFill>
-                        <a:schemeClr val="bg1"/>
-                      </a:solidFill>
-                      <a:prstDash val="solid"/>
-                      <a:round/>
-                      <a:headEnd type="none" w="med" len="med"/>
-                      <a:tailEnd type="none" w="med" len="med"/>
-                    </a:lnL>
-                    <a:lnR w="28575" cap="flat" cmpd="sng" algn="ctr">
-                      <a:solidFill>
-                        <a:schemeClr val="bg1"/>
-                      </a:solidFill>
-                      <a:prstDash val="solid"/>
-                      <a:round/>
-                      <a:headEnd type="none" w="med" len="med"/>
-                      <a:tailEnd type="none" w="med" len="med"/>
-                    </a:lnR>
-                    <a:lnT w="28575" cap="flat" cmpd="sng" algn="ctr">
-                      <a:solidFill>
-                        <a:schemeClr val="bg1"/>
-                      </a:solidFill>
-                      <a:prstDash val="solid"/>
-                      <a:round/>
-                      <a:headEnd type="none" w="med" len="med"/>
-                      <a:tailEnd type="none" w="med" len="med"/>
-                    </a:lnT>
-                    <a:lnB w="12700" cap="flat" cmpd="sng" algn="ctr">
-                      <a:solidFill>
-                        <a:schemeClr val="bg1"/>
-                      </a:solidFill>
-                      <a:prstDash val="solid"/>
-                      <a:round/>
-                      <a:headEnd type="none" w="med" len="med"/>
-                      <a:tailEnd type="none" w="med" len="med"/>
-                    </a:lnB>
-                    <a:lnTlToBr>
-                      <a:noFill/>
-                    </a:lnTlToBr>
-                    <a:lnBlToTr>
-                      <a:noFill/>
-                    </a:lnBlToTr>
-                    <a:solidFill>
-                      <a:schemeClr val="accent1"/>
-                    </a:solidFill>
-                  </a:tcPr>
-                </a:tc>
-                <a:tc>
-                  <a:txBody>
-                    <a:bodyPr/>
-                    <a:lstStyle/>
-                    <a:p>
-                      <a:pPr marL="0" marR="0" lvl="0" indent="0" algn="l" defTabSz="914400" rtl="0" eaLnBrk="1" fontAlgn="base" latinLnBrk="0" hangingPunct="1">
-                        <a:lnSpc>
-                          <a:spcPct val="100000"/>
-                        </a:lnSpc>
-                        <a:spcBef>
-                          <a:spcPct val="20000"/>
-                        </a:spcBef>
-                        <a:spcAft>
-                          <a:spcPct val="0"/>
-                        </a:spcAft>
-                        <a:buClr>
-                          <a:srgbClr val="ED0010"/>
-                        </a:buClr>
-                        <a:buSzPct val="60000"/>
-                        <a:buFont typeface="Zapf Dingbats" charset="2"/>
-                        <a:buNone/>
-                        <a:tabLst/>
-                      </a:pPr>
-                      <a:r>
-                        <a:rPr kumimoji="0" lang="en-US" sz="2400" b="0" i="0" u="none" strike="noStrike" cap="none" normalizeH="0" baseline="0" smtClean="0">
-                          <a:ln>
-                            <a:noFill/>
-                          </a:ln>
-                          <a:solidFill>
-                            <a:srgbClr val="000000"/>
-                          </a:solidFill>
-                          <a:effectLst/>
-                          <a:latin typeface="Arial" charset="0"/>
-                        </a:rPr>
-                        <a:t>30%</a:t>
-                      </a:r>
-                    </a:p>
-                  </a:txBody>
-                  <a:tcPr horzOverflow="overflow">
-                    <a:lnL w="28575" cap="flat" cmpd="sng" algn="ctr">
-                      <a:solidFill>
-                        <a:schemeClr val="bg1"/>
-                      </a:solidFill>
-                      <a:prstDash val="solid"/>
-                      <a:round/>
-                      <a:headEnd type="none" w="med" len="med"/>
-                      <a:tailEnd type="none" w="med" len="med"/>
-                    </a:lnL>
-                    <a:lnR w="28575" cap="flat" cmpd="sng" algn="ctr">
-                      <a:solidFill>
-                        <a:schemeClr val="bg1"/>
-                      </a:solidFill>
-                      <a:prstDash val="solid"/>
-                      <a:round/>
-                      <a:headEnd type="none" w="med" len="med"/>
-                      <a:tailEnd type="none" w="med" len="med"/>
-                    </a:lnR>
-                    <a:lnT w="28575" cap="flat" cmpd="sng" algn="ctr">
-                      <a:solidFill>
-                        <a:schemeClr val="bg1"/>
-                      </a:solidFill>
-                      <a:prstDash val="solid"/>
-                      <a:round/>
-                      <a:headEnd type="none" w="med" len="med"/>
-                      <a:tailEnd type="none" w="med" len="med"/>
-                    </a:lnT>
-                    <a:lnB w="12700" cap="flat" cmpd="sng" algn="ctr">
-                      <a:solidFill>
-                        <a:schemeClr val="bg1"/>
-                      </a:solidFill>
-                      <a:prstDash val="solid"/>
-                      <a:round/>
-                      <a:headEnd type="none" w="med" len="med"/>
-                      <a:tailEnd type="none" w="med" len="med"/>
-                    </a:lnB>
-                    <a:lnTlToBr>
-                      <a:noFill/>
-                    </a:lnTlToBr>
-                    <a:lnBlToTr>
-                      <a:noFill/>
-                    </a:lnBlToTr>
-                    <a:solidFill>
-                      <a:schemeClr val="accent1"/>
-                    </a:solidFill>
-                  </a:tcPr>
-                </a:tc>
-                <a:tc>
-                  <a:txBody>
-                    <a:bodyPr/>
-                    <a:lstStyle/>
-                    <a:p>
-                      <a:pPr marL="0" marR="0" lvl="0" indent="0" algn="l" defTabSz="914400" rtl="0" eaLnBrk="1" fontAlgn="base" latinLnBrk="0" hangingPunct="1">
-                        <a:lnSpc>
-                          <a:spcPct val="100000"/>
-                        </a:lnSpc>
-                        <a:spcBef>
-                          <a:spcPct val="20000"/>
-                        </a:spcBef>
-                        <a:spcAft>
-                          <a:spcPct val="0"/>
-                        </a:spcAft>
-                        <a:buClr>
-                          <a:srgbClr val="ED0010"/>
-                        </a:buClr>
-                        <a:buSzPct val="60000"/>
-                        <a:buFont typeface="Zapf Dingbats" charset="2"/>
-                        <a:buNone/>
-                        <a:tabLst/>
-                      </a:pPr>
-                      <a:r>
-                        <a:rPr kumimoji="0" lang="en-US" sz="2400" b="0" i="0" u="none" strike="noStrike" cap="none" normalizeH="0" baseline="0" smtClean="0">
-                          <a:ln>
-                            <a:noFill/>
-                          </a:ln>
-                          <a:solidFill>
-                            <a:srgbClr val="000000"/>
-                          </a:solidFill>
-                          <a:effectLst/>
-                          <a:latin typeface="Arial" charset="0"/>
-                        </a:rPr>
-                        <a:t>28%</a:t>
-                      </a:r>
-                    </a:p>
-                  </a:txBody>
-                  <a:tcPr horzOverflow="overflow">
-                    <a:lnL w="28575" cap="flat" cmpd="sng" algn="ctr">
-                      <a:solidFill>
-                        <a:schemeClr val="bg1"/>
-                      </a:solidFill>
-                      <a:prstDash val="solid"/>
-                      <a:round/>
-                      <a:headEnd type="none" w="med" len="med"/>
-                      <a:tailEnd type="none" w="med" len="med"/>
-                    </a:lnL>
-                    <a:lnR w="12700" cap="flat" cmpd="sng" algn="ctr">
-                      <a:solidFill>
-                        <a:schemeClr val="bg1"/>
-                      </a:solidFill>
-                      <a:prstDash val="solid"/>
-                      <a:round/>
-                      <a:headEnd type="none" w="med" len="med"/>
-                      <a:tailEnd type="none" w="med" len="med"/>
-                    </a:lnR>
-                    <a:lnT w="28575" cap="flat" cmpd="sng" algn="ctr">
-                      <a:solidFill>
-                        <a:schemeClr val="bg1"/>
-                      </a:solidFill>
-                      <a:prstDash val="solid"/>
-                      <a:round/>
-                      <a:headEnd type="none" w="med" len="med"/>
-                      <a:tailEnd type="none" w="med" len="med"/>
-                    </a:lnT>
-                    <a:lnB w="12700" cap="flat" cmpd="sng" algn="ctr">
-                      <a:solidFill>
-                        <a:schemeClr val="bg1"/>
-                      </a:solidFill>
-                      <a:prstDash val="solid"/>
-                      <a:round/>
-                      <a:headEnd type="none" w="med" len="med"/>
-                      <a:tailEnd type="none" w="med" len="med"/>
-                    </a:lnB>
-                    <a:lnTlToBr>
-                      <a:noFill/>
-                    </a:lnTlToBr>
-                    <a:lnBlToTr>
-                      <a:noFill/>
-                    </a:lnBlToTr>
-                    <a:solidFill>
-                      <a:schemeClr val="accent1"/>
-                    </a:solidFill>
-                  </a:tcPr>
-                </a:tc>
-              </a:tr>
-            </a:tbl>
-          </a:graphicData>
-        </a:graphic>
-      </p:graphicFrame>
-    </p:spTree>
-  </p:cSld>
-  <p:clrMapOvr>
-    <a:masterClrMapping/>
-  </p:clrMapOvr>
-  <p:timing>
-    <p:tnLst>
-      <p:par>
-        <p:cTn id="1" dur="indefinite" restart="never" nodeType="tmRoot"/>
-      </p:par>
-    </p:tnLst>
-  </p:timing>
-</p:sld>
-</file>
-
-<file path=ppt/slides/slide11.xml><?xml version="1.0" encoding="utf-8"?>
-<p:sld xmlns:a="http://schemas.openxmlformats.org/drawingml/2006/main" xmlns:r="http://schemas.openxmlformats.org/officeDocument/2006/relationships" xmlns:p="http://schemas.openxmlformats.org/presentationml/2006/main">
-  <p:cSld>
-    <p:spTree>
-      <p:nvGrpSpPr>
-        <p:cNvPr id="1" name=""/>
-        <p:cNvGrpSpPr/>
-        <p:nvPr/>
-      </p:nvGrpSpPr>
-      <p:grpSpPr>
-        <a:xfrm>
-          <a:off x="0" y="0"/>
-          <a:ext cx="0" cy="0"/>
-          <a:chOff x="0" y="0"/>
-          <a:chExt cx="0" cy="0"/>
-        </a:xfrm>
-      </p:grpSpPr>
-      <p:sp>
-        <p:nvSpPr>
-          <p:cNvPr id="5" name="Tijdelijke aanduiding voor dianummer 5"/>
-          <p:cNvSpPr>
-            <a:spLocks noGrp="1"/>
-          </p:cNvSpPr>
-          <p:nvPr>
-            <p:ph type="sldNum" sz="quarter" idx="11"/>
-          </p:nvPr>
-        </p:nvSpPr>
-        <p:spPr/>
-        <p:txBody>
-          <a:bodyPr/>
-          <a:lstStyle/>
-          <a:p>
-            <a:fld id="{E1AE7EA4-5A90-44E6-8B58-0534BBE8B606}" type="slidenum">
-              <a:rPr lang="en-US"/>
-              <a:pPr/>
-              <a:t>11</a:t>
-            </a:fld>
-            <a:endParaRPr lang="en-US"/>
-          </a:p>
-        </p:txBody>
-      </p:sp>
-      <p:sp>
-        <p:nvSpPr>
-          <p:cNvPr id="6" name="Tijdelijke aanduiding voor voettekst 6"/>
-          <p:cNvSpPr>
-            <a:spLocks noGrp="1"/>
-          </p:cNvSpPr>
-          <p:nvPr>
-            <p:ph type="ftr" sz="quarter" idx="12"/>
-          </p:nvPr>
-        </p:nvSpPr>
-        <p:spPr/>
-        <p:txBody>
-          <a:bodyPr/>
-          <a:lstStyle/>
-          <a:p>
-            <a:r>
-              <a:rPr lang="en-US"/>
-              <a:t>HU powerpoint template</a:t>
-            </a:r>
-            <a:endParaRPr lang="en-US" sz="1400"/>
-          </a:p>
-        </p:txBody>
-      </p:sp>
-      <p:sp>
-        <p:nvSpPr>
-          <p:cNvPr id="179202" name="Rectangle 2"/>
-          <p:cNvSpPr>
-            <a:spLocks noGrp="1" noChangeArrowheads="1"/>
-          </p:cNvSpPr>
-          <p:nvPr>
-            <p:ph type="title"/>
-          </p:nvPr>
-        </p:nvSpPr>
-        <p:spPr/>
-        <p:txBody>
-          <a:bodyPr/>
-          <a:lstStyle/>
-          <a:p>
-            <a:r>
-              <a:rPr lang="en-US"/>
-              <a:t>HU ppt [kop- en voetregels]</a:t>
-            </a:r>
-          </a:p>
-        </p:txBody>
-      </p:sp>
-      <p:sp>
-        <p:nvSpPr>
-          <p:cNvPr id="179203" name="Rectangle 3"/>
-          <p:cNvSpPr>
-            <a:spLocks noGrp="1" noChangeAspect="1" noChangeArrowheads="1"/>
-          </p:cNvSpPr>
-          <p:nvPr>
-            <p:ph type="body" sz="half" idx="1"/>
-          </p:nvPr>
-        </p:nvSpPr>
-        <p:spPr>
-          <a:xfrm>
-            <a:off x="457200" y="1762125"/>
-            <a:ext cx="4168775" cy="1552575"/>
-          </a:xfrm>
-        </p:spPr>
-        <p:txBody>
-          <a:bodyPr/>
-          <a:lstStyle/>
-          <a:p>
-            <a:pPr>
-              <a:buFont typeface="Zapf Dingbats" charset="2"/>
-              <a:buNone/>
-            </a:pPr>
-            <a:r>
-              <a:rPr lang="en-US" sz="2400"/>
-              <a:t>	Door ‘Footer’ te activeren in het hiernaast getoonde venster kunt u voetregels activeren</a:t>
-            </a:r>
-          </a:p>
-        </p:txBody>
-      </p:sp>
-      <p:pic>
-        <p:nvPicPr>
-          <p:cNvPr id="179209" name="Picture 9" descr="kop en voet.pdf                                                000C6298Macintosh HD                   BB707946:"/>
-          <p:cNvPicPr>
-            <a:picLocks noChangeAspect="1" noChangeArrowheads="1"/>
-          </p:cNvPicPr>
-          <p:nvPr/>
-        </p:nvPicPr>
-        <p:blipFill>
-          <a:blip r:embed="rId3" r:link="rId4" cstate="print"/>
-          <a:srcRect/>
-          <a:stretch>
-            <a:fillRect/>
-          </a:stretch>
-        </p:blipFill>
-        <p:spPr bwMode="auto">
-          <a:xfrm>
-            <a:off x="4876800" y="1828800"/>
-            <a:ext cx="3482975" cy="3657600"/>
-          </a:xfrm>
-          <a:prstGeom prst="rect">
-            <a:avLst/>
-          </a:prstGeom>
-          <a:noFill/>
-        </p:spPr>
-      </p:pic>
-    </p:spTree>
+    <p:extLst>
+      <p:ext uri="{BB962C8B-B14F-4D97-AF65-F5344CB8AC3E}">
+        <p14:creationId xmlns:p14="http://schemas.microsoft.com/office/powerpoint/2010/main" val="1776399337"/>
+      </p:ext>
+    </p:extLst>
   </p:cSld>
   <p:clrMapOvr>
     <a:masterClrMapping/>
@@ -8710,9 +5576,9 @@
       </p:grpSpPr>
       <p:sp>
         <p:nvSpPr>
-          <p:cNvPr id="164866" name="Rectangle 2"/>
-          <p:cNvSpPr>
-            <a:spLocks noGrp="1" noChangeArrowheads="1"/>
+          <p:cNvPr id="2" name="Titel 1"/>
+          <p:cNvSpPr>
+            <a:spLocks noGrp="1"/>
           </p:cNvSpPr>
           <p:nvPr>
             <p:ph type="title"/>
@@ -8724,66 +5590,110 @@
           <a:lstStyle/>
           <a:p>
             <a:r>
-              <a:rPr lang="en-US"/>
-              <a:t>HU-ppt [bullets 1 kolom]</a:t>
-            </a:r>
-          </a:p>
-        </p:txBody>
-      </p:sp>
-      <p:sp>
-        <p:nvSpPr>
-          <p:cNvPr id="164867" name="Rectangle 3"/>
-          <p:cNvSpPr>
-            <a:spLocks noGrp="1" noChangeAspect="1" noChangeArrowheads="1"/>
-          </p:cNvSpPr>
-          <p:nvPr>
-            <p:ph type="body" idx="1"/>
-          </p:nvPr>
-        </p:nvSpPr>
+              <a:rPr lang="nl-NL" dirty="0" smtClean="0"/>
+              <a:t>Check-in</a:t>
+            </a:r>
+            <a:endParaRPr lang="nl-NL" dirty="0"/>
+          </a:p>
+        </p:txBody>
+      </p:sp>
+      <p:sp>
+        <p:nvSpPr>
+          <p:cNvPr id="9" name="Tijdelijke aanduiding voor inhoud 8"/>
+          <p:cNvSpPr>
+            <a:spLocks noGrp="1"/>
+          </p:cNvSpPr>
+          <p:nvPr>
+            <p:ph idx="1"/>
+          </p:nvPr>
+        </p:nvSpPr>
+        <p:spPr/>
+        <p:txBody>
+          <a:bodyPr/>
+          <a:lstStyle/>
+          <a:p>
+            <a:endParaRPr lang="nl-NL"/>
+          </a:p>
+        </p:txBody>
+      </p:sp>
+      <p:pic>
+        <p:nvPicPr>
+          <p:cNvPr id="12" name="Afbeelding 11"/>
+          <p:cNvPicPr>
+            <a:picLocks noChangeAspect="1"/>
+          </p:cNvPicPr>
+          <p:nvPr/>
+        </p:nvPicPr>
+        <p:blipFill>
+          <a:blip r:embed="rId2"/>
+          <a:stretch>
+            <a:fillRect/>
+          </a:stretch>
+        </p:blipFill>
         <p:spPr>
           <a:xfrm>
-            <a:off x="762000" y="1762125"/>
-            <a:ext cx="7881938" cy="1947863"/>
+            <a:off x="6156176" y="2492896"/>
+            <a:ext cx="2253070" cy="2016224"/>
           </a:xfrm>
+          <a:prstGeom prst="rect">
+            <a:avLst/>
+          </a:prstGeom>
         </p:spPr>
-        <p:txBody>
-          <a:bodyPr/>
-          <a:lstStyle/>
-          <a:p>
-            <a:pPr>
-              <a:buClr>
-                <a:schemeClr val="accent2"/>
-              </a:buClr>
-            </a:pPr>
-            <a:r>
-              <a:rPr lang="en-US"/>
-              <a:t>HU huisstijl kernbegrippen </a:t>
-            </a:r>
-          </a:p>
-          <a:p>
-            <a:pPr lvl="1"/>
-            <a:r>
-              <a:rPr lang="en-US"/>
-              <a:t>krachtig</a:t>
-            </a:r>
-          </a:p>
-          <a:p>
-            <a:pPr lvl="1"/>
-            <a:r>
-              <a:rPr lang="en-US"/>
-              <a:t>vriendelijk</a:t>
-            </a:r>
-          </a:p>
-          <a:p>
-            <a:pPr lvl="1"/>
-            <a:r>
-              <a:rPr lang="en-US"/>
-              <a:t>helder</a:t>
-            </a:r>
-          </a:p>
-        </p:txBody>
-      </p:sp>
+      </p:pic>
+      <p:pic>
+        <p:nvPicPr>
+          <p:cNvPr id="13" name="Afbeelding 12"/>
+          <p:cNvPicPr>
+            <a:picLocks noChangeAspect="1"/>
+          </p:cNvPicPr>
+          <p:nvPr/>
+        </p:nvPicPr>
+        <p:blipFill>
+          <a:blip r:embed="rId3"/>
+          <a:stretch>
+            <a:fillRect/>
+          </a:stretch>
+        </p:blipFill>
+        <p:spPr>
+          <a:xfrm>
+            <a:off x="3491880" y="2616786"/>
+            <a:ext cx="2129219" cy="1988089"/>
+          </a:xfrm>
+          <a:prstGeom prst="rect">
+            <a:avLst/>
+          </a:prstGeom>
+        </p:spPr>
+      </p:pic>
+      <p:pic>
+        <p:nvPicPr>
+          <p:cNvPr id="14" name="Afbeelding 13"/>
+          <p:cNvPicPr>
+            <a:picLocks noChangeAspect="1"/>
+          </p:cNvPicPr>
+          <p:nvPr/>
+        </p:nvPicPr>
+        <p:blipFill>
+          <a:blip r:embed="rId4"/>
+          <a:stretch>
+            <a:fillRect/>
+          </a:stretch>
+        </p:blipFill>
+        <p:spPr>
+          <a:xfrm>
+            <a:off x="869217" y="2712543"/>
+            <a:ext cx="1873659" cy="1796577"/>
+          </a:xfrm>
+          <a:prstGeom prst="rect">
+            <a:avLst/>
+          </a:prstGeom>
+        </p:spPr>
+      </p:pic>
     </p:spTree>
+    <p:extLst>
+      <p:ext uri="{BB962C8B-B14F-4D97-AF65-F5344CB8AC3E}">
+        <p14:creationId xmlns:p14="http://schemas.microsoft.com/office/powerpoint/2010/main" val="3026659927"/>
+      </p:ext>
+    </p:extLst>
   </p:cSld>
   <p:clrMapOvr>
     <a:masterClrMapping/>
@@ -8817,9 +5727,9 @@
       </p:grpSpPr>
       <p:sp>
         <p:nvSpPr>
-          <p:cNvPr id="165890" name="Rectangle 2"/>
-          <p:cNvSpPr>
-            <a:spLocks noGrp="1" noChangeArrowheads="1"/>
+          <p:cNvPr id="2" name="Titel 1"/>
+          <p:cNvSpPr>
+            <a:spLocks noGrp="1"/>
           </p:cNvSpPr>
           <p:nvPr>
             <p:ph type="title"/>
@@ -8831,240 +5741,42 @@
           <a:lstStyle/>
           <a:p>
             <a:r>
-              <a:rPr lang="en-US"/>
-              <a:t>HU-ppt [bullets 2 kolommen]</a:t>
-            </a:r>
-          </a:p>
-        </p:txBody>
-      </p:sp>
-      <p:sp>
-        <p:nvSpPr>
-          <p:cNvPr id="165891" name="Rectangle 3"/>
-          <p:cNvSpPr>
-            <a:spLocks noGrp="1" noChangeAspect="1" noChangeArrowheads="1"/>
-          </p:cNvSpPr>
-          <p:nvPr>
-            <p:ph type="body" sz="half" idx="1"/>
-          </p:nvPr>
-        </p:nvSpPr>
-        <p:spPr>
-          <a:xfrm>
-            <a:off x="762000" y="1762125"/>
-            <a:ext cx="3863975" cy="2465388"/>
-          </a:xfrm>
-        </p:spPr>
+              <a:rPr lang="nl-NL" dirty="0" smtClean="0"/>
+              <a:t>Intro</a:t>
+            </a:r>
+            <a:endParaRPr lang="nl-NL" dirty="0"/>
+          </a:p>
+        </p:txBody>
+      </p:sp>
+      <p:sp>
+        <p:nvSpPr>
+          <p:cNvPr id="3" name="Tijdelijke aanduiding voor inhoud 2"/>
+          <p:cNvSpPr>
+            <a:spLocks noGrp="1"/>
+          </p:cNvSpPr>
+          <p:nvPr>
+            <p:ph idx="1"/>
+          </p:nvPr>
+        </p:nvSpPr>
+        <p:spPr/>
         <p:txBody>
           <a:bodyPr/>
           <a:lstStyle/>
           <a:p>
-            <a:pPr>
-              <a:buClr>
-                <a:schemeClr val="accent2"/>
-              </a:buClr>
-            </a:pPr>
-            <a:r>
-              <a:rPr lang="en-US" sz="2400"/>
-              <a:t>HU Blauw</a:t>
-            </a:r>
-          </a:p>
-          <a:p>
-            <a:pPr lvl="1"/>
-            <a:r>
-              <a:rPr lang="en-US" sz="2200"/>
-              <a:t>PMS 639</a:t>
-            </a:r>
-          </a:p>
-          <a:p>
-            <a:pPr lvl="1"/>
-            <a:r>
-              <a:rPr lang="en-US" sz="2200"/>
-              <a:t>CMYK 100/0/5/5</a:t>
-            </a:r>
-          </a:p>
-          <a:p>
-            <a:pPr lvl="1"/>
-            <a:r>
-              <a:rPr lang="en-US" sz="2200"/>
-              <a:t>RGB 0/160/210</a:t>
-            </a:r>
-          </a:p>
-          <a:p>
-            <a:pPr lvl="1"/>
-            <a:r>
-              <a:rPr lang="en-US" sz="2200"/>
-              <a:t>RAL Himmelblau</a:t>
-            </a:r>
-          </a:p>
-          <a:p>
-            <a:pPr lvl="1"/>
-            <a:endParaRPr lang="en-US" sz="2200"/>
-          </a:p>
-        </p:txBody>
-      </p:sp>
-      <p:sp>
-        <p:nvSpPr>
-          <p:cNvPr id="165892" name="Rectangle 4"/>
-          <p:cNvSpPr>
-            <a:spLocks noGrp="1" noChangeAspect="1" noChangeArrowheads="1"/>
-          </p:cNvSpPr>
-          <p:nvPr>
-            <p:ph type="body" sz="half" idx="2"/>
-          </p:nvPr>
-        </p:nvSpPr>
-        <p:spPr>
-          <a:xfrm>
-            <a:off x="4778375" y="1762125"/>
-            <a:ext cx="3865563" cy="2063750"/>
-          </a:xfrm>
-        </p:spPr>
-        <p:txBody>
-          <a:bodyPr/>
-          <a:lstStyle/>
-          <a:p>
-            <a:pPr>
-              <a:buClr>
-                <a:schemeClr val="accent2"/>
-              </a:buClr>
-            </a:pPr>
-            <a:r>
-              <a:rPr lang="en-US" sz="2400"/>
-              <a:t>HU Rood</a:t>
-            </a:r>
-          </a:p>
-          <a:p>
-            <a:pPr lvl="1"/>
-            <a:r>
-              <a:rPr lang="en-US" sz="2200"/>
-              <a:t>PMS 485</a:t>
-            </a:r>
-          </a:p>
-          <a:p>
-            <a:pPr lvl="1"/>
-            <a:r>
-              <a:rPr lang="en-US" sz="2200"/>
-              <a:t>CMYK 0/85/100/0</a:t>
-            </a:r>
-          </a:p>
-          <a:p>
-            <a:pPr lvl="1"/>
-            <a:r>
-              <a:rPr lang="en-US" sz="2200"/>
-              <a:t>RGB 237/0/16</a:t>
-            </a:r>
-          </a:p>
-          <a:p>
-            <a:pPr lvl="1"/>
-            <a:r>
-              <a:rPr lang="en-US" sz="2200"/>
-              <a:t>RAL 2002 Blutorange</a:t>
-            </a:r>
-          </a:p>
-        </p:txBody>
-      </p:sp>
-      <p:sp>
-        <p:nvSpPr>
-          <p:cNvPr id="165893" name="Rectangle 5"/>
-          <p:cNvSpPr>
-            <a:spLocks noChangeArrowheads="1"/>
-          </p:cNvSpPr>
-          <p:nvPr/>
-        </p:nvSpPr>
-        <p:spPr bwMode="auto">
-          <a:xfrm>
-            <a:off x="914400" y="4114800"/>
-            <a:ext cx="2133600" cy="2133600"/>
-          </a:xfrm>
-          <a:prstGeom prst="rect">
-            <a:avLst/>
-          </a:prstGeom>
-          <a:solidFill>
-            <a:schemeClr val="bg1"/>
-          </a:solidFill>
-          <a:ln w="9525">
-            <a:solidFill>
-              <a:schemeClr val="tx1"/>
-            </a:solidFill>
-            <a:miter lim="800000"/>
-            <a:headEnd/>
-            <a:tailEnd/>
-          </a:ln>
-          <a:effectLst>
-            <a:outerShdw dist="35921" dir="2700000" algn="ctr" rotWithShape="0">
-              <a:schemeClr val="bg2"/>
-            </a:outerShdw>
-          </a:effectLst>
-        </p:spPr>
-        <p:txBody>
-          <a:bodyPr wrap="none" anchor="ctr"/>
-          <a:lstStyle/>
-          <a:p>
-            <a:pPr algn="ctr"/>
-            <a:endParaRPr lang="nl-NL">
-              <a:solidFill>
-                <a:schemeClr val="accent2"/>
-              </a:solidFill>
-            </a:endParaRPr>
-          </a:p>
-        </p:txBody>
-      </p:sp>
-      <p:sp>
-        <p:nvSpPr>
-          <p:cNvPr id="165895" name="Rectangle 7"/>
-          <p:cNvSpPr>
-            <a:spLocks noChangeArrowheads="1"/>
-          </p:cNvSpPr>
-          <p:nvPr/>
-        </p:nvSpPr>
-        <p:spPr bwMode="auto">
-          <a:xfrm>
-            <a:off x="4876800" y="4114800"/>
-            <a:ext cx="2133600" cy="2133600"/>
-          </a:xfrm>
-          <a:prstGeom prst="rect">
-            <a:avLst/>
-          </a:prstGeom>
-          <a:solidFill>
-            <a:schemeClr val="accent2"/>
-          </a:solidFill>
-          <a:ln w="9525">
-            <a:solidFill>
-              <a:schemeClr val="accent2"/>
-            </a:solidFill>
-            <a:miter lim="800000"/>
-            <a:headEnd/>
-            <a:tailEnd/>
-          </a:ln>
-          <a:effectLst>
-            <a:outerShdw dist="35921" dir="2700000" algn="ctr" rotWithShape="0">
-              <a:schemeClr val="bg2"/>
-            </a:outerShdw>
-          </a:effectLst>
-        </p:spPr>
-        <p:txBody>
-          <a:bodyPr wrap="none" anchor="ctr"/>
-          <a:lstStyle/>
-          <a:p>
-            <a:pPr algn="ctr"/>
-            <a:endParaRPr lang="nl-NL">
-              <a:solidFill>
-                <a:schemeClr val="accent2"/>
-              </a:solidFill>
-            </a:endParaRPr>
+            <a:endParaRPr lang="nl-NL"/>
           </a:p>
         </p:txBody>
       </p:sp>
     </p:spTree>
+    <p:extLst>
+      <p:ext uri="{BB962C8B-B14F-4D97-AF65-F5344CB8AC3E}">
+        <p14:creationId xmlns:p14="http://schemas.microsoft.com/office/powerpoint/2010/main" val="2114453560"/>
+      </p:ext>
+    </p:extLst>
   </p:cSld>
   <p:clrMapOvr>
     <a:masterClrMapping/>
   </p:clrMapOvr>
-  <p:timing>
-    <p:tnLst>
-      <p:par>
-        <p:cTn id="1" dur="indefinite" restart="never" nodeType="tmRoot"/>
-      </p:par>
-    </p:tnLst>
-  </p:timing>
 </p:sld>
 </file>
 
@@ -9087,9 +5799,9 @@
       </p:grpSpPr>
       <p:sp>
         <p:nvSpPr>
-          <p:cNvPr id="166914" name="Rectangle 2"/>
-          <p:cNvSpPr>
-            <a:spLocks noGrp="1" noChangeArrowheads="1"/>
+          <p:cNvPr id="2" name="Titel 1"/>
+          <p:cNvSpPr>
+            <a:spLocks noGrp="1"/>
           </p:cNvSpPr>
           <p:nvPr>
             <p:ph type="title"/>
@@ -9101,82 +5813,42 @@
           <a:lstStyle/>
           <a:p>
             <a:r>
-              <a:rPr lang="en-US"/>
-              <a:t>Hu ppt [fotografie]</a:t>
-            </a:r>
-          </a:p>
-        </p:txBody>
-      </p:sp>
-      <p:sp>
-        <p:nvSpPr>
-          <p:cNvPr id="166915" name="Rectangle 3"/>
-          <p:cNvSpPr>
-            <a:spLocks noGrp="1" noChangeAspect="1" noChangeArrowheads="1"/>
-          </p:cNvSpPr>
-          <p:nvPr>
-            <p:ph type="body" idx="1"/>
-          </p:nvPr>
-        </p:nvSpPr>
-        <p:spPr>
-          <a:xfrm>
-            <a:off x="3962400" y="3206750"/>
-            <a:ext cx="3843338" cy="946150"/>
-          </a:xfrm>
-          <a:noFill/>
-        </p:spPr>
+              <a:rPr lang="nl-NL" dirty="0" smtClean="0"/>
+              <a:t>Feedback</a:t>
+            </a:r>
+            <a:endParaRPr lang="nl-NL" dirty="0"/>
+          </a:p>
+        </p:txBody>
+      </p:sp>
+      <p:sp>
+        <p:nvSpPr>
+          <p:cNvPr id="3" name="Tijdelijke aanduiding voor inhoud 2"/>
+          <p:cNvSpPr>
+            <a:spLocks noGrp="1"/>
+          </p:cNvSpPr>
+          <p:nvPr>
+            <p:ph idx="1"/>
+          </p:nvPr>
+        </p:nvSpPr>
+        <p:spPr/>
         <p:txBody>
           <a:bodyPr/>
           <a:lstStyle/>
           <a:p>
-            <a:pPr>
-              <a:buFont typeface="Zapf Dingbats" charset="2"/>
-              <a:buNone/>
-            </a:pPr>
-            <a:r>
-              <a:rPr lang="en-US"/>
-              <a:t>	foto’s bij voorkeur aflopend plaatsen</a:t>
-            </a:r>
-          </a:p>
-        </p:txBody>
-      </p:sp>
-      <p:pic>
-        <p:nvPicPr>
-          <p:cNvPr id="166923" name="Picture 11" descr="fotografie.pdf                                                 000C6298Macintosh HD                   BB707946:"/>
-          <p:cNvPicPr>
-            <a:picLocks noChangeAspect="1" noChangeArrowheads="1"/>
-          </p:cNvPicPr>
-          <p:nvPr/>
-        </p:nvPicPr>
-        <p:blipFill>
-          <a:blip r:embed="rId3" r:link="rId4" cstate="print"/>
-          <a:srcRect/>
-          <a:stretch>
-            <a:fillRect/>
-          </a:stretch>
-        </p:blipFill>
-        <p:spPr bwMode="auto">
-          <a:xfrm>
-            <a:off x="-63500" y="1371600"/>
-            <a:ext cx="3949700" cy="5715000"/>
-          </a:xfrm>
-          <a:prstGeom prst="rect">
-            <a:avLst/>
-          </a:prstGeom>
-          <a:noFill/>
-        </p:spPr>
-      </p:pic>
+            <a:endParaRPr lang="nl-NL"/>
+          </a:p>
+        </p:txBody>
+      </p:sp>
     </p:spTree>
+    <p:extLst>
+      <p:ext uri="{BB962C8B-B14F-4D97-AF65-F5344CB8AC3E}">
+        <p14:creationId xmlns:p14="http://schemas.microsoft.com/office/powerpoint/2010/main" val="1802832810"/>
+      </p:ext>
+    </p:extLst>
   </p:cSld>
   <p:clrMapOvr>
     <a:masterClrMapping/>
   </p:clrMapOvr>
-  <p:timing>
-    <p:tnLst>
-      <p:par>
-        <p:cTn id="1" dur="indefinite" restart="never" nodeType="tmRoot"/>
-      </p:par>
-    </p:tnLst>
-  </p:timing>
 </p:sld>
 </file>
 
@@ -9199,9 +5871,9 @@
       </p:grpSpPr>
       <p:sp>
         <p:nvSpPr>
-          <p:cNvPr id="169986" name="Rectangle 2"/>
-          <p:cNvSpPr>
-            <a:spLocks noGrp="1" noChangeArrowheads="1"/>
+          <p:cNvPr id="2" name="Titel 1"/>
+          <p:cNvSpPr>
+            <a:spLocks noGrp="1"/>
           </p:cNvSpPr>
           <p:nvPr>
             <p:ph type="title"/>
@@ -9213,558 +5885,42 @@
           <a:lstStyle/>
           <a:p>
             <a:r>
-              <a:rPr lang="en-US"/>
-              <a:t>HU ppt kleurenschema</a:t>
-            </a:r>
-          </a:p>
-        </p:txBody>
-      </p:sp>
-      <p:sp>
-        <p:nvSpPr>
-          <p:cNvPr id="169988" name="Rectangle 4"/>
-          <p:cNvSpPr>
-            <a:spLocks noGrp="1" noChangeAspect="1" noChangeArrowheads="1"/>
-          </p:cNvSpPr>
-          <p:nvPr>
-            <p:ph type="body" sz="half" idx="2"/>
-          </p:nvPr>
-        </p:nvSpPr>
-        <p:spPr>
-          <a:xfrm>
-            <a:off x="4191000" y="3111500"/>
-            <a:ext cx="4724400" cy="1552575"/>
-          </a:xfrm>
-        </p:spPr>
+              <a:rPr lang="nl-NL" dirty="0" smtClean="0"/>
+              <a:t>Topics</a:t>
+            </a:r>
+            <a:endParaRPr lang="nl-NL" dirty="0"/>
+          </a:p>
+        </p:txBody>
+      </p:sp>
+      <p:sp>
+        <p:nvSpPr>
+          <p:cNvPr id="3" name="Tijdelijke aanduiding voor inhoud 2"/>
+          <p:cNvSpPr>
+            <a:spLocks noGrp="1"/>
+          </p:cNvSpPr>
+          <p:nvPr>
+            <p:ph idx="1"/>
+          </p:nvPr>
+        </p:nvSpPr>
+        <p:spPr/>
         <p:txBody>
           <a:bodyPr/>
           <a:lstStyle/>
           <a:p>
-            <a:pPr>
-              <a:buClr>
-                <a:schemeClr val="tx1"/>
-              </a:buClr>
-              <a:buSzPct val="70000"/>
-              <a:buFont typeface="Wingdings" pitchFamily="2" charset="2"/>
-              <a:buNone/>
-            </a:pPr>
-            <a:r>
-              <a:rPr lang="en-US" sz="2400"/>
-              <a:t>	Het hiernaast weergegeven kleurenschema is in de        HU-template ingesteld als voorkeursschema</a:t>
-            </a:r>
-          </a:p>
-        </p:txBody>
-      </p:sp>
-      <p:pic>
-        <p:nvPicPr>
-          <p:cNvPr id="169993" name="Picture 9" descr="kleurenschema.pdf                                              000C6298Macintosh HD                   BB707946:"/>
-          <p:cNvPicPr>
-            <a:picLocks noGrp="1" noChangeAspect="1" noChangeArrowheads="1"/>
-          </p:cNvPicPr>
-          <p:nvPr>
-            <p:ph sz="half" idx="1"/>
-          </p:nvPr>
-        </p:nvPicPr>
-        <p:blipFill>
-          <a:blip r:embed="rId3" r:link="rId4" cstate="print"/>
-          <a:srcRect/>
-          <a:stretch>
-            <a:fillRect/>
-          </a:stretch>
-        </p:blipFill>
-        <p:spPr>
-          <a:xfrm>
-            <a:off x="928688" y="1752600"/>
-            <a:ext cx="3262312" cy="3810000"/>
-          </a:xfrm>
-        </p:spPr>
-      </p:pic>
+            <a:endParaRPr lang="nl-NL" dirty="0"/>
+          </a:p>
+        </p:txBody>
+      </p:sp>
     </p:spTree>
+    <p:extLst>
+      <p:ext uri="{BB962C8B-B14F-4D97-AF65-F5344CB8AC3E}">
+        <p14:creationId xmlns:p14="http://schemas.microsoft.com/office/powerpoint/2010/main" val="2216016255"/>
+      </p:ext>
+    </p:extLst>
   </p:cSld>
   <p:clrMapOvr>
     <a:masterClrMapping/>
   </p:clrMapOvr>
-  <p:timing>
-    <p:tnLst>
-      <p:par>
-        <p:cTn id="1" dur="indefinite" restart="never" nodeType="tmRoot"/>
-      </p:par>
-    </p:tnLst>
-  </p:timing>
-</p:sld>
-</file>
-
-<file path=ppt/slides/slide6.xml><?xml version="1.0" encoding="utf-8"?>
-<p:sld xmlns:a="http://schemas.openxmlformats.org/drawingml/2006/main" xmlns:r="http://schemas.openxmlformats.org/officeDocument/2006/relationships" xmlns:p="http://schemas.openxmlformats.org/presentationml/2006/main">
-  <p:cSld>
-    <p:spTree>
-      <p:nvGrpSpPr>
-        <p:cNvPr id="1" name=""/>
-        <p:cNvGrpSpPr/>
-        <p:nvPr/>
-      </p:nvGrpSpPr>
-      <p:grpSpPr>
-        <a:xfrm>
-          <a:off x="0" y="0"/>
-          <a:ext cx="0" cy="0"/>
-          <a:chOff x="0" y="0"/>
-          <a:chExt cx="0" cy="0"/>
-        </a:xfrm>
-      </p:grpSpPr>
-      <p:sp>
-        <p:nvSpPr>
-          <p:cNvPr id="171010" name="Rectangle 2"/>
-          <p:cNvSpPr>
-            <a:spLocks noGrp="1" noChangeArrowheads="1"/>
-          </p:cNvSpPr>
-          <p:nvPr>
-            <p:ph type="title"/>
-          </p:nvPr>
-        </p:nvSpPr>
-        <p:spPr/>
-        <p:txBody>
-          <a:bodyPr/>
-          <a:lstStyle/>
-          <a:p>
-            <a:r>
-              <a:rPr lang="en-US"/>
-              <a:t>HU ppt [taart]</a:t>
-            </a:r>
-          </a:p>
-        </p:txBody>
-      </p:sp>
-      <p:graphicFrame>
-        <p:nvGraphicFramePr>
-          <p:cNvPr id="171011" name="Object 3"/>
-          <p:cNvGraphicFramePr>
-            <a:graphicFrameLocks noChangeAspect="1"/>
-          </p:cNvGraphicFramePr>
-          <p:nvPr>
-            <p:ph type="chart" sz="half" idx="1"/>
-          </p:nvPr>
-        </p:nvGraphicFramePr>
-        <p:xfrm>
-          <a:off x="-1219200" y="1219200"/>
-          <a:ext cx="5943600" cy="3406775"/>
-        </p:xfrm>
-        <a:graphic>
-          <a:graphicData uri="http://schemas.openxmlformats.org/presentationml/2006/ole">
-            <p:oleObj spid="_x0000_s171011" name="Chart" r:id="rId4" imgW="8991600" imgH="5152934" progId="MSGraph.Chart.8">
-              <p:embed followColorScheme="full"/>
-            </p:oleObj>
-          </a:graphicData>
-        </a:graphic>
-      </p:graphicFrame>
-      <p:sp>
-        <p:nvSpPr>
-          <p:cNvPr id="171012" name="Rectangle 4"/>
-          <p:cNvSpPr>
-            <a:spLocks noGrp="1" noChangeAspect="1" noChangeArrowheads="1"/>
-          </p:cNvSpPr>
-          <p:nvPr>
-            <p:ph type="body" sz="half" idx="2"/>
-          </p:nvPr>
-        </p:nvSpPr>
-        <p:spPr>
-          <a:xfrm>
-            <a:off x="381000" y="4953000"/>
-            <a:ext cx="8262938" cy="822325"/>
-          </a:xfrm>
-        </p:spPr>
-        <p:txBody>
-          <a:bodyPr/>
-          <a:lstStyle/>
-          <a:p>
-            <a:pPr>
-              <a:buFont typeface="Zapf Dingbats" charset="2"/>
-              <a:buNone/>
-            </a:pPr>
-            <a:r>
-              <a:rPr lang="en-US" sz="2400"/>
-              <a:t>	Door dubbel te klikken op de ‘taart’ kunt u deze toevoegen aan uw persoonlijke voorkeuren</a:t>
-            </a:r>
-          </a:p>
-        </p:txBody>
-      </p:sp>
-      <p:pic>
-        <p:nvPicPr>
-          <p:cNvPr id="171015" name="Picture 7" descr="hu-taart.pdf                                                   000C6298Macintosh HD                   BB707946:"/>
-          <p:cNvPicPr>
-            <a:picLocks noChangeAspect="1" noChangeArrowheads="1"/>
-          </p:cNvPicPr>
-          <p:nvPr/>
-        </p:nvPicPr>
-        <p:blipFill>
-          <a:blip r:embed="rId5" r:link="rId6" cstate="print"/>
-          <a:srcRect/>
-          <a:stretch>
-            <a:fillRect/>
-          </a:stretch>
-        </p:blipFill>
-        <p:spPr bwMode="auto">
-          <a:xfrm>
-            <a:off x="4953000" y="1828800"/>
-            <a:ext cx="2328863" cy="2514600"/>
-          </a:xfrm>
-          <a:prstGeom prst="rect">
-            <a:avLst/>
-          </a:prstGeom>
-          <a:noFill/>
-        </p:spPr>
-      </p:pic>
-    </p:spTree>
-  </p:cSld>
-  <p:clrMapOvr>
-    <a:masterClrMapping/>
-  </p:clrMapOvr>
-  <p:timing>
-    <p:tnLst>
-      <p:par>
-        <p:cTn id="1" dur="indefinite" restart="never" nodeType="tmRoot"/>
-      </p:par>
-    </p:tnLst>
-  </p:timing>
-</p:sld>
-</file>
-
-<file path=ppt/slides/slide7.xml><?xml version="1.0" encoding="utf-8"?>
-<p:sld xmlns:a="http://schemas.openxmlformats.org/drawingml/2006/main" xmlns:r="http://schemas.openxmlformats.org/officeDocument/2006/relationships" xmlns:p="http://schemas.openxmlformats.org/presentationml/2006/main">
-  <p:cSld>
-    <p:spTree>
-      <p:nvGrpSpPr>
-        <p:cNvPr id="1" name=""/>
-        <p:cNvGrpSpPr/>
-        <p:nvPr/>
-      </p:nvGrpSpPr>
-      <p:grpSpPr>
-        <a:xfrm>
-          <a:off x="0" y="0"/>
-          <a:ext cx="0" cy="0"/>
-          <a:chOff x="0" y="0"/>
-          <a:chExt cx="0" cy="0"/>
-        </a:xfrm>
-      </p:grpSpPr>
-      <p:sp>
-        <p:nvSpPr>
-          <p:cNvPr id="172034" name="Rectangle 2"/>
-          <p:cNvSpPr>
-            <a:spLocks noGrp="1" noChangeArrowheads="1"/>
-          </p:cNvSpPr>
-          <p:nvPr>
-            <p:ph type="title"/>
-          </p:nvPr>
-        </p:nvSpPr>
-        <p:spPr/>
-        <p:txBody>
-          <a:bodyPr/>
-          <a:lstStyle/>
-          <a:p>
-            <a:r>
-              <a:rPr lang="en-US"/>
-              <a:t>HU ppt [staaf]</a:t>
-            </a:r>
-          </a:p>
-        </p:txBody>
-      </p:sp>
-      <p:graphicFrame>
-        <p:nvGraphicFramePr>
-          <p:cNvPr id="172035" name="Object 3"/>
-          <p:cNvGraphicFramePr>
-            <a:graphicFrameLocks noChangeAspect="1"/>
-          </p:cNvGraphicFramePr>
-          <p:nvPr>
-            <p:ph type="chart" sz="half" idx="1"/>
-          </p:nvPr>
-        </p:nvGraphicFramePr>
-        <p:xfrm>
-          <a:off x="-1295400" y="1681163"/>
-          <a:ext cx="6096000" cy="3494087"/>
-        </p:xfrm>
-        <a:graphic>
-          <a:graphicData uri="http://schemas.openxmlformats.org/presentationml/2006/ole">
-            <p:oleObj spid="_x0000_s172035" name="Chart" r:id="rId4" imgW="8991600" imgH="5152934" progId="MSGraph.Chart.8">
-              <p:embed followColorScheme="full"/>
-            </p:oleObj>
-          </a:graphicData>
-        </a:graphic>
-      </p:graphicFrame>
-      <p:sp>
-        <p:nvSpPr>
-          <p:cNvPr id="172036" name="Rectangle 4"/>
-          <p:cNvSpPr>
-            <a:spLocks noGrp="1" noChangeAspect="1" noChangeArrowheads="1"/>
-          </p:cNvSpPr>
-          <p:nvPr>
-            <p:ph type="body" sz="half" idx="2"/>
-          </p:nvPr>
-        </p:nvSpPr>
-        <p:spPr>
-          <a:xfrm>
-            <a:off x="457200" y="4953000"/>
-            <a:ext cx="8262938" cy="822325"/>
-          </a:xfrm>
-        </p:spPr>
-        <p:txBody>
-          <a:bodyPr/>
-          <a:lstStyle/>
-          <a:p>
-            <a:pPr>
-              <a:buFont typeface="Zapf Dingbats" charset="2"/>
-              <a:buNone/>
-            </a:pPr>
-            <a:r>
-              <a:rPr lang="en-US" sz="2400"/>
-              <a:t>	Door dubbel te klikken op de ‘staafdiagram’ kunt u deze toevoegen aan uw persoonlijke voorkeuren</a:t>
-            </a:r>
-          </a:p>
-        </p:txBody>
-      </p:sp>
-      <p:pic>
-        <p:nvPicPr>
-          <p:cNvPr id="172040" name="Picture 8" descr=" staaf.pdf                                                      000C6298Macintosh HD                   BB707946:"/>
-          <p:cNvPicPr>
-            <a:picLocks noChangeAspect="1" noChangeArrowheads="1"/>
-          </p:cNvPicPr>
-          <p:nvPr/>
-        </p:nvPicPr>
-        <p:blipFill>
-          <a:blip r:embed="rId5" r:link="rId6" cstate="print"/>
-          <a:srcRect/>
-          <a:stretch>
-            <a:fillRect/>
-          </a:stretch>
-        </p:blipFill>
-        <p:spPr bwMode="auto">
-          <a:xfrm>
-            <a:off x="4953000" y="1828800"/>
-            <a:ext cx="2654300" cy="2819400"/>
-          </a:xfrm>
-          <a:prstGeom prst="rect">
-            <a:avLst/>
-          </a:prstGeom>
-          <a:noFill/>
-        </p:spPr>
-      </p:pic>
-    </p:spTree>
-  </p:cSld>
-  <p:clrMapOvr>
-    <a:masterClrMapping/>
-  </p:clrMapOvr>
-  <p:timing>
-    <p:tnLst>
-      <p:par>
-        <p:cTn id="1" dur="indefinite" restart="never" nodeType="tmRoot"/>
-      </p:par>
-    </p:tnLst>
-  </p:timing>
-</p:sld>
-</file>
-
-<file path=ppt/slides/slide8.xml><?xml version="1.0" encoding="utf-8"?>
-<p:sld xmlns:a="http://schemas.openxmlformats.org/drawingml/2006/main" xmlns:r="http://schemas.openxmlformats.org/officeDocument/2006/relationships" xmlns:p="http://schemas.openxmlformats.org/presentationml/2006/main">
-  <p:cSld>
-    <p:spTree>
-      <p:nvGrpSpPr>
-        <p:cNvPr id="1" name=""/>
-        <p:cNvGrpSpPr/>
-        <p:nvPr/>
-      </p:nvGrpSpPr>
-      <p:grpSpPr>
-        <a:xfrm>
-          <a:off x="0" y="0"/>
-          <a:ext cx="0" cy="0"/>
-          <a:chOff x="0" y="0"/>
-          <a:chExt cx="0" cy="0"/>
-        </a:xfrm>
-      </p:grpSpPr>
-      <p:sp>
-        <p:nvSpPr>
-          <p:cNvPr id="173058" name="Rectangle 2"/>
-          <p:cNvSpPr>
-            <a:spLocks noGrp="1" noChangeArrowheads="1"/>
-          </p:cNvSpPr>
-          <p:nvPr>
-            <p:ph type="title"/>
-          </p:nvPr>
-        </p:nvSpPr>
-        <p:spPr/>
-        <p:txBody>
-          <a:bodyPr/>
-          <a:lstStyle/>
-          <a:p>
-            <a:r>
-              <a:rPr lang="en-US"/>
-              <a:t>HU ppt [lijn]</a:t>
-            </a:r>
-          </a:p>
-        </p:txBody>
-      </p:sp>
-      <p:graphicFrame>
-        <p:nvGraphicFramePr>
-          <p:cNvPr id="173059" name="Object 3"/>
-          <p:cNvGraphicFramePr>
-            <a:graphicFrameLocks noChangeAspect="1"/>
-          </p:cNvGraphicFramePr>
-          <p:nvPr>
-            <p:ph type="chart" sz="half" idx="1"/>
-          </p:nvPr>
-        </p:nvGraphicFramePr>
-        <p:xfrm>
-          <a:off x="-1219200" y="1681163"/>
-          <a:ext cx="6096000" cy="3494087"/>
-        </p:xfrm>
-        <a:graphic>
-          <a:graphicData uri="http://schemas.openxmlformats.org/presentationml/2006/ole">
-            <p:oleObj spid="_x0000_s173059" name="Chart" r:id="rId4" imgW="8991600" imgH="5152934" progId="MSGraph.Chart.8">
-              <p:embed followColorScheme="full"/>
-            </p:oleObj>
-          </a:graphicData>
-        </a:graphic>
-      </p:graphicFrame>
-      <p:sp>
-        <p:nvSpPr>
-          <p:cNvPr id="173060" name="Rectangle 4"/>
-          <p:cNvSpPr>
-            <a:spLocks noGrp="1" noChangeAspect="1" noChangeArrowheads="1"/>
-          </p:cNvSpPr>
-          <p:nvPr>
-            <p:ph type="body" sz="half" idx="2"/>
-          </p:nvPr>
-        </p:nvSpPr>
-        <p:spPr>
-          <a:xfrm>
-            <a:off x="457200" y="4953000"/>
-            <a:ext cx="8262938" cy="822325"/>
-          </a:xfrm>
-        </p:spPr>
-        <p:txBody>
-          <a:bodyPr/>
-          <a:lstStyle/>
-          <a:p>
-            <a:pPr>
-              <a:buFont typeface="Zapf Dingbats" charset="2"/>
-              <a:buNone/>
-            </a:pPr>
-            <a:r>
-              <a:rPr lang="en-US" sz="2400"/>
-              <a:t>	Door dubbel te klikken op de ‘lijndiagram’ kunt u deze toevoegen aan uw persoonlijke voorkeuren</a:t>
-            </a:r>
-          </a:p>
-        </p:txBody>
-      </p:sp>
-      <p:pic>
-        <p:nvPicPr>
-          <p:cNvPr id="173063" name="Picture 7" descr="lijn.pdf                                                       000C6298Macintosh HD                   BB707946:"/>
-          <p:cNvPicPr>
-            <a:picLocks noChangeAspect="1" noChangeArrowheads="1"/>
-          </p:cNvPicPr>
-          <p:nvPr/>
-        </p:nvPicPr>
-        <p:blipFill>
-          <a:blip r:embed="rId5" r:link="rId6" cstate="print"/>
-          <a:srcRect/>
-          <a:stretch>
-            <a:fillRect/>
-          </a:stretch>
-        </p:blipFill>
-        <p:spPr bwMode="auto">
-          <a:xfrm>
-            <a:off x="4875213" y="1828800"/>
-            <a:ext cx="2617787" cy="2819400"/>
-          </a:xfrm>
-          <a:prstGeom prst="rect">
-            <a:avLst/>
-          </a:prstGeom>
-          <a:noFill/>
-        </p:spPr>
-      </p:pic>
-    </p:spTree>
-  </p:cSld>
-  <p:clrMapOvr>
-    <a:masterClrMapping/>
-  </p:clrMapOvr>
-  <p:timing>
-    <p:tnLst>
-      <p:par>
-        <p:cTn id="1" dur="indefinite" restart="never" nodeType="tmRoot"/>
-      </p:par>
-    </p:tnLst>
-  </p:timing>
-</p:sld>
-</file>
-
-<file path=ppt/slides/slide9.xml><?xml version="1.0" encoding="utf-8"?>
-<p:sld xmlns:a="http://schemas.openxmlformats.org/drawingml/2006/main" xmlns:r="http://schemas.openxmlformats.org/officeDocument/2006/relationships" xmlns:p="http://schemas.openxmlformats.org/presentationml/2006/main">
-  <p:cSld>
-    <p:spTree>
-      <p:nvGrpSpPr>
-        <p:cNvPr id="1" name=""/>
-        <p:cNvGrpSpPr/>
-        <p:nvPr/>
-      </p:nvGrpSpPr>
-      <p:grpSpPr>
-        <a:xfrm>
-          <a:off x="0" y="0"/>
-          <a:ext cx="0" cy="0"/>
-          <a:chOff x="0" y="0"/>
-          <a:chExt cx="0" cy="0"/>
-        </a:xfrm>
-      </p:grpSpPr>
-      <p:sp>
-        <p:nvSpPr>
-          <p:cNvPr id="175106" name="Rectangle 2"/>
-          <p:cNvSpPr>
-            <a:spLocks noGrp="1" noChangeArrowheads="1"/>
-          </p:cNvSpPr>
-          <p:nvPr>
-            <p:ph type="title"/>
-          </p:nvPr>
-        </p:nvSpPr>
-        <p:spPr/>
-        <p:txBody>
-          <a:bodyPr/>
-          <a:lstStyle/>
-          <a:p>
-            <a:r>
-              <a:rPr lang="en-US"/>
-              <a:t>HU ppt [organisatieschema]</a:t>
-            </a:r>
-          </a:p>
-        </p:txBody>
-      </p:sp>
-      <p:graphicFrame>
-        <p:nvGraphicFramePr>
-          <p:cNvPr id="175107" name="Object 3"/>
-          <p:cNvGraphicFramePr>
-            <a:graphicFrameLocks noChangeAspect="1"/>
-          </p:cNvGraphicFramePr>
-          <p:nvPr>
-            <p:ph type="dgm" idx="1"/>
-          </p:nvPr>
-        </p:nvGraphicFramePr>
-        <p:xfrm>
-          <a:off x="1187450" y="2060575"/>
-          <a:ext cx="6769100" cy="1368425"/>
-        </p:xfrm>
-        <a:graphic>
-          <a:graphicData uri="http://schemas.openxmlformats.org/presentationml/2006/ole">
-            <p:oleObj spid="_x0000_s175107" name="Microsoft Organization Chart" r:id="rId4" imgW="9550400" imgH="2667000" progId="MSOrgChart.2">
-              <p:embed followColorScheme="full"/>
-            </p:oleObj>
-          </a:graphicData>
-        </a:graphic>
-      </p:graphicFrame>
-    </p:spTree>
-  </p:cSld>
-  <p:clrMapOvr>
-    <a:masterClrMapping/>
-  </p:clrMapOvr>
-  <p:timing>
-    <p:tnLst>
-      <p:par>
-        <p:cTn id="1" dur="indefinite" restart="never" nodeType="tmRoot"/>
-      </p:par>
-    </p:tnLst>
-  </p:timing>
 </p:sld>
 </file>
 

--- a/slides/ddl-w6l2.pptx
+++ b/slides/ddl-w6l2.pptx
@@ -5,17 +5,33 @@
     <p:sldMasterId id="2147483649" r:id="rId1"/>
   </p:sldMasterIdLst>
   <p:notesMasterIdLst>
-    <p:notesMasterId r:id="rId7"/>
+    <p:notesMasterId r:id="rId23"/>
   </p:notesMasterIdLst>
   <p:handoutMasterIdLst>
-    <p:handoutMasterId r:id="rId8"/>
+    <p:handoutMasterId r:id="rId24"/>
   </p:handoutMasterIdLst>
   <p:sldIdLst>
     <p:sldId id="276" r:id="rId2"/>
     <p:sldId id="277" r:id="rId3"/>
     <p:sldId id="278" r:id="rId4"/>
     <p:sldId id="279" r:id="rId5"/>
-    <p:sldId id="280" r:id="rId6"/>
+    <p:sldId id="295" r:id="rId6"/>
+    <p:sldId id="296" r:id="rId7"/>
+    <p:sldId id="280" r:id="rId8"/>
+    <p:sldId id="282" r:id="rId9"/>
+    <p:sldId id="283" r:id="rId10"/>
+    <p:sldId id="288" r:id="rId11"/>
+    <p:sldId id="284" r:id="rId12"/>
+    <p:sldId id="285" r:id="rId13"/>
+    <p:sldId id="286" r:id="rId14"/>
+    <p:sldId id="290" r:id="rId15"/>
+    <p:sldId id="297" r:id="rId16"/>
+    <p:sldId id="289" r:id="rId17"/>
+    <p:sldId id="291" r:id="rId18"/>
+    <p:sldId id="292" r:id="rId19"/>
+    <p:sldId id="293" r:id="rId20"/>
+    <p:sldId id="294" r:id="rId21"/>
+    <p:sldId id="287" r:id="rId22"/>
   </p:sldIdLst>
   <p:sldSz cx="9144000" cy="6858000" type="screen4x3"/>
   <p:notesSz cx="6858000" cy="9144000"/>
@@ -294,7 +310,7 @@
             <a:fld id="{373F1B60-BDF4-4D63-AD79-99D5A5B1DF99}" type="datetime1">
               <a:rPr lang="en-US"/>
               <a:pPr/>
-              <a:t>12/12/2018</a:t>
+              <a:t>12/16/2018</a:t>
             </a:fld>
             <a:endParaRPr lang="en-US"/>
           </a:p>
@@ -513,7 +529,7 @@
             <a:fld id="{4387A7AA-DFE9-4771-BEDE-3294FCEBFB02}" type="datetime1">
               <a:rPr lang="en-US"/>
               <a:pPr/>
-              <a:t>12/12/2018</a:t>
+              <a:t>12/16/2018</a:t>
             </a:fld>
             <a:endParaRPr lang="en-US"/>
           </a:p>
@@ -904,7 +920,7 @@
             <a:fld id="{8541E2CD-DBF4-40F9-B6F8-EEFD0DF8A138}" type="datetime1">
               <a:rPr lang="en-US"/>
               <a:pPr/>
-              <a:t>12/12/2018</a:t>
+              <a:t>12/16/2018</a:t>
             </a:fld>
             <a:endParaRPr lang="en-US"/>
           </a:p>
@@ -1124,7 +1140,7 @@
             <a:fld id="{93F21019-3A00-48AC-9663-40DF67A83229}" type="datetime1">
               <a:rPr lang="en-US"/>
               <a:pPr/>
-              <a:t>12/12/2018</a:t>
+              <a:t>12/16/2018</a:t>
             </a:fld>
             <a:endParaRPr lang="en-US">
               <a:solidFill>
@@ -1310,7 +1326,7 @@
             <a:fld id="{8B2EF9C8-0AC3-4A53-9A61-1834A571F420}" type="datetime1">
               <a:rPr lang="en-US"/>
               <a:pPr/>
-              <a:t>12/12/2018</a:t>
+              <a:t>12/16/2018</a:t>
             </a:fld>
             <a:endParaRPr lang="en-US" sz="1400">
               <a:solidFill>
@@ -1507,7 +1523,7 @@
             <a:fld id="{F02960F3-A385-4905-A491-FDC17E063DD1}" type="datetime1">
               <a:rPr lang="en-US"/>
               <a:pPr/>
-              <a:t>12/12/2018</a:t>
+              <a:t>12/16/2018</a:t>
             </a:fld>
             <a:endParaRPr lang="en-US" sz="1400">
               <a:solidFill>
@@ -1766,7 +1782,7 @@
             <a:fld id="{CD3AD70A-8E2A-47B5-AC18-ABBB5A8E737D}" type="datetime1">
               <a:rPr lang="en-US"/>
               <a:pPr/>
-              <a:t>12/12/2018</a:t>
+              <a:t>12/16/2018</a:t>
             </a:fld>
             <a:endParaRPr lang="en-US" sz="1400">
               <a:solidFill>
@@ -2002,7 +2018,7 @@
             <a:fld id="{07008C2E-9BD6-496B-BFC3-B4A975EBC85E}" type="datetime1">
               <a:rPr lang="en-US"/>
               <a:pPr/>
-              <a:t>12/12/2018</a:t>
+              <a:t>12/16/2018</a:t>
             </a:fld>
             <a:endParaRPr lang="en-US" sz="1400">
               <a:solidFill>
@@ -2181,7 +2197,7 @@
             <a:fld id="{1AA2C3CF-866C-4FDE-B76D-4E9536901630}" type="datetime1">
               <a:rPr lang="en-US"/>
               <a:pPr/>
-              <a:t>12/12/2018</a:t>
+              <a:t>12/16/2018</a:t>
             </a:fld>
             <a:endParaRPr lang="en-US" sz="1400">
               <a:solidFill>
@@ -2360,7 +2376,7 @@
             <a:fld id="{555EE259-FE08-4558-B721-B189FFE77284}" type="datetime1">
               <a:rPr lang="en-US"/>
               <a:pPr/>
-              <a:t>12/12/2018</a:t>
+              <a:t>12/16/2018</a:t>
             </a:fld>
             <a:endParaRPr lang="en-US" sz="1400">
               <a:solidFill>
@@ -2629,7 +2645,7 @@
             <a:fld id="{0AF4064E-5624-49AB-B7C6-E301A8F6B1FF}" type="datetime1">
               <a:rPr lang="en-US"/>
               <a:pPr/>
-              <a:t>12/12/2018</a:t>
+              <a:t>12/16/2018</a:t>
             </a:fld>
             <a:endParaRPr lang="en-US" sz="1400">
               <a:solidFill>
@@ -2826,7 +2842,7 @@
             <a:fld id="{CBC97FCD-6C54-4833-B032-BFBCDFA8379D}" type="datetime1">
               <a:rPr lang="en-US"/>
               <a:pPr/>
-              <a:t>12/12/2018</a:t>
+              <a:t>12/16/2018</a:t>
             </a:fld>
             <a:endParaRPr lang="en-US" sz="1400">
               <a:solidFill>
@@ -3035,7 +3051,7 @@
             <a:fld id="{F04AA577-515A-431F-98B6-3B03494ABB11}" type="datetime1">
               <a:rPr lang="en-US"/>
               <a:pPr/>
-              <a:t>12/12/2018</a:t>
+              <a:t>12/16/2018</a:t>
             </a:fld>
             <a:endParaRPr lang="en-US" sz="1400">
               <a:solidFill>
@@ -3340,7 +3356,7 @@
             <a:fld id="{6475F1A4-C474-4345-A800-2F40B0E4E70C}" type="datetime1">
               <a:rPr lang="en-US"/>
               <a:pPr/>
-              <a:t>12/12/2018</a:t>
+              <a:t>12/16/2018</a:t>
             </a:fld>
             <a:endParaRPr lang="en-US" sz="1400">
               <a:solidFill>
@@ -3784,7 +3800,7 @@
             <a:fld id="{7BA535AB-820E-4207-9DA8-5F37106C7AF4}" type="datetime1">
               <a:rPr lang="en-US"/>
               <a:pPr/>
-              <a:t>12/12/2018</a:t>
+              <a:t>12/16/2018</a:t>
             </a:fld>
             <a:endParaRPr lang="en-US" sz="1400">
               <a:solidFill>
@@ -3919,7 +3935,7 @@
             <a:fld id="{0A7E69FA-D7EE-42C0-9117-1971B541885F}" type="datetime1">
               <a:rPr lang="en-US"/>
               <a:pPr/>
-              <a:t>12/12/2018</a:t>
+              <a:t>12/16/2018</a:t>
             </a:fld>
             <a:endParaRPr lang="en-US" sz="1400">
               <a:solidFill>
@@ -4031,7 +4047,7 @@
             <a:fld id="{10D7644E-1B5D-4325-BA79-338DF2B89B56}" type="datetime1">
               <a:rPr lang="en-US"/>
               <a:pPr/>
-              <a:t>12/12/2018</a:t>
+              <a:t>12/16/2018</a:t>
             </a:fld>
             <a:endParaRPr lang="en-US" sz="1400">
               <a:solidFill>
@@ -4325,7 +4341,7 @@
             <a:fld id="{B790C882-0B74-4932-8998-E9ABB8AF1740}" type="datetime1">
               <a:rPr lang="en-US"/>
               <a:pPr/>
-              <a:t>12/12/2018</a:t>
+              <a:t>12/16/2018</a:t>
             </a:fld>
             <a:endParaRPr lang="en-US" sz="1400">
               <a:solidFill>
@@ -4595,7 +4611,7 @@
             <a:fld id="{9DC585DC-AE7D-44C1-90AB-C3A391DEA065}" type="datetime1">
               <a:rPr lang="en-US"/>
               <a:pPr/>
-              <a:t>12/12/2018</a:t>
+              <a:t>12/16/2018</a:t>
             </a:fld>
             <a:endParaRPr lang="en-US" sz="1400">
               <a:solidFill>
@@ -4859,7 +4875,7 @@
             <a:fld id="{256CE565-1940-4E5F-9190-C0815CEAAA9D}" type="datetime1">
               <a:rPr lang="en-US"/>
               <a:pPr/>
-              <a:t>12/12/2018</a:t>
+              <a:t>12/16/2018</a:t>
             </a:fld>
             <a:endParaRPr lang="en-US"/>
           </a:p>
@@ -5432,7 +5448,7 @@
         <p:spPr>
           <a:xfrm>
             <a:off x="1798638" y="2286000"/>
-            <a:ext cx="6583362" cy="2492990"/>
+            <a:ext cx="6583362" cy="2185214"/>
           </a:xfrm>
         </p:spPr>
         <p:txBody>
@@ -5448,11 +5464,7 @@
             </a:br>
             <a:r>
               <a:rPr lang="en-US" sz="2400" dirty="0" smtClean="0"/>
-              <a:t>W6 L2</a:t>
-            </a:r>
-            <a:r>
-              <a:rPr lang="en-US" sz="2400" dirty="0" smtClean="0"/>
-              <a:t>:</a:t>
+              <a:t>W6 L2:</a:t>
             </a:r>
             <a:br>
               <a:rPr lang="en-US" sz="2400" dirty="0" smtClean="0"/>
@@ -5461,23 +5473,16 @@
               <a:rPr lang="en-US" sz="2000" dirty="0" smtClean="0"/>
               <a:t>Machine learning: supervised learning</a:t>
             </a:r>
-            <a:r>
-              <a:rPr lang="en-US" sz="2000" dirty="0" smtClean="0"/>
-              <a:t/>
-            </a:r>
             <a:br>
               <a:rPr lang="en-US" sz="2000" dirty="0" smtClean="0"/>
             </a:br>
             <a:r>
               <a:rPr lang="en-US" sz="2000" dirty="0" smtClean="0"/>
-              <a:t>Decision trees and Random Forest</a:t>
-            </a:r>
-            <a:br>
+              <a:t>Decision trees and Random </a:t>
+            </a:r>
+            <a:r>
               <a:rPr lang="en-US" sz="2000" dirty="0" smtClean="0"/>
-            </a:br>
-            <a:r>
-              <a:rPr lang="en-US" sz="2000" dirty="0" smtClean="0"/>
-              <a:t>Logistic regression</a:t>
+              <a:t>Forest</a:t>
             </a:r>
             <a:r>
               <a:rPr lang="en-US" sz="2400" dirty="0" smtClean="0"/>
@@ -5557,6 +5562,2058 @@
 </p:sld>
 </file>
 
+<file path=ppt/slides/slide10.xml><?xml version="1.0" encoding="utf-8"?>
+<p:sld xmlns:a="http://schemas.openxmlformats.org/drawingml/2006/main" xmlns:r="http://schemas.openxmlformats.org/officeDocument/2006/relationships" xmlns:p="http://schemas.openxmlformats.org/presentationml/2006/main">
+  <p:cSld>
+    <p:spTree>
+      <p:nvGrpSpPr>
+        <p:cNvPr id="1" name=""/>
+        <p:cNvGrpSpPr/>
+        <p:nvPr/>
+      </p:nvGrpSpPr>
+      <p:grpSpPr>
+        <a:xfrm>
+          <a:off x="0" y="0"/>
+          <a:ext cx="0" cy="0"/>
+          <a:chOff x="0" y="0"/>
+          <a:chExt cx="0" cy="0"/>
+        </a:xfrm>
+      </p:grpSpPr>
+      <p:sp>
+        <p:nvSpPr>
+          <p:cNvPr id="2" name="Titel 1"/>
+          <p:cNvSpPr>
+            <a:spLocks noGrp="1"/>
+          </p:cNvSpPr>
+          <p:nvPr>
+            <p:ph type="title"/>
+          </p:nvPr>
+        </p:nvSpPr>
+        <p:spPr/>
+        <p:txBody>
+          <a:bodyPr/>
+          <a:lstStyle/>
+          <a:p>
+            <a:r>
+              <a:rPr lang="nl-NL" dirty="0" smtClean="0"/>
+              <a:t>Titanic </a:t>
+            </a:r>
+            <a:r>
+              <a:rPr lang="nl-NL" dirty="0" err="1" smtClean="0"/>
+              <a:t>decision</a:t>
+            </a:r>
+            <a:r>
+              <a:rPr lang="nl-NL" dirty="0" smtClean="0"/>
+              <a:t> tree</a:t>
+            </a:r>
+            <a:endParaRPr lang="nl-NL" dirty="0"/>
+          </a:p>
+        </p:txBody>
+      </p:sp>
+      <p:pic>
+        <p:nvPicPr>
+          <p:cNvPr id="4" name="Tijdelijke aanduiding voor inhoud 3"/>
+          <p:cNvPicPr>
+            <a:picLocks noGrp="1" noChangeAspect="1"/>
+          </p:cNvPicPr>
+          <p:nvPr>
+            <p:ph idx="1"/>
+          </p:nvPr>
+        </p:nvPicPr>
+        <p:blipFill>
+          <a:blip r:embed="rId2">
+            <a:extLst>
+              <a:ext uri="{28A0092B-C50C-407E-A947-70E740481C1C}">
+                <a14:useLocalDpi xmlns:a14="http://schemas.microsoft.com/office/drawing/2010/main" val="0"/>
+              </a:ext>
+            </a:extLst>
+          </a:blip>
+          <a:stretch>
+            <a:fillRect/>
+          </a:stretch>
+        </p:blipFill>
+        <p:spPr>
+          <a:xfrm>
+            <a:off x="1331640" y="1700808"/>
+            <a:ext cx="6704607" cy="4104456"/>
+          </a:xfrm>
+        </p:spPr>
+      </p:pic>
+      <p:sp>
+        <p:nvSpPr>
+          <p:cNvPr id="8" name="Tekstvak 7"/>
+          <p:cNvSpPr txBox="1"/>
+          <p:nvPr/>
+        </p:nvSpPr>
+        <p:spPr>
+          <a:xfrm>
+            <a:off x="395536" y="3174676"/>
+            <a:ext cx="1296144" cy="923330"/>
+          </a:xfrm>
+          <a:prstGeom prst="rect">
+            <a:avLst/>
+          </a:prstGeom>
+          <a:noFill/>
+        </p:spPr>
+        <p:txBody>
+          <a:bodyPr wrap="square" rtlCol="0">
+            <a:spAutoFit/>
+          </a:bodyPr>
+          <a:lstStyle/>
+          <a:p>
+            <a:r>
+              <a:rPr lang="nl-NL" sz="1800" dirty="0" smtClean="0"/>
+              <a:t>0.17: </a:t>
+            </a:r>
+            <a:r>
+              <a:rPr lang="nl-NL" sz="1800" dirty="0" err="1" smtClean="0"/>
+              <a:t>proportion</a:t>
+            </a:r>
+            <a:r>
+              <a:rPr lang="nl-NL" sz="1800" dirty="0" smtClean="0"/>
+              <a:t> </a:t>
+            </a:r>
+            <a:r>
+              <a:rPr lang="nl-NL" sz="1800" dirty="0" err="1" smtClean="0"/>
+              <a:t>survived</a:t>
+            </a:r>
+            <a:endParaRPr lang="nl-NL" sz="1800" dirty="0"/>
+          </a:p>
+        </p:txBody>
+      </p:sp>
+      <p:sp>
+        <p:nvSpPr>
+          <p:cNvPr id="9" name="Tekstvak 8"/>
+          <p:cNvSpPr txBox="1"/>
+          <p:nvPr/>
+        </p:nvSpPr>
+        <p:spPr>
+          <a:xfrm>
+            <a:off x="7532188" y="1916832"/>
+            <a:ext cx="1432299" cy="923330"/>
+          </a:xfrm>
+          <a:prstGeom prst="rect">
+            <a:avLst/>
+          </a:prstGeom>
+          <a:noFill/>
+        </p:spPr>
+        <p:txBody>
+          <a:bodyPr wrap="square" rtlCol="0">
+            <a:spAutoFit/>
+          </a:bodyPr>
+          <a:lstStyle/>
+          <a:p>
+            <a:r>
+              <a:rPr lang="nl-NL" sz="1800" dirty="0" smtClean="0"/>
+              <a:t>36%: percentage of </a:t>
+            </a:r>
+            <a:r>
+              <a:rPr lang="nl-NL" sz="1800" dirty="0" err="1" smtClean="0"/>
+              <a:t>all</a:t>
+            </a:r>
+            <a:r>
+              <a:rPr lang="nl-NL" sz="1800" dirty="0" smtClean="0"/>
+              <a:t> cases</a:t>
+            </a:r>
+            <a:endParaRPr lang="nl-NL" sz="1800" dirty="0"/>
+          </a:p>
+        </p:txBody>
+      </p:sp>
+    </p:spTree>
+    <p:extLst>
+      <p:ext uri="{BB962C8B-B14F-4D97-AF65-F5344CB8AC3E}">
+        <p14:creationId xmlns:p14="http://schemas.microsoft.com/office/powerpoint/2010/main" val="490011166"/>
+      </p:ext>
+    </p:extLst>
+  </p:cSld>
+  <p:clrMapOvr>
+    <a:masterClrMapping/>
+  </p:clrMapOvr>
+</p:sld>
+</file>
+
+<file path=ppt/slides/slide11.xml><?xml version="1.0" encoding="utf-8"?>
+<p:sld xmlns:a="http://schemas.openxmlformats.org/drawingml/2006/main" xmlns:r="http://schemas.openxmlformats.org/officeDocument/2006/relationships" xmlns:p="http://schemas.openxmlformats.org/presentationml/2006/main">
+  <p:cSld>
+    <p:spTree>
+      <p:nvGrpSpPr>
+        <p:cNvPr id="1" name=""/>
+        <p:cNvGrpSpPr/>
+        <p:nvPr/>
+      </p:nvGrpSpPr>
+      <p:grpSpPr>
+        <a:xfrm>
+          <a:off x="0" y="0"/>
+          <a:ext cx="0" cy="0"/>
+          <a:chOff x="0" y="0"/>
+          <a:chExt cx="0" cy="0"/>
+        </a:xfrm>
+      </p:grpSpPr>
+      <p:sp>
+        <p:nvSpPr>
+          <p:cNvPr id="2" name="Titel 1"/>
+          <p:cNvSpPr>
+            <a:spLocks noGrp="1"/>
+          </p:cNvSpPr>
+          <p:nvPr>
+            <p:ph type="title"/>
+          </p:nvPr>
+        </p:nvSpPr>
+        <p:spPr/>
+        <p:txBody>
+          <a:bodyPr/>
+          <a:lstStyle/>
+          <a:p>
+            <a:r>
+              <a:rPr lang="nl-NL" dirty="0" smtClean="0"/>
+              <a:t>Pros </a:t>
+            </a:r>
+            <a:r>
+              <a:rPr lang="nl-NL" dirty="0" err="1" smtClean="0"/>
+              <a:t>and</a:t>
+            </a:r>
+            <a:r>
+              <a:rPr lang="nl-NL" dirty="0" smtClean="0"/>
+              <a:t> </a:t>
+            </a:r>
+            <a:r>
+              <a:rPr lang="nl-NL" dirty="0" err="1" smtClean="0"/>
+              <a:t>cons</a:t>
+            </a:r>
+            <a:r>
+              <a:rPr lang="nl-NL" dirty="0" smtClean="0"/>
+              <a:t> of </a:t>
+            </a:r>
+            <a:r>
+              <a:rPr lang="nl-NL" dirty="0" err="1" smtClean="0"/>
+              <a:t>decision</a:t>
+            </a:r>
+            <a:r>
+              <a:rPr lang="nl-NL" dirty="0" smtClean="0"/>
+              <a:t> tree</a:t>
+            </a:r>
+            <a:endParaRPr lang="nl-NL" dirty="0"/>
+          </a:p>
+        </p:txBody>
+      </p:sp>
+      <p:sp>
+        <p:nvSpPr>
+          <p:cNvPr id="3" name="Tijdelijke aanduiding voor inhoud 2"/>
+          <p:cNvSpPr>
+            <a:spLocks noGrp="1"/>
+          </p:cNvSpPr>
+          <p:nvPr>
+            <p:ph idx="1"/>
+          </p:nvPr>
+        </p:nvSpPr>
+        <p:spPr>
+          <a:xfrm>
+            <a:off x="762000" y="1762125"/>
+            <a:ext cx="7881938" cy="3933384"/>
+          </a:xfrm>
+        </p:spPr>
+        <p:txBody>
+          <a:bodyPr/>
+          <a:lstStyle/>
+          <a:p>
+            <a:r>
+              <a:rPr lang="nl-NL" sz="2400" dirty="0" err="1" smtClean="0"/>
+              <a:t>Advantages</a:t>
+            </a:r>
+            <a:endParaRPr lang="nl-NL" sz="2400" dirty="0" smtClean="0"/>
+          </a:p>
+          <a:p>
+            <a:pPr lvl="1"/>
+            <a:r>
+              <a:rPr lang="nl-NL" sz="2400" dirty="0" smtClean="0"/>
+              <a:t>Easy </a:t>
+            </a:r>
+            <a:r>
+              <a:rPr lang="nl-NL" sz="2400" dirty="0" err="1" smtClean="0"/>
+              <a:t>to</a:t>
+            </a:r>
+            <a:r>
+              <a:rPr lang="nl-NL" sz="2400" dirty="0" smtClean="0"/>
+              <a:t> </a:t>
+            </a:r>
+            <a:r>
+              <a:rPr lang="nl-NL" sz="2400" dirty="0" err="1" smtClean="0"/>
+              <a:t>interpret</a:t>
+            </a:r>
+            <a:endParaRPr lang="nl-NL" sz="2400" dirty="0" smtClean="0"/>
+          </a:p>
+          <a:p>
+            <a:pPr lvl="1"/>
+            <a:r>
+              <a:rPr lang="nl-NL" sz="2400" dirty="0" err="1" smtClean="0"/>
+              <a:t>Not</a:t>
+            </a:r>
+            <a:r>
+              <a:rPr lang="nl-NL" sz="2400" dirty="0" smtClean="0"/>
+              <a:t> a ‘black box’ </a:t>
+            </a:r>
+            <a:r>
+              <a:rPr lang="nl-NL" sz="2400" dirty="0" err="1" smtClean="0"/>
+              <a:t>algorithm</a:t>
+            </a:r>
+            <a:endParaRPr lang="nl-NL" sz="2400" dirty="0" smtClean="0"/>
+          </a:p>
+          <a:p>
+            <a:pPr lvl="1"/>
+            <a:r>
+              <a:rPr lang="nl-NL" sz="2400" dirty="0" smtClean="0"/>
+              <a:t>Easy </a:t>
+            </a:r>
+            <a:r>
+              <a:rPr lang="nl-NL" sz="2400" dirty="0" err="1" smtClean="0"/>
+              <a:t>to</a:t>
+            </a:r>
+            <a:r>
+              <a:rPr lang="nl-NL" sz="2400" dirty="0" smtClean="0"/>
+              <a:t> </a:t>
+            </a:r>
+            <a:r>
+              <a:rPr lang="nl-NL" sz="2400" dirty="0" err="1" smtClean="0"/>
+              <a:t>communicate</a:t>
+            </a:r>
+            <a:r>
+              <a:rPr lang="nl-NL" sz="2400" dirty="0" smtClean="0"/>
+              <a:t> </a:t>
+            </a:r>
+            <a:r>
+              <a:rPr lang="nl-NL" sz="2400" dirty="0" err="1" smtClean="0"/>
+              <a:t>to</a:t>
+            </a:r>
+            <a:r>
+              <a:rPr lang="nl-NL" sz="2400" dirty="0" smtClean="0"/>
+              <a:t> </a:t>
+            </a:r>
+            <a:r>
+              <a:rPr lang="nl-NL" sz="2400" dirty="0" err="1" smtClean="0"/>
+              <a:t>other</a:t>
+            </a:r>
+            <a:r>
+              <a:rPr lang="nl-NL" sz="2400" dirty="0" smtClean="0"/>
+              <a:t> professionals, e.g. </a:t>
+            </a:r>
+            <a:r>
+              <a:rPr lang="nl-NL" sz="2400" dirty="0" err="1" smtClean="0"/>
+              <a:t>clinicians</a:t>
+            </a:r>
+            <a:endParaRPr lang="nl-NL" sz="2400" dirty="0" smtClean="0"/>
+          </a:p>
+          <a:p>
+            <a:pPr lvl="1"/>
+            <a:endParaRPr lang="nl-NL" sz="2400" dirty="0"/>
+          </a:p>
+          <a:p>
+            <a:r>
+              <a:rPr lang="nl-NL" sz="2400" dirty="0" err="1" smtClean="0"/>
+              <a:t>Disadvantes</a:t>
+            </a:r>
+            <a:endParaRPr lang="nl-NL" sz="2400" dirty="0" smtClean="0"/>
+          </a:p>
+          <a:p>
+            <a:pPr lvl="1"/>
+            <a:r>
+              <a:rPr lang="nl-NL" sz="2400" dirty="0" err="1" smtClean="0"/>
+              <a:t>Overfits</a:t>
+            </a:r>
+            <a:r>
+              <a:rPr lang="nl-NL" sz="2400" dirty="0" smtClean="0"/>
+              <a:t> </a:t>
+            </a:r>
+            <a:r>
+              <a:rPr lang="nl-NL" sz="2400" dirty="0" err="1" smtClean="0"/>
+              <a:t>easily</a:t>
+            </a:r>
+            <a:r>
+              <a:rPr lang="nl-NL" sz="2400" dirty="0" smtClean="0"/>
+              <a:t> (</a:t>
+            </a:r>
+            <a:r>
+              <a:rPr lang="nl-NL" sz="2400" i="1" dirty="0" err="1" smtClean="0"/>
+              <a:t>pruning</a:t>
+            </a:r>
+            <a:r>
+              <a:rPr lang="nl-NL" sz="2400" dirty="0" smtClean="0"/>
+              <a:t> </a:t>
+            </a:r>
+            <a:r>
+              <a:rPr lang="nl-NL" sz="2400" dirty="0" err="1" smtClean="0"/>
+              <a:t>helps</a:t>
+            </a:r>
+            <a:r>
+              <a:rPr lang="nl-NL" sz="2400" dirty="0" smtClean="0"/>
+              <a:t>)</a:t>
+            </a:r>
+          </a:p>
+          <a:p>
+            <a:pPr lvl="1"/>
+            <a:r>
+              <a:rPr lang="nl-NL" sz="2400" dirty="0" err="1" smtClean="0"/>
+              <a:t>Not</a:t>
+            </a:r>
+            <a:r>
+              <a:rPr lang="nl-NL" sz="2400" dirty="0" smtClean="0"/>
+              <a:t> a </a:t>
+            </a:r>
+            <a:r>
+              <a:rPr lang="nl-NL" sz="2400" dirty="0" err="1" smtClean="0"/>
+              <a:t>very</a:t>
+            </a:r>
+            <a:r>
+              <a:rPr lang="nl-NL" sz="2400" dirty="0" smtClean="0"/>
+              <a:t> strong </a:t>
+            </a:r>
+            <a:r>
+              <a:rPr lang="nl-NL" sz="2400" dirty="0" err="1" smtClean="0"/>
+              <a:t>algorithm</a:t>
+            </a:r>
+            <a:r>
+              <a:rPr lang="nl-NL" sz="2400" dirty="0" smtClean="0"/>
+              <a:t> in </a:t>
+            </a:r>
+            <a:r>
+              <a:rPr lang="nl-NL" sz="2400" dirty="0" err="1" smtClean="0"/>
+              <a:t>terms</a:t>
+            </a:r>
+            <a:r>
+              <a:rPr lang="nl-NL" sz="2400" dirty="0" smtClean="0"/>
+              <a:t> of </a:t>
+            </a:r>
+            <a:r>
+              <a:rPr lang="nl-NL" sz="2400" dirty="0" err="1" smtClean="0"/>
+              <a:t>prediction</a:t>
+            </a:r>
+            <a:endParaRPr lang="nl-NL" sz="2400" dirty="0"/>
+          </a:p>
+        </p:txBody>
+      </p:sp>
+    </p:spTree>
+    <p:extLst>
+      <p:ext uri="{BB962C8B-B14F-4D97-AF65-F5344CB8AC3E}">
+        <p14:creationId xmlns:p14="http://schemas.microsoft.com/office/powerpoint/2010/main" val="2915861704"/>
+      </p:ext>
+    </p:extLst>
+  </p:cSld>
+  <p:clrMapOvr>
+    <a:masterClrMapping/>
+  </p:clrMapOvr>
+</p:sld>
+</file>
+
+<file path=ppt/slides/slide12.xml><?xml version="1.0" encoding="utf-8"?>
+<p:sld xmlns:a="http://schemas.openxmlformats.org/drawingml/2006/main" xmlns:r="http://schemas.openxmlformats.org/officeDocument/2006/relationships" xmlns:p="http://schemas.openxmlformats.org/presentationml/2006/main">
+  <p:cSld>
+    <p:spTree>
+      <p:nvGrpSpPr>
+        <p:cNvPr id="1" name=""/>
+        <p:cNvGrpSpPr/>
+        <p:nvPr/>
+      </p:nvGrpSpPr>
+      <p:grpSpPr>
+        <a:xfrm>
+          <a:off x="0" y="0"/>
+          <a:ext cx="0" cy="0"/>
+          <a:chOff x="0" y="0"/>
+          <a:chExt cx="0" cy="0"/>
+        </a:xfrm>
+      </p:grpSpPr>
+      <p:sp>
+        <p:nvSpPr>
+          <p:cNvPr id="2" name="Titel 1"/>
+          <p:cNvSpPr>
+            <a:spLocks noGrp="1"/>
+          </p:cNvSpPr>
+          <p:nvPr>
+            <p:ph type="title"/>
+          </p:nvPr>
+        </p:nvSpPr>
+        <p:spPr/>
+        <p:txBody>
+          <a:bodyPr/>
+          <a:lstStyle/>
+          <a:p>
+            <a:r>
+              <a:rPr lang="nl-NL" dirty="0" err="1" smtClean="0"/>
+              <a:t>Pruning</a:t>
+            </a:r>
+            <a:endParaRPr lang="nl-NL" dirty="0"/>
+          </a:p>
+        </p:txBody>
+      </p:sp>
+      <p:sp>
+        <p:nvSpPr>
+          <p:cNvPr id="3" name="Tijdelijke aanduiding voor inhoud 2"/>
+          <p:cNvSpPr>
+            <a:spLocks noGrp="1"/>
+          </p:cNvSpPr>
+          <p:nvPr>
+            <p:ph idx="1"/>
+          </p:nvPr>
+        </p:nvSpPr>
+        <p:spPr>
+          <a:xfrm>
+            <a:off x="762000" y="1762125"/>
+            <a:ext cx="7881938" cy="4672048"/>
+          </a:xfrm>
+        </p:spPr>
+        <p:txBody>
+          <a:bodyPr/>
+          <a:lstStyle/>
+          <a:p>
+            <a:r>
+              <a:rPr lang="nl-NL" sz="2400" dirty="0" err="1" smtClean="0"/>
+              <a:t>Pruning</a:t>
+            </a:r>
+            <a:r>
+              <a:rPr lang="nl-NL" sz="2400" dirty="0" smtClean="0"/>
+              <a:t> </a:t>
+            </a:r>
+            <a:r>
+              <a:rPr lang="nl-NL" sz="2400" dirty="0" err="1" smtClean="0"/>
+              <a:t>removes</a:t>
+            </a:r>
+            <a:r>
+              <a:rPr lang="nl-NL" sz="2400" dirty="0" smtClean="0"/>
+              <a:t> </a:t>
+            </a:r>
+            <a:r>
+              <a:rPr lang="nl-NL" sz="2400" dirty="0" err="1" smtClean="0"/>
+              <a:t>nodes</a:t>
+            </a:r>
+            <a:r>
+              <a:rPr lang="nl-NL" sz="2400" dirty="0" smtClean="0"/>
+              <a:t> from the tree </a:t>
+            </a:r>
+            <a:r>
+              <a:rPr lang="nl-NL" sz="2400" dirty="0" err="1" smtClean="0"/>
+              <a:t>using</a:t>
+            </a:r>
+            <a:r>
+              <a:rPr lang="nl-NL" sz="2400" dirty="0" smtClean="0"/>
+              <a:t> a </a:t>
+            </a:r>
+            <a:r>
+              <a:rPr lang="nl-NL" sz="2400" dirty="0" err="1" smtClean="0"/>
+              <a:t>certain</a:t>
+            </a:r>
+            <a:r>
+              <a:rPr lang="nl-NL" sz="2400" dirty="0" smtClean="0"/>
+              <a:t> </a:t>
+            </a:r>
+            <a:r>
+              <a:rPr lang="nl-NL" sz="2400" dirty="0" err="1" smtClean="0"/>
+              <a:t>algorithm</a:t>
+            </a:r>
+            <a:endParaRPr lang="nl-NL" sz="2400" dirty="0" smtClean="0"/>
+          </a:p>
+          <a:p>
+            <a:endParaRPr lang="nl-NL" sz="2400" dirty="0"/>
+          </a:p>
+          <a:p>
+            <a:r>
+              <a:rPr lang="nl-NL" sz="2400" dirty="0" err="1" smtClean="0"/>
+              <a:t>Many</a:t>
+            </a:r>
+            <a:r>
+              <a:rPr lang="nl-NL" sz="2400" dirty="0" smtClean="0"/>
+              <a:t> </a:t>
+            </a:r>
+            <a:r>
+              <a:rPr lang="nl-NL" sz="2400" dirty="0" err="1" smtClean="0"/>
+              <a:t>methods</a:t>
+            </a:r>
+            <a:r>
+              <a:rPr lang="nl-NL" sz="2400" dirty="0" smtClean="0"/>
+              <a:t> of </a:t>
+            </a:r>
+            <a:r>
+              <a:rPr lang="nl-NL" sz="2400" dirty="0" err="1" smtClean="0"/>
+              <a:t>pruning</a:t>
+            </a:r>
+            <a:endParaRPr lang="nl-NL" sz="2400" dirty="0" smtClean="0"/>
+          </a:p>
+          <a:p>
+            <a:endParaRPr lang="nl-NL" sz="2400" dirty="0"/>
+          </a:p>
+          <a:p>
+            <a:r>
+              <a:rPr lang="nl-NL" sz="2400" dirty="0" err="1" smtClean="0"/>
+              <a:t>Pruning</a:t>
+            </a:r>
+            <a:r>
+              <a:rPr lang="nl-NL" sz="2400" dirty="0" smtClean="0"/>
+              <a:t> </a:t>
+            </a:r>
+            <a:r>
+              <a:rPr lang="nl-NL" sz="2400" dirty="0" err="1" smtClean="0"/>
+              <a:t>reduces</a:t>
+            </a:r>
+            <a:r>
+              <a:rPr lang="nl-NL" sz="2400" dirty="0" smtClean="0"/>
+              <a:t> </a:t>
+            </a:r>
+            <a:r>
+              <a:rPr lang="nl-NL" sz="2400" dirty="0" err="1" smtClean="0"/>
+              <a:t>overfitting</a:t>
+            </a:r>
+            <a:endParaRPr lang="nl-NL" sz="2400" dirty="0" smtClean="0"/>
+          </a:p>
+          <a:p>
+            <a:endParaRPr lang="nl-NL" dirty="0"/>
+          </a:p>
+          <a:p>
+            <a:endParaRPr lang="nl-NL" dirty="0" smtClean="0"/>
+          </a:p>
+          <a:p>
+            <a:endParaRPr lang="nl-NL" dirty="0"/>
+          </a:p>
+          <a:p>
+            <a:endParaRPr lang="nl-NL" dirty="0"/>
+          </a:p>
+        </p:txBody>
+      </p:sp>
+    </p:spTree>
+    <p:extLst>
+      <p:ext uri="{BB962C8B-B14F-4D97-AF65-F5344CB8AC3E}">
+        <p14:creationId xmlns:p14="http://schemas.microsoft.com/office/powerpoint/2010/main" val="1164014579"/>
+      </p:ext>
+    </p:extLst>
+  </p:cSld>
+  <p:clrMapOvr>
+    <a:masterClrMapping/>
+  </p:clrMapOvr>
+</p:sld>
+</file>
+
+<file path=ppt/slides/slide13.xml><?xml version="1.0" encoding="utf-8"?>
+<p:sld xmlns:a="http://schemas.openxmlformats.org/drawingml/2006/main" xmlns:r="http://schemas.openxmlformats.org/officeDocument/2006/relationships" xmlns:p="http://schemas.openxmlformats.org/presentationml/2006/main">
+  <p:cSld>
+    <p:spTree>
+      <p:nvGrpSpPr>
+        <p:cNvPr id="1" name=""/>
+        <p:cNvGrpSpPr/>
+        <p:nvPr/>
+      </p:nvGrpSpPr>
+      <p:grpSpPr>
+        <a:xfrm>
+          <a:off x="0" y="0"/>
+          <a:ext cx="0" cy="0"/>
+          <a:chOff x="0" y="0"/>
+          <a:chExt cx="0" cy="0"/>
+        </a:xfrm>
+      </p:grpSpPr>
+      <p:sp>
+        <p:nvSpPr>
+          <p:cNvPr id="2" name="Titel 1"/>
+          <p:cNvSpPr>
+            <a:spLocks noGrp="1"/>
+          </p:cNvSpPr>
+          <p:nvPr>
+            <p:ph type="title"/>
+          </p:nvPr>
+        </p:nvSpPr>
+        <p:spPr/>
+        <p:txBody>
+          <a:bodyPr/>
+          <a:lstStyle/>
+          <a:p>
+            <a:r>
+              <a:rPr lang="nl-NL" dirty="0" err="1" smtClean="0"/>
+              <a:t>Exercise</a:t>
+            </a:r>
+            <a:r>
+              <a:rPr lang="nl-NL" dirty="0" smtClean="0"/>
+              <a:t> 1</a:t>
+            </a:r>
+            <a:endParaRPr lang="nl-NL" dirty="0"/>
+          </a:p>
+        </p:txBody>
+      </p:sp>
+      <p:sp>
+        <p:nvSpPr>
+          <p:cNvPr id="4" name="Tijdelijke aanduiding voor inhoud 2"/>
+          <p:cNvSpPr txBox="1">
+            <a:spLocks noGrp="1"/>
+          </p:cNvSpPr>
+          <p:nvPr>
+            <p:ph idx="1"/>
+          </p:nvPr>
+        </p:nvSpPr>
+        <p:spPr bwMode="auto">
+          <a:xfrm>
+            <a:off x="762000" y="1762125"/>
+            <a:ext cx="7881938" cy="2776145"/>
+          </a:xfrm>
+          <a:prstGeom prst="rect">
+            <a:avLst/>
+          </a:prstGeom>
+          <a:noFill/>
+          <a:ln w="9525">
+            <a:noFill/>
+            <a:miter lim="800000"/>
+            <a:headEnd/>
+            <a:tailEnd/>
+          </a:ln>
+          <a:effectLst/>
+        </p:spPr>
+        <p:txBody>
+          <a:bodyPr vert="horz" wrap="square" lIns="91440" tIns="45720" rIns="91440" bIns="45720" numCol="1" anchor="t" anchorCtr="0" compatLnSpc="1">
+            <a:prstTxWarp prst="textNoShape">
+              <a:avLst/>
+            </a:prstTxWarp>
+            <a:spAutoFit/>
+          </a:bodyPr>
+          <a:lstStyle>
+            <a:lvl1pPr marL="342900" indent="-342900" algn="l" rtl="0" fontAlgn="base">
+              <a:spcBef>
+                <a:spcPct val="20000"/>
+              </a:spcBef>
+              <a:spcAft>
+                <a:spcPct val="0"/>
+              </a:spcAft>
+              <a:buClr>
+                <a:srgbClr val="ED0010"/>
+              </a:buClr>
+              <a:buSzPct val="60000"/>
+              <a:buFont typeface="Zapf Dingbats" charset="2"/>
+              <a:buChar char="n"/>
+              <a:defRPr sz="2800">
+                <a:solidFill>
+                  <a:srgbClr val="000000"/>
+                </a:solidFill>
+                <a:latin typeface="+mn-lt"/>
+                <a:ea typeface="+mn-ea"/>
+                <a:cs typeface="+mn-cs"/>
+              </a:defRPr>
+            </a:lvl1pPr>
+            <a:lvl2pPr marL="819150" indent="-285750" algn="l" rtl="0" fontAlgn="base">
+              <a:spcBef>
+                <a:spcPct val="20000"/>
+              </a:spcBef>
+              <a:spcAft>
+                <a:spcPct val="0"/>
+              </a:spcAft>
+              <a:buClr>
+                <a:schemeClr val="accent1"/>
+              </a:buClr>
+              <a:buSzPct val="60000"/>
+              <a:buFont typeface="Zapf Dingbats" charset="2"/>
+              <a:buChar char="n"/>
+              <a:defRPr sz="2600">
+                <a:solidFill>
+                  <a:srgbClr val="000000"/>
+                </a:solidFill>
+                <a:latin typeface="+mn-lt"/>
+              </a:defRPr>
+            </a:lvl2pPr>
+            <a:lvl3pPr marL="1143000" indent="-228600" algn="l" rtl="0" fontAlgn="base">
+              <a:spcBef>
+                <a:spcPct val="20000"/>
+              </a:spcBef>
+              <a:spcAft>
+                <a:spcPct val="0"/>
+              </a:spcAft>
+              <a:buClr>
+                <a:schemeClr val="accent1"/>
+              </a:buClr>
+              <a:buSzPct val="60000"/>
+              <a:buFont typeface="Zapf Dingbats" charset="2"/>
+              <a:buChar char="n"/>
+              <a:defRPr sz="2400">
+                <a:solidFill>
+                  <a:srgbClr val="000000"/>
+                </a:solidFill>
+                <a:latin typeface="+mn-lt"/>
+              </a:defRPr>
+            </a:lvl3pPr>
+            <a:lvl4pPr marL="1562100" indent="-228600" algn="l" rtl="0" fontAlgn="base">
+              <a:spcBef>
+                <a:spcPct val="20000"/>
+              </a:spcBef>
+              <a:spcAft>
+                <a:spcPct val="0"/>
+              </a:spcAft>
+              <a:buClr>
+                <a:schemeClr val="accent1"/>
+              </a:buClr>
+              <a:buSzPct val="60000"/>
+              <a:buFont typeface="Zapf Dingbats" charset="2"/>
+              <a:buChar char="n"/>
+              <a:defRPr sz="2200">
+                <a:solidFill>
+                  <a:srgbClr val="000000"/>
+                </a:solidFill>
+                <a:latin typeface="+mn-lt"/>
+              </a:defRPr>
+            </a:lvl4pPr>
+            <a:lvl5pPr marL="1981200" indent="-228600" algn="l" rtl="0" fontAlgn="base">
+              <a:spcBef>
+                <a:spcPct val="20000"/>
+              </a:spcBef>
+              <a:spcAft>
+                <a:spcPct val="0"/>
+              </a:spcAft>
+              <a:buClr>
+                <a:schemeClr val="accent1"/>
+              </a:buClr>
+              <a:buSzPct val="60000"/>
+              <a:buFont typeface="Zapf Dingbats" charset="2"/>
+              <a:buChar char="n"/>
+              <a:defRPr sz="2000">
+                <a:solidFill>
+                  <a:srgbClr val="000000"/>
+                </a:solidFill>
+                <a:latin typeface="+mn-lt"/>
+              </a:defRPr>
+            </a:lvl5pPr>
+            <a:lvl6pPr marL="2438400" indent="-228600" algn="l" rtl="0" fontAlgn="base">
+              <a:spcBef>
+                <a:spcPct val="20000"/>
+              </a:spcBef>
+              <a:spcAft>
+                <a:spcPct val="0"/>
+              </a:spcAft>
+              <a:buClr>
+                <a:schemeClr val="accent1"/>
+              </a:buClr>
+              <a:buSzPct val="60000"/>
+              <a:buFont typeface="Zapf Dingbats" charset="2"/>
+              <a:buChar char="n"/>
+              <a:defRPr sz="2000">
+                <a:solidFill>
+                  <a:srgbClr val="000000"/>
+                </a:solidFill>
+                <a:latin typeface="+mn-lt"/>
+              </a:defRPr>
+            </a:lvl6pPr>
+            <a:lvl7pPr marL="2895600" indent="-228600" algn="l" rtl="0" fontAlgn="base">
+              <a:spcBef>
+                <a:spcPct val="20000"/>
+              </a:spcBef>
+              <a:spcAft>
+                <a:spcPct val="0"/>
+              </a:spcAft>
+              <a:buClr>
+                <a:schemeClr val="accent1"/>
+              </a:buClr>
+              <a:buSzPct val="60000"/>
+              <a:buFont typeface="Zapf Dingbats" charset="2"/>
+              <a:buChar char="n"/>
+              <a:defRPr sz="2000">
+                <a:solidFill>
+                  <a:srgbClr val="000000"/>
+                </a:solidFill>
+                <a:latin typeface="+mn-lt"/>
+              </a:defRPr>
+            </a:lvl7pPr>
+            <a:lvl8pPr marL="3352800" indent="-228600" algn="l" rtl="0" fontAlgn="base">
+              <a:spcBef>
+                <a:spcPct val="20000"/>
+              </a:spcBef>
+              <a:spcAft>
+                <a:spcPct val="0"/>
+              </a:spcAft>
+              <a:buClr>
+                <a:schemeClr val="accent1"/>
+              </a:buClr>
+              <a:buSzPct val="60000"/>
+              <a:buFont typeface="Zapf Dingbats" charset="2"/>
+              <a:buChar char="n"/>
+              <a:defRPr sz="2000">
+                <a:solidFill>
+                  <a:srgbClr val="000000"/>
+                </a:solidFill>
+                <a:latin typeface="+mn-lt"/>
+              </a:defRPr>
+            </a:lvl8pPr>
+            <a:lvl9pPr marL="3810000" indent="-228600" algn="l" rtl="0" fontAlgn="base">
+              <a:spcBef>
+                <a:spcPct val="20000"/>
+              </a:spcBef>
+              <a:spcAft>
+                <a:spcPct val="0"/>
+              </a:spcAft>
+              <a:buClr>
+                <a:schemeClr val="accent1"/>
+              </a:buClr>
+              <a:buSzPct val="60000"/>
+              <a:buFont typeface="Zapf Dingbats" charset="2"/>
+              <a:buChar char="n"/>
+              <a:defRPr sz="2000">
+                <a:solidFill>
+                  <a:srgbClr val="000000"/>
+                </a:solidFill>
+                <a:latin typeface="+mn-lt"/>
+              </a:defRPr>
+            </a:lvl9pPr>
+          </a:lstStyle>
+          <a:p>
+            <a:pPr marL="0" indent="0">
+              <a:buNone/>
+            </a:pPr>
+            <a:r>
+              <a:rPr lang="nl-NL" sz="1600" kern="0" dirty="0" err="1" smtClean="0">
+                <a:latin typeface="Courier New" panose="02070309020205020404" pitchFamily="49" charset="0"/>
+                <a:cs typeface="Courier New" panose="02070309020205020404" pitchFamily="49" charset="0"/>
+              </a:rPr>
+              <a:t>Decision</a:t>
+            </a:r>
+            <a:r>
+              <a:rPr lang="nl-NL" sz="1600" kern="0" dirty="0" smtClean="0">
+                <a:latin typeface="Courier New" panose="02070309020205020404" pitchFamily="49" charset="0"/>
+                <a:cs typeface="Courier New" panose="02070309020205020404" pitchFamily="49" charset="0"/>
+              </a:rPr>
+              <a:t> tree</a:t>
+            </a:r>
+            <a:endParaRPr lang="nl-NL" sz="1600" kern="0" dirty="0" smtClean="0">
+              <a:latin typeface="Courier New" panose="02070309020205020404" pitchFamily="49" charset="0"/>
+              <a:cs typeface="Courier New" panose="02070309020205020404" pitchFamily="49" charset="0"/>
+            </a:endParaRPr>
+          </a:p>
+          <a:p>
+            <a:pPr>
+              <a:buFont typeface="+mj-lt"/>
+              <a:buAutoNum type="arabicPeriod"/>
+            </a:pPr>
+            <a:endParaRPr lang="nl-NL" sz="1600" kern="0" dirty="0" smtClean="0">
+              <a:latin typeface="Courier New" panose="02070309020205020404" pitchFamily="49" charset="0"/>
+              <a:cs typeface="Courier New" panose="02070309020205020404" pitchFamily="49" charset="0"/>
+            </a:endParaRPr>
+          </a:p>
+          <a:p>
+            <a:pPr marL="0" indent="0">
+              <a:buNone/>
+            </a:pPr>
+            <a:endParaRPr lang="nl-NL" sz="1600" kern="0" dirty="0">
+              <a:latin typeface="Courier New" panose="02070309020205020404" pitchFamily="49" charset="0"/>
+              <a:cs typeface="Courier New" panose="02070309020205020404" pitchFamily="49" charset="0"/>
+            </a:endParaRPr>
+          </a:p>
+          <a:p>
+            <a:pPr>
+              <a:buFont typeface="+mj-lt"/>
+              <a:buAutoNum type="arabicPeriod"/>
+            </a:pPr>
+            <a:endParaRPr lang="nl-NL" sz="1600" kern="0" dirty="0" smtClean="0">
+              <a:latin typeface="Courier New" panose="02070309020205020404" pitchFamily="49" charset="0"/>
+              <a:cs typeface="Courier New" panose="02070309020205020404" pitchFamily="49" charset="0"/>
+            </a:endParaRPr>
+          </a:p>
+          <a:p>
+            <a:pPr marL="0" indent="0">
+              <a:buNone/>
+            </a:pPr>
+            <a:endParaRPr lang="nl-NL" sz="1600" kern="0" dirty="0" smtClean="0">
+              <a:latin typeface="Courier New" panose="02070309020205020404" pitchFamily="49" charset="0"/>
+              <a:cs typeface="Courier New" panose="02070309020205020404" pitchFamily="49" charset="0"/>
+            </a:endParaRPr>
+          </a:p>
+          <a:p>
+            <a:pPr marL="533400" lvl="1" indent="0">
+              <a:buNone/>
+            </a:pPr>
+            <a:endParaRPr lang="nl-NL" sz="1200" kern="0" dirty="0">
+              <a:latin typeface="Courier New" panose="02070309020205020404" pitchFamily="49" charset="0"/>
+              <a:cs typeface="Courier New" panose="02070309020205020404" pitchFamily="49" charset="0"/>
+            </a:endParaRPr>
+          </a:p>
+          <a:p>
+            <a:pPr marL="57150" indent="0">
+              <a:buNone/>
+            </a:pPr>
+            <a:r>
+              <a:rPr lang="nl-NL" sz="1400" kern="0" dirty="0" smtClean="0">
+                <a:latin typeface="Courier New" panose="02070309020205020404" pitchFamily="49" charset="0"/>
+                <a:cs typeface="Courier New" panose="02070309020205020404" pitchFamily="49" charset="0"/>
+              </a:rPr>
+              <a:t> </a:t>
+            </a:r>
+          </a:p>
+          <a:p>
+            <a:pPr>
+              <a:buFont typeface="+mj-lt"/>
+              <a:buAutoNum type="arabicPeriod"/>
+            </a:pPr>
+            <a:endParaRPr lang="nl-NL" sz="1400" kern="0" dirty="0">
+              <a:latin typeface="Courier New" panose="02070309020205020404" pitchFamily="49" charset="0"/>
+              <a:cs typeface="Courier New" panose="02070309020205020404" pitchFamily="49" charset="0"/>
+            </a:endParaRPr>
+          </a:p>
+          <a:p>
+            <a:pPr>
+              <a:buFont typeface="+mj-lt"/>
+              <a:buAutoNum type="arabicPeriod"/>
+            </a:pPr>
+            <a:endParaRPr lang="nl-NL" sz="1400" kern="0" dirty="0">
+              <a:latin typeface="Courier New" panose="02070309020205020404" pitchFamily="49" charset="0"/>
+              <a:cs typeface="Courier New" panose="02070309020205020404" pitchFamily="49" charset="0"/>
+            </a:endParaRPr>
+          </a:p>
+          <a:p>
+            <a:pPr marL="0" indent="0">
+              <a:buFont typeface="Zapf Dingbats" charset="2"/>
+              <a:buNone/>
+            </a:pPr>
+            <a:endParaRPr lang="nl-NL" sz="1400" kern="0" dirty="0" smtClean="0">
+              <a:latin typeface="Courier New" panose="02070309020205020404" pitchFamily="49" charset="0"/>
+              <a:cs typeface="Courier New" panose="02070309020205020404" pitchFamily="49" charset="0"/>
+            </a:endParaRPr>
+          </a:p>
+        </p:txBody>
+      </p:sp>
+    </p:spTree>
+    <p:extLst>
+      <p:ext uri="{BB962C8B-B14F-4D97-AF65-F5344CB8AC3E}">
+        <p14:creationId xmlns:p14="http://schemas.microsoft.com/office/powerpoint/2010/main" val="2011886548"/>
+      </p:ext>
+    </p:extLst>
+  </p:cSld>
+  <p:clrMapOvr>
+    <a:masterClrMapping/>
+  </p:clrMapOvr>
+</p:sld>
+</file>
+
+<file path=ppt/slides/slide14.xml><?xml version="1.0" encoding="utf-8"?>
+<p:sld xmlns:a="http://schemas.openxmlformats.org/drawingml/2006/main" xmlns:r="http://schemas.openxmlformats.org/officeDocument/2006/relationships" xmlns:p="http://schemas.openxmlformats.org/presentationml/2006/main">
+  <p:cSld>
+    <p:spTree>
+      <p:nvGrpSpPr>
+        <p:cNvPr id="1" name=""/>
+        <p:cNvGrpSpPr/>
+        <p:nvPr/>
+      </p:nvGrpSpPr>
+      <p:grpSpPr>
+        <a:xfrm>
+          <a:off x="0" y="0"/>
+          <a:ext cx="0" cy="0"/>
+          <a:chOff x="0" y="0"/>
+          <a:chExt cx="0" cy="0"/>
+        </a:xfrm>
+      </p:grpSpPr>
+      <p:sp>
+        <p:nvSpPr>
+          <p:cNvPr id="2" name="Titel 1"/>
+          <p:cNvSpPr>
+            <a:spLocks noGrp="1"/>
+          </p:cNvSpPr>
+          <p:nvPr>
+            <p:ph type="title"/>
+          </p:nvPr>
+        </p:nvSpPr>
+        <p:spPr/>
+        <p:txBody>
+          <a:bodyPr/>
+          <a:lstStyle/>
+          <a:p>
+            <a:r>
+              <a:rPr lang="nl-NL" dirty="0" smtClean="0"/>
+              <a:t>Topics</a:t>
+            </a:r>
+            <a:endParaRPr lang="nl-NL" dirty="0"/>
+          </a:p>
+        </p:txBody>
+      </p:sp>
+      <p:sp>
+        <p:nvSpPr>
+          <p:cNvPr id="3" name="Tijdelijke aanduiding voor inhoud 2"/>
+          <p:cNvSpPr>
+            <a:spLocks noGrp="1"/>
+          </p:cNvSpPr>
+          <p:nvPr>
+            <p:ph idx="1"/>
+          </p:nvPr>
+        </p:nvSpPr>
+        <p:spPr>
+          <a:xfrm>
+            <a:off x="762000" y="1762125"/>
+            <a:ext cx="7881938" cy="2825389"/>
+          </a:xfrm>
+        </p:spPr>
+        <p:txBody>
+          <a:bodyPr/>
+          <a:lstStyle/>
+          <a:p>
+            <a:r>
+              <a:rPr lang="nl-NL" sz="2400" dirty="0" err="1"/>
+              <a:t>Decision</a:t>
+            </a:r>
+            <a:r>
+              <a:rPr lang="nl-NL" sz="2400" dirty="0"/>
+              <a:t> tree</a:t>
+            </a:r>
+          </a:p>
+          <a:p>
+            <a:endParaRPr lang="nl-NL" sz="2400" dirty="0"/>
+          </a:p>
+          <a:p>
+            <a:r>
+              <a:rPr lang="nl-NL" sz="2400" dirty="0" smtClean="0"/>
+              <a:t>Parameter setting</a:t>
+            </a:r>
+          </a:p>
+          <a:p>
+            <a:endParaRPr lang="nl-NL" sz="2400" dirty="0"/>
+          </a:p>
+          <a:p>
+            <a:r>
+              <a:rPr lang="nl-NL" sz="2400" dirty="0" smtClean="0"/>
+              <a:t>Random </a:t>
+            </a:r>
+            <a:r>
+              <a:rPr lang="nl-NL" sz="2400" dirty="0" err="1" smtClean="0"/>
+              <a:t>Forest</a:t>
+            </a:r>
+            <a:endParaRPr lang="nl-NL" sz="2400" dirty="0"/>
+          </a:p>
+          <a:p>
+            <a:endParaRPr lang="nl-NL" dirty="0"/>
+          </a:p>
+        </p:txBody>
+      </p:sp>
+    </p:spTree>
+    <p:extLst>
+      <p:ext uri="{BB962C8B-B14F-4D97-AF65-F5344CB8AC3E}">
+        <p14:creationId xmlns:p14="http://schemas.microsoft.com/office/powerpoint/2010/main" val="3014499645"/>
+      </p:ext>
+    </p:extLst>
+  </p:cSld>
+  <p:clrMapOvr>
+    <a:masterClrMapping/>
+  </p:clrMapOvr>
+</p:sld>
+</file>
+
+<file path=ppt/slides/slide15.xml><?xml version="1.0" encoding="utf-8"?>
+<p:sld xmlns:a="http://schemas.openxmlformats.org/drawingml/2006/main" xmlns:r="http://schemas.openxmlformats.org/officeDocument/2006/relationships" xmlns:p="http://schemas.openxmlformats.org/presentationml/2006/main">
+  <p:cSld>
+    <p:spTree>
+      <p:nvGrpSpPr>
+        <p:cNvPr id="1" name=""/>
+        <p:cNvGrpSpPr/>
+        <p:nvPr/>
+      </p:nvGrpSpPr>
+      <p:grpSpPr>
+        <a:xfrm>
+          <a:off x="0" y="0"/>
+          <a:ext cx="0" cy="0"/>
+          <a:chOff x="0" y="0"/>
+          <a:chExt cx="0" cy="0"/>
+        </a:xfrm>
+      </p:grpSpPr>
+      <p:sp>
+        <p:nvSpPr>
+          <p:cNvPr id="2" name="Titel 1"/>
+          <p:cNvSpPr>
+            <a:spLocks noGrp="1"/>
+          </p:cNvSpPr>
+          <p:nvPr>
+            <p:ph type="title"/>
+          </p:nvPr>
+        </p:nvSpPr>
+        <p:spPr/>
+        <p:txBody>
+          <a:bodyPr/>
+          <a:lstStyle/>
+          <a:p>
+            <a:r>
+              <a:rPr lang="nl-NL" dirty="0" smtClean="0"/>
+              <a:t>Topics</a:t>
+            </a:r>
+            <a:endParaRPr lang="nl-NL" dirty="0"/>
+          </a:p>
+        </p:txBody>
+      </p:sp>
+      <p:sp>
+        <p:nvSpPr>
+          <p:cNvPr id="3" name="Tijdelijke aanduiding voor inhoud 2"/>
+          <p:cNvSpPr>
+            <a:spLocks noGrp="1"/>
+          </p:cNvSpPr>
+          <p:nvPr>
+            <p:ph idx="1"/>
+          </p:nvPr>
+        </p:nvSpPr>
+        <p:spPr>
+          <a:xfrm>
+            <a:off x="762000" y="1762125"/>
+            <a:ext cx="7881938" cy="2825389"/>
+          </a:xfrm>
+        </p:spPr>
+        <p:txBody>
+          <a:bodyPr/>
+          <a:lstStyle/>
+          <a:p>
+            <a:r>
+              <a:rPr lang="nl-NL" sz="2400" dirty="0" err="1"/>
+              <a:t>Decision</a:t>
+            </a:r>
+            <a:r>
+              <a:rPr lang="nl-NL" sz="2400" dirty="0"/>
+              <a:t> tree</a:t>
+            </a:r>
+          </a:p>
+          <a:p>
+            <a:endParaRPr lang="nl-NL" sz="2400" dirty="0"/>
+          </a:p>
+          <a:p>
+            <a:r>
+              <a:rPr lang="nl-NL" sz="2400" dirty="0" smtClean="0"/>
+              <a:t>Parameter setting</a:t>
+            </a:r>
+          </a:p>
+          <a:p>
+            <a:endParaRPr lang="nl-NL" sz="2400" dirty="0"/>
+          </a:p>
+          <a:p>
+            <a:r>
+              <a:rPr lang="nl-NL" sz="2400" dirty="0" smtClean="0"/>
+              <a:t>Random </a:t>
+            </a:r>
+            <a:r>
+              <a:rPr lang="nl-NL" sz="2400" dirty="0" err="1" smtClean="0"/>
+              <a:t>Forest</a:t>
+            </a:r>
+            <a:endParaRPr lang="nl-NL" sz="2400" dirty="0"/>
+          </a:p>
+          <a:p>
+            <a:endParaRPr lang="nl-NL" dirty="0"/>
+          </a:p>
+        </p:txBody>
+      </p:sp>
+    </p:spTree>
+    <p:extLst>
+      <p:ext uri="{BB962C8B-B14F-4D97-AF65-F5344CB8AC3E}">
+        <p14:creationId xmlns:p14="http://schemas.microsoft.com/office/powerpoint/2010/main" val="938496682"/>
+      </p:ext>
+    </p:extLst>
+  </p:cSld>
+  <p:clrMapOvr>
+    <a:masterClrMapping/>
+  </p:clrMapOvr>
+</p:sld>
+</file>
+
+<file path=ppt/slides/slide16.xml><?xml version="1.0" encoding="utf-8"?>
+<p:sld xmlns:a="http://schemas.openxmlformats.org/drawingml/2006/main" xmlns:r="http://schemas.openxmlformats.org/officeDocument/2006/relationships" xmlns:p="http://schemas.openxmlformats.org/presentationml/2006/main">
+  <p:cSld>
+    <p:spTree>
+      <p:nvGrpSpPr>
+        <p:cNvPr id="1" name=""/>
+        <p:cNvGrpSpPr/>
+        <p:nvPr/>
+      </p:nvGrpSpPr>
+      <p:grpSpPr>
+        <a:xfrm>
+          <a:off x="0" y="0"/>
+          <a:ext cx="0" cy="0"/>
+          <a:chOff x="0" y="0"/>
+          <a:chExt cx="0" cy="0"/>
+        </a:xfrm>
+      </p:grpSpPr>
+      <p:sp>
+        <p:nvSpPr>
+          <p:cNvPr id="2" name="Titel 1"/>
+          <p:cNvSpPr>
+            <a:spLocks noGrp="1"/>
+          </p:cNvSpPr>
+          <p:nvPr>
+            <p:ph type="title"/>
+          </p:nvPr>
+        </p:nvSpPr>
+        <p:spPr/>
+        <p:txBody>
+          <a:bodyPr/>
+          <a:lstStyle/>
+          <a:p>
+            <a:r>
+              <a:rPr lang="nl-NL" dirty="0" smtClean="0"/>
+              <a:t>Random </a:t>
+            </a:r>
+            <a:r>
+              <a:rPr lang="nl-NL" dirty="0" err="1" smtClean="0"/>
+              <a:t>Forest</a:t>
+            </a:r>
+            <a:endParaRPr lang="nl-NL" dirty="0"/>
+          </a:p>
+        </p:txBody>
+      </p:sp>
+      <p:sp>
+        <p:nvSpPr>
+          <p:cNvPr id="3" name="Tijdelijke aanduiding voor inhoud 2"/>
+          <p:cNvSpPr>
+            <a:spLocks noGrp="1"/>
+          </p:cNvSpPr>
+          <p:nvPr>
+            <p:ph idx="1"/>
+          </p:nvPr>
+        </p:nvSpPr>
+        <p:spPr>
+          <a:xfrm>
+            <a:off x="762000" y="1762125"/>
+            <a:ext cx="7881938" cy="4154984"/>
+          </a:xfrm>
+        </p:spPr>
+        <p:txBody>
+          <a:bodyPr/>
+          <a:lstStyle/>
+          <a:p>
+            <a:r>
+              <a:rPr lang="nl-NL" sz="2400" dirty="0" smtClean="0"/>
+              <a:t>Random </a:t>
+            </a:r>
+            <a:r>
+              <a:rPr lang="nl-NL" sz="2400" dirty="0" err="1" smtClean="0"/>
+              <a:t>Forest</a:t>
+            </a:r>
+            <a:r>
+              <a:rPr lang="nl-NL" sz="2400" dirty="0" smtClean="0"/>
+              <a:t> is </a:t>
+            </a:r>
+            <a:r>
+              <a:rPr lang="nl-NL" sz="2400" dirty="0" err="1" smtClean="0"/>
+              <a:t>an</a:t>
+            </a:r>
+            <a:r>
+              <a:rPr lang="nl-NL" sz="2400" dirty="0" smtClean="0"/>
+              <a:t> extension of </a:t>
+            </a:r>
+            <a:r>
+              <a:rPr lang="nl-NL" sz="2400" dirty="0" err="1" smtClean="0"/>
+              <a:t>decision</a:t>
+            </a:r>
+            <a:r>
+              <a:rPr lang="nl-NL" sz="2400" dirty="0" smtClean="0"/>
+              <a:t> tree (Ho, 1995; </a:t>
+            </a:r>
+            <a:r>
+              <a:rPr lang="nl-NL" sz="2400" dirty="0" err="1" smtClean="0"/>
+              <a:t>Breiman</a:t>
+            </a:r>
+            <a:r>
+              <a:rPr lang="nl-NL" sz="2400" dirty="0" smtClean="0"/>
+              <a:t>, 2001)</a:t>
+            </a:r>
+          </a:p>
+          <a:p>
+            <a:endParaRPr lang="nl-NL" sz="2400" dirty="0"/>
+          </a:p>
+          <a:p>
+            <a:r>
+              <a:rPr lang="nl-NL" sz="2400" dirty="0" err="1" smtClean="0"/>
+              <a:t>Intuition</a:t>
+            </a:r>
+            <a:r>
+              <a:rPr lang="nl-NL" sz="2400" dirty="0" smtClean="0"/>
+              <a:t>:</a:t>
+            </a:r>
+          </a:p>
+          <a:p>
+            <a:pPr lvl="1"/>
+            <a:r>
+              <a:rPr lang="nl-NL" sz="2200" dirty="0" err="1"/>
+              <a:t>G</a:t>
+            </a:r>
+            <a:r>
+              <a:rPr lang="nl-NL" sz="2200" dirty="0" err="1" smtClean="0"/>
+              <a:t>row</a:t>
+            </a:r>
+            <a:r>
+              <a:rPr lang="nl-NL" sz="2200" dirty="0" smtClean="0"/>
+              <a:t> </a:t>
+            </a:r>
+            <a:r>
+              <a:rPr lang="nl-NL" sz="2200" dirty="0" err="1" smtClean="0"/>
+              <a:t>many</a:t>
+            </a:r>
+            <a:r>
+              <a:rPr lang="nl-NL" sz="2200" dirty="0" smtClean="0"/>
+              <a:t> different trees</a:t>
+            </a:r>
+          </a:p>
+          <a:p>
+            <a:pPr lvl="1"/>
+            <a:r>
+              <a:rPr lang="nl-NL" sz="2200" dirty="0"/>
+              <a:t>T</a:t>
+            </a:r>
+            <a:r>
+              <a:rPr lang="nl-NL" sz="2200" dirty="0" smtClean="0"/>
+              <a:t>rain </a:t>
+            </a:r>
+            <a:r>
+              <a:rPr lang="nl-NL" sz="2200" dirty="0" err="1" smtClean="0"/>
+              <a:t>each</a:t>
+            </a:r>
+            <a:r>
+              <a:rPr lang="nl-NL" sz="2200" dirty="0" smtClean="0"/>
+              <a:t> on a different sample of the data</a:t>
+            </a:r>
+          </a:p>
+          <a:p>
+            <a:pPr lvl="1"/>
+            <a:r>
+              <a:rPr lang="nl-NL" sz="2200" dirty="0" smtClean="0"/>
+              <a:t>Let </a:t>
+            </a:r>
+            <a:r>
+              <a:rPr lang="nl-NL" sz="2200" dirty="0" err="1" smtClean="0"/>
+              <a:t>them</a:t>
+            </a:r>
+            <a:r>
+              <a:rPr lang="nl-NL" sz="2200" dirty="0" smtClean="0"/>
+              <a:t> </a:t>
+            </a:r>
+            <a:r>
+              <a:rPr lang="nl-NL" sz="2200" dirty="0" err="1" smtClean="0"/>
+              <a:t>vote</a:t>
+            </a:r>
+            <a:r>
+              <a:rPr lang="nl-NL" sz="2200" dirty="0" smtClean="0"/>
+              <a:t> on the case </a:t>
+            </a:r>
+            <a:r>
+              <a:rPr lang="nl-NL" sz="2200" dirty="0" err="1" smtClean="0"/>
+              <a:t>to</a:t>
+            </a:r>
+            <a:r>
+              <a:rPr lang="nl-NL" sz="2200" dirty="0" smtClean="0"/>
+              <a:t> </a:t>
+            </a:r>
+            <a:r>
+              <a:rPr lang="nl-NL" sz="2200" dirty="0" err="1" smtClean="0"/>
+              <a:t>be</a:t>
+            </a:r>
+            <a:r>
+              <a:rPr lang="nl-NL" sz="2200" dirty="0" smtClean="0"/>
+              <a:t> </a:t>
+            </a:r>
+            <a:r>
+              <a:rPr lang="nl-NL" sz="2200" dirty="0" err="1" smtClean="0"/>
+              <a:t>predicted</a:t>
+            </a:r>
+            <a:endParaRPr lang="nl-NL" sz="2200" dirty="0" smtClean="0"/>
+          </a:p>
+          <a:p>
+            <a:pPr lvl="1"/>
+            <a:endParaRPr lang="nl-NL" sz="2200" dirty="0"/>
+          </a:p>
+          <a:p>
+            <a:r>
+              <a:rPr lang="nl-NL" sz="2400" dirty="0" smtClean="0"/>
+              <a:t>Random </a:t>
+            </a:r>
+            <a:r>
+              <a:rPr lang="nl-NL" sz="2400" dirty="0" err="1" smtClean="0"/>
+              <a:t>Forest</a:t>
+            </a:r>
+            <a:r>
+              <a:rPr lang="nl-NL" sz="2400" dirty="0" smtClean="0"/>
+              <a:t> </a:t>
+            </a:r>
+            <a:r>
+              <a:rPr lang="nl-NL" sz="2400" dirty="0" err="1" smtClean="0"/>
+              <a:t>improves</a:t>
+            </a:r>
+            <a:r>
+              <a:rPr lang="nl-NL" sz="2400" dirty="0" smtClean="0"/>
+              <a:t> </a:t>
+            </a:r>
+            <a:r>
+              <a:rPr lang="nl-NL" sz="2400" dirty="0" err="1" smtClean="0"/>
+              <a:t>accuracy</a:t>
+            </a:r>
+            <a:r>
+              <a:rPr lang="nl-NL" sz="2400" dirty="0" smtClean="0"/>
+              <a:t> (at the </a:t>
+            </a:r>
+            <a:r>
+              <a:rPr lang="nl-NL" sz="2400" dirty="0" err="1" smtClean="0"/>
+              <a:t>cost</a:t>
+            </a:r>
+            <a:r>
+              <a:rPr lang="nl-NL" sz="2400" dirty="0" smtClean="0"/>
+              <a:t> of </a:t>
+            </a:r>
+            <a:r>
+              <a:rPr lang="nl-NL" sz="2400" dirty="0" err="1" smtClean="0"/>
+              <a:t>interpretability</a:t>
+            </a:r>
+            <a:r>
+              <a:rPr lang="nl-NL" sz="2400" dirty="0" smtClean="0"/>
+              <a:t>)</a:t>
+            </a:r>
+            <a:endParaRPr lang="nl-NL" sz="2400" dirty="0"/>
+          </a:p>
+        </p:txBody>
+      </p:sp>
+    </p:spTree>
+    <p:extLst>
+      <p:ext uri="{BB962C8B-B14F-4D97-AF65-F5344CB8AC3E}">
+        <p14:creationId xmlns:p14="http://schemas.microsoft.com/office/powerpoint/2010/main" val="2848281111"/>
+      </p:ext>
+    </p:extLst>
+  </p:cSld>
+  <p:clrMapOvr>
+    <a:masterClrMapping/>
+  </p:clrMapOvr>
+</p:sld>
+</file>
+
+<file path=ppt/slides/slide17.xml><?xml version="1.0" encoding="utf-8"?>
+<p:sld xmlns:a="http://schemas.openxmlformats.org/drawingml/2006/main" xmlns:r="http://schemas.openxmlformats.org/officeDocument/2006/relationships" xmlns:p="http://schemas.openxmlformats.org/presentationml/2006/main">
+  <p:cSld>
+    <p:spTree>
+      <p:nvGrpSpPr>
+        <p:cNvPr id="1" name=""/>
+        <p:cNvGrpSpPr/>
+        <p:nvPr/>
+      </p:nvGrpSpPr>
+      <p:grpSpPr>
+        <a:xfrm>
+          <a:off x="0" y="0"/>
+          <a:ext cx="0" cy="0"/>
+          <a:chOff x="0" y="0"/>
+          <a:chExt cx="0" cy="0"/>
+        </a:xfrm>
+      </p:grpSpPr>
+      <p:sp>
+        <p:nvSpPr>
+          <p:cNvPr id="2" name="Titel 1"/>
+          <p:cNvSpPr>
+            <a:spLocks noGrp="1"/>
+          </p:cNvSpPr>
+          <p:nvPr>
+            <p:ph type="title"/>
+          </p:nvPr>
+        </p:nvSpPr>
+        <p:spPr/>
+        <p:txBody>
+          <a:bodyPr/>
+          <a:lstStyle/>
+          <a:p>
+            <a:r>
+              <a:rPr lang="nl-NL" dirty="0" smtClean="0"/>
+              <a:t>Random </a:t>
+            </a:r>
+            <a:r>
+              <a:rPr lang="nl-NL" dirty="0" err="1" smtClean="0"/>
+              <a:t>Forest</a:t>
+            </a:r>
+            <a:endParaRPr lang="nl-NL" dirty="0"/>
+          </a:p>
+        </p:txBody>
+      </p:sp>
+      <p:pic>
+        <p:nvPicPr>
+          <p:cNvPr id="4" name="Tijdelijke aanduiding voor inhoud 3"/>
+          <p:cNvPicPr>
+            <a:picLocks noGrp="1" noChangeAspect="1"/>
+          </p:cNvPicPr>
+          <p:nvPr>
+            <p:ph idx="1"/>
+          </p:nvPr>
+        </p:nvPicPr>
+        <p:blipFill>
+          <a:blip r:embed="rId2">
+            <a:extLst>
+              <a:ext uri="{28A0092B-C50C-407E-A947-70E740481C1C}">
+                <a14:useLocalDpi xmlns:a14="http://schemas.microsoft.com/office/drawing/2010/main" val="0"/>
+              </a:ext>
+            </a:extLst>
+          </a:blip>
+          <a:stretch>
+            <a:fillRect/>
+          </a:stretch>
+        </p:blipFill>
+        <p:spPr>
+          <a:xfrm>
+            <a:off x="1331640" y="1556792"/>
+            <a:ext cx="6768752" cy="5076564"/>
+          </a:xfrm>
+        </p:spPr>
+      </p:pic>
+    </p:spTree>
+    <p:extLst>
+      <p:ext uri="{BB962C8B-B14F-4D97-AF65-F5344CB8AC3E}">
+        <p14:creationId xmlns:p14="http://schemas.microsoft.com/office/powerpoint/2010/main" val="3224841845"/>
+      </p:ext>
+    </p:extLst>
+  </p:cSld>
+  <p:clrMapOvr>
+    <a:masterClrMapping/>
+  </p:clrMapOvr>
+</p:sld>
+</file>
+
+<file path=ppt/slides/slide18.xml><?xml version="1.0" encoding="utf-8"?>
+<p:sld xmlns:a="http://schemas.openxmlformats.org/drawingml/2006/main" xmlns:r="http://schemas.openxmlformats.org/officeDocument/2006/relationships" xmlns:p="http://schemas.openxmlformats.org/presentationml/2006/main">
+  <p:cSld>
+    <p:spTree>
+      <p:nvGrpSpPr>
+        <p:cNvPr id="1" name=""/>
+        <p:cNvGrpSpPr/>
+        <p:nvPr/>
+      </p:nvGrpSpPr>
+      <p:grpSpPr>
+        <a:xfrm>
+          <a:off x="0" y="0"/>
+          <a:ext cx="0" cy="0"/>
+          <a:chOff x="0" y="0"/>
+          <a:chExt cx="0" cy="0"/>
+        </a:xfrm>
+      </p:grpSpPr>
+      <p:sp>
+        <p:nvSpPr>
+          <p:cNvPr id="2" name="Titel 1"/>
+          <p:cNvSpPr>
+            <a:spLocks noGrp="1"/>
+          </p:cNvSpPr>
+          <p:nvPr>
+            <p:ph type="title"/>
+          </p:nvPr>
+        </p:nvSpPr>
+        <p:spPr/>
+        <p:txBody>
+          <a:bodyPr/>
+          <a:lstStyle/>
+          <a:p>
+            <a:r>
+              <a:rPr lang="nl-NL" dirty="0" smtClean="0"/>
+              <a:t>Feature </a:t>
+            </a:r>
+            <a:r>
+              <a:rPr lang="nl-NL" dirty="0" err="1" smtClean="0"/>
+              <a:t>importance</a:t>
+            </a:r>
+            <a:endParaRPr lang="nl-NL" dirty="0"/>
+          </a:p>
+        </p:txBody>
+      </p:sp>
+      <p:sp>
+        <p:nvSpPr>
+          <p:cNvPr id="3" name="Tijdelijke aanduiding voor inhoud 2"/>
+          <p:cNvSpPr>
+            <a:spLocks noGrp="1"/>
+          </p:cNvSpPr>
+          <p:nvPr>
+            <p:ph idx="1"/>
+          </p:nvPr>
+        </p:nvSpPr>
+        <p:spPr/>
+        <p:txBody>
+          <a:bodyPr/>
+          <a:lstStyle/>
+          <a:p>
+            <a:endParaRPr lang="nl-NL" dirty="0"/>
+          </a:p>
+        </p:txBody>
+      </p:sp>
+    </p:spTree>
+    <p:extLst>
+      <p:ext uri="{BB962C8B-B14F-4D97-AF65-F5344CB8AC3E}">
+        <p14:creationId xmlns:p14="http://schemas.microsoft.com/office/powerpoint/2010/main" val="2869750607"/>
+      </p:ext>
+    </p:extLst>
+  </p:cSld>
+  <p:clrMapOvr>
+    <a:masterClrMapping/>
+  </p:clrMapOvr>
+</p:sld>
+</file>
+
+<file path=ppt/slides/slide19.xml><?xml version="1.0" encoding="utf-8"?>
+<p:sld xmlns:a="http://schemas.openxmlformats.org/drawingml/2006/main" xmlns:r="http://schemas.openxmlformats.org/officeDocument/2006/relationships" xmlns:p="http://schemas.openxmlformats.org/presentationml/2006/main">
+  <p:cSld>
+    <p:spTree>
+      <p:nvGrpSpPr>
+        <p:cNvPr id="1" name=""/>
+        <p:cNvGrpSpPr/>
+        <p:nvPr/>
+      </p:nvGrpSpPr>
+      <p:grpSpPr>
+        <a:xfrm>
+          <a:off x="0" y="0"/>
+          <a:ext cx="0" cy="0"/>
+          <a:chOff x="0" y="0"/>
+          <a:chExt cx="0" cy="0"/>
+        </a:xfrm>
+      </p:grpSpPr>
+      <p:sp>
+        <p:nvSpPr>
+          <p:cNvPr id="2" name="Titel 1"/>
+          <p:cNvSpPr>
+            <a:spLocks noGrp="1"/>
+          </p:cNvSpPr>
+          <p:nvPr>
+            <p:ph type="title"/>
+          </p:nvPr>
+        </p:nvSpPr>
+        <p:spPr/>
+        <p:txBody>
+          <a:bodyPr/>
+          <a:lstStyle/>
+          <a:p>
+            <a:r>
+              <a:rPr lang="nl-NL" dirty="0" err="1" smtClean="0"/>
+              <a:t>Exercise</a:t>
+            </a:r>
+            <a:r>
+              <a:rPr lang="nl-NL" dirty="0" smtClean="0"/>
+              <a:t> 2</a:t>
+            </a:r>
+            <a:endParaRPr lang="nl-NL" dirty="0"/>
+          </a:p>
+        </p:txBody>
+      </p:sp>
+      <p:sp>
+        <p:nvSpPr>
+          <p:cNvPr id="4" name="Tijdelijke aanduiding voor inhoud 2"/>
+          <p:cNvSpPr txBox="1">
+            <a:spLocks noGrp="1"/>
+          </p:cNvSpPr>
+          <p:nvPr>
+            <p:ph idx="1"/>
+          </p:nvPr>
+        </p:nvSpPr>
+        <p:spPr bwMode="auto">
+          <a:xfrm>
+            <a:off x="762000" y="1762125"/>
+            <a:ext cx="7881938" cy="2776145"/>
+          </a:xfrm>
+          <a:prstGeom prst="rect">
+            <a:avLst/>
+          </a:prstGeom>
+          <a:noFill/>
+          <a:ln w="9525">
+            <a:noFill/>
+            <a:miter lim="800000"/>
+            <a:headEnd/>
+            <a:tailEnd/>
+          </a:ln>
+          <a:effectLst/>
+        </p:spPr>
+        <p:txBody>
+          <a:bodyPr vert="horz" wrap="square" lIns="91440" tIns="45720" rIns="91440" bIns="45720" numCol="1" anchor="t" anchorCtr="0" compatLnSpc="1">
+            <a:prstTxWarp prst="textNoShape">
+              <a:avLst/>
+            </a:prstTxWarp>
+            <a:spAutoFit/>
+          </a:bodyPr>
+          <a:lstStyle>
+            <a:lvl1pPr marL="342900" indent="-342900" algn="l" rtl="0" fontAlgn="base">
+              <a:spcBef>
+                <a:spcPct val="20000"/>
+              </a:spcBef>
+              <a:spcAft>
+                <a:spcPct val="0"/>
+              </a:spcAft>
+              <a:buClr>
+                <a:srgbClr val="ED0010"/>
+              </a:buClr>
+              <a:buSzPct val="60000"/>
+              <a:buFont typeface="Zapf Dingbats" charset="2"/>
+              <a:buChar char="n"/>
+              <a:defRPr sz="2800">
+                <a:solidFill>
+                  <a:srgbClr val="000000"/>
+                </a:solidFill>
+                <a:latin typeface="+mn-lt"/>
+                <a:ea typeface="+mn-ea"/>
+                <a:cs typeface="+mn-cs"/>
+              </a:defRPr>
+            </a:lvl1pPr>
+            <a:lvl2pPr marL="819150" indent="-285750" algn="l" rtl="0" fontAlgn="base">
+              <a:spcBef>
+                <a:spcPct val="20000"/>
+              </a:spcBef>
+              <a:spcAft>
+                <a:spcPct val="0"/>
+              </a:spcAft>
+              <a:buClr>
+                <a:schemeClr val="accent1"/>
+              </a:buClr>
+              <a:buSzPct val="60000"/>
+              <a:buFont typeface="Zapf Dingbats" charset="2"/>
+              <a:buChar char="n"/>
+              <a:defRPr sz="2600">
+                <a:solidFill>
+                  <a:srgbClr val="000000"/>
+                </a:solidFill>
+                <a:latin typeface="+mn-lt"/>
+              </a:defRPr>
+            </a:lvl2pPr>
+            <a:lvl3pPr marL="1143000" indent="-228600" algn="l" rtl="0" fontAlgn="base">
+              <a:spcBef>
+                <a:spcPct val="20000"/>
+              </a:spcBef>
+              <a:spcAft>
+                <a:spcPct val="0"/>
+              </a:spcAft>
+              <a:buClr>
+                <a:schemeClr val="accent1"/>
+              </a:buClr>
+              <a:buSzPct val="60000"/>
+              <a:buFont typeface="Zapf Dingbats" charset="2"/>
+              <a:buChar char="n"/>
+              <a:defRPr sz="2400">
+                <a:solidFill>
+                  <a:srgbClr val="000000"/>
+                </a:solidFill>
+                <a:latin typeface="+mn-lt"/>
+              </a:defRPr>
+            </a:lvl3pPr>
+            <a:lvl4pPr marL="1562100" indent="-228600" algn="l" rtl="0" fontAlgn="base">
+              <a:spcBef>
+                <a:spcPct val="20000"/>
+              </a:spcBef>
+              <a:spcAft>
+                <a:spcPct val="0"/>
+              </a:spcAft>
+              <a:buClr>
+                <a:schemeClr val="accent1"/>
+              </a:buClr>
+              <a:buSzPct val="60000"/>
+              <a:buFont typeface="Zapf Dingbats" charset="2"/>
+              <a:buChar char="n"/>
+              <a:defRPr sz="2200">
+                <a:solidFill>
+                  <a:srgbClr val="000000"/>
+                </a:solidFill>
+                <a:latin typeface="+mn-lt"/>
+              </a:defRPr>
+            </a:lvl4pPr>
+            <a:lvl5pPr marL="1981200" indent="-228600" algn="l" rtl="0" fontAlgn="base">
+              <a:spcBef>
+                <a:spcPct val="20000"/>
+              </a:spcBef>
+              <a:spcAft>
+                <a:spcPct val="0"/>
+              </a:spcAft>
+              <a:buClr>
+                <a:schemeClr val="accent1"/>
+              </a:buClr>
+              <a:buSzPct val="60000"/>
+              <a:buFont typeface="Zapf Dingbats" charset="2"/>
+              <a:buChar char="n"/>
+              <a:defRPr sz="2000">
+                <a:solidFill>
+                  <a:srgbClr val="000000"/>
+                </a:solidFill>
+                <a:latin typeface="+mn-lt"/>
+              </a:defRPr>
+            </a:lvl5pPr>
+            <a:lvl6pPr marL="2438400" indent="-228600" algn="l" rtl="0" fontAlgn="base">
+              <a:spcBef>
+                <a:spcPct val="20000"/>
+              </a:spcBef>
+              <a:spcAft>
+                <a:spcPct val="0"/>
+              </a:spcAft>
+              <a:buClr>
+                <a:schemeClr val="accent1"/>
+              </a:buClr>
+              <a:buSzPct val="60000"/>
+              <a:buFont typeface="Zapf Dingbats" charset="2"/>
+              <a:buChar char="n"/>
+              <a:defRPr sz="2000">
+                <a:solidFill>
+                  <a:srgbClr val="000000"/>
+                </a:solidFill>
+                <a:latin typeface="+mn-lt"/>
+              </a:defRPr>
+            </a:lvl6pPr>
+            <a:lvl7pPr marL="2895600" indent="-228600" algn="l" rtl="0" fontAlgn="base">
+              <a:spcBef>
+                <a:spcPct val="20000"/>
+              </a:spcBef>
+              <a:spcAft>
+                <a:spcPct val="0"/>
+              </a:spcAft>
+              <a:buClr>
+                <a:schemeClr val="accent1"/>
+              </a:buClr>
+              <a:buSzPct val="60000"/>
+              <a:buFont typeface="Zapf Dingbats" charset="2"/>
+              <a:buChar char="n"/>
+              <a:defRPr sz="2000">
+                <a:solidFill>
+                  <a:srgbClr val="000000"/>
+                </a:solidFill>
+                <a:latin typeface="+mn-lt"/>
+              </a:defRPr>
+            </a:lvl7pPr>
+            <a:lvl8pPr marL="3352800" indent="-228600" algn="l" rtl="0" fontAlgn="base">
+              <a:spcBef>
+                <a:spcPct val="20000"/>
+              </a:spcBef>
+              <a:spcAft>
+                <a:spcPct val="0"/>
+              </a:spcAft>
+              <a:buClr>
+                <a:schemeClr val="accent1"/>
+              </a:buClr>
+              <a:buSzPct val="60000"/>
+              <a:buFont typeface="Zapf Dingbats" charset="2"/>
+              <a:buChar char="n"/>
+              <a:defRPr sz="2000">
+                <a:solidFill>
+                  <a:srgbClr val="000000"/>
+                </a:solidFill>
+                <a:latin typeface="+mn-lt"/>
+              </a:defRPr>
+            </a:lvl8pPr>
+            <a:lvl9pPr marL="3810000" indent="-228600" algn="l" rtl="0" fontAlgn="base">
+              <a:spcBef>
+                <a:spcPct val="20000"/>
+              </a:spcBef>
+              <a:spcAft>
+                <a:spcPct val="0"/>
+              </a:spcAft>
+              <a:buClr>
+                <a:schemeClr val="accent1"/>
+              </a:buClr>
+              <a:buSzPct val="60000"/>
+              <a:buFont typeface="Zapf Dingbats" charset="2"/>
+              <a:buChar char="n"/>
+              <a:defRPr sz="2000">
+                <a:solidFill>
+                  <a:srgbClr val="000000"/>
+                </a:solidFill>
+                <a:latin typeface="+mn-lt"/>
+              </a:defRPr>
+            </a:lvl9pPr>
+          </a:lstStyle>
+          <a:p>
+            <a:pPr marL="0" indent="0">
+              <a:buNone/>
+            </a:pPr>
+            <a:r>
+              <a:rPr lang="nl-NL" sz="1600" kern="0" dirty="0" smtClean="0">
+                <a:latin typeface="Courier New" panose="02070309020205020404" pitchFamily="49" charset="0"/>
+                <a:cs typeface="Courier New" panose="02070309020205020404" pitchFamily="49" charset="0"/>
+              </a:rPr>
+              <a:t>Random </a:t>
+            </a:r>
+            <a:r>
+              <a:rPr lang="nl-NL" sz="1600" kern="0" dirty="0" err="1" smtClean="0">
+                <a:latin typeface="Courier New" panose="02070309020205020404" pitchFamily="49" charset="0"/>
+                <a:cs typeface="Courier New" panose="02070309020205020404" pitchFamily="49" charset="0"/>
+              </a:rPr>
+              <a:t>Forest</a:t>
+            </a:r>
+            <a:endParaRPr lang="nl-NL" sz="1600" kern="0" dirty="0" smtClean="0">
+              <a:latin typeface="Courier New" panose="02070309020205020404" pitchFamily="49" charset="0"/>
+              <a:cs typeface="Courier New" panose="02070309020205020404" pitchFamily="49" charset="0"/>
+            </a:endParaRPr>
+          </a:p>
+          <a:p>
+            <a:pPr>
+              <a:buFont typeface="+mj-lt"/>
+              <a:buAutoNum type="arabicPeriod"/>
+            </a:pPr>
+            <a:endParaRPr lang="nl-NL" sz="1600" kern="0" dirty="0" smtClean="0">
+              <a:latin typeface="Courier New" panose="02070309020205020404" pitchFamily="49" charset="0"/>
+              <a:cs typeface="Courier New" panose="02070309020205020404" pitchFamily="49" charset="0"/>
+            </a:endParaRPr>
+          </a:p>
+          <a:p>
+            <a:pPr marL="0" indent="0">
+              <a:buNone/>
+            </a:pPr>
+            <a:endParaRPr lang="nl-NL" sz="1600" kern="0" dirty="0">
+              <a:latin typeface="Courier New" panose="02070309020205020404" pitchFamily="49" charset="0"/>
+              <a:cs typeface="Courier New" panose="02070309020205020404" pitchFamily="49" charset="0"/>
+            </a:endParaRPr>
+          </a:p>
+          <a:p>
+            <a:pPr>
+              <a:buFont typeface="+mj-lt"/>
+              <a:buAutoNum type="arabicPeriod"/>
+            </a:pPr>
+            <a:endParaRPr lang="nl-NL" sz="1600" kern="0" dirty="0" smtClean="0">
+              <a:latin typeface="Courier New" panose="02070309020205020404" pitchFamily="49" charset="0"/>
+              <a:cs typeface="Courier New" panose="02070309020205020404" pitchFamily="49" charset="0"/>
+            </a:endParaRPr>
+          </a:p>
+          <a:p>
+            <a:pPr marL="0" indent="0">
+              <a:buNone/>
+            </a:pPr>
+            <a:endParaRPr lang="nl-NL" sz="1600" kern="0" dirty="0" smtClean="0">
+              <a:latin typeface="Courier New" panose="02070309020205020404" pitchFamily="49" charset="0"/>
+              <a:cs typeface="Courier New" panose="02070309020205020404" pitchFamily="49" charset="0"/>
+            </a:endParaRPr>
+          </a:p>
+          <a:p>
+            <a:pPr marL="533400" lvl="1" indent="0">
+              <a:buNone/>
+            </a:pPr>
+            <a:endParaRPr lang="nl-NL" sz="1200" kern="0" dirty="0">
+              <a:latin typeface="Courier New" panose="02070309020205020404" pitchFamily="49" charset="0"/>
+              <a:cs typeface="Courier New" panose="02070309020205020404" pitchFamily="49" charset="0"/>
+            </a:endParaRPr>
+          </a:p>
+          <a:p>
+            <a:pPr marL="57150" indent="0">
+              <a:buNone/>
+            </a:pPr>
+            <a:r>
+              <a:rPr lang="nl-NL" sz="1400" kern="0" dirty="0" smtClean="0">
+                <a:latin typeface="Courier New" panose="02070309020205020404" pitchFamily="49" charset="0"/>
+                <a:cs typeface="Courier New" panose="02070309020205020404" pitchFamily="49" charset="0"/>
+              </a:rPr>
+              <a:t> </a:t>
+            </a:r>
+          </a:p>
+          <a:p>
+            <a:pPr>
+              <a:buFont typeface="+mj-lt"/>
+              <a:buAutoNum type="arabicPeriod"/>
+            </a:pPr>
+            <a:endParaRPr lang="nl-NL" sz="1400" kern="0" dirty="0">
+              <a:latin typeface="Courier New" panose="02070309020205020404" pitchFamily="49" charset="0"/>
+              <a:cs typeface="Courier New" panose="02070309020205020404" pitchFamily="49" charset="0"/>
+            </a:endParaRPr>
+          </a:p>
+          <a:p>
+            <a:pPr>
+              <a:buFont typeface="+mj-lt"/>
+              <a:buAutoNum type="arabicPeriod"/>
+            </a:pPr>
+            <a:endParaRPr lang="nl-NL" sz="1400" kern="0" dirty="0">
+              <a:latin typeface="Courier New" panose="02070309020205020404" pitchFamily="49" charset="0"/>
+              <a:cs typeface="Courier New" panose="02070309020205020404" pitchFamily="49" charset="0"/>
+            </a:endParaRPr>
+          </a:p>
+          <a:p>
+            <a:pPr marL="0" indent="0">
+              <a:buFont typeface="Zapf Dingbats" charset="2"/>
+              <a:buNone/>
+            </a:pPr>
+            <a:endParaRPr lang="nl-NL" sz="1400" kern="0" dirty="0" smtClean="0">
+              <a:latin typeface="Courier New" panose="02070309020205020404" pitchFamily="49" charset="0"/>
+              <a:cs typeface="Courier New" panose="02070309020205020404" pitchFamily="49" charset="0"/>
+            </a:endParaRPr>
+          </a:p>
+        </p:txBody>
+      </p:sp>
+    </p:spTree>
+    <p:extLst>
+      <p:ext uri="{BB962C8B-B14F-4D97-AF65-F5344CB8AC3E}">
+        <p14:creationId xmlns:p14="http://schemas.microsoft.com/office/powerpoint/2010/main" val="1121189270"/>
+      </p:ext>
+    </p:extLst>
+  </p:cSld>
+  <p:clrMapOvr>
+    <a:masterClrMapping/>
+  </p:clrMapOvr>
+</p:sld>
+</file>
+
 <file path=ppt/slides/slide2.xml><?xml version="1.0" encoding="utf-8"?>
 <p:sld xmlns:a="http://schemas.openxmlformats.org/drawingml/2006/main" xmlns:r="http://schemas.openxmlformats.org/officeDocument/2006/relationships" xmlns:p="http://schemas.openxmlformats.org/presentationml/2006/main">
   <p:cSld>
@@ -5705,6 +7762,351 @@
       </p:par>
     </p:tnLst>
   </p:timing>
+</p:sld>
+</file>
+
+<file path=ppt/slides/slide20.xml><?xml version="1.0" encoding="utf-8"?>
+<p:sld xmlns:a="http://schemas.openxmlformats.org/drawingml/2006/main" xmlns:r="http://schemas.openxmlformats.org/officeDocument/2006/relationships" xmlns:p="http://schemas.openxmlformats.org/presentationml/2006/main">
+  <p:cSld>
+    <p:spTree>
+      <p:nvGrpSpPr>
+        <p:cNvPr id="1" name=""/>
+        <p:cNvGrpSpPr/>
+        <p:nvPr/>
+      </p:nvGrpSpPr>
+      <p:grpSpPr>
+        <a:xfrm>
+          <a:off x="0" y="0"/>
+          <a:ext cx="0" cy="0"/>
+          <a:chOff x="0" y="0"/>
+          <a:chExt cx="0" cy="0"/>
+        </a:xfrm>
+      </p:grpSpPr>
+      <p:sp>
+        <p:nvSpPr>
+          <p:cNvPr id="2" name="Titel 1"/>
+          <p:cNvSpPr>
+            <a:spLocks noGrp="1"/>
+          </p:cNvSpPr>
+          <p:nvPr>
+            <p:ph type="title"/>
+          </p:nvPr>
+        </p:nvSpPr>
+        <p:spPr>
+          <a:xfrm>
+            <a:off x="838200" y="665818"/>
+            <a:ext cx="6172200" cy="523220"/>
+          </a:xfrm>
+        </p:spPr>
+        <p:txBody>
+          <a:bodyPr/>
+          <a:lstStyle/>
+          <a:p>
+            <a:r>
+              <a:rPr lang="nl-NL" sz="2800" dirty="0" smtClean="0"/>
+              <a:t>Time </a:t>
+            </a:r>
+            <a:r>
+              <a:rPr lang="nl-NL" sz="2800" dirty="0" err="1" smtClean="0"/>
+              <a:t>for</a:t>
+            </a:r>
+            <a:r>
+              <a:rPr lang="nl-NL" sz="2800" dirty="0" smtClean="0"/>
+              <a:t> </a:t>
+            </a:r>
+            <a:r>
+              <a:rPr lang="nl-NL" sz="2800" dirty="0" err="1" smtClean="0"/>
+              <a:t>working</a:t>
+            </a:r>
+            <a:r>
+              <a:rPr lang="nl-NL" sz="2800" dirty="0" smtClean="0"/>
+              <a:t> on </a:t>
+            </a:r>
+            <a:r>
+              <a:rPr lang="nl-NL" sz="2800" dirty="0" err="1" smtClean="0"/>
+              <a:t>assignments</a:t>
+            </a:r>
+            <a:endParaRPr lang="nl-NL" sz="2800" dirty="0"/>
+          </a:p>
+        </p:txBody>
+      </p:sp>
+      <p:sp>
+        <p:nvSpPr>
+          <p:cNvPr id="3" name="Tijdelijke aanduiding voor inhoud 2"/>
+          <p:cNvSpPr>
+            <a:spLocks noGrp="1"/>
+          </p:cNvSpPr>
+          <p:nvPr>
+            <p:ph idx="1"/>
+          </p:nvPr>
+        </p:nvSpPr>
+        <p:spPr/>
+        <p:txBody>
+          <a:bodyPr/>
+          <a:lstStyle/>
+          <a:p>
+            <a:endParaRPr lang="nl-NL"/>
+          </a:p>
+        </p:txBody>
+      </p:sp>
+    </p:spTree>
+    <p:extLst>
+      <p:ext uri="{BB962C8B-B14F-4D97-AF65-F5344CB8AC3E}">
+        <p14:creationId xmlns:p14="http://schemas.microsoft.com/office/powerpoint/2010/main" val="4050974403"/>
+      </p:ext>
+    </p:extLst>
+  </p:cSld>
+  <p:clrMapOvr>
+    <a:masterClrMapping/>
+  </p:clrMapOvr>
+</p:sld>
+</file>
+
+<file path=ppt/slides/slide21.xml><?xml version="1.0" encoding="utf-8"?>
+<p:sld xmlns:a="http://schemas.openxmlformats.org/drawingml/2006/main" xmlns:r="http://schemas.openxmlformats.org/officeDocument/2006/relationships" xmlns:p="http://schemas.openxmlformats.org/presentationml/2006/main">
+  <p:cSld>
+    <p:spTree>
+      <p:nvGrpSpPr>
+        <p:cNvPr id="1" name=""/>
+        <p:cNvGrpSpPr/>
+        <p:nvPr/>
+      </p:nvGrpSpPr>
+      <p:grpSpPr>
+        <a:xfrm>
+          <a:off x="0" y="0"/>
+          <a:ext cx="0" cy="0"/>
+          <a:chOff x="0" y="0"/>
+          <a:chExt cx="0" cy="0"/>
+        </a:xfrm>
+      </p:grpSpPr>
+      <p:sp>
+        <p:nvSpPr>
+          <p:cNvPr id="2" name="Titel 1"/>
+          <p:cNvSpPr>
+            <a:spLocks noGrp="1"/>
+          </p:cNvSpPr>
+          <p:nvPr>
+            <p:ph type="title"/>
+          </p:nvPr>
+        </p:nvSpPr>
+        <p:spPr/>
+        <p:txBody>
+          <a:bodyPr/>
+          <a:lstStyle/>
+          <a:p>
+            <a:r>
+              <a:rPr lang="nl-NL" dirty="0" smtClean="0"/>
+              <a:t>Image credit</a:t>
+            </a:r>
+            <a:endParaRPr lang="nl-NL" dirty="0"/>
+          </a:p>
+        </p:txBody>
+      </p:sp>
+      <p:sp>
+        <p:nvSpPr>
+          <p:cNvPr id="3" name="Tijdelijke aanduiding voor inhoud 2"/>
+          <p:cNvSpPr>
+            <a:spLocks noGrp="1"/>
+          </p:cNvSpPr>
+          <p:nvPr>
+            <p:ph idx="1"/>
+          </p:nvPr>
+        </p:nvSpPr>
+        <p:spPr>
+          <a:xfrm>
+            <a:off x="762000" y="1762125"/>
+            <a:ext cx="7881938" cy="2246769"/>
+          </a:xfrm>
+        </p:spPr>
+        <p:txBody>
+          <a:bodyPr/>
+          <a:lstStyle/>
+          <a:p>
+            <a:r>
+              <a:rPr lang="nl-NL" sz="2000" dirty="0"/>
+              <a:t>MNIST data set </a:t>
+            </a:r>
+            <a:r>
+              <a:rPr lang="nl-NL" sz="2000" dirty="0" err="1"/>
+              <a:t>by</a:t>
+            </a:r>
+            <a:r>
+              <a:rPr lang="nl-NL" sz="2000" dirty="0"/>
+              <a:t> Josef </a:t>
+            </a:r>
+            <a:r>
+              <a:rPr lang="nl-NL" sz="2000" dirty="0" err="1"/>
+              <a:t>Steppan</a:t>
+            </a:r>
+            <a:r>
+              <a:rPr lang="nl-NL" sz="2000" dirty="0"/>
+              <a:t> (CC-BY-SA)</a:t>
+            </a:r>
+          </a:p>
+          <a:p>
+            <a:r>
+              <a:rPr lang="nl-NL" sz="2000" dirty="0"/>
+              <a:t>Spam </a:t>
+            </a:r>
+            <a:r>
+              <a:rPr lang="nl-NL" sz="2000" dirty="0" err="1"/>
+              <a:t>by</a:t>
+            </a:r>
+            <a:r>
+              <a:rPr lang="nl-NL" sz="2000" dirty="0"/>
+              <a:t> </a:t>
+            </a:r>
+            <a:r>
+              <a:rPr lang="nl-NL" sz="2000" dirty="0" err="1"/>
+              <a:t>Etonic</a:t>
+            </a:r>
+            <a:r>
+              <a:rPr lang="nl-NL" sz="2000" dirty="0"/>
+              <a:t> (CC-BY-SA</a:t>
+            </a:r>
+            <a:r>
+              <a:rPr lang="nl-NL" sz="2000" dirty="0" smtClean="0"/>
+              <a:t>)</a:t>
+            </a:r>
+          </a:p>
+          <a:p>
+            <a:r>
+              <a:rPr lang="nl-NL" sz="2000" i="1" dirty="0" smtClean="0"/>
+              <a:t>k</a:t>
+            </a:r>
+            <a:r>
+              <a:rPr lang="nl-NL" sz="2000" dirty="0" smtClean="0"/>
+              <a:t>-NN </a:t>
+            </a:r>
+            <a:r>
+              <a:rPr lang="nl-NL" sz="2000" dirty="0" err="1" smtClean="0"/>
+              <a:t>by</a:t>
+            </a:r>
+            <a:r>
+              <a:rPr lang="nl-NL" sz="2000" dirty="0" smtClean="0"/>
+              <a:t> </a:t>
+            </a:r>
+            <a:r>
+              <a:rPr lang="nl-NL" sz="2000" dirty="0" err="1" smtClean="0"/>
+              <a:t>Antti</a:t>
+            </a:r>
+            <a:r>
+              <a:rPr lang="nl-NL" sz="2000" dirty="0" smtClean="0"/>
+              <a:t> </a:t>
+            </a:r>
+            <a:r>
+              <a:rPr lang="nl-NL" sz="2000" dirty="0" err="1" smtClean="0"/>
+              <a:t>Ajanki</a:t>
+            </a:r>
+            <a:r>
+              <a:rPr lang="nl-NL" sz="2000" dirty="0" smtClean="0"/>
+              <a:t> (CC-BY-SA)</a:t>
+            </a:r>
+          </a:p>
+          <a:p>
+            <a:r>
+              <a:rPr lang="nl-NL" sz="2000" dirty="0" smtClean="0"/>
+              <a:t>Neural </a:t>
+            </a:r>
+            <a:r>
+              <a:rPr lang="nl-NL" sz="2000" dirty="0" err="1" smtClean="0"/>
+              <a:t>network</a:t>
+            </a:r>
+            <a:r>
+              <a:rPr lang="nl-NL" sz="2000" dirty="0" smtClean="0"/>
+              <a:t> </a:t>
+            </a:r>
+            <a:r>
+              <a:rPr lang="nl-NL" sz="2000" dirty="0" err="1" smtClean="0"/>
+              <a:t>by</a:t>
+            </a:r>
+            <a:r>
+              <a:rPr lang="nl-NL" sz="2000" dirty="0" smtClean="0"/>
+              <a:t> </a:t>
+            </a:r>
+            <a:r>
+              <a:rPr lang="nl-NL" sz="2000" dirty="0" err="1" smtClean="0"/>
+              <a:t>Cburnett</a:t>
+            </a:r>
+            <a:r>
+              <a:rPr lang="nl-NL" sz="2000" dirty="0" smtClean="0"/>
+              <a:t> (CC-BY-SA)</a:t>
+            </a:r>
+            <a:endParaRPr lang="nl-NL" sz="2000" dirty="0"/>
+          </a:p>
+          <a:p>
+            <a:r>
+              <a:rPr lang="nl-NL" sz="2000" dirty="0" smtClean="0"/>
+              <a:t>Titanic survival tree </a:t>
+            </a:r>
+            <a:r>
+              <a:rPr lang="nl-NL" sz="2000" dirty="0" err="1" smtClean="0"/>
+              <a:t>by</a:t>
+            </a:r>
+            <a:r>
+              <a:rPr lang="nl-NL" sz="2000" dirty="0" smtClean="0"/>
+              <a:t> </a:t>
+            </a:r>
+            <a:r>
+              <a:rPr lang="nl-NL" sz="2000" dirty="0" err="1" smtClean="0"/>
+              <a:t>DIary</a:t>
+            </a:r>
+            <a:r>
+              <a:rPr lang="nl-NL" sz="2000" dirty="0" smtClean="0"/>
+              <a:t> (CC-BY-SA)</a:t>
+            </a:r>
+          </a:p>
+          <a:p>
+            <a:r>
+              <a:rPr lang="nl-NL" sz="2000" dirty="0" smtClean="0"/>
+              <a:t>Random </a:t>
+            </a:r>
+            <a:r>
+              <a:rPr lang="nl-NL" sz="2000" dirty="0" err="1" smtClean="0"/>
+              <a:t>Forest</a:t>
+            </a:r>
+            <a:r>
+              <a:rPr lang="nl-NL" sz="2000" dirty="0" smtClean="0"/>
+              <a:t> </a:t>
+            </a:r>
+            <a:r>
+              <a:rPr lang="nl-NL" sz="2000" dirty="0" err="1" smtClean="0"/>
+              <a:t>by</a:t>
+            </a:r>
+            <a:r>
+              <a:rPr lang="nl-NL" sz="2000" dirty="0" smtClean="0"/>
+              <a:t> </a:t>
+            </a:r>
+            <a:r>
+              <a:rPr lang="nl-NL" sz="2000" dirty="0" err="1" smtClean="0"/>
+              <a:t>Venkata</a:t>
+            </a:r>
+            <a:r>
+              <a:rPr lang="nl-NL" sz="2000" dirty="0" smtClean="0"/>
+              <a:t> </a:t>
+            </a:r>
+            <a:r>
+              <a:rPr lang="nl-NL" sz="2000" dirty="0" err="1" smtClean="0"/>
+              <a:t>Jagannath</a:t>
+            </a:r>
+            <a:r>
+              <a:rPr lang="nl-NL" sz="2000" dirty="0" smtClean="0"/>
+              <a:t> (CC-BY-SA)</a:t>
+            </a:r>
+            <a:endParaRPr lang="nl-NL" sz="2000" dirty="0"/>
+          </a:p>
+        </p:txBody>
+      </p:sp>
+    </p:spTree>
+    <p:extLst>
+      <p:ext uri="{BB962C8B-B14F-4D97-AF65-F5344CB8AC3E}">
+        <p14:creationId xmlns:p14="http://schemas.microsoft.com/office/powerpoint/2010/main" val="1243935211"/>
+      </p:ext>
+    </p:extLst>
+  </p:cSld>
+  <p:clrMapOvr>
+    <a:masterClrMapping/>
+  </p:clrMapOvr>
 </p:sld>
 </file>
 
@@ -5885,6 +8287,642 @@
           <a:lstStyle/>
           <a:p>
             <a:r>
+              <a:rPr lang="nl-NL" dirty="0" err="1" smtClean="0"/>
+              <a:t>Recap</a:t>
+            </a:r>
+            <a:endParaRPr lang="nl-NL" dirty="0"/>
+          </a:p>
+        </p:txBody>
+      </p:sp>
+      <p:sp>
+        <p:nvSpPr>
+          <p:cNvPr id="3" name="Tijdelijke aanduiding voor inhoud 2"/>
+          <p:cNvSpPr>
+            <a:spLocks noGrp="1"/>
+          </p:cNvSpPr>
+          <p:nvPr>
+            <p:ph idx="1"/>
+          </p:nvPr>
+        </p:nvSpPr>
+        <p:spPr>
+          <a:xfrm>
+            <a:off x="762000" y="1762125"/>
+            <a:ext cx="7881938" cy="5115246"/>
+          </a:xfrm>
+        </p:spPr>
+        <p:txBody>
+          <a:bodyPr/>
+          <a:lstStyle/>
+          <a:p>
+            <a:r>
+              <a:rPr lang="en-US" sz="2400" dirty="0"/>
+              <a:t>‘the study of algorithms and statistical models that computer systems use to progressively improve their performance on a specific task.’ (Wikipedia</a:t>
+            </a:r>
+            <a:r>
+              <a:rPr lang="en-US" sz="2400" dirty="0" smtClean="0"/>
+              <a:t>)</a:t>
+            </a:r>
+          </a:p>
+          <a:p>
+            <a:endParaRPr lang="en-US" sz="2400" dirty="0" smtClean="0"/>
+          </a:p>
+          <a:p>
+            <a:r>
+              <a:rPr lang="en-US" sz="2400" dirty="0" smtClean="0"/>
+              <a:t>Supervised learning vs. unsupervised learning</a:t>
+            </a:r>
+            <a:endParaRPr lang="en-US" sz="2400" dirty="0"/>
+          </a:p>
+          <a:p>
+            <a:endParaRPr lang="en-US" sz="2400" dirty="0"/>
+          </a:p>
+          <a:p>
+            <a:r>
+              <a:rPr lang="en-US" sz="2400" dirty="0" smtClean="0"/>
+              <a:t>Classification vs. regression</a:t>
+            </a:r>
+          </a:p>
+          <a:p>
+            <a:endParaRPr lang="en-US" sz="2400" dirty="0"/>
+          </a:p>
+          <a:p>
+            <a:r>
+              <a:rPr lang="en-US" sz="2400" dirty="0" smtClean="0"/>
+              <a:t>Algorithm: </a:t>
+            </a:r>
+            <a:r>
+              <a:rPr lang="en-US" sz="2400" i="1" dirty="0" smtClean="0"/>
+              <a:t>k</a:t>
+            </a:r>
+            <a:r>
+              <a:rPr lang="en-US" sz="2400" dirty="0" smtClean="0"/>
+              <a:t>-nearest neighbor</a:t>
+            </a:r>
+          </a:p>
+          <a:p>
+            <a:endParaRPr lang="en-US" sz="2000" dirty="0"/>
+          </a:p>
+          <a:p>
+            <a:endParaRPr lang="en-US" sz="2000" dirty="0"/>
+          </a:p>
+          <a:p>
+            <a:endParaRPr lang="nl-NL" dirty="0"/>
+          </a:p>
+        </p:txBody>
+      </p:sp>
+    </p:spTree>
+    <p:extLst>
+      <p:ext uri="{BB962C8B-B14F-4D97-AF65-F5344CB8AC3E}">
+        <p14:creationId xmlns:p14="http://schemas.microsoft.com/office/powerpoint/2010/main" val="529760718"/>
+      </p:ext>
+    </p:extLst>
+  </p:cSld>
+  <p:clrMapOvr>
+    <a:masterClrMapping/>
+  </p:clrMapOvr>
+</p:sld>
+</file>
+
+<file path=ppt/slides/slide6.xml><?xml version="1.0" encoding="utf-8"?>
+<p:sld xmlns:a="http://schemas.openxmlformats.org/drawingml/2006/main" xmlns:r="http://schemas.openxmlformats.org/officeDocument/2006/relationships" xmlns:p="http://schemas.openxmlformats.org/presentationml/2006/main">
+  <p:cSld>
+    <p:spTree>
+      <p:nvGrpSpPr>
+        <p:cNvPr id="1" name=""/>
+        <p:cNvGrpSpPr/>
+        <p:nvPr/>
+      </p:nvGrpSpPr>
+      <p:grpSpPr>
+        <a:xfrm>
+          <a:off x="0" y="0"/>
+          <a:ext cx="0" cy="0"/>
+          <a:chOff x="0" y="0"/>
+          <a:chExt cx="0" cy="0"/>
+        </a:xfrm>
+      </p:grpSpPr>
+      <p:pic>
+        <p:nvPicPr>
+          <p:cNvPr id="5" name="Tijdelijke aanduiding voor inhoud 3"/>
+          <p:cNvPicPr>
+            <a:picLocks noChangeAspect="1"/>
+          </p:cNvPicPr>
+          <p:nvPr/>
+        </p:nvPicPr>
+        <p:blipFill>
+          <a:blip r:embed="rId2" cstate="print">
+            <a:extLst>
+              <a:ext uri="{28A0092B-C50C-407E-A947-70E740481C1C}">
+                <a14:useLocalDpi xmlns:a14="http://schemas.microsoft.com/office/drawing/2010/main" val="0"/>
+              </a:ext>
+            </a:extLst>
+          </a:blip>
+          <a:stretch>
+            <a:fillRect/>
+          </a:stretch>
+        </p:blipFill>
+        <p:spPr bwMode="auto">
+          <a:xfrm>
+            <a:off x="948177" y="1658595"/>
+            <a:ext cx="1612979" cy="1440160"/>
+          </a:xfrm>
+          <a:prstGeom prst="rect">
+            <a:avLst/>
+          </a:prstGeom>
+          <a:noFill/>
+          <a:ln w="9525">
+            <a:noFill/>
+            <a:miter lim="800000"/>
+            <a:headEnd/>
+            <a:tailEnd/>
+          </a:ln>
+          <a:effectLst/>
+        </p:spPr>
+      </p:pic>
+      <p:pic>
+        <p:nvPicPr>
+          <p:cNvPr id="6" name="Afbeelding 5"/>
+          <p:cNvPicPr>
+            <a:picLocks noChangeAspect="1"/>
+          </p:cNvPicPr>
+          <p:nvPr/>
+        </p:nvPicPr>
+        <p:blipFill>
+          <a:blip r:embed="rId3" cstate="print">
+            <a:extLst>
+              <a:ext uri="{28A0092B-C50C-407E-A947-70E740481C1C}">
+                <a14:useLocalDpi xmlns:a14="http://schemas.microsoft.com/office/drawing/2010/main" val="0"/>
+              </a:ext>
+            </a:extLst>
+          </a:blip>
+          <a:stretch>
+            <a:fillRect/>
+          </a:stretch>
+        </p:blipFill>
+        <p:spPr>
+          <a:xfrm>
+            <a:off x="5012851" y="1853134"/>
+            <a:ext cx="2182592" cy="1326457"/>
+          </a:xfrm>
+          <a:prstGeom prst="rect">
+            <a:avLst/>
+          </a:prstGeom>
+        </p:spPr>
+      </p:pic>
+      <p:pic>
+        <p:nvPicPr>
+          <p:cNvPr id="7" name="Afbeelding 6"/>
+          <p:cNvPicPr>
+            <a:picLocks noChangeAspect="1"/>
+          </p:cNvPicPr>
+          <p:nvPr/>
+        </p:nvPicPr>
+        <p:blipFill>
+          <a:blip r:embed="rId4">
+            <a:extLst>
+              <a:ext uri="{28A0092B-C50C-407E-A947-70E740481C1C}">
+                <a14:useLocalDpi xmlns:a14="http://schemas.microsoft.com/office/drawing/2010/main" val="0"/>
+              </a:ext>
+            </a:extLst>
+          </a:blip>
+          <a:stretch>
+            <a:fillRect/>
+          </a:stretch>
+        </p:blipFill>
+        <p:spPr>
+          <a:xfrm>
+            <a:off x="982783" y="5083722"/>
+            <a:ext cx="1578373" cy="1427710"/>
+          </a:xfrm>
+          <a:prstGeom prst="rect">
+            <a:avLst/>
+          </a:prstGeom>
+        </p:spPr>
+      </p:pic>
+      <p:pic>
+        <p:nvPicPr>
+          <p:cNvPr id="8" name="Afbeelding 7"/>
+          <p:cNvPicPr>
+            <a:picLocks noChangeAspect="1"/>
+          </p:cNvPicPr>
+          <p:nvPr/>
+        </p:nvPicPr>
+        <p:blipFill>
+          <a:blip r:embed="rId5" cstate="print">
+            <a:extLst>
+              <a:ext uri="{28A0092B-C50C-407E-A947-70E740481C1C}">
+                <a14:useLocalDpi xmlns:a14="http://schemas.microsoft.com/office/drawing/2010/main" val="0"/>
+              </a:ext>
+            </a:extLst>
+          </a:blip>
+          <a:stretch>
+            <a:fillRect/>
+          </a:stretch>
+        </p:blipFill>
+        <p:spPr>
+          <a:xfrm>
+            <a:off x="783500" y="3349888"/>
+            <a:ext cx="1976937" cy="1482703"/>
+          </a:xfrm>
+          <a:prstGeom prst="rect">
+            <a:avLst/>
+          </a:prstGeom>
+        </p:spPr>
+      </p:pic>
+      <p:pic>
+        <p:nvPicPr>
+          <p:cNvPr id="9" name="Afbeelding 8"/>
+          <p:cNvPicPr>
+            <a:picLocks noChangeAspect="1"/>
+          </p:cNvPicPr>
+          <p:nvPr/>
+        </p:nvPicPr>
+        <p:blipFill rotWithShape="1">
+          <a:blip r:embed="rId6"/>
+          <a:srcRect t="17262" b="10010"/>
+          <a:stretch/>
+        </p:blipFill>
+        <p:spPr>
+          <a:xfrm>
+            <a:off x="5781000" y="3380619"/>
+            <a:ext cx="2828886" cy="1152129"/>
+          </a:xfrm>
+          <a:prstGeom prst="rect">
+            <a:avLst/>
+          </a:prstGeom>
+        </p:spPr>
+      </p:pic>
+      <p:sp>
+        <p:nvSpPr>
+          <p:cNvPr id="10" name="Tekstvak 9"/>
+          <p:cNvSpPr txBox="1"/>
+          <p:nvPr/>
+        </p:nvSpPr>
+        <p:spPr>
+          <a:xfrm>
+            <a:off x="2953229" y="2117066"/>
+            <a:ext cx="1667548" cy="1200329"/>
+          </a:xfrm>
+          <a:prstGeom prst="rect">
+            <a:avLst/>
+          </a:prstGeom>
+          <a:noFill/>
+        </p:spPr>
+        <p:txBody>
+          <a:bodyPr wrap="square" rtlCol="0">
+            <a:spAutoFit/>
+          </a:bodyPr>
+          <a:lstStyle/>
+          <a:p>
+            <a:r>
+              <a:rPr lang="nl-NL" dirty="0">
+                <a:hlinkClick r:id="rId7"/>
+              </a:rPr>
+              <a:t>Neural </a:t>
+            </a:r>
+            <a:r>
+              <a:rPr lang="nl-NL" dirty="0" err="1">
+                <a:hlinkClick r:id="rId7"/>
+              </a:rPr>
+              <a:t>network</a:t>
+            </a:r>
+            <a:r>
+              <a:rPr lang="nl-NL" dirty="0">
+                <a:hlinkClick r:id="rId7"/>
+              </a:rPr>
+              <a:t> (</a:t>
+            </a:r>
+            <a:r>
+              <a:rPr lang="nl-NL" dirty="0" err="1">
+                <a:hlinkClick r:id="rId7"/>
+              </a:rPr>
+              <a:t>deep</a:t>
+            </a:r>
+            <a:r>
+              <a:rPr lang="nl-NL" dirty="0">
+                <a:hlinkClick r:id="rId7"/>
+              </a:rPr>
+              <a:t> </a:t>
+            </a:r>
+            <a:r>
+              <a:rPr lang="nl-NL" dirty="0" err="1">
+                <a:hlinkClick r:id="rId7"/>
+              </a:rPr>
+              <a:t>learning</a:t>
+            </a:r>
+            <a:r>
+              <a:rPr lang="nl-NL" dirty="0">
+                <a:hlinkClick r:id="rId7"/>
+              </a:rPr>
+              <a:t>)</a:t>
+            </a:r>
+          </a:p>
+          <a:p>
+            <a:r>
+              <a:rPr lang="nl-NL" dirty="0" err="1">
+                <a:hlinkClick r:id="rId7"/>
+              </a:rPr>
+              <a:t>playground</a:t>
+            </a:r>
+            <a:endParaRPr lang="nl-NL" dirty="0"/>
+          </a:p>
+        </p:txBody>
+      </p:sp>
+      <p:pic>
+        <p:nvPicPr>
+          <p:cNvPr id="11" name="Afbeelding 10"/>
+          <p:cNvPicPr>
+            <a:picLocks noChangeAspect="1"/>
+          </p:cNvPicPr>
+          <p:nvPr/>
+        </p:nvPicPr>
+        <p:blipFill>
+          <a:blip r:embed="rId8" cstate="print">
+            <a:extLst>
+              <a:ext uri="{28A0092B-C50C-407E-A947-70E740481C1C}">
+                <a14:useLocalDpi xmlns:a14="http://schemas.microsoft.com/office/drawing/2010/main" val="0"/>
+              </a:ext>
+            </a:extLst>
+          </a:blip>
+          <a:stretch>
+            <a:fillRect/>
+          </a:stretch>
+        </p:blipFill>
+        <p:spPr>
+          <a:xfrm>
+            <a:off x="5447313" y="4901339"/>
+            <a:ext cx="1619250" cy="1074420"/>
+          </a:xfrm>
+          <a:prstGeom prst="rect">
+            <a:avLst/>
+          </a:prstGeom>
+        </p:spPr>
+      </p:pic>
+      <p:sp>
+        <p:nvSpPr>
+          <p:cNvPr id="12" name="Rechthoek 11"/>
+          <p:cNvSpPr/>
+          <p:nvPr/>
+        </p:nvSpPr>
+        <p:spPr>
+          <a:xfrm>
+            <a:off x="1256441" y="1253574"/>
+            <a:ext cx="1274708" cy="369332"/>
+          </a:xfrm>
+          <a:prstGeom prst="rect">
+            <a:avLst/>
+          </a:prstGeom>
+        </p:spPr>
+        <p:txBody>
+          <a:bodyPr wrap="none">
+            <a:spAutoFit/>
+          </a:bodyPr>
+          <a:lstStyle/>
+          <a:p>
+            <a:r>
+              <a:rPr lang="nl-NL" dirty="0" err="1"/>
+              <a:t>Algorithms</a:t>
+            </a:r>
+            <a:endParaRPr lang="nl-NL" dirty="0"/>
+          </a:p>
+        </p:txBody>
+      </p:sp>
+      <p:sp>
+        <p:nvSpPr>
+          <p:cNvPr id="13" name="Rechthoek 12"/>
+          <p:cNvSpPr/>
+          <p:nvPr/>
+        </p:nvSpPr>
+        <p:spPr>
+          <a:xfrm>
+            <a:off x="5915286" y="1205954"/>
+            <a:ext cx="1428596" cy="369332"/>
+          </a:xfrm>
+          <a:prstGeom prst="rect">
+            <a:avLst/>
+          </a:prstGeom>
+        </p:spPr>
+        <p:txBody>
+          <a:bodyPr wrap="none">
+            <a:spAutoFit/>
+          </a:bodyPr>
+          <a:lstStyle/>
+          <a:p>
+            <a:r>
+              <a:rPr lang="nl-NL" dirty="0"/>
+              <a:t>Applications</a:t>
+            </a:r>
+          </a:p>
+        </p:txBody>
+      </p:sp>
+      <p:sp>
+        <p:nvSpPr>
+          <p:cNvPr id="14" name="Rechthoek 13"/>
+          <p:cNvSpPr/>
+          <p:nvPr/>
+        </p:nvSpPr>
+        <p:spPr>
+          <a:xfrm>
+            <a:off x="2953230" y="3799006"/>
+            <a:ext cx="1774845" cy="369332"/>
+          </a:xfrm>
+          <a:prstGeom prst="rect">
+            <a:avLst/>
+          </a:prstGeom>
+        </p:spPr>
+        <p:txBody>
+          <a:bodyPr wrap="none">
+            <a:spAutoFit/>
+          </a:bodyPr>
+          <a:lstStyle/>
+          <a:p>
+            <a:r>
+              <a:rPr lang="nl-NL" dirty="0"/>
+              <a:t>Random </a:t>
+            </a:r>
+            <a:r>
+              <a:rPr lang="nl-NL" dirty="0" err="1"/>
+              <a:t>Forest</a:t>
+            </a:r>
+            <a:endParaRPr lang="nl-NL" dirty="0"/>
+          </a:p>
+        </p:txBody>
+      </p:sp>
+      <p:sp>
+        <p:nvSpPr>
+          <p:cNvPr id="15" name="Rechthoek 14"/>
+          <p:cNvSpPr/>
+          <p:nvPr/>
+        </p:nvSpPr>
+        <p:spPr>
+          <a:xfrm>
+            <a:off x="2953230" y="5603392"/>
+            <a:ext cx="2108269" cy="369332"/>
+          </a:xfrm>
+          <a:prstGeom prst="rect">
+            <a:avLst/>
+          </a:prstGeom>
+        </p:spPr>
+        <p:txBody>
+          <a:bodyPr wrap="none">
+            <a:spAutoFit/>
+          </a:bodyPr>
+          <a:lstStyle/>
+          <a:p>
+            <a:r>
+              <a:rPr lang="nl-NL" i="1" dirty="0"/>
+              <a:t>k</a:t>
+            </a:r>
+            <a:r>
+              <a:rPr lang="nl-NL" dirty="0"/>
+              <a:t>-</a:t>
+            </a:r>
+            <a:r>
+              <a:rPr lang="nl-NL" dirty="0" err="1"/>
+              <a:t>nearest</a:t>
+            </a:r>
+            <a:r>
+              <a:rPr lang="nl-NL" dirty="0"/>
+              <a:t> </a:t>
+            </a:r>
+            <a:r>
+              <a:rPr lang="nl-NL" dirty="0" err="1"/>
+              <a:t>neighbor</a:t>
+            </a:r>
+            <a:endParaRPr lang="nl-NL" i="1" dirty="0"/>
+          </a:p>
+        </p:txBody>
+      </p:sp>
+      <p:sp>
+        <p:nvSpPr>
+          <p:cNvPr id="16" name="Titel 1"/>
+          <p:cNvSpPr>
+            <a:spLocks noGrp="1"/>
+          </p:cNvSpPr>
+          <p:nvPr>
+            <p:ph type="title"/>
+          </p:nvPr>
+        </p:nvSpPr>
+        <p:spPr>
+          <a:xfrm>
+            <a:off x="894363" y="465808"/>
+            <a:ext cx="6172200" cy="579438"/>
+          </a:xfrm>
+        </p:spPr>
+        <p:txBody>
+          <a:bodyPr/>
+          <a:lstStyle/>
+          <a:p>
+            <a:r>
+              <a:rPr lang="nl-NL" dirty="0" smtClean="0"/>
+              <a:t>More machine </a:t>
+            </a:r>
+            <a:r>
+              <a:rPr lang="nl-NL" dirty="0" err="1" smtClean="0"/>
+              <a:t>learning</a:t>
+            </a:r>
+            <a:r>
+              <a:rPr lang="nl-NL" dirty="0" smtClean="0"/>
+              <a:t>…</a:t>
+            </a:r>
+            <a:endParaRPr lang="nl-NL" dirty="0"/>
+          </a:p>
+        </p:txBody>
+      </p:sp>
+      <p:sp>
+        <p:nvSpPr>
+          <p:cNvPr id="17" name="Rechthoek 16"/>
+          <p:cNvSpPr/>
+          <p:nvPr/>
+        </p:nvSpPr>
+        <p:spPr>
+          <a:xfrm>
+            <a:off x="6588224" y="6344350"/>
+            <a:ext cx="2151038" cy="307777"/>
+          </a:xfrm>
+          <a:prstGeom prst="rect">
+            <a:avLst/>
+          </a:prstGeom>
+        </p:spPr>
+        <p:txBody>
+          <a:bodyPr wrap="none">
+            <a:spAutoFit/>
+          </a:bodyPr>
+          <a:lstStyle/>
+          <a:p>
+            <a:r>
+              <a:rPr lang="nl-NL" i="1" dirty="0" err="1" smtClean="0"/>
+              <a:t>And</a:t>
+            </a:r>
+            <a:r>
+              <a:rPr lang="nl-NL" i="1" dirty="0" smtClean="0"/>
+              <a:t> </a:t>
+            </a:r>
+            <a:r>
+              <a:rPr lang="nl-NL" i="1" dirty="0" err="1" smtClean="0"/>
+              <a:t>many</a:t>
+            </a:r>
+            <a:r>
+              <a:rPr lang="nl-NL" i="1" dirty="0" smtClean="0"/>
+              <a:t>, </a:t>
+            </a:r>
+            <a:r>
+              <a:rPr lang="nl-NL" i="1" dirty="0" err="1" smtClean="0"/>
+              <a:t>many</a:t>
+            </a:r>
+            <a:r>
+              <a:rPr lang="nl-NL" i="1" dirty="0" smtClean="0"/>
+              <a:t> more…</a:t>
+            </a:r>
+            <a:endParaRPr lang="nl-NL" i="1" dirty="0"/>
+          </a:p>
+        </p:txBody>
+      </p:sp>
+    </p:spTree>
+    <p:extLst>
+      <p:ext uri="{BB962C8B-B14F-4D97-AF65-F5344CB8AC3E}">
+        <p14:creationId xmlns:p14="http://schemas.microsoft.com/office/powerpoint/2010/main" val="3867626789"/>
+      </p:ext>
+    </p:extLst>
+  </p:cSld>
+  <p:clrMapOvr>
+    <a:masterClrMapping/>
+  </p:clrMapOvr>
+</p:sld>
+</file>
+
+<file path=ppt/slides/slide7.xml><?xml version="1.0" encoding="utf-8"?>
+<p:sld xmlns:a="http://schemas.openxmlformats.org/drawingml/2006/main" xmlns:r="http://schemas.openxmlformats.org/officeDocument/2006/relationships" xmlns:p="http://schemas.openxmlformats.org/presentationml/2006/main">
+  <p:cSld>
+    <p:spTree>
+      <p:nvGrpSpPr>
+        <p:cNvPr id="1" name=""/>
+        <p:cNvGrpSpPr/>
+        <p:nvPr/>
+      </p:nvGrpSpPr>
+      <p:grpSpPr>
+        <a:xfrm>
+          <a:off x="0" y="0"/>
+          <a:ext cx="0" cy="0"/>
+          <a:chOff x="0" y="0"/>
+          <a:chExt cx="0" cy="0"/>
+        </a:xfrm>
+      </p:grpSpPr>
+      <p:sp>
+        <p:nvSpPr>
+          <p:cNvPr id="2" name="Titel 1"/>
+          <p:cNvSpPr>
+            <a:spLocks noGrp="1"/>
+          </p:cNvSpPr>
+          <p:nvPr>
+            <p:ph type="title"/>
+          </p:nvPr>
+        </p:nvSpPr>
+        <p:spPr/>
+        <p:txBody>
+          <a:bodyPr/>
+          <a:lstStyle/>
+          <a:p>
+            <a:r>
               <a:rPr lang="nl-NL" dirty="0" smtClean="0"/>
               <a:t>Topics</a:t>
             </a:r>
@@ -5902,10 +8940,48 @@
             <p:ph idx="1"/>
           </p:nvPr>
         </p:nvSpPr>
-        <p:spPr/>
+        <p:spPr>
+          <a:xfrm>
+            <a:off x="762000" y="1762125"/>
+            <a:ext cx="7881938" cy="2825389"/>
+          </a:xfrm>
+        </p:spPr>
         <p:txBody>
           <a:bodyPr/>
           <a:lstStyle/>
+          <a:p>
+            <a:r>
+              <a:rPr lang="nl-NL" sz="2400" dirty="0" err="1"/>
+              <a:t>Decision</a:t>
+            </a:r>
+            <a:r>
+              <a:rPr lang="nl-NL" sz="2400" dirty="0"/>
+              <a:t> tree</a:t>
+            </a:r>
+          </a:p>
+          <a:p>
+            <a:endParaRPr lang="nl-NL" sz="2400" dirty="0"/>
+          </a:p>
+          <a:p>
+            <a:r>
+              <a:rPr lang="nl-NL" sz="2400" dirty="0" smtClean="0"/>
+              <a:t>Parameter setting</a:t>
+            </a:r>
+          </a:p>
+          <a:p>
+            <a:endParaRPr lang="nl-NL" sz="2400" dirty="0"/>
+          </a:p>
+          <a:p>
+            <a:r>
+              <a:rPr lang="nl-NL" sz="2400" dirty="0" smtClean="0"/>
+              <a:t>Random </a:t>
+            </a:r>
+            <a:r>
+              <a:rPr lang="nl-NL" sz="2400" dirty="0" err="1" smtClean="0"/>
+              <a:t>Forest</a:t>
+            </a:r>
+            <a:endParaRPr lang="nl-NL" sz="2400" dirty="0"/>
+          </a:p>
           <a:p>
             <a:endParaRPr lang="nl-NL" dirty="0"/>
           </a:p>
@@ -5915,6 +8991,3220 @@
     <p:extLst>
       <p:ext uri="{BB962C8B-B14F-4D97-AF65-F5344CB8AC3E}">
         <p14:creationId xmlns:p14="http://schemas.microsoft.com/office/powerpoint/2010/main" val="2216016255"/>
+      </p:ext>
+    </p:extLst>
+  </p:cSld>
+  <p:clrMapOvr>
+    <a:masterClrMapping/>
+  </p:clrMapOvr>
+</p:sld>
+</file>
+
+<file path=ppt/slides/slide8.xml><?xml version="1.0" encoding="utf-8"?>
+<p:sld xmlns:a="http://schemas.openxmlformats.org/drawingml/2006/main" xmlns:r="http://schemas.openxmlformats.org/officeDocument/2006/relationships" xmlns:p="http://schemas.openxmlformats.org/presentationml/2006/main">
+  <p:cSld>
+    <p:spTree>
+      <p:nvGrpSpPr>
+        <p:cNvPr id="1" name=""/>
+        <p:cNvGrpSpPr/>
+        <p:nvPr/>
+      </p:nvGrpSpPr>
+      <p:grpSpPr>
+        <a:xfrm>
+          <a:off x="0" y="0"/>
+          <a:ext cx="0" cy="0"/>
+          <a:chOff x="0" y="0"/>
+          <a:chExt cx="0" cy="0"/>
+        </a:xfrm>
+      </p:grpSpPr>
+      <p:sp>
+        <p:nvSpPr>
+          <p:cNvPr id="2" name="Titel 1"/>
+          <p:cNvSpPr>
+            <a:spLocks noGrp="1"/>
+          </p:cNvSpPr>
+          <p:nvPr>
+            <p:ph type="title"/>
+          </p:nvPr>
+        </p:nvSpPr>
+        <p:spPr/>
+        <p:txBody>
+          <a:bodyPr/>
+          <a:lstStyle/>
+          <a:p>
+            <a:r>
+              <a:rPr lang="nl-NL" dirty="0" err="1" smtClean="0"/>
+              <a:t>Decision</a:t>
+            </a:r>
+            <a:r>
+              <a:rPr lang="nl-NL" dirty="0" smtClean="0"/>
+              <a:t> tree: </a:t>
+            </a:r>
+            <a:r>
+              <a:rPr lang="nl-NL" dirty="0" err="1" smtClean="0"/>
+              <a:t>intuition</a:t>
+            </a:r>
+            <a:endParaRPr lang="nl-NL" dirty="0"/>
+          </a:p>
+        </p:txBody>
+      </p:sp>
+      <p:sp>
+        <p:nvSpPr>
+          <p:cNvPr id="3" name="Tijdelijke aanduiding voor inhoud 2"/>
+          <p:cNvSpPr>
+            <a:spLocks noGrp="1"/>
+          </p:cNvSpPr>
+          <p:nvPr>
+            <p:ph idx="1"/>
+          </p:nvPr>
+        </p:nvSpPr>
+        <p:spPr>
+          <a:xfrm>
+            <a:off x="762000" y="1762125"/>
+            <a:ext cx="7881938" cy="461665"/>
+          </a:xfrm>
+        </p:spPr>
+        <p:txBody>
+          <a:bodyPr/>
+          <a:lstStyle/>
+          <a:p>
+            <a:r>
+              <a:rPr lang="nl-NL" sz="2400" dirty="0" smtClean="0"/>
+              <a:t>I </a:t>
+            </a:r>
+            <a:r>
+              <a:rPr lang="nl-NL" sz="2400" dirty="0" err="1" smtClean="0"/>
+              <a:t>need</a:t>
+            </a:r>
+            <a:r>
+              <a:rPr lang="nl-NL" sz="2400" dirty="0" smtClean="0"/>
+              <a:t> a </a:t>
+            </a:r>
+            <a:r>
+              <a:rPr lang="nl-NL" sz="2400" dirty="0" err="1" smtClean="0"/>
+              <a:t>volunteer</a:t>
+            </a:r>
+            <a:r>
+              <a:rPr lang="nl-NL" sz="2400" dirty="0" smtClean="0"/>
+              <a:t>…</a:t>
+            </a:r>
+            <a:endParaRPr lang="nl-NL" sz="2400" dirty="0"/>
+          </a:p>
+        </p:txBody>
+      </p:sp>
+    </p:spTree>
+    <p:extLst>
+      <p:ext uri="{BB962C8B-B14F-4D97-AF65-F5344CB8AC3E}">
+        <p14:creationId xmlns:p14="http://schemas.microsoft.com/office/powerpoint/2010/main" val="240141600"/>
+      </p:ext>
+    </p:extLst>
+  </p:cSld>
+  <p:clrMapOvr>
+    <a:masterClrMapping/>
+  </p:clrMapOvr>
+</p:sld>
+</file>
+
+<file path=ppt/slides/slide9.xml><?xml version="1.0" encoding="utf-8"?>
+<p:sld xmlns:a="http://schemas.openxmlformats.org/drawingml/2006/main" xmlns:r="http://schemas.openxmlformats.org/officeDocument/2006/relationships" xmlns:p="http://schemas.openxmlformats.org/presentationml/2006/main">
+  <p:cSld>
+    <p:spTree>
+      <p:nvGrpSpPr>
+        <p:cNvPr id="1" name=""/>
+        <p:cNvGrpSpPr/>
+        <p:nvPr/>
+      </p:nvGrpSpPr>
+      <p:grpSpPr>
+        <a:xfrm>
+          <a:off x="0" y="0"/>
+          <a:ext cx="0" cy="0"/>
+          <a:chOff x="0" y="0"/>
+          <a:chExt cx="0" cy="0"/>
+        </a:xfrm>
+      </p:grpSpPr>
+      <p:sp>
+        <p:nvSpPr>
+          <p:cNvPr id="18" name="Ovaal 17"/>
+          <p:cNvSpPr/>
+          <p:nvPr/>
+        </p:nvSpPr>
+        <p:spPr bwMode="auto">
+          <a:xfrm>
+            <a:off x="6633064" y="2217522"/>
+            <a:ext cx="576064" cy="576064"/>
+          </a:xfrm>
+          <a:prstGeom prst="ellipse">
+            <a:avLst/>
+          </a:prstGeom>
+          <a:solidFill>
+            <a:schemeClr val="accent2">
+              <a:lumMod val="20000"/>
+              <a:lumOff val="80000"/>
+            </a:schemeClr>
+          </a:solidFill>
+          <a:ln w="9525" cap="flat" cmpd="sng" algn="ctr">
+            <a:solidFill>
+              <a:schemeClr val="tx1"/>
+            </a:solidFill>
+            <a:prstDash val="solid"/>
+            <a:round/>
+            <a:headEnd type="none" w="med" len="med"/>
+            <a:tailEnd type="none" w="med" len="med"/>
+          </a:ln>
+          <a:effectLst/>
+        </p:spPr>
+        <p:txBody>
+          <a:bodyPr vert="horz" wrap="none" lIns="91440" tIns="45720" rIns="91440" bIns="45720" numCol="1" rtlCol="0" anchor="ctr" anchorCtr="0" compatLnSpc="1">
+            <a:prstTxWarp prst="textNoShape">
+              <a:avLst/>
+            </a:prstTxWarp>
+          </a:bodyPr>
+          <a:lstStyle/>
+          <a:p>
+            <a:pPr marL="0" marR="0" indent="0" algn="l" defTabSz="914400" rtl="0" eaLnBrk="1" fontAlgn="base" latinLnBrk="0" hangingPunct="1">
+              <a:lnSpc>
+                <a:spcPct val="100000"/>
+              </a:lnSpc>
+              <a:spcBef>
+                <a:spcPct val="0"/>
+              </a:spcBef>
+              <a:spcAft>
+                <a:spcPct val="0"/>
+              </a:spcAft>
+              <a:buClrTx/>
+              <a:buSzTx/>
+              <a:buFontTx/>
+              <a:buNone/>
+              <a:tabLst/>
+            </a:pPr>
+            <a:endParaRPr kumimoji="0" lang="nl-NL" sz="1400" b="0" i="0" u="none" strike="noStrike" cap="none" normalizeH="0" baseline="0" smtClean="0">
+              <a:ln>
+                <a:noFill/>
+              </a:ln>
+              <a:solidFill>
+                <a:schemeClr val="tx1"/>
+              </a:solidFill>
+              <a:effectLst/>
+              <a:latin typeface="Arial" charset="0"/>
+            </a:endParaRPr>
+          </a:p>
+        </p:txBody>
+      </p:sp>
+      <p:sp>
+        <p:nvSpPr>
+          <p:cNvPr id="17" name="Ovaal 16"/>
+          <p:cNvSpPr/>
+          <p:nvPr/>
+        </p:nvSpPr>
+        <p:spPr bwMode="auto">
+          <a:xfrm>
+            <a:off x="5968631" y="1204900"/>
+            <a:ext cx="576064" cy="576064"/>
+          </a:xfrm>
+          <a:prstGeom prst="ellipse">
+            <a:avLst/>
+          </a:prstGeom>
+          <a:solidFill>
+            <a:schemeClr val="accent2">
+              <a:lumMod val="20000"/>
+              <a:lumOff val="80000"/>
+            </a:schemeClr>
+          </a:solidFill>
+          <a:ln w="9525" cap="flat" cmpd="sng" algn="ctr">
+            <a:solidFill>
+              <a:schemeClr val="tx1"/>
+            </a:solidFill>
+            <a:prstDash val="solid"/>
+            <a:round/>
+            <a:headEnd type="none" w="med" len="med"/>
+            <a:tailEnd type="none" w="med" len="med"/>
+          </a:ln>
+          <a:effectLst/>
+        </p:spPr>
+        <p:txBody>
+          <a:bodyPr vert="horz" wrap="none" lIns="91440" tIns="45720" rIns="91440" bIns="45720" numCol="1" rtlCol="0" anchor="ctr" anchorCtr="0" compatLnSpc="1">
+            <a:prstTxWarp prst="textNoShape">
+              <a:avLst/>
+            </a:prstTxWarp>
+          </a:bodyPr>
+          <a:lstStyle/>
+          <a:p>
+            <a:pPr marL="0" marR="0" indent="0" algn="l" defTabSz="914400" rtl="0" eaLnBrk="1" fontAlgn="base" latinLnBrk="0" hangingPunct="1">
+              <a:lnSpc>
+                <a:spcPct val="100000"/>
+              </a:lnSpc>
+              <a:spcBef>
+                <a:spcPct val="0"/>
+              </a:spcBef>
+              <a:spcAft>
+                <a:spcPct val="0"/>
+              </a:spcAft>
+              <a:buClrTx/>
+              <a:buSzTx/>
+              <a:buFontTx/>
+              <a:buNone/>
+              <a:tabLst/>
+            </a:pPr>
+            <a:endParaRPr kumimoji="0" lang="nl-NL" sz="1400" b="0" i="0" u="none" strike="noStrike" cap="none" normalizeH="0" baseline="0" smtClean="0">
+              <a:ln>
+                <a:noFill/>
+              </a:ln>
+              <a:solidFill>
+                <a:schemeClr val="tx1"/>
+              </a:solidFill>
+              <a:effectLst/>
+              <a:latin typeface="Arial" charset="0"/>
+            </a:endParaRPr>
+          </a:p>
+        </p:txBody>
+      </p:sp>
+      <p:sp>
+        <p:nvSpPr>
+          <p:cNvPr id="16" name="Ovaal 15"/>
+          <p:cNvSpPr/>
+          <p:nvPr/>
+        </p:nvSpPr>
+        <p:spPr bwMode="auto">
+          <a:xfrm>
+            <a:off x="7418131" y="1790680"/>
+            <a:ext cx="576064" cy="576064"/>
+          </a:xfrm>
+          <a:prstGeom prst="ellipse">
+            <a:avLst/>
+          </a:prstGeom>
+          <a:solidFill>
+            <a:schemeClr val="accent2">
+              <a:lumMod val="20000"/>
+              <a:lumOff val="80000"/>
+            </a:schemeClr>
+          </a:solidFill>
+          <a:ln w="9525" cap="flat" cmpd="sng" algn="ctr">
+            <a:solidFill>
+              <a:schemeClr val="tx1"/>
+            </a:solidFill>
+            <a:prstDash val="solid"/>
+            <a:round/>
+            <a:headEnd type="none" w="med" len="med"/>
+            <a:tailEnd type="none" w="med" len="med"/>
+          </a:ln>
+          <a:effectLst/>
+        </p:spPr>
+        <p:txBody>
+          <a:bodyPr vert="horz" wrap="none" lIns="91440" tIns="45720" rIns="91440" bIns="45720" numCol="1" rtlCol="0" anchor="ctr" anchorCtr="0" compatLnSpc="1">
+            <a:prstTxWarp prst="textNoShape">
+              <a:avLst/>
+            </a:prstTxWarp>
+          </a:bodyPr>
+          <a:lstStyle/>
+          <a:p>
+            <a:pPr marL="0" marR="0" indent="0" algn="l" defTabSz="914400" rtl="0" eaLnBrk="1" fontAlgn="base" latinLnBrk="0" hangingPunct="1">
+              <a:lnSpc>
+                <a:spcPct val="100000"/>
+              </a:lnSpc>
+              <a:spcBef>
+                <a:spcPct val="0"/>
+              </a:spcBef>
+              <a:spcAft>
+                <a:spcPct val="0"/>
+              </a:spcAft>
+              <a:buClrTx/>
+              <a:buSzTx/>
+              <a:buFontTx/>
+              <a:buNone/>
+              <a:tabLst/>
+            </a:pPr>
+            <a:endParaRPr kumimoji="0" lang="nl-NL" sz="1400" b="0" i="0" u="none" strike="noStrike" cap="none" normalizeH="0" baseline="0" smtClean="0">
+              <a:ln>
+                <a:noFill/>
+              </a:ln>
+              <a:solidFill>
+                <a:schemeClr val="tx1"/>
+              </a:solidFill>
+              <a:effectLst/>
+              <a:latin typeface="Arial" charset="0"/>
+            </a:endParaRPr>
+          </a:p>
+        </p:txBody>
+      </p:sp>
+      <p:sp>
+        <p:nvSpPr>
+          <p:cNvPr id="2" name="Titel 1"/>
+          <p:cNvSpPr>
+            <a:spLocks noGrp="1"/>
+          </p:cNvSpPr>
+          <p:nvPr>
+            <p:ph type="title"/>
+          </p:nvPr>
+        </p:nvSpPr>
+        <p:spPr/>
+        <p:txBody>
+          <a:bodyPr/>
+          <a:lstStyle/>
+          <a:p>
+            <a:r>
+              <a:rPr lang="nl-NL" dirty="0" err="1" smtClean="0"/>
+              <a:t>Decision</a:t>
+            </a:r>
+            <a:r>
+              <a:rPr lang="nl-NL" dirty="0" smtClean="0"/>
+              <a:t> tree </a:t>
+            </a:r>
+            <a:r>
+              <a:rPr lang="nl-NL" dirty="0" err="1" smtClean="0"/>
+              <a:t>algorith</a:t>
+            </a:r>
+            <a:r>
+              <a:rPr lang="nl-NL" dirty="0" err="1"/>
+              <a:t>m</a:t>
+            </a:r>
+            <a:endParaRPr lang="nl-NL" dirty="0"/>
+          </a:p>
+        </p:txBody>
+      </p:sp>
+      <p:sp>
+        <p:nvSpPr>
+          <p:cNvPr id="3" name="Tijdelijke aanduiding voor inhoud 2"/>
+          <p:cNvSpPr>
+            <a:spLocks noGrp="1"/>
+          </p:cNvSpPr>
+          <p:nvPr>
+            <p:ph idx="1"/>
+          </p:nvPr>
+        </p:nvSpPr>
+        <p:spPr>
+          <a:xfrm>
+            <a:off x="696586" y="1613765"/>
+            <a:ext cx="3659390" cy="4302716"/>
+          </a:xfrm>
+        </p:spPr>
+        <p:txBody>
+          <a:bodyPr/>
+          <a:lstStyle/>
+          <a:p>
+            <a:r>
+              <a:rPr lang="nl-NL" sz="1800" dirty="0" err="1" smtClean="0"/>
+              <a:t>Choose</a:t>
+            </a:r>
+            <a:r>
+              <a:rPr lang="nl-NL" sz="1800" dirty="0" smtClean="0"/>
+              <a:t> a Y </a:t>
+            </a:r>
+            <a:r>
+              <a:rPr lang="nl-NL" sz="1800" dirty="0" err="1" smtClean="0"/>
+              <a:t>variable</a:t>
+            </a:r>
+            <a:r>
+              <a:rPr lang="nl-NL" sz="1800" dirty="0" smtClean="0"/>
+              <a:t> </a:t>
+            </a:r>
+            <a:r>
+              <a:rPr lang="nl-NL" sz="1800" dirty="0" err="1" smtClean="0"/>
+              <a:t>to</a:t>
+            </a:r>
+            <a:r>
+              <a:rPr lang="nl-NL" sz="1800" dirty="0" smtClean="0"/>
+              <a:t> </a:t>
+            </a:r>
+            <a:r>
+              <a:rPr lang="nl-NL" sz="1800" dirty="0" err="1" smtClean="0"/>
+              <a:t>predict</a:t>
+            </a:r>
+            <a:endParaRPr lang="nl-NL" sz="1800" dirty="0" smtClean="0"/>
+          </a:p>
+          <a:p>
+            <a:endParaRPr lang="nl-NL" sz="1800" dirty="0"/>
+          </a:p>
+          <a:p>
+            <a:r>
+              <a:rPr lang="nl-NL" sz="1800" dirty="0" smtClean="0"/>
+              <a:t>At </a:t>
+            </a:r>
+            <a:r>
+              <a:rPr lang="nl-NL" sz="1800" dirty="0" err="1" smtClean="0"/>
+              <a:t>each</a:t>
+            </a:r>
+            <a:r>
+              <a:rPr lang="nl-NL" sz="1800" dirty="0" smtClean="0"/>
+              <a:t> node of the tree </a:t>
+            </a:r>
+            <a:r>
+              <a:rPr lang="nl-NL" sz="1800" dirty="0" err="1" smtClean="0"/>
+              <a:t>calculate</a:t>
+            </a:r>
+            <a:r>
+              <a:rPr lang="nl-NL" sz="1800" dirty="0" smtClean="0"/>
+              <a:t> the X </a:t>
+            </a:r>
+            <a:r>
+              <a:rPr lang="nl-NL" sz="1800" dirty="0" err="1" smtClean="0"/>
+              <a:t>variable</a:t>
+            </a:r>
+            <a:r>
+              <a:rPr lang="nl-NL" sz="1800" dirty="0" smtClean="0"/>
+              <a:t> &amp; </a:t>
+            </a:r>
+            <a:r>
+              <a:rPr lang="nl-NL" sz="1800" dirty="0" err="1" smtClean="0"/>
+              <a:t>cut-off</a:t>
+            </a:r>
+            <a:r>
+              <a:rPr lang="nl-NL" sz="1800" dirty="0" smtClean="0"/>
+              <a:t> point </a:t>
+            </a:r>
+            <a:r>
+              <a:rPr lang="nl-NL" sz="1800" dirty="0" err="1" smtClean="0"/>
+              <a:t>that</a:t>
+            </a:r>
+            <a:r>
+              <a:rPr lang="nl-NL" sz="1800" dirty="0" smtClean="0"/>
+              <a:t> </a:t>
+            </a:r>
+            <a:r>
+              <a:rPr lang="nl-NL" sz="1800" dirty="0" err="1" smtClean="0"/>
+              <a:t>produces</a:t>
+            </a:r>
+            <a:r>
+              <a:rPr lang="nl-NL" sz="1800" dirty="0" smtClean="0"/>
+              <a:t> the </a:t>
+            </a:r>
+            <a:r>
+              <a:rPr lang="nl-NL" sz="1800" dirty="0" err="1" smtClean="0"/>
+              <a:t>optimal</a:t>
+            </a:r>
+            <a:r>
+              <a:rPr lang="nl-NL" sz="1800" dirty="0" smtClean="0"/>
+              <a:t> split </a:t>
+            </a:r>
+            <a:r>
+              <a:rPr lang="nl-NL" sz="1800" dirty="0" err="1" smtClean="0"/>
+              <a:t>for</a:t>
+            </a:r>
+            <a:r>
+              <a:rPr lang="nl-NL" sz="1800" dirty="0" smtClean="0"/>
+              <a:t> the Y </a:t>
+            </a:r>
+            <a:r>
+              <a:rPr lang="nl-NL" sz="1800" dirty="0" err="1" smtClean="0"/>
+              <a:t>variable</a:t>
+            </a:r>
+            <a:endParaRPr lang="nl-NL" sz="1800" dirty="0" smtClean="0"/>
+          </a:p>
+          <a:p>
+            <a:endParaRPr lang="nl-NL" sz="1800" dirty="0"/>
+          </a:p>
+          <a:p>
+            <a:r>
+              <a:rPr lang="nl-NL" sz="1800" dirty="0" err="1" smtClean="0"/>
+              <a:t>Optimal</a:t>
+            </a:r>
+            <a:r>
+              <a:rPr lang="nl-NL" sz="1800" dirty="0" smtClean="0"/>
+              <a:t>: large </a:t>
+            </a:r>
+            <a:r>
+              <a:rPr lang="nl-NL" sz="1800" dirty="0" err="1" smtClean="0"/>
+              <a:t>variance</a:t>
+            </a:r>
+            <a:r>
+              <a:rPr lang="nl-NL" sz="1800" dirty="0" smtClean="0"/>
+              <a:t> (</a:t>
+            </a:r>
+            <a:r>
+              <a:rPr lang="nl-NL" sz="1800" dirty="0" err="1" smtClean="0"/>
+              <a:t>difference</a:t>
+            </a:r>
+            <a:r>
+              <a:rPr lang="nl-NL" sz="1800" dirty="0" smtClean="0"/>
+              <a:t>) </a:t>
+            </a:r>
+            <a:r>
+              <a:rPr lang="nl-NL" sz="1800" dirty="0" err="1" smtClean="0"/>
+              <a:t>between</a:t>
+            </a:r>
+            <a:r>
+              <a:rPr lang="nl-NL" sz="1800" dirty="0" smtClean="0"/>
+              <a:t> branches, small </a:t>
+            </a:r>
+            <a:r>
+              <a:rPr lang="nl-NL" sz="1800" dirty="0" err="1" smtClean="0"/>
+              <a:t>variance</a:t>
+            </a:r>
+            <a:r>
+              <a:rPr lang="nl-NL" sz="1800" dirty="0" smtClean="0"/>
+              <a:t> (</a:t>
+            </a:r>
+            <a:r>
+              <a:rPr lang="nl-NL" sz="1800" dirty="0" err="1" smtClean="0"/>
+              <a:t>similarity</a:t>
+            </a:r>
+            <a:r>
+              <a:rPr lang="nl-NL" sz="1800" dirty="0" smtClean="0"/>
+              <a:t>) </a:t>
+            </a:r>
+            <a:r>
+              <a:rPr lang="nl-NL" sz="1800" dirty="0" err="1" smtClean="0"/>
+              <a:t>within</a:t>
+            </a:r>
+            <a:r>
+              <a:rPr lang="nl-NL" sz="1800" dirty="0" smtClean="0"/>
+              <a:t> </a:t>
+            </a:r>
+            <a:r>
+              <a:rPr lang="nl-NL" sz="1800" dirty="0" err="1" smtClean="0"/>
+              <a:t>branch</a:t>
+            </a:r>
+            <a:endParaRPr lang="nl-NL" sz="1800" dirty="0" smtClean="0"/>
+          </a:p>
+          <a:p>
+            <a:endParaRPr lang="nl-NL" sz="1800" dirty="0"/>
+          </a:p>
+          <a:p>
+            <a:r>
+              <a:rPr lang="nl-NL" sz="1800" dirty="0" smtClean="0"/>
+              <a:t>Stop </a:t>
+            </a:r>
+            <a:r>
+              <a:rPr lang="nl-NL" sz="1800" dirty="0" err="1" smtClean="0"/>
+              <a:t>when</a:t>
+            </a:r>
+            <a:r>
+              <a:rPr lang="nl-NL" sz="1800" dirty="0" smtClean="0"/>
+              <a:t> </a:t>
+            </a:r>
+            <a:r>
+              <a:rPr lang="nl-NL" sz="1800" dirty="0" err="1" smtClean="0"/>
+              <a:t>you</a:t>
+            </a:r>
+            <a:r>
+              <a:rPr lang="nl-NL" sz="1800" dirty="0" smtClean="0"/>
+              <a:t> have ‘pure’ </a:t>
+            </a:r>
+            <a:r>
+              <a:rPr lang="nl-NL" sz="1800" dirty="0" err="1" smtClean="0"/>
+              <a:t>leaves</a:t>
+            </a:r>
+            <a:endParaRPr lang="nl-NL" sz="1800" dirty="0"/>
+          </a:p>
+        </p:txBody>
+      </p:sp>
+      <p:sp>
+        <p:nvSpPr>
+          <p:cNvPr id="5" name="Ovaal 4"/>
+          <p:cNvSpPr/>
+          <p:nvPr/>
+        </p:nvSpPr>
+        <p:spPr bwMode="auto">
+          <a:xfrm>
+            <a:off x="6061525" y="1538398"/>
+            <a:ext cx="576064" cy="576064"/>
+          </a:xfrm>
+          <a:prstGeom prst="ellipse">
+            <a:avLst/>
+          </a:prstGeom>
+          <a:solidFill>
+            <a:schemeClr val="accent1"/>
+          </a:solidFill>
+          <a:ln w="9525" cap="flat" cmpd="sng" algn="ctr">
+            <a:solidFill>
+              <a:schemeClr val="tx1"/>
+            </a:solidFill>
+            <a:prstDash val="solid"/>
+            <a:round/>
+            <a:headEnd type="none" w="med" len="med"/>
+            <a:tailEnd type="none" w="med" len="med"/>
+          </a:ln>
+          <a:effectLst/>
+        </p:spPr>
+        <p:txBody>
+          <a:bodyPr vert="horz" wrap="none" lIns="91440" tIns="45720" rIns="91440" bIns="45720" numCol="1" rtlCol="0" anchor="ctr" anchorCtr="0" compatLnSpc="1">
+            <a:prstTxWarp prst="textNoShape">
+              <a:avLst/>
+            </a:prstTxWarp>
+          </a:bodyPr>
+          <a:lstStyle/>
+          <a:p>
+            <a:pPr marL="0" marR="0" indent="0" algn="l" defTabSz="914400" rtl="0" eaLnBrk="1" fontAlgn="base" latinLnBrk="0" hangingPunct="1">
+              <a:lnSpc>
+                <a:spcPct val="100000"/>
+              </a:lnSpc>
+              <a:spcBef>
+                <a:spcPct val="0"/>
+              </a:spcBef>
+              <a:spcAft>
+                <a:spcPct val="0"/>
+              </a:spcAft>
+              <a:buClrTx/>
+              <a:buSzTx/>
+              <a:buFontTx/>
+              <a:buNone/>
+              <a:tabLst/>
+            </a:pPr>
+            <a:endParaRPr kumimoji="0" lang="nl-NL" sz="1400" b="0" i="0" u="none" strike="noStrike" cap="none" normalizeH="0" baseline="0" smtClean="0">
+              <a:ln>
+                <a:noFill/>
+              </a:ln>
+              <a:solidFill>
+                <a:schemeClr val="tx1"/>
+              </a:solidFill>
+              <a:effectLst/>
+              <a:latin typeface="Arial" charset="0"/>
+            </a:endParaRPr>
+          </a:p>
+        </p:txBody>
+      </p:sp>
+      <p:sp>
+        <p:nvSpPr>
+          <p:cNvPr id="6" name="Ovaal 5"/>
+          <p:cNvSpPr/>
+          <p:nvPr/>
+        </p:nvSpPr>
+        <p:spPr bwMode="auto">
+          <a:xfrm>
+            <a:off x="6429087" y="1336585"/>
+            <a:ext cx="576064" cy="576064"/>
+          </a:xfrm>
+          <a:prstGeom prst="ellipse">
+            <a:avLst/>
+          </a:prstGeom>
+          <a:solidFill>
+            <a:schemeClr val="accent1"/>
+          </a:solidFill>
+          <a:ln w="9525" cap="flat" cmpd="sng" algn="ctr">
+            <a:solidFill>
+              <a:schemeClr val="tx1"/>
+            </a:solidFill>
+            <a:prstDash val="solid"/>
+            <a:round/>
+            <a:headEnd type="none" w="med" len="med"/>
+            <a:tailEnd type="none" w="med" len="med"/>
+          </a:ln>
+          <a:effectLst/>
+        </p:spPr>
+        <p:txBody>
+          <a:bodyPr vert="horz" wrap="none" lIns="91440" tIns="45720" rIns="91440" bIns="45720" numCol="1" rtlCol="0" anchor="ctr" anchorCtr="0" compatLnSpc="1">
+            <a:prstTxWarp prst="textNoShape">
+              <a:avLst/>
+            </a:prstTxWarp>
+          </a:bodyPr>
+          <a:lstStyle/>
+          <a:p>
+            <a:pPr marL="0" marR="0" indent="0" algn="l" defTabSz="914400" rtl="0" eaLnBrk="1" fontAlgn="base" latinLnBrk="0" hangingPunct="1">
+              <a:lnSpc>
+                <a:spcPct val="100000"/>
+              </a:lnSpc>
+              <a:spcBef>
+                <a:spcPct val="0"/>
+              </a:spcBef>
+              <a:spcAft>
+                <a:spcPct val="0"/>
+              </a:spcAft>
+              <a:buClrTx/>
+              <a:buSzTx/>
+              <a:buFontTx/>
+              <a:buNone/>
+              <a:tabLst/>
+            </a:pPr>
+            <a:endParaRPr kumimoji="0" lang="nl-NL" sz="1400" b="0" i="0" u="none" strike="noStrike" cap="none" normalizeH="0" baseline="0" smtClean="0">
+              <a:ln>
+                <a:noFill/>
+              </a:ln>
+              <a:solidFill>
+                <a:schemeClr val="tx1"/>
+              </a:solidFill>
+              <a:effectLst/>
+              <a:latin typeface="Arial" charset="0"/>
+            </a:endParaRPr>
+          </a:p>
+        </p:txBody>
+      </p:sp>
+      <p:sp>
+        <p:nvSpPr>
+          <p:cNvPr id="7" name="Ovaal 6"/>
+          <p:cNvSpPr/>
+          <p:nvPr/>
+        </p:nvSpPr>
+        <p:spPr bwMode="auto">
+          <a:xfrm>
+            <a:off x="6570443" y="2033860"/>
+            <a:ext cx="576064" cy="576064"/>
+          </a:xfrm>
+          <a:prstGeom prst="ellipse">
+            <a:avLst/>
+          </a:prstGeom>
+          <a:solidFill>
+            <a:schemeClr val="accent1"/>
+          </a:solidFill>
+          <a:ln w="9525" cap="flat" cmpd="sng" algn="ctr">
+            <a:solidFill>
+              <a:schemeClr val="tx1"/>
+            </a:solidFill>
+            <a:prstDash val="solid"/>
+            <a:round/>
+            <a:headEnd type="none" w="med" len="med"/>
+            <a:tailEnd type="none" w="med" len="med"/>
+          </a:ln>
+          <a:effectLst/>
+        </p:spPr>
+        <p:txBody>
+          <a:bodyPr vert="horz" wrap="none" lIns="91440" tIns="45720" rIns="91440" bIns="45720" numCol="1" rtlCol="0" anchor="ctr" anchorCtr="0" compatLnSpc="1">
+            <a:prstTxWarp prst="textNoShape">
+              <a:avLst/>
+            </a:prstTxWarp>
+          </a:bodyPr>
+          <a:lstStyle/>
+          <a:p>
+            <a:pPr marL="0" marR="0" indent="0" algn="l" defTabSz="914400" rtl="0" eaLnBrk="1" fontAlgn="base" latinLnBrk="0" hangingPunct="1">
+              <a:lnSpc>
+                <a:spcPct val="100000"/>
+              </a:lnSpc>
+              <a:spcBef>
+                <a:spcPct val="0"/>
+              </a:spcBef>
+              <a:spcAft>
+                <a:spcPct val="0"/>
+              </a:spcAft>
+              <a:buClrTx/>
+              <a:buSzTx/>
+              <a:buFontTx/>
+              <a:buNone/>
+              <a:tabLst/>
+            </a:pPr>
+            <a:endParaRPr kumimoji="0" lang="nl-NL" sz="1400" b="0" i="0" u="none" strike="noStrike" cap="none" normalizeH="0" baseline="0" smtClean="0">
+              <a:ln>
+                <a:noFill/>
+              </a:ln>
+              <a:solidFill>
+                <a:schemeClr val="tx1"/>
+              </a:solidFill>
+              <a:effectLst/>
+              <a:latin typeface="Arial" charset="0"/>
+            </a:endParaRPr>
+          </a:p>
+        </p:txBody>
+      </p:sp>
+      <p:sp>
+        <p:nvSpPr>
+          <p:cNvPr id="8" name="Ovaal 7"/>
+          <p:cNvSpPr/>
+          <p:nvPr/>
+        </p:nvSpPr>
+        <p:spPr bwMode="auto">
+          <a:xfrm>
+            <a:off x="6466455" y="1700362"/>
+            <a:ext cx="576064" cy="576064"/>
+          </a:xfrm>
+          <a:prstGeom prst="ellipse">
+            <a:avLst/>
+          </a:prstGeom>
+          <a:solidFill>
+            <a:schemeClr val="accent1"/>
+          </a:solidFill>
+          <a:ln w="9525" cap="flat" cmpd="sng" algn="ctr">
+            <a:solidFill>
+              <a:schemeClr val="tx1"/>
+            </a:solidFill>
+            <a:prstDash val="solid"/>
+            <a:round/>
+            <a:headEnd type="none" w="med" len="med"/>
+            <a:tailEnd type="none" w="med" len="med"/>
+          </a:ln>
+          <a:effectLst/>
+        </p:spPr>
+        <p:txBody>
+          <a:bodyPr vert="horz" wrap="none" lIns="91440" tIns="45720" rIns="91440" bIns="45720" numCol="1" rtlCol="0" anchor="ctr" anchorCtr="0" compatLnSpc="1">
+            <a:prstTxWarp prst="textNoShape">
+              <a:avLst/>
+            </a:prstTxWarp>
+          </a:bodyPr>
+          <a:lstStyle/>
+          <a:p>
+            <a:pPr marL="0" marR="0" indent="0" algn="l" defTabSz="914400" rtl="0" eaLnBrk="1" fontAlgn="base" latinLnBrk="0" hangingPunct="1">
+              <a:lnSpc>
+                <a:spcPct val="100000"/>
+              </a:lnSpc>
+              <a:spcBef>
+                <a:spcPct val="0"/>
+              </a:spcBef>
+              <a:spcAft>
+                <a:spcPct val="0"/>
+              </a:spcAft>
+              <a:buClrTx/>
+              <a:buSzTx/>
+              <a:buFontTx/>
+              <a:buNone/>
+              <a:tabLst/>
+            </a:pPr>
+            <a:endParaRPr kumimoji="0" lang="nl-NL" sz="1400" b="0" i="0" u="none" strike="noStrike" cap="none" normalizeH="0" baseline="0" smtClean="0">
+              <a:ln>
+                <a:noFill/>
+              </a:ln>
+              <a:solidFill>
+                <a:schemeClr val="tx1"/>
+              </a:solidFill>
+              <a:effectLst/>
+              <a:latin typeface="Arial" charset="0"/>
+            </a:endParaRPr>
+          </a:p>
+        </p:txBody>
+      </p:sp>
+      <p:sp>
+        <p:nvSpPr>
+          <p:cNvPr id="9" name="Ovaal 8"/>
+          <p:cNvSpPr/>
+          <p:nvPr/>
+        </p:nvSpPr>
+        <p:spPr bwMode="auto">
+          <a:xfrm>
+            <a:off x="6908227" y="1412330"/>
+            <a:ext cx="576064" cy="576064"/>
+          </a:xfrm>
+          <a:prstGeom prst="ellipse">
+            <a:avLst/>
+          </a:prstGeom>
+          <a:solidFill>
+            <a:schemeClr val="accent1"/>
+          </a:solidFill>
+          <a:ln w="9525" cap="flat" cmpd="sng" algn="ctr">
+            <a:solidFill>
+              <a:schemeClr val="tx1"/>
+            </a:solidFill>
+            <a:prstDash val="solid"/>
+            <a:round/>
+            <a:headEnd type="none" w="med" len="med"/>
+            <a:tailEnd type="none" w="med" len="med"/>
+          </a:ln>
+          <a:effectLst/>
+        </p:spPr>
+        <p:txBody>
+          <a:bodyPr vert="horz" wrap="none" lIns="91440" tIns="45720" rIns="91440" bIns="45720" numCol="1" rtlCol="0" anchor="ctr" anchorCtr="0" compatLnSpc="1">
+            <a:prstTxWarp prst="textNoShape">
+              <a:avLst/>
+            </a:prstTxWarp>
+          </a:bodyPr>
+          <a:lstStyle/>
+          <a:p>
+            <a:pPr marL="0" marR="0" indent="0" algn="l" defTabSz="914400" rtl="0" eaLnBrk="1" fontAlgn="base" latinLnBrk="0" hangingPunct="1">
+              <a:lnSpc>
+                <a:spcPct val="100000"/>
+              </a:lnSpc>
+              <a:spcBef>
+                <a:spcPct val="0"/>
+              </a:spcBef>
+              <a:spcAft>
+                <a:spcPct val="0"/>
+              </a:spcAft>
+              <a:buClrTx/>
+              <a:buSzTx/>
+              <a:buFontTx/>
+              <a:buNone/>
+              <a:tabLst/>
+            </a:pPr>
+            <a:endParaRPr kumimoji="0" lang="nl-NL" sz="1400" b="0" i="0" u="none" strike="noStrike" cap="none" normalizeH="0" baseline="0" smtClean="0">
+              <a:ln>
+                <a:noFill/>
+              </a:ln>
+              <a:solidFill>
+                <a:schemeClr val="tx1"/>
+              </a:solidFill>
+              <a:effectLst/>
+              <a:latin typeface="Arial" charset="0"/>
+            </a:endParaRPr>
+          </a:p>
+        </p:txBody>
+      </p:sp>
+      <p:sp>
+        <p:nvSpPr>
+          <p:cNvPr id="10" name="Ovaal 9"/>
+          <p:cNvSpPr/>
+          <p:nvPr/>
+        </p:nvSpPr>
+        <p:spPr bwMode="auto">
+          <a:xfrm>
+            <a:off x="7061967" y="1771613"/>
+            <a:ext cx="576064" cy="576064"/>
+          </a:xfrm>
+          <a:prstGeom prst="ellipse">
+            <a:avLst/>
+          </a:prstGeom>
+          <a:solidFill>
+            <a:schemeClr val="accent1"/>
+          </a:solidFill>
+          <a:ln w="9525" cap="flat" cmpd="sng" algn="ctr">
+            <a:solidFill>
+              <a:schemeClr val="tx1"/>
+            </a:solidFill>
+            <a:prstDash val="solid"/>
+            <a:round/>
+            <a:headEnd type="none" w="med" len="med"/>
+            <a:tailEnd type="none" w="med" len="med"/>
+          </a:ln>
+          <a:effectLst/>
+        </p:spPr>
+        <p:txBody>
+          <a:bodyPr vert="horz" wrap="none" lIns="91440" tIns="45720" rIns="91440" bIns="45720" numCol="1" rtlCol="0" anchor="ctr" anchorCtr="0" compatLnSpc="1">
+            <a:prstTxWarp prst="textNoShape">
+              <a:avLst/>
+            </a:prstTxWarp>
+          </a:bodyPr>
+          <a:lstStyle/>
+          <a:p>
+            <a:pPr marL="0" marR="0" indent="0" algn="l" defTabSz="914400" rtl="0" eaLnBrk="1" fontAlgn="base" latinLnBrk="0" hangingPunct="1">
+              <a:lnSpc>
+                <a:spcPct val="100000"/>
+              </a:lnSpc>
+              <a:spcBef>
+                <a:spcPct val="0"/>
+              </a:spcBef>
+              <a:spcAft>
+                <a:spcPct val="0"/>
+              </a:spcAft>
+              <a:buClrTx/>
+              <a:buSzTx/>
+              <a:buFontTx/>
+              <a:buNone/>
+              <a:tabLst/>
+            </a:pPr>
+            <a:endParaRPr kumimoji="0" lang="nl-NL" sz="1400" b="0" i="0" u="none" strike="noStrike" cap="none" normalizeH="0" baseline="0" smtClean="0">
+              <a:ln>
+                <a:noFill/>
+              </a:ln>
+              <a:solidFill>
+                <a:schemeClr val="tx1"/>
+              </a:solidFill>
+              <a:effectLst/>
+              <a:latin typeface="Arial" charset="0"/>
+            </a:endParaRPr>
+          </a:p>
+        </p:txBody>
+      </p:sp>
+      <p:sp>
+        <p:nvSpPr>
+          <p:cNvPr id="11" name="Ovaal 10"/>
+          <p:cNvSpPr/>
+          <p:nvPr/>
+        </p:nvSpPr>
+        <p:spPr bwMode="auto">
+          <a:xfrm>
+            <a:off x="7165955" y="2078712"/>
+            <a:ext cx="576064" cy="576064"/>
+          </a:xfrm>
+          <a:prstGeom prst="ellipse">
+            <a:avLst/>
+          </a:prstGeom>
+          <a:solidFill>
+            <a:schemeClr val="accent1"/>
+          </a:solidFill>
+          <a:ln w="9525" cap="flat" cmpd="sng" algn="ctr">
+            <a:solidFill>
+              <a:schemeClr val="tx1"/>
+            </a:solidFill>
+            <a:prstDash val="solid"/>
+            <a:round/>
+            <a:headEnd type="none" w="med" len="med"/>
+            <a:tailEnd type="none" w="med" len="med"/>
+          </a:ln>
+          <a:effectLst/>
+        </p:spPr>
+        <p:txBody>
+          <a:bodyPr vert="horz" wrap="none" lIns="91440" tIns="45720" rIns="91440" bIns="45720" numCol="1" rtlCol="0" anchor="ctr" anchorCtr="0" compatLnSpc="1">
+            <a:prstTxWarp prst="textNoShape">
+              <a:avLst/>
+            </a:prstTxWarp>
+          </a:bodyPr>
+          <a:lstStyle/>
+          <a:p>
+            <a:pPr marL="0" marR="0" indent="0" algn="l" defTabSz="914400" rtl="0" eaLnBrk="1" fontAlgn="base" latinLnBrk="0" hangingPunct="1">
+              <a:lnSpc>
+                <a:spcPct val="100000"/>
+              </a:lnSpc>
+              <a:spcBef>
+                <a:spcPct val="0"/>
+              </a:spcBef>
+              <a:spcAft>
+                <a:spcPct val="0"/>
+              </a:spcAft>
+              <a:buClrTx/>
+              <a:buSzTx/>
+              <a:buFontTx/>
+              <a:buNone/>
+              <a:tabLst/>
+            </a:pPr>
+            <a:endParaRPr kumimoji="0" lang="nl-NL" sz="1400" b="0" i="0" u="none" strike="noStrike" cap="none" normalizeH="0" baseline="0" smtClean="0">
+              <a:ln>
+                <a:noFill/>
+              </a:ln>
+              <a:solidFill>
+                <a:schemeClr val="tx1"/>
+              </a:solidFill>
+              <a:effectLst/>
+              <a:latin typeface="Arial" charset="0"/>
+            </a:endParaRPr>
+          </a:p>
+        </p:txBody>
+      </p:sp>
+      <p:sp>
+        <p:nvSpPr>
+          <p:cNvPr id="12" name="Ovaal 11"/>
+          <p:cNvSpPr/>
+          <p:nvPr/>
+        </p:nvSpPr>
+        <p:spPr bwMode="auto">
+          <a:xfrm>
+            <a:off x="6913779" y="2321892"/>
+            <a:ext cx="576064" cy="576064"/>
+          </a:xfrm>
+          <a:prstGeom prst="ellipse">
+            <a:avLst/>
+          </a:prstGeom>
+          <a:solidFill>
+            <a:schemeClr val="accent2">
+              <a:lumMod val="20000"/>
+              <a:lumOff val="80000"/>
+            </a:schemeClr>
+          </a:solidFill>
+          <a:ln w="9525" cap="flat" cmpd="sng" algn="ctr">
+            <a:solidFill>
+              <a:schemeClr val="tx1"/>
+            </a:solidFill>
+            <a:prstDash val="solid"/>
+            <a:round/>
+            <a:headEnd type="none" w="med" len="med"/>
+            <a:tailEnd type="none" w="med" len="med"/>
+          </a:ln>
+          <a:effectLst/>
+        </p:spPr>
+        <p:txBody>
+          <a:bodyPr vert="horz" wrap="none" lIns="91440" tIns="45720" rIns="91440" bIns="45720" numCol="1" rtlCol="0" anchor="ctr" anchorCtr="0" compatLnSpc="1">
+            <a:prstTxWarp prst="textNoShape">
+              <a:avLst/>
+            </a:prstTxWarp>
+          </a:bodyPr>
+          <a:lstStyle/>
+          <a:p>
+            <a:pPr marL="0" marR="0" indent="0" algn="l" defTabSz="914400" rtl="0" eaLnBrk="1" fontAlgn="base" latinLnBrk="0" hangingPunct="1">
+              <a:lnSpc>
+                <a:spcPct val="100000"/>
+              </a:lnSpc>
+              <a:spcBef>
+                <a:spcPct val="0"/>
+              </a:spcBef>
+              <a:spcAft>
+                <a:spcPct val="0"/>
+              </a:spcAft>
+              <a:buClrTx/>
+              <a:buSzTx/>
+              <a:buFontTx/>
+              <a:buNone/>
+              <a:tabLst/>
+            </a:pPr>
+            <a:endParaRPr kumimoji="0" lang="nl-NL" sz="1400" b="0" i="0" u="none" strike="noStrike" cap="none" normalizeH="0" baseline="0" smtClean="0">
+              <a:ln>
+                <a:noFill/>
+              </a:ln>
+              <a:solidFill>
+                <a:schemeClr val="tx1"/>
+              </a:solidFill>
+              <a:effectLst/>
+              <a:latin typeface="Arial" charset="0"/>
+            </a:endParaRPr>
+          </a:p>
+        </p:txBody>
+      </p:sp>
+      <p:sp>
+        <p:nvSpPr>
+          <p:cNvPr id="13" name="Ovaal 12"/>
+          <p:cNvSpPr/>
+          <p:nvPr/>
+        </p:nvSpPr>
+        <p:spPr bwMode="auto">
+          <a:xfrm>
+            <a:off x="7349999" y="1288685"/>
+            <a:ext cx="576064" cy="576064"/>
+          </a:xfrm>
+          <a:prstGeom prst="ellipse">
+            <a:avLst/>
+          </a:prstGeom>
+          <a:solidFill>
+            <a:schemeClr val="accent2">
+              <a:lumMod val="20000"/>
+              <a:lumOff val="80000"/>
+            </a:schemeClr>
+          </a:solidFill>
+          <a:ln w="9525" cap="flat" cmpd="sng" algn="ctr">
+            <a:solidFill>
+              <a:schemeClr val="tx1"/>
+            </a:solidFill>
+            <a:prstDash val="solid"/>
+            <a:round/>
+            <a:headEnd type="none" w="med" len="med"/>
+            <a:tailEnd type="none" w="med" len="med"/>
+          </a:ln>
+          <a:effectLst/>
+        </p:spPr>
+        <p:txBody>
+          <a:bodyPr vert="horz" wrap="none" lIns="91440" tIns="45720" rIns="91440" bIns="45720" numCol="1" rtlCol="0" anchor="ctr" anchorCtr="0" compatLnSpc="1">
+            <a:prstTxWarp prst="textNoShape">
+              <a:avLst/>
+            </a:prstTxWarp>
+          </a:bodyPr>
+          <a:lstStyle/>
+          <a:p>
+            <a:pPr marL="0" marR="0" indent="0" algn="l" defTabSz="914400" rtl="0" eaLnBrk="1" fontAlgn="base" latinLnBrk="0" hangingPunct="1">
+              <a:lnSpc>
+                <a:spcPct val="100000"/>
+              </a:lnSpc>
+              <a:spcBef>
+                <a:spcPct val="0"/>
+              </a:spcBef>
+              <a:spcAft>
+                <a:spcPct val="0"/>
+              </a:spcAft>
+              <a:buClrTx/>
+              <a:buSzTx/>
+              <a:buFontTx/>
+              <a:buNone/>
+              <a:tabLst/>
+            </a:pPr>
+            <a:endParaRPr kumimoji="0" lang="nl-NL" sz="1400" b="0" i="0" u="none" strike="noStrike" cap="none" normalizeH="0" baseline="0" smtClean="0">
+              <a:ln>
+                <a:noFill/>
+              </a:ln>
+              <a:solidFill>
+                <a:schemeClr val="tx1"/>
+              </a:solidFill>
+              <a:effectLst/>
+              <a:latin typeface="Arial" charset="0"/>
+            </a:endParaRPr>
+          </a:p>
+        </p:txBody>
+      </p:sp>
+      <p:sp>
+        <p:nvSpPr>
+          <p:cNvPr id="14" name="Ovaal 13"/>
+          <p:cNvSpPr/>
+          <p:nvPr/>
+        </p:nvSpPr>
+        <p:spPr bwMode="auto">
+          <a:xfrm>
+            <a:off x="6196844" y="1889844"/>
+            <a:ext cx="576064" cy="576064"/>
+          </a:xfrm>
+          <a:prstGeom prst="ellipse">
+            <a:avLst/>
+          </a:prstGeom>
+          <a:solidFill>
+            <a:schemeClr val="accent2">
+              <a:lumMod val="20000"/>
+              <a:lumOff val="80000"/>
+            </a:schemeClr>
+          </a:solidFill>
+          <a:ln w="9525" cap="flat" cmpd="sng" algn="ctr">
+            <a:solidFill>
+              <a:schemeClr val="tx1"/>
+            </a:solidFill>
+            <a:prstDash val="solid"/>
+            <a:round/>
+            <a:headEnd type="none" w="med" len="med"/>
+            <a:tailEnd type="none" w="med" len="med"/>
+          </a:ln>
+          <a:effectLst/>
+        </p:spPr>
+        <p:txBody>
+          <a:bodyPr vert="horz" wrap="none" lIns="91440" tIns="45720" rIns="91440" bIns="45720" numCol="1" rtlCol="0" anchor="ctr" anchorCtr="0" compatLnSpc="1">
+            <a:prstTxWarp prst="textNoShape">
+              <a:avLst/>
+            </a:prstTxWarp>
+          </a:bodyPr>
+          <a:lstStyle/>
+          <a:p>
+            <a:pPr marL="0" marR="0" indent="0" algn="l" defTabSz="914400" rtl="0" eaLnBrk="1" fontAlgn="base" latinLnBrk="0" hangingPunct="1">
+              <a:lnSpc>
+                <a:spcPct val="100000"/>
+              </a:lnSpc>
+              <a:spcBef>
+                <a:spcPct val="0"/>
+              </a:spcBef>
+              <a:spcAft>
+                <a:spcPct val="0"/>
+              </a:spcAft>
+              <a:buClrTx/>
+              <a:buSzTx/>
+              <a:buFontTx/>
+              <a:buNone/>
+              <a:tabLst/>
+            </a:pPr>
+            <a:endParaRPr kumimoji="0" lang="nl-NL" sz="1400" b="0" i="0" u="none" strike="noStrike" cap="none" normalizeH="0" baseline="0" smtClean="0">
+              <a:ln>
+                <a:noFill/>
+              </a:ln>
+              <a:solidFill>
+                <a:schemeClr val="tx1"/>
+              </a:solidFill>
+              <a:effectLst/>
+              <a:latin typeface="Arial" charset="0"/>
+            </a:endParaRPr>
+          </a:p>
+        </p:txBody>
+      </p:sp>
+      <p:sp>
+        <p:nvSpPr>
+          <p:cNvPr id="15" name="Ovaal 14"/>
+          <p:cNvSpPr/>
+          <p:nvPr/>
+        </p:nvSpPr>
+        <p:spPr bwMode="auto">
+          <a:xfrm>
+            <a:off x="6781787" y="1212940"/>
+            <a:ext cx="576064" cy="576064"/>
+          </a:xfrm>
+          <a:prstGeom prst="ellipse">
+            <a:avLst/>
+          </a:prstGeom>
+          <a:solidFill>
+            <a:schemeClr val="accent2">
+              <a:lumMod val="20000"/>
+              <a:lumOff val="80000"/>
+            </a:schemeClr>
+          </a:solidFill>
+          <a:ln w="9525" cap="flat" cmpd="sng" algn="ctr">
+            <a:solidFill>
+              <a:schemeClr val="tx1"/>
+            </a:solidFill>
+            <a:prstDash val="solid"/>
+            <a:round/>
+            <a:headEnd type="none" w="med" len="med"/>
+            <a:tailEnd type="none" w="med" len="med"/>
+          </a:ln>
+          <a:effectLst/>
+        </p:spPr>
+        <p:txBody>
+          <a:bodyPr vert="horz" wrap="none" lIns="91440" tIns="45720" rIns="91440" bIns="45720" numCol="1" rtlCol="0" anchor="ctr" anchorCtr="0" compatLnSpc="1">
+            <a:prstTxWarp prst="textNoShape">
+              <a:avLst/>
+            </a:prstTxWarp>
+          </a:bodyPr>
+          <a:lstStyle/>
+          <a:p>
+            <a:pPr marL="0" marR="0" indent="0" algn="l" defTabSz="914400" rtl="0" eaLnBrk="1" fontAlgn="base" latinLnBrk="0" hangingPunct="1">
+              <a:lnSpc>
+                <a:spcPct val="100000"/>
+              </a:lnSpc>
+              <a:spcBef>
+                <a:spcPct val="0"/>
+              </a:spcBef>
+              <a:spcAft>
+                <a:spcPct val="0"/>
+              </a:spcAft>
+              <a:buClrTx/>
+              <a:buSzTx/>
+              <a:buFontTx/>
+              <a:buNone/>
+              <a:tabLst/>
+            </a:pPr>
+            <a:endParaRPr kumimoji="0" lang="nl-NL" sz="1400" b="0" i="0" u="none" strike="noStrike" cap="none" normalizeH="0" baseline="0" smtClean="0">
+              <a:ln>
+                <a:noFill/>
+              </a:ln>
+              <a:solidFill>
+                <a:schemeClr val="tx1"/>
+              </a:solidFill>
+              <a:effectLst/>
+              <a:latin typeface="Arial" charset="0"/>
+            </a:endParaRPr>
+          </a:p>
+        </p:txBody>
+      </p:sp>
+      <p:sp>
+        <p:nvSpPr>
+          <p:cNvPr id="19" name="Pijl-omlaag 18"/>
+          <p:cNvSpPr/>
+          <p:nvPr/>
+        </p:nvSpPr>
+        <p:spPr bwMode="auto">
+          <a:xfrm rot="1931679">
+            <a:off x="6135886" y="2960666"/>
+            <a:ext cx="427341" cy="648072"/>
+          </a:xfrm>
+          <a:prstGeom prst="downArrow">
+            <a:avLst/>
+          </a:prstGeom>
+          <a:solidFill>
+            <a:srgbClr val="FFFF00"/>
+          </a:solidFill>
+          <a:ln w="9525" cap="flat" cmpd="sng" algn="ctr">
+            <a:solidFill>
+              <a:schemeClr val="tx1"/>
+            </a:solidFill>
+            <a:prstDash val="solid"/>
+            <a:round/>
+            <a:headEnd type="none" w="med" len="med"/>
+            <a:tailEnd type="none" w="med" len="med"/>
+          </a:ln>
+          <a:effectLst/>
+        </p:spPr>
+        <p:txBody>
+          <a:bodyPr vert="horz" wrap="none" lIns="91440" tIns="45720" rIns="91440" bIns="45720" numCol="1" rtlCol="0" anchor="ctr" anchorCtr="0" compatLnSpc="1">
+            <a:prstTxWarp prst="textNoShape">
+              <a:avLst/>
+            </a:prstTxWarp>
+          </a:bodyPr>
+          <a:lstStyle/>
+          <a:p>
+            <a:pPr marL="0" marR="0" indent="0" algn="l" defTabSz="914400" rtl="0" eaLnBrk="1" fontAlgn="base" latinLnBrk="0" hangingPunct="1">
+              <a:lnSpc>
+                <a:spcPct val="100000"/>
+              </a:lnSpc>
+              <a:spcBef>
+                <a:spcPct val="0"/>
+              </a:spcBef>
+              <a:spcAft>
+                <a:spcPct val="0"/>
+              </a:spcAft>
+              <a:buClrTx/>
+              <a:buSzTx/>
+              <a:buFontTx/>
+              <a:buNone/>
+              <a:tabLst/>
+            </a:pPr>
+            <a:endParaRPr kumimoji="0" lang="nl-NL" sz="1400" b="0" i="0" u="none" strike="noStrike" cap="none" normalizeH="0" baseline="0" smtClean="0">
+              <a:ln>
+                <a:noFill/>
+              </a:ln>
+              <a:solidFill>
+                <a:schemeClr val="tx1"/>
+              </a:solidFill>
+              <a:effectLst/>
+              <a:latin typeface="Arial" charset="0"/>
+            </a:endParaRPr>
+          </a:p>
+        </p:txBody>
+      </p:sp>
+      <p:sp>
+        <p:nvSpPr>
+          <p:cNvPr id="20" name="Pijl-omlaag 19"/>
+          <p:cNvSpPr/>
+          <p:nvPr/>
+        </p:nvSpPr>
+        <p:spPr bwMode="auto">
+          <a:xfrm rot="18922623">
+            <a:off x="7650314" y="2946361"/>
+            <a:ext cx="427341" cy="648072"/>
+          </a:xfrm>
+          <a:prstGeom prst="downArrow">
+            <a:avLst/>
+          </a:prstGeom>
+          <a:solidFill>
+            <a:srgbClr val="FFFF00"/>
+          </a:solidFill>
+          <a:ln w="9525" cap="flat" cmpd="sng" algn="ctr">
+            <a:solidFill>
+              <a:schemeClr val="tx1"/>
+            </a:solidFill>
+            <a:prstDash val="solid"/>
+            <a:round/>
+            <a:headEnd type="none" w="med" len="med"/>
+            <a:tailEnd type="none" w="med" len="med"/>
+          </a:ln>
+          <a:effectLst/>
+        </p:spPr>
+        <p:txBody>
+          <a:bodyPr vert="horz" wrap="none" lIns="91440" tIns="45720" rIns="91440" bIns="45720" numCol="1" rtlCol="0" anchor="ctr" anchorCtr="0" compatLnSpc="1">
+            <a:prstTxWarp prst="textNoShape">
+              <a:avLst/>
+            </a:prstTxWarp>
+          </a:bodyPr>
+          <a:lstStyle/>
+          <a:p>
+            <a:pPr marL="0" marR="0" indent="0" algn="l" defTabSz="914400" rtl="0" eaLnBrk="1" fontAlgn="base" latinLnBrk="0" hangingPunct="1">
+              <a:lnSpc>
+                <a:spcPct val="100000"/>
+              </a:lnSpc>
+              <a:spcBef>
+                <a:spcPct val="0"/>
+              </a:spcBef>
+              <a:spcAft>
+                <a:spcPct val="0"/>
+              </a:spcAft>
+              <a:buClrTx/>
+              <a:buSzTx/>
+              <a:buFontTx/>
+              <a:buNone/>
+              <a:tabLst/>
+            </a:pPr>
+            <a:endParaRPr kumimoji="0" lang="nl-NL" sz="1400" b="0" i="0" u="none" strike="noStrike" cap="none" normalizeH="0" baseline="0" smtClean="0">
+              <a:ln>
+                <a:noFill/>
+              </a:ln>
+              <a:solidFill>
+                <a:schemeClr val="tx1"/>
+              </a:solidFill>
+              <a:effectLst/>
+              <a:latin typeface="Arial" charset="0"/>
+            </a:endParaRPr>
+          </a:p>
+        </p:txBody>
+      </p:sp>
+      <p:sp>
+        <p:nvSpPr>
+          <p:cNvPr id="21" name="Ovaal 20"/>
+          <p:cNvSpPr/>
+          <p:nvPr/>
+        </p:nvSpPr>
+        <p:spPr bwMode="auto">
+          <a:xfrm>
+            <a:off x="5615020" y="3781628"/>
+            <a:ext cx="576064" cy="576064"/>
+          </a:xfrm>
+          <a:prstGeom prst="ellipse">
+            <a:avLst/>
+          </a:prstGeom>
+          <a:solidFill>
+            <a:schemeClr val="accent1"/>
+          </a:solidFill>
+          <a:ln w="9525" cap="flat" cmpd="sng" algn="ctr">
+            <a:solidFill>
+              <a:schemeClr val="tx1"/>
+            </a:solidFill>
+            <a:prstDash val="solid"/>
+            <a:round/>
+            <a:headEnd type="none" w="med" len="med"/>
+            <a:tailEnd type="none" w="med" len="med"/>
+          </a:ln>
+          <a:effectLst/>
+        </p:spPr>
+        <p:txBody>
+          <a:bodyPr vert="horz" wrap="none" lIns="91440" tIns="45720" rIns="91440" bIns="45720" numCol="1" rtlCol="0" anchor="ctr" anchorCtr="0" compatLnSpc="1">
+            <a:prstTxWarp prst="textNoShape">
+              <a:avLst/>
+            </a:prstTxWarp>
+          </a:bodyPr>
+          <a:lstStyle/>
+          <a:p>
+            <a:pPr marL="0" marR="0" indent="0" algn="l" defTabSz="914400" rtl="0" eaLnBrk="1" fontAlgn="base" latinLnBrk="0" hangingPunct="1">
+              <a:lnSpc>
+                <a:spcPct val="100000"/>
+              </a:lnSpc>
+              <a:spcBef>
+                <a:spcPct val="0"/>
+              </a:spcBef>
+              <a:spcAft>
+                <a:spcPct val="0"/>
+              </a:spcAft>
+              <a:buClrTx/>
+              <a:buSzTx/>
+              <a:buFontTx/>
+              <a:buNone/>
+              <a:tabLst/>
+            </a:pPr>
+            <a:endParaRPr kumimoji="0" lang="nl-NL" sz="1400" b="0" i="0" u="none" strike="noStrike" cap="none" normalizeH="0" baseline="0" smtClean="0">
+              <a:ln>
+                <a:noFill/>
+              </a:ln>
+              <a:solidFill>
+                <a:schemeClr val="tx1"/>
+              </a:solidFill>
+              <a:effectLst/>
+              <a:latin typeface="Arial" charset="0"/>
+            </a:endParaRPr>
+          </a:p>
+        </p:txBody>
+      </p:sp>
+      <p:sp>
+        <p:nvSpPr>
+          <p:cNvPr id="22" name="Ovaal 21"/>
+          <p:cNvSpPr/>
+          <p:nvPr/>
+        </p:nvSpPr>
+        <p:spPr bwMode="auto">
+          <a:xfrm>
+            <a:off x="5968631" y="4166910"/>
+            <a:ext cx="576064" cy="576064"/>
+          </a:xfrm>
+          <a:prstGeom prst="ellipse">
+            <a:avLst/>
+          </a:prstGeom>
+          <a:solidFill>
+            <a:schemeClr val="accent1"/>
+          </a:solidFill>
+          <a:ln w="9525" cap="flat" cmpd="sng" algn="ctr">
+            <a:solidFill>
+              <a:schemeClr val="tx1"/>
+            </a:solidFill>
+            <a:prstDash val="solid"/>
+            <a:round/>
+            <a:headEnd type="none" w="med" len="med"/>
+            <a:tailEnd type="none" w="med" len="med"/>
+          </a:ln>
+          <a:effectLst/>
+        </p:spPr>
+        <p:txBody>
+          <a:bodyPr vert="horz" wrap="none" lIns="91440" tIns="45720" rIns="91440" bIns="45720" numCol="1" rtlCol="0" anchor="ctr" anchorCtr="0" compatLnSpc="1">
+            <a:prstTxWarp prst="textNoShape">
+              <a:avLst/>
+            </a:prstTxWarp>
+          </a:bodyPr>
+          <a:lstStyle/>
+          <a:p>
+            <a:pPr marL="0" marR="0" indent="0" algn="l" defTabSz="914400" rtl="0" eaLnBrk="1" fontAlgn="base" latinLnBrk="0" hangingPunct="1">
+              <a:lnSpc>
+                <a:spcPct val="100000"/>
+              </a:lnSpc>
+              <a:spcBef>
+                <a:spcPct val="0"/>
+              </a:spcBef>
+              <a:spcAft>
+                <a:spcPct val="0"/>
+              </a:spcAft>
+              <a:buClrTx/>
+              <a:buSzTx/>
+              <a:buFontTx/>
+              <a:buNone/>
+              <a:tabLst/>
+            </a:pPr>
+            <a:endParaRPr kumimoji="0" lang="nl-NL" sz="1400" b="0" i="0" u="none" strike="noStrike" cap="none" normalizeH="0" baseline="0" smtClean="0">
+              <a:ln>
+                <a:noFill/>
+              </a:ln>
+              <a:solidFill>
+                <a:schemeClr val="tx1"/>
+              </a:solidFill>
+              <a:effectLst/>
+              <a:latin typeface="Arial" charset="0"/>
+            </a:endParaRPr>
+          </a:p>
+        </p:txBody>
+      </p:sp>
+      <p:sp>
+        <p:nvSpPr>
+          <p:cNvPr id="23" name="Ovaal 22"/>
+          <p:cNvSpPr/>
+          <p:nvPr/>
+        </p:nvSpPr>
+        <p:spPr bwMode="auto">
+          <a:xfrm>
+            <a:off x="6070482" y="3651119"/>
+            <a:ext cx="576064" cy="576064"/>
+          </a:xfrm>
+          <a:prstGeom prst="ellipse">
+            <a:avLst/>
+          </a:prstGeom>
+          <a:solidFill>
+            <a:schemeClr val="accent1"/>
+          </a:solidFill>
+          <a:ln w="9525" cap="flat" cmpd="sng" algn="ctr">
+            <a:solidFill>
+              <a:schemeClr val="tx1"/>
+            </a:solidFill>
+            <a:prstDash val="solid"/>
+            <a:round/>
+            <a:headEnd type="none" w="med" len="med"/>
+            <a:tailEnd type="none" w="med" len="med"/>
+          </a:ln>
+          <a:effectLst/>
+        </p:spPr>
+        <p:txBody>
+          <a:bodyPr vert="horz" wrap="none" lIns="91440" tIns="45720" rIns="91440" bIns="45720" numCol="1" rtlCol="0" anchor="ctr" anchorCtr="0" compatLnSpc="1">
+            <a:prstTxWarp prst="textNoShape">
+              <a:avLst/>
+            </a:prstTxWarp>
+          </a:bodyPr>
+          <a:lstStyle/>
+          <a:p>
+            <a:pPr marL="0" marR="0" indent="0" algn="l" defTabSz="914400" rtl="0" eaLnBrk="1" fontAlgn="base" latinLnBrk="0" hangingPunct="1">
+              <a:lnSpc>
+                <a:spcPct val="100000"/>
+              </a:lnSpc>
+              <a:spcBef>
+                <a:spcPct val="0"/>
+              </a:spcBef>
+              <a:spcAft>
+                <a:spcPct val="0"/>
+              </a:spcAft>
+              <a:buClrTx/>
+              <a:buSzTx/>
+              <a:buFontTx/>
+              <a:buNone/>
+              <a:tabLst/>
+            </a:pPr>
+            <a:endParaRPr kumimoji="0" lang="nl-NL" sz="1400" b="0" i="0" u="none" strike="noStrike" cap="none" normalizeH="0" baseline="0" smtClean="0">
+              <a:ln>
+                <a:noFill/>
+              </a:ln>
+              <a:solidFill>
+                <a:schemeClr val="tx1"/>
+              </a:solidFill>
+              <a:effectLst/>
+              <a:latin typeface="Arial" charset="0"/>
+            </a:endParaRPr>
+          </a:p>
+        </p:txBody>
+      </p:sp>
+      <p:sp>
+        <p:nvSpPr>
+          <p:cNvPr id="24" name="Ovaal 23"/>
+          <p:cNvSpPr/>
+          <p:nvPr/>
+        </p:nvSpPr>
+        <p:spPr bwMode="auto">
+          <a:xfrm>
+            <a:off x="5516000" y="4212376"/>
+            <a:ext cx="576064" cy="576064"/>
+          </a:xfrm>
+          <a:prstGeom prst="ellipse">
+            <a:avLst/>
+          </a:prstGeom>
+          <a:solidFill>
+            <a:schemeClr val="accent1"/>
+          </a:solidFill>
+          <a:ln w="9525" cap="flat" cmpd="sng" algn="ctr">
+            <a:solidFill>
+              <a:schemeClr val="tx1"/>
+            </a:solidFill>
+            <a:prstDash val="solid"/>
+            <a:round/>
+            <a:headEnd type="none" w="med" len="med"/>
+            <a:tailEnd type="none" w="med" len="med"/>
+          </a:ln>
+          <a:effectLst/>
+        </p:spPr>
+        <p:txBody>
+          <a:bodyPr vert="horz" wrap="none" lIns="91440" tIns="45720" rIns="91440" bIns="45720" numCol="1" rtlCol="0" anchor="ctr" anchorCtr="0" compatLnSpc="1">
+            <a:prstTxWarp prst="textNoShape">
+              <a:avLst/>
+            </a:prstTxWarp>
+          </a:bodyPr>
+          <a:lstStyle/>
+          <a:p>
+            <a:pPr marL="0" marR="0" indent="0" algn="l" defTabSz="914400" rtl="0" eaLnBrk="1" fontAlgn="base" latinLnBrk="0" hangingPunct="1">
+              <a:lnSpc>
+                <a:spcPct val="100000"/>
+              </a:lnSpc>
+              <a:spcBef>
+                <a:spcPct val="0"/>
+              </a:spcBef>
+              <a:spcAft>
+                <a:spcPct val="0"/>
+              </a:spcAft>
+              <a:buClrTx/>
+              <a:buSzTx/>
+              <a:buFontTx/>
+              <a:buNone/>
+              <a:tabLst/>
+            </a:pPr>
+            <a:endParaRPr kumimoji="0" lang="nl-NL" sz="1400" b="0" i="0" u="none" strike="noStrike" cap="none" normalizeH="0" baseline="0" smtClean="0">
+              <a:ln>
+                <a:noFill/>
+              </a:ln>
+              <a:solidFill>
+                <a:schemeClr val="tx1"/>
+              </a:solidFill>
+              <a:effectLst/>
+              <a:latin typeface="Arial" charset="0"/>
+            </a:endParaRPr>
+          </a:p>
+        </p:txBody>
+      </p:sp>
+      <p:sp>
+        <p:nvSpPr>
+          <p:cNvPr id="25" name="Ovaal 24"/>
+          <p:cNvSpPr/>
+          <p:nvPr/>
+        </p:nvSpPr>
+        <p:spPr bwMode="auto">
+          <a:xfrm>
+            <a:off x="6019557" y="4497550"/>
+            <a:ext cx="576064" cy="576064"/>
+          </a:xfrm>
+          <a:prstGeom prst="ellipse">
+            <a:avLst/>
+          </a:prstGeom>
+          <a:solidFill>
+            <a:schemeClr val="accent1"/>
+          </a:solidFill>
+          <a:ln w="9525" cap="flat" cmpd="sng" algn="ctr">
+            <a:solidFill>
+              <a:schemeClr val="tx1"/>
+            </a:solidFill>
+            <a:prstDash val="solid"/>
+            <a:round/>
+            <a:headEnd type="none" w="med" len="med"/>
+            <a:tailEnd type="none" w="med" len="med"/>
+          </a:ln>
+          <a:effectLst/>
+        </p:spPr>
+        <p:txBody>
+          <a:bodyPr vert="horz" wrap="none" lIns="91440" tIns="45720" rIns="91440" bIns="45720" numCol="1" rtlCol="0" anchor="ctr" anchorCtr="0" compatLnSpc="1">
+            <a:prstTxWarp prst="textNoShape">
+              <a:avLst/>
+            </a:prstTxWarp>
+          </a:bodyPr>
+          <a:lstStyle/>
+          <a:p>
+            <a:pPr marL="0" marR="0" indent="0" algn="l" defTabSz="914400" rtl="0" eaLnBrk="1" fontAlgn="base" latinLnBrk="0" hangingPunct="1">
+              <a:lnSpc>
+                <a:spcPct val="100000"/>
+              </a:lnSpc>
+              <a:spcBef>
+                <a:spcPct val="0"/>
+              </a:spcBef>
+              <a:spcAft>
+                <a:spcPct val="0"/>
+              </a:spcAft>
+              <a:buClrTx/>
+              <a:buSzTx/>
+              <a:buFontTx/>
+              <a:buNone/>
+              <a:tabLst/>
+            </a:pPr>
+            <a:endParaRPr kumimoji="0" lang="nl-NL" sz="1400" b="0" i="0" u="none" strike="noStrike" cap="none" normalizeH="0" baseline="0" smtClean="0">
+              <a:ln>
+                <a:noFill/>
+              </a:ln>
+              <a:solidFill>
+                <a:schemeClr val="tx1"/>
+              </a:solidFill>
+              <a:effectLst/>
+              <a:latin typeface="Arial" charset="0"/>
+            </a:endParaRPr>
+          </a:p>
+        </p:txBody>
+      </p:sp>
+      <p:sp>
+        <p:nvSpPr>
+          <p:cNvPr id="26" name="Ovaal 25"/>
+          <p:cNvSpPr/>
+          <p:nvPr/>
+        </p:nvSpPr>
+        <p:spPr bwMode="auto">
+          <a:xfrm>
+            <a:off x="5785334" y="3602552"/>
+            <a:ext cx="576064" cy="576064"/>
+          </a:xfrm>
+          <a:prstGeom prst="ellipse">
+            <a:avLst/>
+          </a:prstGeom>
+          <a:solidFill>
+            <a:schemeClr val="accent1"/>
+          </a:solidFill>
+          <a:ln w="9525" cap="flat" cmpd="sng" algn="ctr">
+            <a:solidFill>
+              <a:schemeClr val="tx1"/>
+            </a:solidFill>
+            <a:prstDash val="solid"/>
+            <a:round/>
+            <a:headEnd type="none" w="med" len="med"/>
+            <a:tailEnd type="none" w="med" len="med"/>
+          </a:ln>
+          <a:effectLst/>
+        </p:spPr>
+        <p:txBody>
+          <a:bodyPr vert="horz" wrap="none" lIns="91440" tIns="45720" rIns="91440" bIns="45720" numCol="1" rtlCol="0" anchor="ctr" anchorCtr="0" compatLnSpc="1">
+            <a:prstTxWarp prst="textNoShape">
+              <a:avLst/>
+            </a:prstTxWarp>
+          </a:bodyPr>
+          <a:lstStyle/>
+          <a:p>
+            <a:pPr marL="0" marR="0" indent="0" algn="l" defTabSz="914400" rtl="0" eaLnBrk="1" fontAlgn="base" latinLnBrk="0" hangingPunct="1">
+              <a:lnSpc>
+                <a:spcPct val="100000"/>
+              </a:lnSpc>
+              <a:spcBef>
+                <a:spcPct val="0"/>
+              </a:spcBef>
+              <a:spcAft>
+                <a:spcPct val="0"/>
+              </a:spcAft>
+              <a:buClrTx/>
+              <a:buSzTx/>
+              <a:buFontTx/>
+              <a:buNone/>
+              <a:tabLst/>
+            </a:pPr>
+            <a:endParaRPr kumimoji="0" lang="nl-NL" sz="1400" b="0" i="0" u="none" strike="noStrike" cap="none" normalizeH="0" baseline="0" smtClean="0">
+              <a:ln>
+                <a:noFill/>
+              </a:ln>
+              <a:solidFill>
+                <a:schemeClr val="tx1"/>
+              </a:solidFill>
+              <a:effectLst/>
+              <a:latin typeface="Arial" charset="0"/>
+            </a:endParaRPr>
+          </a:p>
+        </p:txBody>
+      </p:sp>
+      <p:sp>
+        <p:nvSpPr>
+          <p:cNvPr id="27" name="Ovaal 26"/>
+          <p:cNvSpPr/>
+          <p:nvPr/>
+        </p:nvSpPr>
+        <p:spPr bwMode="auto">
+          <a:xfrm>
+            <a:off x="5580112" y="3477091"/>
+            <a:ext cx="576064" cy="576064"/>
+          </a:xfrm>
+          <a:prstGeom prst="ellipse">
+            <a:avLst/>
+          </a:prstGeom>
+          <a:solidFill>
+            <a:schemeClr val="accent1"/>
+          </a:solidFill>
+          <a:ln w="9525" cap="flat" cmpd="sng" algn="ctr">
+            <a:solidFill>
+              <a:schemeClr val="tx1"/>
+            </a:solidFill>
+            <a:prstDash val="solid"/>
+            <a:round/>
+            <a:headEnd type="none" w="med" len="med"/>
+            <a:tailEnd type="none" w="med" len="med"/>
+          </a:ln>
+          <a:effectLst/>
+        </p:spPr>
+        <p:txBody>
+          <a:bodyPr vert="horz" wrap="none" lIns="91440" tIns="45720" rIns="91440" bIns="45720" numCol="1" rtlCol="0" anchor="ctr" anchorCtr="0" compatLnSpc="1">
+            <a:prstTxWarp prst="textNoShape">
+              <a:avLst/>
+            </a:prstTxWarp>
+          </a:bodyPr>
+          <a:lstStyle/>
+          <a:p>
+            <a:pPr marL="0" marR="0" indent="0" algn="l" defTabSz="914400" rtl="0" eaLnBrk="1" fontAlgn="base" latinLnBrk="0" hangingPunct="1">
+              <a:lnSpc>
+                <a:spcPct val="100000"/>
+              </a:lnSpc>
+              <a:spcBef>
+                <a:spcPct val="0"/>
+              </a:spcBef>
+              <a:spcAft>
+                <a:spcPct val="0"/>
+              </a:spcAft>
+              <a:buClrTx/>
+              <a:buSzTx/>
+              <a:buFontTx/>
+              <a:buNone/>
+              <a:tabLst/>
+            </a:pPr>
+            <a:endParaRPr kumimoji="0" lang="nl-NL" sz="1400" b="0" i="0" u="none" strike="noStrike" cap="none" normalizeH="0" baseline="0" smtClean="0">
+              <a:ln>
+                <a:noFill/>
+              </a:ln>
+              <a:solidFill>
+                <a:schemeClr val="tx1"/>
+              </a:solidFill>
+              <a:effectLst/>
+              <a:latin typeface="Arial" charset="0"/>
+            </a:endParaRPr>
+          </a:p>
+        </p:txBody>
+      </p:sp>
+      <p:sp>
+        <p:nvSpPr>
+          <p:cNvPr id="28" name="Ovaal 27"/>
+          <p:cNvSpPr/>
+          <p:nvPr/>
+        </p:nvSpPr>
+        <p:spPr bwMode="auto">
+          <a:xfrm>
+            <a:off x="6349556" y="3770009"/>
+            <a:ext cx="576064" cy="576064"/>
+          </a:xfrm>
+          <a:prstGeom prst="ellipse">
+            <a:avLst/>
+          </a:prstGeom>
+          <a:solidFill>
+            <a:schemeClr val="accent2">
+              <a:lumMod val="20000"/>
+              <a:lumOff val="80000"/>
+            </a:schemeClr>
+          </a:solidFill>
+          <a:ln w="9525" cap="flat" cmpd="sng" algn="ctr">
+            <a:solidFill>
+              <a:schemeClr val="tx1"/>
+            </a:solidFill>
+            <a:prstDash val="solid"/>
+            <a:round/>
+            <a:headEnd type="none" w="med" len="med"/>
+            <a:tailEnd type="none" w="med" len="med"/>
+          </a:ln>
+          <a:effectLst/>
+        </p:spPr>
+        <p:txBody>
+          <a:bodyPr vert="horz" wrap="none" lIns="91440" tIns="45720" rIns="91440" bIns="45720" numCol="1" rtlCol="0" anchor="ctr" anchorCtr="0" compatLnSpc="1">
+            <a:prstTxWarp prst="textNoShape">
+              <a:avLst/>
+            </a:prstTxWarp>
+          </a:bodyPr>
+          <a:lstStyle/>
+          <a:p>
+            <a:pPr marL="0" marR="0" indent="0" algn="l" defTabSz="914400" rtl="0" eaLnBrk="1" fontAlgn="base" latinLnBrk="0" hangingPunct="1">
+              <a:lnSpc>
+                <a:spcPct val="100000"/>
+              </a:lnSpc>
+              <a:spcBef>
+                <a:spcPct val="0"/>
+              </a:spcBef>
+              <a:spcAft>
+                <a:spcPct val="0"/>
+              </a:spcAft>
+              <a:buClrTx/>
+              <a:buSzTx/>
+              <a:buFontTx/>
+              <a:buNone/>
+              <a:tabLst/>
+            </a:pPr>
+            <a:endParaRPr kumimoji="0" lang="nl-NL" sz="1400" b="0" i="0" u="none" strike="noStrike" cap="none" normalizeH="0" baseline="0" smtClean="0">
+              <a:ln>
+                <a:noFill/>
+              </a:ln>
+              <a:solidFill>
+                <a:schemeClr val="tx1"/>
+              </a:solidFill>
+              <a:effectLst/>
+              <a:latin typeface="Arial" charset="0"/>
+            </a:endParaRPr>
+          </a:p>
+        </p:txBody>
+      </p:sp>
+      <p:sp>
+        <p:nvSpPr>
+          <p:cNvPr id="29" name="Ovaal 28"/>
+          <p:cNvSpPr/>
+          <p:nvPr/>
+        </p:nvSpPr>
+        <p:spPr bwMode="auto">
+          <a:xfrm>
+            <a:off x="6286007" y="4014890"/>
+            <a:ext cx="576064" cy="576064"/>
+          </a:xfrm>
+          <a:prstGeom prst="ellipse">
+            <a:avLst/>
+          </a:prstGeom>
+          <a:solidFill>
+            <a:schemeClr val="accent2">
+              <a:lumMod val="20000"/>
+              <a:lumOff val="80000"/>
+            </a:schemeClr>
+          </a:solidFill>
+          <a:ln w="9525" cap="flat" cmpd="sng" algn="ctr">
+            <a:solidFill>
+              <a:schemeClr val="tx1"/>
+            </a:solidFill>
+            <a:prstDash val="solid"/>
+            <a:round/>
+            <a:headEnd type="none" w="med" len="med"/>
+            <a:tailEnd type="none" w="med" len="med"/>
+          </a:ln>
+          <a:effectLst/>
+        </p:spPr>
+        <p:txBody>
+          <a:bodyPr vert="horz" wrap="none" lIns="91440" tIns="45720" rIns="91440" bIns="45720" numCol="1" rtlCol="0" anchor="ctr" anchorCtr="0" compatLnSpc="1">
+            <a:prstTxWarp prst="textNoShape">
+              <a:avLst/>
+            </a:prstTxWarp>
+          </a:bodyPr>
+          <a:lstStyle/>
+          <a:p>
+            <a:pPr marL="0" marR="0" indent="0" algn="l" defTabSz="914400" rtl="0" eaLnBrk="1" fontAlgn="base" latinLnBrk="0" hangingPunct="1">
+              <a:lnSpc>
+                <a:spcPct val="100000"/>
+              </a:lnSpc>
+              <a:spcBef>
+                <a:spcPct val="0"/>
+              </a:spcBef>
+              <a:spcAft>
+                <a:spcPct val="0"/>
+              </a:spcAft>
+              <a:buClrTx/>
+              <a:buSzTx/>
+              <a:buFontTx/>
+              <a:buNone/>
+              <a:tabLst/>
+            </a:pPr>
+            <a:endParaRPr kumimoji="0" lang="nl-NL" sz="1400" b="0" i="0" u="none" strike="noStrike" cap="none" normalizeH="0" baseline="0" smtClean="0">
+              <a:ln>
+                <a:noFill/>
+              </a:ln>
+              <a:solidFill>
+                <a:schemeClr val="tx1"/>
+              </a:solidFill>
+              <a:effectLst/>
+              <a:latin typeface="Arial" charset="0"/>
+            </a:endParaRPr>
+          </a:p>
+        </p:txBody>
+      </p:sp>
+      <p:sp>
+        <p:nvSpPr>
+          <p:cNvPr id="30" name="Ovaal 29"/>
+          <p:cNvSpPr/>
+          <p:nvPr/>
+        </p:nvSpPr>
+        <p:spPr bwMode="auto">
+          <a:xfrm>
+            <a:off x="7765126" y="3651119"/>
+            <a:ext cx="576064" cy="576064"/>
+          </a:xfrm>
+          <a:prstGeom prst="ellipse">
+            <a:avLst/>
+          </a:prstGeom>
+          <a:solidFill>
+            <a:schemeClr val="accent2">
+              <a:lumMod val="20000"/>
+              <a:lumOff val="80000"/>
+            </a:schemeClr>
+          </a:solidFill>
+          <a:ln w="9525" cap="flat" cmpd="sng" algn="ctr">
+            <a:solidFill>
+              <a:schemeClr val="tx1"/>
+            </a:solidFill>
+            <a:prstDash val="solid"/>
+            <a:round/>
+            <a:headEnd type="none" w="med" len="med"/>
+            <a:tailEnd type="none" w="med" len="med"/>
+          </a:ln>
+          <a:effectLst/>
+        </p:spPr>
+        <p:txBody>
+          <a:bodyPr vert="horz" wrap="none" lIns="91440" tIns="45720" rIns="91440" bIns="45720" numCol="1" rtlCol="0" anchor="ctr" anchorCtr="0" compatLnSpc="1">
+            <a:prstTxWarp prst="textNoShape">
+              <a:avLst/>
+            </a:prstTxWarp>
+          </a:bodyPr>
+          <a:lstStyle/>
+          <a:p>
+            <a:pPr marL="0" marR="0" indent="0" algn="l" defTabSz="914400" rtl="0" eaLnBrk="1" fontAlgn="base" latinLnBrk="0" hangingPunct="1">
+              <a:lnSpc>
+                <a:spcPct val="100000"/>
+              </a:lnSpc>
+              <a:spcBef>
+                <a:spcPct val="0"/>
+              </a:spcBef>
+              <a:spcAft>
+                <a:spcPct val="0"/>
+              </a:spcAft>
+              <a:buClrTx/>
+              <a:buSzTx/>
+              <a:buFontTx/>
+              <a:buNone/>
+              <a:tabLst/>
+            </a:pPr>
+            <a:endParaRPr kumimoji="0" lang="nl-NL" sz="1400" b="0" i="0" u="none" strike="noStrike" cap="none" normalizeH="0" baseline="0" smtClean="0">
+              <a:ln>
+                <a:noFill/>
+              </a:ln>
+              <a:solidFill>
+                <a:schemeClr val="tx1"/>
+              </a:solidFill>
+              <a:effectLst/>
+              <a:latin typeface="Arial" charset="0"/>
+            </a:endParaRPr>
+          </a:p>
+        </p:txBody>
+      </p:sp>
+      <p:sp>
+        <p:nvSpPr>
+          <p:cNvPr id="31" name="Ovaal 30"/>
+          <p:cNvSpPr/>
+          <p:nvPr/>
+        </p:nvSpPr>
+        <p:spPr bwMode="auto">
+          <a:xfrm>
+            <a:off x="8247580" y="3907468"/>
+            <a:ext cx="576064" cy="576064"/>
+          </a:xfrm>
+          <a:prstGeom prst="ellipse">
+            <a:avLst/>
+          </a:prstGeom>
+          <a:solidFill>
+            <a:schemeClr val="accent2">
+              <a:lumMod val="20000"/>
+              <a:lumOff val="80000"/>
+            </a:schemeClr>
+          </a:solidFill>
+          <a:ln w="9525" cap="flat" cmpd="sng" algn="ctr">
+            <a:solidFill>
+              <a:schemeClr val="tx1"/>
+            </a:solidFill>
+            <a:prstDash val="solid"/>
+            <a:round/>
+            <a:headEnd type="none" w="med" len="med"/>
+            <a:tailEnd type="none" w="med" len="med"/>
+          </a:ln>
+          <a:effectLst/>
+        </p:spPr>
+        <p:txBody>
+          <a:bodyPr vert="horz" wrap="none" lIns="91440" tIns="45720" rIns="91440" bIns="45720" numCol="1" rtlCol="0" anchor="ctr" anchorCtr="0" compatLnSpc="1">
+            <a:prstTxWarp prst="textNoShape">
+              <a:avLst/>
+            </a:prstTxWarp>
+          </a:bodyPr>
+          <a:lstStyle/>
+          <a:p>
+            <a:pPr marL="0" marR="0" indent="0" algn="l" defTabSz="914400" rtl="0" eaLnBrk="1" fontAlgn="base" latinLnBrk="0" hangingPunct="1">
+              <a:lnSpc>
+                <a:spcPct val="100000"/>
+              </a:lnSpc>
+              <a:spcBef>
+                <a:spcPct val="0"/>
+              </a:spcBef>
+              <a:spcAft>
+                <a:spcPct val="0"/>
+              </a:spcAft>
+              <a:buClrTx/>
+              <a:buSzTx/>
+              <a:buFontTx/>
+              <a:buNone/>
+              <a:tabLst/>
+            </a:pPr>
+            <a:endParaRPr kumimoji="0" lang="nl-NL" sz="1400" b="0" i="0" u="none" strike="noStrike" cap="none" normalizeH="0" baseline="0" smtClean="0">
+              <a:ln>
+                <a:noFill/>
+              </a:ln>
+              <a:solidFill>
+                <a:schemeClr val="tx1"/>
+              </a:solidFill>
+              <a:effectLst/>
+              <a:latin typeface="Arial" charset="0"/>
+            </a:endParaRPr>
+          </a:p>
+        </p:txBody>
+      </p:sp>
+      <p:sp>
+        <p:nvSpPr>
+          <p:cNvPr id="32" name="Ovaal 31"/>
+          <p:cNvSpPr/>
+          <p:nvPr/>
+        </p:nvSpPr>
+        <p:spPr bwMode="auto">
+          <a:xfrm>
+            <a:off x="8001515" y="4058041"/>
+            <a:ext cx="576064" cy="576064"/>
+          </a:xfrm>
+          <a:prstGeom prst="ellipse">
+            <a:avLst/>
+          </a:prstGeom>
+          <a:solidFill>
+            <a:schemeClr val="accent2">
+              <a:lumMod val="20000"/>
+              <a:lumOff val="80000"/>
+            </a:schemeClr>
+          </a:solidFill>
+          <a:ln w="9525" cap="flat" cmpd="sng" algn="ctr">
+            <a:solidFill>
+              <a:schemeClr val="tx1"/>
+            </a:solidFill>
+            <a:prstDash val="solid"/>
+            <a:round/>
+            <a:headEnd type="none" w="med" len="med"/>
+            <a:tailEnd type="none" w="med" len="med"/>
+          </a:ln>
+          <a:effectLst/>
+        </p:spPr>
+        <p:txBody>
+          <a:bodyPr vert="horz" wrap="none" lIns="91440" tIns="45720" rIns="91440" bIns="45720" numCol="1" rtlCol="0" anchor="ctr" anchorCtr="0" compatLnSpc="1">
+            <a:prstTxWarp prst="textNoShape">
+              <a:avLst/>
+            </a:prstTxWarp>
+          </a:bodyPr>
+          <a:lstStyle/>
+          <a:p>
+            <a:pPr marL="0" marR="0" indent="0" algn="l" defTabSz="914400" rtl="0" eaLnBrk="1" fontAlgn="base" latinLnBrk="0" hangingPunct="1">
+              <a:lnSpc>
+                <a:spcPct val="100000"/>
+              </a:lnSpc>
+              <a:spcBef>
+                <a:spcPct val="0"/>
+              </a:spcBef>
+              <a:spcAft>
+                <a:spcPct val="0"/>
+              </a:spcAft>
+              <a:buClrTx/>
+              <a:buSzTx/>
+              <a:buFontTx/>
+              <a:buNone/>
+              <a:tabLst/>
+            </a:pPr>
+            <a:endParaRPr kumimoji="0" lang="nl-NL" sz="1400" b="0" i="0" u="none" strike="noStrike" cap="none" normalizeH="0" baseline="0" smtClean="0">
+              <a:ln>
+                <a:noFill/>
+              </a:ln>
+              <a:solidFill>
+                <a:schemeClr val="tx1"/>
+              </a:solidFill>
+              <a:effectLst/>
+              <a:latin typeface="Arial" charset="0"/>
+            </a:endParaRPr>
+          </a:p>
+        </p:txBody>
+      </p:sp>
+      <p:sp>
+        <p:nvSpPr>
+          <p:cNvPr id="33" name="Ovaal 32"/>
+          <p:cNvSpPr/>
+          <p:nvPr/>
+        </p:nvSpPr>
+        <p:spPr bwMode="auto">
+          <a:xfrm>
+            <a:off x="8279819" y="4058612"/>
+            <a:ext cx="576064" cy="576064"/>
+          </a:xfrm>
+          <a:prstGeom prst="ellipse">
+            <a:avLst/>
+          </a:prstGeom>
+          <a:solidFill>
+            <a:schemeClr val="accent2">
+              <a:lumMod val="20000"/>
+              <a:lumOff val="80000"/>
+            </a:schemeClr>
+          </a:solidFill>
+          <a:ln w="9525" cap="flat" cmpd="sng" algn="ctr">
+            <a:solidFill>
+              <a:schemeClr val="tx1"/>
+            </a:solidFill>
+            <a:prstDash val="solid"/>
+            <a:round/>
+            <a:headEnd type="none" w="med" len="med"/>
+            <a:tailEnd type="none" w="med" len="med"/>
+          </a:ln>
+          <a:effectLst/>
+        </p:spPr>
+        <p:txBody>
+          <a:bodyPr vert="horz" wrap="none" lIns="91440" tIns="45720" rIns="91440" bIns="45720" numCol="1" rtlCol="0" anchor="ctr" anchorCtr="0" compatLnSpc="1">
+            <a:prstTxWarp prst="textNoShape">
+              <a:avLst/>
+            </a:prstTxWarp>
+          </a:bodyPr>
+          <a:lstStyle/>
+          <a:p>
+            <a:pPr marL="0" marR="0" indent="0" algn="l" defTabSz="914400" rtl="0" eaLnBrk="1" fontAlgn="base" latinLnBrk="0" hangingPunct="1">
+              <a:lnSpc>
+                <a:spcPct val="100000"/>
+              </a:lnSpc>
+              <a:spcBef>
+                <a:spcPct val="0"/>
+              </a:spcBef>
+              <a:spcAft>
+                <a:spcPct val="0"/>
+              </a:spcAft>
+              <a:buClrTx/>
+              <a:buSzTx/>
+              <a:buFontTx/>
+              <a:buNone/>
+              <a:tabLst/>
+            </a:pPr>
+            <a:endParaRPr kumimoji="0" lang="nl-NL" sz="1400" b="0" i="0" u="none" strike="noStrike" cap="none" normalizeH="0" baseline="0" smtClean="0">
+              <a:ln>
+                <a:noFill/>
+              </a:ln>
+              <a:solidFill>
+                <a:schemeClr val="tx1"/>
+              </a:solidFill>
+              <a:effectLst/>
+              <a:latin typeface="Arial" charset="0"/>
+            </a:endParaRPr>
+          </a:p>
+        </p:txBody>
+      </p:sp>
+      <p:sp>
+        <p:nvSpPr>
+          <p:cNvPr id="34" name="Ovaal 33"/>
+          <p:cNvSpPr/>
+          <p:nvPr/>
+        </p:nvSpPr>
+        <p:spPr bwMode="auto">
+          <a:xfrm>
+            <a:off x="7567098" y="3939151"/>
+            <a:ext cx="576064" cy="576064"/>
+          </a:xfrm>
+          <a:prstGeom prst="ellipse">
+            <a:avLst/>
+          </a:prstGeom>
+          <a:solidFill>
+            <a:schemeClr val="accent2">
+              <a:lumMod val="20000"/>
+              <a:lumOff val="80000"/>
+            </a:schemeClr>
+          </a:solidFill>
+          <a:ln w="9525" cap="flat" cmpd="sng" algn="ctr">
+            <a:solidFill>
+              <a:schemeClr val="tx1"/>
+            </a:solidFill>
+            <a:prstDash val="solid"/>
+            <a:round/>
+            <a:headEnd type="none" w="med" len="med"/>
+            <a:tailEnd type="none" w="med" len="med"/>
+          </a:ln>
+          <a:effectLst/>
+        </p:spPr>
+        <p:txBody>
+          <a:bodyPr vert="horz" wrap="none" lIns="91440" tIns="45720" rIns="91440" bIns="45720" numCol="1" rtlCol="0" anchor="ctr" anchorCtr="0" compatLnSpc="1">
+            <a:prstTxWarp prst="textNoShape">
+              <a:avLst/>
+            </a:prstTxWarp>
+          </a:bodyPr>
+          <a:lstStyle/>
+          <a:p>
+            <a:pPr marL="0" marR="0" indent="0" algn="l" defTabSz="914400" rtl="0" eaLnBrk="1" fontAlgn="base" latinLnBrk="0" hangingPunct="1">
+              <a:lnSpc>
+                <a:spcPct val="100000"/>
+              </a:lnSpc>
+              <a:spcBef>
+                <a:spcPct val="0"/>
+              </a:spcBef>
+              <a:spcAft>
+                <a:spcPct val="0"/>
+              </a:spcAft>
+              <a:buClrTx/>
+              <a:buSzTx/>
+              <a:buFontTx/>
+              <a:buNone/>
+              <a:tabLst/>
+            </a:pPr>
+            <a:endParaRPr kumimoji="0" lang="nl-NL" sz="1400" b="0" i="0" u="none" strike="noStrike" cap="none" normalizeH="0" baseline="0" smtClean="0">
+              <a:ln>
+                <a:noFill/>
+              </a:ln>
+              <a:solidFill>
+                <a:schemeClr val="tx1"/>
+              </a:solidFill>
+              <a:effectLst/>
+              <a:latin typeface="Arial" charset="0"/>
+            </a:endParaRPr>
+          </a:p>
+        </p:txBody>
+      </p:sp>
+      <p:sp>
+        <p:nvSpPr>
+          <p:cNvPr id="35" name="Pijl-omlaag 34"/>
+          <p:cNvSpPr/>
+          <p:nvPr/>
+        </p:nvSpPr>
+        <p:spPr bwMode="auto">
+          <a:xfrm rot="1931679">
+            <a:off x="5341276" y="4914265"/>
+            <a:ext cx="427341" cy="648072"/>
+          </a:xfrm>
+          <a:prstGeom prst="downArrow">
+            <a:avLst/>
+          </a:prstGeom>
+          <a:solidFill>
+            <a:srgbClr val="FFFF00"/>
+          </a:solidFill>
+          <a:ln w="9525" cap="flat" cmpd="sng" algn="ctr">
+            <a:solidFill>
+              <a:schemeClr val="tx1"/>
+            </a:solidFill>
+            <a:prstDash val="solid"/>
+            <a:round/>
+            <a:headEnd type="none" w="med" len="med"/>
+            <a:tailEnd type="none" w="med" len="med"/>
+          </a:ln>
+          <a:effectLst/>
+        </p:spPr>
+        <p:txBody>
+          <a:bodyPr vert="horz" wrap="none" lIns="91440" tIns="45720" rIns="91440" bIns="45720" numCol="1" rtlCol="0" anchor="ctr" anchorCtr="0" compatLnSpc="1">
+            <a:prstTxWarp prst="textNoShape">
+              <a:avLst/>
+            </a:prstTxWarp>
+          </a:bodyPr>
+          <a:lstStyle/>
+          <a:p>
+            <a:pPr marL="0" marR="0" indent="0" algn="l" defTabSz="914400" rtl="0" eaLnBrk="1" fontAlgn="base" latinLnBrk="0" hangingPunct="1">
+              <a:lnSpc>
+                <a:spcPct val="100000"/>
+              </a:lnSpc>
+              <a:spcBef>
+                <a:spcPct val="0"/>
+              </a:spcBef>
+              <a:spcAft>
+                <a:spcPct val="0"/>
+              </a:spcAft>
+              <a:buClrTx/>
+              <a:buSzTx/>
+              <a:buFontTx/>
+              <a:buNone/>
+              <a:tabLst/>
+            </a:pPr>
+            <a:endParaRPr kumimoji="0" lang="nl-NL" sz="1400" b="0" i="0" u="none" strike="noStrike" cap="none" normalizeH="0" baseline="0" smtClean="0">
+              <a:ln>
+                <a:noFill/>
+              </a:ln>
+              <a:solidFill>
+                <a:schemeClr val="tx1"/>
+              </a:solidFill>
+              <a:effectLst/>
+              <a:latin typeface="Arial" charset="0"/>
+            </a:endParaRPr>
+          </a:p>
+        </p:txBody>
+      </p:sp>
+      <p:sp>
+        <p:nvSpPr>
+          <p:cNvPr id="36" name="Pijl-omlaag 35"/>
+          <p:cNvSpPr/>
+          <p:nvPr/>
+        </p:nvSpPr>
+        <p:spPr bwMode="auto">
+          <a:xfrm rot="18922623">
+            <a:off x="6607641" y="4939518"/>
+            <a:ext cx="427341" cy="648072"/>
+          </a:xfrm>
+          <a:prstGeom prst="downArrow">
+            <a:avLst/>
+          </a:prstGeom>
+          <a:solidFill>
+            <a:srgbClr val="FFFF00"/>
+          </a:solidFill>
+          <a:ln w="9525" cap="flat" cmpd="sng" algn="ctr">
+            <a:solidFill>
+              <a:schemeClr val="tx1"/>
+            </a:solidFill>
+            <a:prstDash val="solid"/>
+            <a:round/>
+            <a:headEnd type="none" w="med" len="med"/>
+            <a:tailEnd type="none" w="med" len="med"/>
+          </a:ln>
+          <a:effectLst/>
+        </p:spPr>
+        <p:txBody>
+          <a:bodyPr vert="horz" wrap="none" lIns="91440" tIns="45720" rIns="91440" bIns="45720" numCol="1" rtlCol="0" anchor="ctr" anchorCtr="0" compatLnSpc="1">
+            <a:prstTxWarp prst="textNoShape">
+              <a:avLst/>
+            </a:prstTxWarp>
+          </a:bodyPr>
+          <a:lstStyle/>
+          <a:p>
+            <a:pPr marL="0" marR="0" indent="0" algn="l" defTabSz="914400" rtl="0" eaLnBrk="1" fontAlgn="base" latinLnBrk="0" hangingPunct="1">
+              <a:lnSpc>
+                <a:spcPct val="100000"/>
+              </a:lnSpc>
+              <a:spcBef>
+                <a:spcPct val="0"/>
+              </a:spcBef>
+              <a:spcAft>
+                <a:spcPct val="0"/>
+              </a:spcAft>
+              <a:buClrTx/>
+              <a:buSzTx/>
+              <a:buFontTx/>
+              <a:buNone/>
+              <a:tabLst/>
+            </a:pPr>
+            <a:endParaRPr kumimoji="0" lang="nl-NL" sz="1400" b="0" i="0" u="none" strike="noStrike" cap="none" normalizeH="0" baseline="0" smtClean="0">
+              <a:ln>
+                <a:noFill/>
+              </a:ln>
+              <a:solidFill>
+                <a:schemeClr val="tx1"/>
+              </a:solidFill>
+              <a:effectLst/>
+              <a:latin typeface="Arial" charset="0"/>
+            </a:endParaRPr>
+          </a:p>
+        </p:txBody>
+      </p:sp>
+      <p:sp>
+        <p:nvSpPr>
+          <p:cNvPr id="37" name="Ovaal 36"/>
+          <p:cNvSpPr/>
+          <p:nvPr/>
+        </p:nvSpPr>
+        <p:spPr bwMode="auto">
+          <a:xfrm>
+            <a:off x="4426214" y="6040857"/>
+            <a:ext cx="576064" cy="576064"/>
+          </a:xfrm>
+          <a:prstGeom prst="ellipse">
+            <a:avLst/>
+          </a:prstGeom>
+          <a:solidFill>
+            <a:schemeClr val="accent1"/>
+          </a:solidFill>
+          <a:ln w="9525" cap="flat" cmpd="sng" algn="ctr">
+            <a:solidFill>
+              <a:schemeClr val="tx1"/>
+            </a:solidFill>
+            <a:prstDash val="solid"/>
+            <a:round/>
+            <a:headEnd type="none" w="med" len="med"/>
+            <a:tailEnd type="none" w="med" len="med"/>
+          </a:ln>
+          <a:effectLst/>
+        </p:spPr>
+        <p:txBody>
+          <a:bodyPr vert="horz" wrap="none" lIns="91440" tIns="45720" rIns="91440" bIns="45720" numCol="1" rtlCol="0" anchor="ctr" anchorCtr="0" compatLnSpc="1">
+            <a:prstTxWarp prst="textNoShape">
+              <a:avLst/>
+            </a:prstTxWarp>
+          </a:bodyPr>
+          <a:lstStyle/>
+          <a:p>
+            <a:pPr marL="0" marR="0" indent="0" algn="l" defTabSz="914400" rtl="0" eaLnBrk="1" fontAlgn="base" latinLnBrk="0" hangingPunct="1">
+              <a:lnSpc>
+                <a:spcPct val="100000"/>
+              </a:lnSpc>
+              <a:spcBef>
+                <a:spcPct val="0"/>
+              </a:spcBef>
+              <a:spcAft>
+                <a:spcPct val="0"/>
+              </a:spcAft>
+              <a:buClrTx/>
+              <a:buSzTx/>
+              <a:buFontTx/>
+              <a:buNone/>
+              <a:tabLst/>
+            </a:pPr>
+            <a:endParaRPr kumimoji="0" lang="nl-NL" sz="1400" b="0" i="0" u="none" strike="noStrike" cap="none" normalizeH="0" baseline="0" smtClean="0">
+              <a:ln>
+                <a:noFill/>
+              </a:ln>
+              <a:solidFill>
+                <a:schemeClr val="tx1"/>
+              </a:solidFill>
+              <a:effectLst/>
+              <a:latin typeface="Arial" charset="0"/>
+            </a:endParaRPr>
+          </a:p>
+        </p:txBody>
+      </p:sp>
+      <p:sp>
+        <p:nvSpPr>
+          <p:cNvPr id="38" name="Ovaal 37"/>
+          <p:cNvSpPr/>
+          <p:nvPr/>
+        </p:nvSpPr>
+        <p:spPr bwMode="auto">
+          <a:xfrm>
+            <a:off x="4677992" y="6030461"/>
+            <a:ext cx="576064" cy="576064"/>
+          </a:xfrm>
+          <a:prstGeom prst="ellipse">
+            <a:avLst/>
+          </a:prstGeom>
+          <a:solidFill>
+            <a:schemeClr val="accent1"/>
+          </a:solidFill>
+          <a:ln w="9525" cap="flat" cmpd="sng" algn="ctr">
+            <a:solidFill>
+              <a:schemeClr val="tx1"/>
+            </a:solidFill>
+            <a:prstDash val="solid"/>
+            <a:round/>
+            <a:headEnd type="none" w="med" len="med"/>
+            <a:tailEnd type="none" w="med" len="med"/>
+          </a:ln>
+          <a:effectLst/>
+        </p:spPr>
+        <p:txBody>
+          <a:bodyPr vert="horz" wrap="none" lIns="91440" tIns="45720" rIns="91440" bIns="45720" numCol="1" rtlCol="0" anchor="ctr" anchorCtr="0" compatLnSpc="1">
+            <a:prstTxWarp prst="textNoShape">
+              <a:avLst/>
+            </a:prstTxWarp>
+          </a:bodyPr>
+          <a:lstStyle/>
+          <a:p>
+            <a:pPr marL="0" marR="0" indent="0" algn="l" defTabSz="914400" rtl="0" eaLnBrk="1" fontAlgn="base" latinLnBrk="0" hangingPunct="1">
+              <a:lnSpc>
+                <a:spcPct val="100000"/>
+              </a:lnSpc>
+              <a:spcBef>
+                <a:spcPct val="0"/>
+              </a:spcBef>
+              <a:spcAft>
+                <a:spcPct val="0"/>
+              </a:spcAft>
+              <a:buClrTx/>
+              <a:buSzTx/>
+              <a:buFontTx/>
+              <a:buNone/>
+              <a:tabLst/>
+            </a:pPr>
+            <a:endParaRPr kumimoji="0" lang="nl-NL" sz="1400" b="0" i="0" u="none" strike="noStrike" cap="none" normalizeH="0" baseline="0" smtClean="0">
+              <a:ln>
+                <a:noFill/>
+              </a:ln>
+              <a:solidFill>
+                <a:schemeClr val="tx1"/>
+              </a:solidFill>
+              <a:effectLst/>
+              <a:latin typeface="Arial" charset="0"/>
+            </a:endParaRPr>
+          </a:p>
+        </p:txBody>
+      </p:sp>
+      <p:sp>
+        <p:nvSpPr>
+          <p:cNvPr id="39" name="Ovaal 38"/>
+          <p:cNvSpPr/>
+          <p:nvPr/>
+        </p:nvSpPr>
+        <p:spPr bwMode="auto">
+          <a:xfrm>
+            <a:off x="4605751" y="5766080"/>
+            <a:ext cx="576064" cy="576064"/>
+          </a:xfrm>
+          <a:prstGeom prst="ellipse">
+            <a:avLst/>
+          </a:prstGeom>
+          <a:solidFill>
+            <a:schemeClr val="accent1"/>
+          </a:solidFill>
+          <a:ln w="9525" cap="flat" cmpd="sng" algn="ctr">
+            <a:solidFill>
+              <a:schemeClr val="tx1"/>
+            </a:solidFill>
+            <a:prstDash val="solid"/>
+            <a:round/>
+            <a:headEnd type="none" w="med" len="med"/>
+            <a:tailEnd type="none" w="med" len="med"/>
+          </a:ln>
+          <a:effectLst/>
+        </p:spPr>
+        <p:txBody>
+          <a:bodyPr vert="horz" wrap="none" lIns="91440" tIns="45720" rIns="91440" bIns="45720" numCol="1" rtlCol="0" anchor="ctr" anchorCtr="0" compatLnSpc="1">
+            <a:prstTxWarp prst="textNoShape">
+              <a:avLst/>
+            </a:prstTxWarp>
+          </a:bodyPr>
+          <a:lstStyle/>
+          <a:p>
+            <a:pPr marL="0" marR="0" indent="0" algn="l" defTabSz="914400" rtl="0" eaLnBrk="1" fontAlgn="base" latinLnBrk="0" hangingPunct="1">
+              <a:lnSpc>
+                <a:spcPct val="100000"/>
+              </a:lnSpc>
+              <a:spcBef>
+                <a:spcPct val="0"/>
+              </a:spcBef>
+              <a:spcAft>
+                <a:spcPct val="0"/>
+              </a:spcAft>
+              <a:buClrTx/>
+              <a:buSzTx/>
+              <a:buFontTx/>
+              <a:buNone/>
+              <a:tabLst/>
+            </a:pPr>
+            <a:endParaRPr kumimoji="0" lang="nl-NL" sz="1400" b="0" i="0" u="none" strike="noStrike" cap="none" normalizeH="0" baseline="0" smtClean="0">
+              <a:ln>
+                <a:noFill/>
+              </a:ln>
+              <a:solidFill>
+                <a:schemeClr val="tx1"/>
+              </a:solidFill>
+              <a:effectLst/>
+              <a:latin typeface="Arial" charset="0"/>
+            </a:endParaRPr>
+          </a:p>
+        </p:txBody>
+      </p:sp>
+      <p:sp>
+        <p:nvSpPr>
+          <p:cNvPr id="40" name="Ovaal 39"/>
+          <p:cNvSpPr/>
+          <p:nvPr/>
+        </p:nvSpPr>
+        <p:spPr bwMode="auto">
+          <a:xfrm>
+            <a:off x="4966024" y="6019786"/>
+            <a:ext cx="576064" cy="576064"/>
+          </a:xfrm>
+          <a:prstGeom prst="ellipse">
+            <a:avLst/>
+          </a:prstGeom>
+          <a:solidFill>
+            <a:schemeClr val="accent1"/>
+          </a:solidFill>
+          <a:ln w="9525" cap="flat" cmpd="sng" algn="ctr">
+            <a:solidFill>
+              <a:schemeClr val="tx1"/>
+            </a:solidFill>
+            <a:prstDash val="solid"/>
+            <a:round/>
+            <a:headEnd type="none" w="med" len="med"/>
+            <a:tailEnd type="none" w="med" len="med"/>
+          </a:ln>
+          <a:effectLst/>
+        </p:spPr>
+        <p:txBody>
+          <a:bodyPr vert="horz" wrap="none" lIns="91440" tIns="45720" rIns="91440" bIns="45720" numCol="1" rtlCol="0" anchor="ctr" anchorCtr="0" compatLnSpc="1">
+            <a:prstTxWarp prst="textNoShape">
+              <a:avLst/>
+            </a:prstTxWarp>
+          </a:bodyPr>
+          <a:lstStyle/>
+          <a:p>
+            <a:pPr marL="0" marR="0" indent="0" algn="l" defTabSz="914400" rtl="0" eaLnBrk="1" fontAlgn="base" latinLnBrk="0" hangingPunct="1">
+              <a:lnSpc>
+                <a:spcPct val="100000"/>
+              </a:lnSpc>
+              <a:spcBef>
+                <a:spcPct val="0"/>
+              </a:spcBef>
+              <a:spcAft>
+                <a:spcPct val="0"/>
+              </a:spcAft>
+              <a:buClrTx/>
+              <a:buSzTx/>
+              <a:buFontTx/>
+              <a:buNone/>
+              <a:tabLst/>
+            </a:pPr>
+            <a:endParaRPr kumimoji="0" lang="nl-NL" sz="1400" b="0" i="0" u="none" strike="noStrike" cap="none" normalizeH="0" baseline="0" smtClean="0">
+              <a:ln>
+                <a:noFill/>
+              </a:ln>
+              <a:solidFill>
+                <a:schemeClr val="tx1"/>
+              </a:solidFill>
+              <a:effectLst/>
+              <a:latin typeface="Arial" charset="0"/>
+            </a:endParaRPr>
+          </a:p>
+        </p:txBody>
+      </p:sp>
+      <p:sp>
+        <p:nvSpPr>
+          <p:cNvPr id="41" name="Ovaal 40"/>
+          <p:cNvSpPr/>
+          <p:nvPr/>
+        </p:nvSpPr>
+        <p:spPr bwMode="auto">
+          <a:xfrm>
+            <a:off x="5032861" y="5776755"/>
+            <a:ext cx="576064" cy="576064"/>
+          </a:xfrm>
+          <a:prstGeom prst="ellipse">
+            <a:avLst/>
+          </a:prstGeom>
+          <a:solidFill>
+            <a:schemeClr val="accent1"/>
+          </a:solidFill>
+          <a:ln w="9525" cap="flat" cmpd="sng" algn="ctr">
+            <a:solidFill>
+              <a:schemeClr val="tx1"/>
+            </a:solidFill>
+            <a:prstDash val="solid"/>
+            <a:round/>
+            <a:headEnd type="none" w="med" len="med"/>
+            <a:tailEnd type="none" w="med" len="med"/>
+          </a:ln>
+          <a:effectLst/>
+        </p:spPr>
+        <p:txBody>
+          <a:bodyPr vert="horz" wrap="none" lIns="91440" tIns="45720" rIns="91440" bIns="45720" numCol="1" rtlCol="0" anchor="ctr" anchorCtr="0" compatLnSpc="1">
+            <a:prstTxWarp prst="textNoShape">
+              <a:avLst/>
+            </a:prstTxWarp>
+          </a:bodyPr>
+          <a:lstStyle/>
+          <a:p>
+            <a:pPr marL="0" marR="0" indent="0" algn="l" defTabSz="914400" rtl="0" eaLnBrk="1" fontAlgn="base" latinLnBrk="0" hangingPunct="1">
+              <a:lnSpc>
+                <a:spcPct val="100000"/>
+              </a:lnSpc>
+              <a:spcBef>
+                <a:spcPct val="0"/>
+              </a:spcBef>
+              <a:spcAft>
+                <a:spcPct val="0"/>
+              </a:spcAft>
+              <a:buClrTx/>
+              <a:buSzTx/>
+              <a:buFontTx/>
+              <a:buNone/>
+              <a:tabLst/>
+            </a:pPr>
+            <a:endParaRPr kumimoji="0" lang="nl-NL" sz="1400" b="0" i="0" u="none" strike="noStrike" cap="none" normalizeH="0" baseline="0" smtClean="0">
+              <a:ln>
+                <a:noFill/>
+              </a:ln>
+              <a:solidFill>
+                <a:schemeClr val="tx1"/>
+              </a:solidFill>
+              <a:effectLst/>
+              <a:latin typeface="Arial" charset="0"/>
+            </a:endParaRPr>
+          </a:p>
+        </p:txBody>
+      </p:sp>
+      <p:sp>
+        <p:nvSpPr>
+          <p:cNvPr id="42" name="Ovaal 41"/>
+          <p:cNvSpPr/>
+          <p:nvPr/>
+        </p:nvSpPr>
+        <p:spPr bwMode="auto">
+          <a:xfrm>
+            <a:off x="6412363" y="5628271"/>
+            <a:ext cx="576064" cy="576064"/>
+          </a:xfrm>
+          <a:prstGeom prst="ellipse">
+            <a:avLst/>
+          </a:prstGeom>
+          <a:solidFill>
+            <a:schemeClr val="accent2">
+              <a:lumMod val="20000"/>
+              <a:lumOff val="80000"/>
+            </a:schemeClr>
+          </a:solidFill>
+          <a:ln w="9525" cap="flat" cmpd="sng" algn="ctr">
+            <a:solidFill>
+              <a:schemeClr val="tx1"/>
+            </a:solidFill>
+            <a:prstDash val="solid"/>
+            <a:round/>
+            <a:headEnd type="none" w="med" len="med"/>
+            <a:tailEnd type="none" w="med" len="med"/>
+          </a:ln>
+          <a:effectLst/>
+        </p:spPr>
+        <p:txBody>
+          <a:bodyPr vert="horz" wrap="none" lIns="91440" tIns="45720" rIns="91440" bIns="45720" numCol="1" rtlCol="0" anchor="ctr" anchorCtr="0" compatLnSpc="1">
+            <a:prstTxWarp prst="textNoShape">
+              <a:avLst/>
+            </a:prstTxWarp>
+          </a:bodyPr>
+          <a:lstStyle/>
+          <a:p>
+            <a:pPr marL="0" marR="0" indent="0" algn="l" defTabSz="914400" rtl="0" eaLnBrk="1" fontAlgn="base" latinLnBrk="0" hangingPunct="1">
+              <a:lnSpc>
+                <a:spcPct val="100000"/>
+              </a:lnSpc>
+              <a:spcBef>
+                <a:spcPct val="0"/>
+              </a:spcBef>
+              <a:spcAft>
+                <a:spcPct val="0"/>
+              </a:spcAft>
+              <a:buClrTx/>
+              <a:buSzTx/>
+              <a:buFontTx/>
+              <a:buNone/>
+              <a:tabLst/>
+            </a:pPr>
+            <a:endParaRPr kumimoji="0" lang="nl-NL" sz="1400" b="0" i="0" u="none" strike="noStrike" cap="none" normalizeH="0" baseline="0" smtClean="0">
+              <a:ln>
+                <a:noFill/>
+              </a:ln>
+              <a:solidFill>
+                <a:schemeClr val="tx1"/>
+              </a:solidFill>
+              <a:effectLst/>
+              <a:latin typeface="Arial" charset="0"/>
+            </a:endParaRPr>
+          </a:p>
+        </p:txBody>
+      </p:sp>
+      <p:sp>
+        <p:nvSpPr>
+          <p:cNvPr id="43" name="Ovaal 42"/>
+          <p:cNvSpPr/>
+          <p:nvPr/>
+        </p:nvSpPr>
+        <p:spPr bwMode="auto">
+          <a:xfrm>
+            <a:off x="6775839" y="5569859"/>
+            <a:ext cx="576064" cy="576064"/>
+          </a:xfrm>
+          <a:prstGeom prst="ellipse">
+            <a:avLst/>
+          </a:prstGeom>
+          <a:solidFill>
+            <a:schemeClr val="accent2">
+              <a:lumMod val="20000"/>
+              <a:lumOff val="80000"/>
+            </a:schemeClr>
+          </a:solidFill>
+          <a:ln w="9525" cap="flat" cmpd="sng" algn="ctr">
+            <a:solidFill>
+              <a:schemeClr val="tx1"/>
+            </a:solidFill>
+            <a:prstDash val="solid"/>
+            <a:round/>
+            <a:headEnd type="none" w="med" len="med"/>
+            <a:tailEnd type="none" w="med" len="med"/>
+          </a:ln>
+          <a:effectLst/>
+        </p:spPr>
+        <p:txBody>
+          <a:bodyPr vert="horz" wrap="none" lIns="91440" tIns="45720" rIns="91440" bIns="45720" numCol="1" rtlCol="0" anchor="ctr" anchorCtr="0" compatLnSpc="1">
+            <a:prstTxWarp prst="textNoShape">
+              <a:avLst/>
+            </a:prstTxWarp>
+          </a:bodyPr>
+          <a:lstStyle/>
+          <a:p>
+            <a:pPr marL="0" marR="0" indent="0" algn="l" defTabSz="914400" rtl="0" eaLnBrk="1" fontAlgn="base" latinLnBrk="0" hangingPunct="1">
+              <a:lnSpc>
+                <a:spcPct val="100000"/>
+              </a:lnSpc>
+              <a:spcBef>
+                <a:spcPct val="0"/>
+              </a:spcBef>
+              <a:spcAft>
+                <a:spcPct val="0"/>
+              </a:spcAft>
+              <a:buClrTx/>
+              <a:buSzTx/>
+              <a:buFontTx/>
+              <a:buNone/>
+              <a:tabLst/>
+            </a:pPr>
+            <a:endParaRPr kumimoji="0" lang="nl-NL" sz="1400" b="0" i="0" u="none" strike="noStrike" cap="none" normalizeH="0" baseline="0" smtClean="0">
+              <a:ln>
+                <a:noFill/>
+              </a:ln>
+              <a:solidFill>
+                <a:schemeClr val="tx1"/>
+              </a:solidFill>
+              <a:effectLst/>
+              <a:latin typeface="Arial" charset="0"/>
+            </a:endParaRPr>
+          </a:p>
+        </p:txBody>
+      </p:sp>
+      <p:sp>
+        <p:nvSpPr>
+          <p:cNvPr id="44" name="Ovaal 43"/>
+          <p:cNvSpPr/>
+          <p:nvPr/>
+        </p:nvSpPr>
+        <p:spPr bwMode="auto">
+          <a:xfrm>
+            <a:off x="4803996" y="5488723"/>
+            <a:ext cx="576064" cy="576064"/>
+          </a:xfrm>
+          <a:prstGeom prst="ellipse">
+            <a:avLst/>
+          </a:prstGeom>
+          <a:solidFill>
+            <a:schemeClr val="accent1"/>
+          </a:solidFill>
+          <a:ln w="9525" cap="flat" cmpd="sng" algn="ctr">
+            <a:solidFill>
+              <a:schemeClr val="tx1"/>
+            </a:solidFill>
+            <a:prstDash val="solid"/>
+            <a:round/>
+            <a:headEnd type="none" w="med" len="med"/>
+            <a:tailEnd type="none" w="med" len="med"/>
+          </a:ln>
+          <a:effectLst/>
+        </p:spPr>
+        <p:txBody>
+          <a:bodyPr vert="horz" wrap="none" lIns="91440" tIns="45720" rIns="91440" bIns="45720" numCol="1" rtlCol="0" anchor="ctr" anchorCtr="0" compatLnSpc="1">
+            <a:prstTxWarp prst="textNoShape">
+              <a:avLst/>
+            </a:prstTxWarp>
+          </a:bodyPr>
+          <a:lstStyle/>
+          <a:p>
+            <a:pPr marL="0" marR="0" indent="0" algn="l" defTabSz="914400" rtl="0" eaLnBrk="1" fontAlgn="base" latinLnBrk="0" hangingPunct="1">
+              <a:lnSpc>
+                <a:spcPct val="100000"/>
+              </a:lnSpc>
+              <a:spcBef>
+                <a:spcPct val="0"/>
+              </a:spcBef>
+              <a:spcAft>
+                <a:spcPct val="0"/>
+              </a:spcAft>
+              <a:buClrTx/>
+              <a:buSzTx/>
+              <a:buFontTx/>
+              <a:buNone/>
+              <a:tabLst/>
+            </a:pPr>
+            <a:endParaRPr kumimoji="0" lang="nl-NL" sz="1400" b="0" i="0" u="none" strike="noStrike" cap="none" normalizeH="0" baseline="0" smtClean="0">
+              <a:ln>
+                <a:noFill/>
+              </a:ln>
+              <a:solidFill>
+                <a:schemeClr val="tx1"/>
+              </a:solidFill>
+              <a:effectLst/>
+              <a:latin typeface="Arial" charset="0"/>
+            </a:endParaRPr>
+          </a:p>
+        </p:txBody>
+      </p:sp>
+      <p:sp>
+        <p:nvSpPr>
+          <p:cNvPr id="45" name="Ovaal 44"/>
+          <p:cNvSpPr/>
+          <p:nvPr/>
+        </p:nvSpPr>
+        <p:spPr bwMode="auto">
+          <a:xfrm>
+            <a:off x="5326988" y="5688162"/>
+            <a:ext cx="576064" cy="576064"/>
+          </a:xfrm>
+          <a:prstGeom prst="ellipse">
+            <a:avLst/>
+          </a:prstGeom>
+          <a:solidFill>
+            <a:schemeClr val="accent1"/>
+          </a:solidFill>
+          <a:ln w="9525" cap="flat" cmpd="sng" algn="ctr">
+            <a:solidFill>
+              <a:schemeClr val="tx1"/>
+            </a:solidFill>
+            <a:prstDash val="solid"/>
+            <a:round/>
+            <a:headEnd type="none" w="med" len="med"/>
+            <a:tailEnd type="none" w="med" len="med"/>
+          </a:ln>
+          <a:effectLst/>
+        </p:spPr>
+        <p:txBody>
+          <a:bodyPr vert="horz" wrap="none" lIns="91440" tIns="45720" rIns="91440" bIns="45720" numCol="1" rtlCol="0" anchor="ctr" anchorCtr="0" compatLnSpc="1">
+            <a:prstTxWarp prst="textNoShape">
+              <a:avLst/>
+            </a:prstTxWarp>
+          </a:bodyPr>
+          <a:lstStyle/>
+          <a:p>
+            <a:pPr marL="0" marR="0" indent="0" algn="l" defTabSz="914400" rtl="0" eaLnBrk="1" fontAlgn="base" latinLnBrk="0" hangingPunct="1">
+              <a:lnSpc>
+                <a:spcPct val="100000"/>
+              </a:lnSpc>
+              <a:spcBef>
+                <a:spcPct val="0"/>
+              </a:spcBef>
+              <a:spcAft>
+                <a:spcPct val="0"/>
+              </a:spcAft>
+              <a:buClrTx/>
+              <a:buSzTx/>
+              <a:buFontTx/>
+              <a:buNone/>
+              <a:tabLst/>
+            </a:pPr>
+            <a:endParaRPr kumimoji="0" lang="nl-NL" sz="1400" b="0" i="0" u="none" strike="noStrike" cap="none" normalizeH="0" baseline="0" smtClean="0">
+              <a:ln>
+                <a:noFill/>
+              </a:ln>
+              <a:solidFill>
+                <a:schemeClr val="tx1"/>
+              </a:solidFill>
+              <a:effectLst/>
+              <a:latin typeface="Arial" charset="0"/>
+            </a:endParaRPr>
+          </a:p>
+        </p:txBody>
+      </p:sp>
+      <p:sp>
+        <p:nvSpPr>
+          <p:cNvPr id="46" name="Tekstvak 45"/>
+          <p:cNvSpPr txBox="1"/>
+          <p:nvPr/>
+        </p:nvSpPr>
+        <p:spPr>
+          <a:xfrm>
+            <a:off x="6604799" y="2953871"/>
+            <a:ext cx="1028404" cy="523220"/>
+          </a:xfrm>
+          <a:prstGeom prst="rect">
+            <a:avLst/>
+          </a:prstGeom>
+          <a:noFill/>
+        </p:spPr>
+        <p:txBody>
+          <a:bodyPr wrap="square" rtlCol="0">
+            <a:spAutoFit/>
+          </a:bodyPr>
+          <a:lstStyle/>
+          <a:p>
+            <a:r>
+              <a:rPr lang="nl-NL" dirty="0" err="1" smtClean="0"/>
+              <a:t>Uses</a:t>
+            </a:r>
+            <a:r>
+              <a:rPr lang="nl-NL" dirty="0" smtClean="0"/>
+              <a:t> Mac  computer</a:t>
+            </a:r>
+            <a:endParaRPr lang="nl-NL" dirty="0"/>
+          </a:p>
+        </p:txBody>
+      </p:sp>
+      <p:sp>
+        <p:nvSpPr>
+          <p:cNvPr id="48" name="Tekstvak 47"/>
+          <p:cNvSpPr txBox="1"/>
+          <p:nvPr/>
+        </p:nvSpPr>
+        <p:spPr>
+          <a:xfrm>
+            <a:off x="5828080" y="5146548"/>
+            <a:ext cx="778251" cy="523220"/>
+          </a:xfrm>
+          <a:prstGeom prst="rect">
+            <a:avLst/>
+          </a:prstGeom>
+          <a:noFill/>
+        </p:spPr>
+        <p:txBody>
+          <a:bodyPr wrap="square" rtlCol="0">
+            <a:spAutoFit/>
+          </a:bodyPr>
+          <a:lstStyle/>
+          <a:p>
+            <a:r>
+              <a:rPr lang="nl-NL" dirty="0" err="1" smtClean="0"/>
+              <a:t>Into</a:t>
+            </a:r>
+            <a:r>
+              <a:rPr lang="nl-NL" dirty="0" smtClean="0"/>
+              <a:t> design</a:t>
+            </a:r>
+            <a:endParaRPr lang="nl-NL" dirty="0"/>
+          </a:p>
+        </p:txBody>
+      </p:sp>
+      <p:sp>
+        <p:nvSpPr>
+          <p:cNvPr id="49" name="Tekstvak 48"/>
+          <p:cNvSpPr txBox="1"/>
+          <p:nvPr/>
+        </p:nvSpPr>
+        <p:spPr>
+          <a:xfrm>
+            <a:off x="5266161" y="1562029"/>
+            <a:ext cx="778251" cy="738664"/>
+          </a:xfrm>
+          <a:prstGeom prst="rect">
+            <a:avLst/>
+          </a:prstGeom>
+          <a:noFill/>
+        </p:spPr>
+        <p:txBody>
+          <a:bodyPr wrap="square" rtlCol="0">
+            <a:spAutoFit/>
+          </a:bodyPr>
+          <a:lstStyle/>
+          <a:p>
+            <a:r>
+              <a:rPr lang="nl-NL" dirty="0" err="1" smtClean="0"/>
+              <a:t>Predict</a:t>
+            </a:r>
+            <a:endParaRPr lang="nl-NL" dirty="0" smtClean="0"/>
+          </a:p>
+          <a:p>
+            <a:r>
+              <a:rPr lang="nl-NL" dirty="0" smtClean="0"/>
+              <a:t>iPhone users </a:t>
+            </a:r>
+            <a:endParaRPr lang="nl-NL" dirty="0"/>
+          </a:p>
+        </p:txBody>
+      </p:sp>
+    </p:spTree>
+    <p:extLst>
+      <p:ext uri="{BB962C8B-B14F-4D97-AF65-F5344CB8AC3E}">
+        <p14:creationId xmlns:p14="http://schemas.microsoft.com/office/powerpoint/2010/main" val="3658429067"/>
       </p:ext>
     </p:extLst>
   </p:cSld>

--- a/slides/ddl-w6l2.pptx
+++ b/slides/ddl-w6l2.pptx
@@ -256,6 +256,7 @@
           <c:dLbls>
             <c:dLbl>
               <c:idx val="0"/>
+              <c:layout/>
               <c:tx>
                 <c:rich>
                   <a:bodyPr/>
@@ -281,7 +282,9 @@
               <c:showPercent val="0"/>
               <c:showBubbleSize val="0"/>
               <c:extLst>
-                <c:ext xmlns:c15="http://schemas.microsoft.com/office/drawing/2012/chart" uri="{CE6537A1-D6FC-4f65-9D91-7224C49458BB}"/>
+                <c:ext xmlns:c15="http://schemas.microsoft.com/office/drawing/2012/chart" uri="{CE6537A1-D6FC-4f65-9D91-7224C49458BB}">
+                  <c15:layout/>
+                </c:ext>
                 <c:ext xmlns:c16="http://schemas.microsoft.com/office/drawing/2014/chart" uri="{C3380CC4-5D6E-409C-BE32-E72D297353CC}">
                   <c16:uniqueId val="{00000000-2E23-48E9-A739-930E51C69A1C}"/>
                 </c:ext>
@@ -289,6 +292,7 @@
             </c:dLbl>
             <c:dLbl>
               <c:idx val="1"/>
+              <c:layout/>
               <c:tx>
                 <c:rich>
                   <a:bodyPr/>
@@ -309,7 +313,9 @@
               <c:showPercent val="0"/>
               <c:showBubbleSize val="0"/>
               <c:extLst>
-                <c:ext xmlns:c15="http://schemas.microsoft.com/office/drawing/2012/chart" uri="{CE6537A1-D6FC-4f65-9D91-7224C49458BB}"/>
+                <c:ext xmlns:c15="http://schemas.microsoft.com/office/drawing/2012/chart" uri="{CE6537A1-D6FC-4f65-9D91-7224C49458BB}">
+                  <c15:layout/>
+                </c:ext>
                 <c:ext xmlns:c16="http://schemas.microsoft.com/office/drawing/2014/chart" uri="{C3380CC4-5D6E-409C-BE32-E72D297353CC}">
                   <c16:uniqueId val="{00000001-2E23-48E9-A739-930E51C69A1C}"/>
                 </c:ext>
@@ -317,6 +323,7 @@
             </c:dLbl>
             <c:dLbl>
               <c:idx val="2"/>
+              <c:layout/>
               <c:tx>
                 <c:rich>
                   <a:bodyPr/>
@@ -337,7 +344,9 @@
               <c:showPercent val="0"/>
               <c:showBubbleSize val="0"/>
               <c:extLst>
-                <c:ext xmlns:c15="http://schemas.microsoft.com/office/drawing/2012/chart" uri="{CE6537A1-D6FC-4f65-9D91-7224C49458BB}"/>
+                <c:ext xmlns:c15="http://schemas.microsoft.com/office/drawing/2012/chart" uri="{CE6537A1-D6FC-4f65-9D91-7224C49458BB}">
+                  <c15:layout/>
+                </c:ext>
                 <c:ext xmlns:c16="http://schemas.microsoft.com/office/drawing/2014/chart" uri="{C3380CC4-5D6E-409C-BE32-E72D297353CC}">
                   <c16:uniqueId val="{00000002-2E23-48E9-A739-930E51C69A1C}"/>
                 </c:ext>
@@ -506,6 +515,7 @@
               </a:p>
             </c:rich>
           </c:tx>
+          <c:layout/>
           <c:overlay val="0"/>
           <c:spPr>
             <a:noFill/>
@@ -634,6 +644,7 @@
               </a:p>
             </c:rich>
           </c:tx>
+          <c:layout/>
           <c:overlay val="0"/>
           <c:spPr>
             <a:noFill/>
@@ -1409,7 +1420,7 @@
             <a:fld id="{373F1B60-BDF4-4D63-AD79-99D5A5B1DF99}" type="datetime1">
               <a:rPr lang="en-US"/>
               <a:pPr/>
-              <a:t>12/18/2018</a:t>
+              <a:t>12/19/2018</a:t>
             </a:fld>
             <a:endParaRPr lang="en-US"/>
           </a:p>
@@ -1628,7 +1639,7 @@
             <a:fld id="{4387A7AA-DFE9-4771-BEDE-3294FCEBFB02}" type="datetime1">
               <a:rPr lang="en-US"/>
               <a:pPr/>
-              <a:t>12/18/2018</a:t>
+              <a:t>12/19/2018</a:t>
             </a:fld>
             <a:endParaRPr lang="en-US"/>
           </a:p>
@@ -2019,7 +2030,7 @@
             <a:fld id="{8541E2CD-DBF4-40F9-B6F8-EEFD0DF8A138}" type="datetime1">
               <a:rPr lang="en-US"/>
               <a:pPr/>
-              <a:t>12/18/2018</a:t>
+              <a:t>12/19/2018</a:t>
             </a:fld>
             <a:endParaRPr lang="en-US"/>
           </a:p>
@@ -2239,7 +2250,7 @@
             <a:fld id="{93F21019-3A00-48AC-9663-40DF67A83229}" type="datetime1">
               <a:rPr lang="en-US"/>
               <a:pPr/>
-              <a:t>12/18/2018</a:t>
+              <a:t>12/19/2018</a:t>
             </a:fld>
             <a:endParaRPr lang="en-US">
               <a:solidFill>
@@ -2425,7 +2436,7 @@
             <a:fld id="{8B2EF9C8-0AC3-4A53-9A61-1834A571F420}" type="datetime1">
               <a:rPr lang="en-US"/>
               <a:pPr/>
-              <a:t>12/18/2018</a:t>
+              <a:t>12/19/2018</a:t>
             </a:fld>
             <a:endParaRPr lang="en-US" sz="1400">
               <a:solidFill>
@@ -2622,7 +2633,7 @@
             <a:fld id="{F02960F3-A385-4905-A491-FDC17E063DD1}" type="datetime1">
               <a:rPr lang="en-US"/>
               <a:pPr/>
-              <a:t>12/18/2018</a:t>
+              <a:t>12/19/2018</a:t>
             </a:fld>
             <a:endParaRPr lang="en-US" sz="1400">
               <a:solidFill>
@@ -2881,7 +2892,7 @@
             <a:fld id="{CD3AD70A-8E2A-47B5-AC18-ABBB5A8E737D}" type="datetime1">
               <a:rPr lang="en-US"/>
               <a:pPr/>
-              <a:t>12/18/2018</a:t>
+              <a:t>12/19/2018</a:t>
             </a:fld>
             <a:endParaRPr lang="en-US" sz="1400">
               <a:solidFill>
@@ -3117,7 +3128,7 @@
             <a:fld id="{07008C2E-9BD6-496B-BFC3-B4A975EBC85E}" type="datetime1">
               <a:rPr lang="en-US"/>
               <a:pPr/>
-              <a:t>12/18/2018</a:t>
+              <a:t>12/19/2018</a:t>
             </a:fld>
             <a:endParaRPr lang="en-US" sz="1400">
               <a:solidFill>
@@ -3296,7 +3307,7 @@
             <a:fld id="{1AA2C3CF-866C-4FDE-B76D-4E9536901630}" type="datetime1">
               <a:rPr lang="en-US"/>
               <a:pPr/>
-              <a:t>12/18/2018</a:t>
+              <a:t>12/19/2018</a:t>
             </a:fld>
             <a:endParaRPr lang="en-US" sz="1400">
               <a:solidFill>
@@ -3475,7 +3486,7 @@
             <a:fld id="{555EE259-FE08-4558-B721-B189FFE77284}" type="datetime1">
               <a:rPr lang="en-US"/>
               <a:pPr/>
-              <a:t>12/18/2018</a:t>
+              <a:t>12/19/2018</a:t>
             </a:fld>
             <a:endParaRPr lang="en-US" sz="1400">
               <a:solidFill>
@@ -3744,7 +3755,7 @@
             <a:fld id="{0AF4064E-5624-49AB-B7C6-E301A8F6B1FF}" type="datetime1">
               <a:rPr lang="en-US"/>
               <a:pPr/>
-              <a:t>12/18/2018</a:t>
+              <a:t>12/19/2018</a:t>
             </a:fld>
             <a:endParaRPr lang="en-US" sz="1400">
               <a:solidFill>
@@ -3941,7 +3952,7 @@
             <a:fld id="{CBC97FCD-6C54-4833-B032-BFBCDFA8379D}" type="datetime1">
               <a:rPr lang="en-US"/>
               <a:pPr/>
-              <a:t>12/18/2018</a:t>
+              <a:t>12/19/2018</a:t>
             </a:fld>
             <a:endParaRPr lang="en-US" sz="1400">
               <a:solidFill>
@@ -4150,7 +4161,7 @@
             <a:fld id="{F04AA577-515A-431F-98B6-3B03494ABB11}" type="datetime1">
               <a:rPr lang="en-US"/>
               <a:pPr/>
-              <a:t>12/18/2018</a:t>
+              <a:t>12/19/2018</a:t>
             </a:fld>
             <a:endParaRPr lang="en-US" sz="1400">
               <a:solidFill>
@@ -4455,7 +4466,7 @@
             <a:fld id="{6475F1A4-C474-4345-A800-2F40B0E4E70C}" type="datetime1">
               <a:rPr lang="en-US"/>
               <a:pPr/>
-              <a:t>12/18/2018</a:t>
+              <a:t>12/19/2018</a:t>
             </a:fld>
             <a:endParaRPr lang="en-US" sz="1400">
               <a:solidFill>
@@ -4899,7 +4910,7 @@
             <a:fld id="{7BA535AB-820E-4207-9DA8-5F37106C7AF4}" type="datetime1">
               <a:rPr lang="en-US"/>
               <a:pPr/>
-              <a:t>12/18/2018</a:t>
+              <a:t>12/19/2018</a:t>
             </a:fld>
             <a:endParaRPr lang="en-US" sz="1400">
               <a:solidFill>
@@ -5034,7 +5045,7 @@
             <a:fld id="{0A7E69FA-D7EE-42C0-9117-1971B541885F}" type="datetime1">
               <a:rPr lang="en-US"/>
               <a:pPr/>
-              <a:t>12/18/2018</a:t>
+              <a:t>12/19/2018</a:t>
             </a:fld>
             <a:endParaRPr lang="en-US" sz="1400">
               <a:solidFill>
@@ -5146,7 +5157,7 @@
             <a:fld id="{10D7644E-1B5D-4325-BA79-338DF2B89B56}" type="datetime1">
               <a:rPr lang="en-US"/>
               <a:pPr/>
-              <a:t>12/18/2018</a:t>
+              <a:t>12/19/2018</a:t>
             </a:fld>
             <a:endParaRPr lang="en-US" sz="1400">
               <a:solidFill>
@@ -5440,7 +5451,7 @@
             <a:fld id="{B790C882-0B74-4932-8998-E9ABB8AF1740}" type="datetime1">
               <a:rPr lang="en-US"/>
               <a:pPr/>
-              <a:t>12/18/2018</a:t>
+              <a:t>12/19/2018</a:t>
             </a:fld>
             <a:endParaRPr lang="en-US" sz="1400">
               <a:solidFill>
@@ -5710,7 +5721,7 @@
             <a:fld id="{9DC585DC-AE7D-44C1-90AB-C3A391DEA065}" type="datetime1">
               <a:rPr lang="en-US"/>
               <a:pPr/>
-              <a:t>12/18/2018</a:t>
+              <a:t>12/19/2018</a:t>
             </a:fld>
             <a:endParaRPr lang="en-US" sz="1400">
               <a:solidFill>
@@ -5974,7 +5985,7 @@
             <a:fld id="{256CE565-1940-4E5F-9190-C0815CEAAA9D}" type="datetime1">
               <a:rPr lang="en-US"/>
               <a:pPr/>
-              <a:t>12/18/2018</a:t>
+              <a:t>12/19/2018</a:t>
             </a:fld>
             <a:endParaRPr lang="en-US"/>
           </a:p>
@@ -6785,6 +6796,13 @@
   <p:clrMapOvr>
     <a:masterClrMapping/>
   </p:clrMapOvr>
+  <p:timing>
+    <p:tnLst>
+      <p:par>
+        <p:cTn id="1" dur="indefinite" restart="never" nodeType="tmRoot"/>
+      </p:par>
+    </p:tnLst>
+  </p:timing>
 </p:sld>
 </file>
 
@@ -6890,6 +6908,13 @@
   <p:clrMapOvr>
     <a:masterClrMapping/>
   </p:clrMapOvr>
+  <p:timing>
+    <p:tnLst>
+      <p:par>
+        <p:cTn id="1" dur="indefinite" restart="never" nodeType="tmRoot"/>
+      </p:par>
+    </p:tnLst>
+  </p:timing>
 </p:sld>
 </file>
 
@@ -13107,6 +13132,13 @@
   <p:clrMapOvr>
     <a:masterClrMapping/>
   </p:clrMapOvr>
+  <p:timing>
+    <p:tnLst>
+      <p:par>
+        <p:cTn id="1" dur="indefinite" restart="never" nodeType="tmRoot"/>
+      </p:par>
+    </p:tnLst>
+  </p:timing>
 </p:sld>
 </file>
 
@@ -15280,261 +15312,6 @@
           </a:p>
         </p:txBody>
       </p:sp>
-      <p:graphicFrame>
-        <p:nvGraphicFramePr>
-          <p:cNvPr id="4" name="Tabel 3"/>
-          <p:cNvGraphicFramePr>
-            <a:graphicFrameLocks noGrp="1"/>
-          </p:cNvGraphicFramePr>
-          <p:nvPr>
-            <p:extLst/>
-          </p:nvPr>
-        </p:nvGraphicFramePr>
-        <p:xfrm>
-          <a:off x="3415853" y="1601843"/>
-          <a:ext cx="5184576" cy="1737360"/>
-        </p:xfrm>
-        <a:graphic>
-          <a:graphicData uri="http://schemas.openxmlformats.org/drawingml/2006/table">
-            <a:tbl>
-              <a:tblPr firstRow="1" firstCol="1" bandRow="1">
-                <a:tableStyleId>{5C22544A-7EE6-4342-B048-85BDC9FD1C3A}</a:tableStyleId>
-              </a:tblPr>
-              <a:tblGrid>
-                <a:gridCol w="1577915">
-                  <a:extLst>
-                    <a:ext uri="{9D8B030D-6E8A-4147-A177-3AD203B41FA5}">
-                      <a16:colId xmlns:a16="http://schemas.microsoft.com/office/drawing/2014/main" val="26041744"/>
-                    </a:ext>
-                  </a:extLst>
-                </a:gridCol>
-                <a:gridCol w="1653053">
-                  <a:extLst>
-                    <a:ext uri="{9D8B030D-6E8A-4147-A177-3AD203B41FA5}">
-                      <a16:colId xmlns:a16="http://schemas.microsoft.com/office/drawing/2014/main" val="2902479022"/>
-                    </a:ext>
-                  </a:extLst>
-                </a:gridCol>
-                <a:gridCol w="1953608">
-                  <a:extLst>
-                    <a:ext uri="{9D8B030D-6E8A-4147-A177-3AD203B41FA5}">
-                      <a16:colId xmlns:a16="http://schemas.microsoft.com/office/drawing/2014/main" val="1314794491"/>
-                    </a:ext>
-                  </a:extLst>
-                </a:gridCol>
-              </a:tblGrid>
-              <a:tr h="426936">
-                <a:tc>
-                  <a:txBody>
-                    <a:bodyPr/>
-                    <a:lstStyle/>
-                    <a:p>
-                      <a:pPr algn="r"/>
-                      <a:endParaRPr lang="nl-NL" sz="1600" dirty="0"/>
-                    </a:p>
-                  </a:txBody>
-                  <a:tcPr/>
-                </a:tc>
-                <a:tc>
-                  <a:txBody>
-                    <a:bodyPr/>
-                    <a:lstStyle/>
-                    <a:p>
-                      <a:pPr algn="l"/>
-                      <a:r>
-                        <a:rPr lang="nl-NL" sz="1600" dirty="0" err="1" smtClean="0"/>
-                        <a:t>Actual</a:t>
-                      </a:r>
-                      <a:r>
-                        <a:rPr lang="nl-NL" sz="1600" dirty="0" smtClean="0"/>
-                        <a:t>: </a:t>
-                      </a:r>
-                    </a:p>
-                    <a:p>
-                      <a:pPr algn="l"/>
-                      <a:r>
-                        <a:rPr lang="nl-NL" sz="1600" dirty="0" smtClean="0"/>
-                        <a:t>Spam</a:t>
-                      </a:r>
-                      <a:endParaRPr lang="nl-NL" sz="1600" dirty="0"/>
-                    </a:p>
-                  </a:txBody>
-                  <a:tcPr/>
-                </a:tc>
-                <a:tc>
-                  <a:txBody>
-                    <a:bodyPr/>
-                    <a:lstStyle/>
-                    <a:p>
-                      <a:pPr algn="l"/>
-                      <a:r>
-                        <a:rPr lang="nl-NL" sz="1600" dirty="0" err="1" smtClean="0"/>
-                        <a:t>Actual</a:t>
-                      </a:r>
-                      <a:r>
-                        <a:rPr lang="nl-NL" sz="1600" dirty="0" smtClean="0"/>
-                        <a:t>: </a:t>
-                      </a:r>
-                    </a:p>
-                    <a:p>
-                      <a:pPr algn="l"/>
-                      <a:r>
-                        <a:rPr lang="nl-NL" sz="1600" dirty="0" err="1" smtClean="0"/>
-                        <a:t>Not</a:t>
-                      </a:r>
-                      <a:r>
-                        <a:rPr lang="nl-NL" sz="1600" dirty="0" smtClean="0"/>
-                        <a:t> spam</a:t>
-                      </a:r>
-                      <a:endParaRPr lang="nl-NL" sz="1600" dirty="0"/>
-                    </a:p>
-                  </a:txBody>
-                  <a:tcPr/>
-                </a:tc>
-                <a:extLst>
-                  <a:ext uri="{0D108BD9-81ED-4DB2-BD59-A6C34878D82A}">
-                    <a16:rowId xmlns:a16="http://schemas.microsoft.com/office/drawing/2014/main" val="3305753543"/>
-                  </a:ext>
-                </a:extLst>
-              </a:tr>
-              <a:tr h="426936">
-                <a:tc>
-                  <a:txBody>
-                    <a:bodyPr/>
-                    <a:lstStyle/>
-                    <a:p>
-                      <a:pPr algn="l"/>
-                      <a:r>
-                        <a:rPr lang="nl-NL" sz="1600" dirty="0" err="1" smtClean="0"/>
-                        <a:t>Predicted</a:t>
-                      </a:r>
-                      <a:r>
-                        <a:rPr lang="nl-NL" sz="1600" dirty="0" smtClean="0"/>
-                        <a:t>: </a:t>
-                      </a:r>
-                    </a:p>
-                    <a:p>
-                      <a:pPr algn="l"/>
-                      <a:r>
-                        <a:rPr lang="nl-NL" sz="1600" dirty="0" smtClean="0"/>
-                        <a:t>Spam</a:t>
-                      </a:r>
-                      <a:endParaRPr lang="nl-NL" sz="1600" dirty="0"/>
-                    </a:p>
-                  </a:txBody>
-                  <a:tcPr/>
-                </a:tc>
-                <a:tc>
-                  <a:txBody>
-                    <a:bodyPr/>
-                    <a:lstStyle/>
-                    <a:p>
-                      <a:pPr algn="r"/>
-                      <a:r>
-                        <a:rPr lang="nl-NL" sz="1600" dirty="0" smtClean="0"/>
-                        <a:t>20</a:t>
-                      </a:r>
-                      <a:endParaRPr lang="nl-NL" sz="1600" dirty="0"/>
-                    </a:p>
-                  </a:txBody>
-                  <a:tcPr/>
-                </a:tc>
-                <a:tc>
-                  <a:txBody>
-                    <a:bodyPr/>
-                    <a:lstStyle/>
-                    <a:p>
-                      <a:pPr algn="r"/>
-                      <a:r>
-                        <a:rPr lang="nl-NL" sz="1600" dirty="0" smtClean="0"/>
-                        <a:t>10</a:t>
-                      </a:r>
-                      <a:endParaRPr lang="nl-NL" sz="1600" dirty="0"/>
-                    </a:p>
-                  </a:txBody>
-                  <a:tcPr/>
-                </a:tc>
-                <a:extLst>
-                  <a:ext uri="{0D108BD9-81ED-4DB2-BD59-A6C34878D82A}">
-                    <a16:rowId xmlns:a16="http://schemas.microsoft.com/office/drawing/2014/main" val="2835981045"/>
-                  </a:ext>
-                </a:extLst>
-              </a:tr>
-              <a:tr h="514278">
-                <a:tc>
-                  <a:txBody>
-                    <a:bodyPr/>
-                    <a:lstStyle/>
-                    <a:p>
-                      <a:pPr algn="l"/>
-                      <a:r>
-                        <a:rPr lang="nl-NL" sz="1600" dirty="0" err="1" smtClean="0"/>
-                        <a:t>Predicted</a:t>
-                      </a:r>
-                      <a:r>
-                        <a:rPr lang="nl-NL" sz="1600" dirty="0" smtClean="0"/>
-                        <a:t>:</a:t>
-                      </a:r>
-                    </a:p>
-                    <a:p>
-                      <a:pPr algn="l"/>
-                      <a:r>
-                        <a:rPr lang="nl-NL" sz="1600" dirty="0" err="1" smtClean="0"/>
-                        <a:t>Not</a:t>
-                      </a:r>
-                      <a:r>
-                        <a:rPr lang="nl-NL" sz="1600" baseline="0" dirty="0" smtClean="0"/>
-                        <a:t> </a:t>
-                      </a:r>
-                      <a:r>
-                        <a:rPr lang="nl-NL" sz="1600" dirty="0" smtClean="0"/>
-                        <a:t>spam</a:t>
-                      </a:r>
-                      <a:endParaRPr lang="nl-NL" sz="1600" dirty="0"/>
-                    </a:p>
-                  </a:txBody>
-                  <a:tcPr/>
-                </a:tc>
-                <a:tc>
-                  <a:txBody>
-                    <a:bodyPr/>
-                    <a:lstStyle/>
-                    <a:p>
-                      <a:pPr algn="r"/>
-                      <a:r>
-                        <a:rPr lang="nl-NL" sz="1600" dirty="0" smtClean="0"/>
-                        <a:t>30</a:t>
-                      </a:r>
-                      <a:endParaRPr lang="nl-NL" sz="1600" dirty="0"/>
-                    </a:p>
-                  </a:txBody>
-                  <a:tcPr/>
-                </a:tc>
-                <a:tc>
-                  <a:txBody>
-                    <a:bodyPr/>
-                    <a:lstStyle/>
-                    <a:p>
-                      <a:pPr algn="r"/>
-                      <a:r>
-                        <a:rPr lang="nl-NL" sz="1600" dirty="0" smtClean="0"/>
-                        <a:t>50</a:t>
-                      </a:r>
-                      <a:endParaRPr lang="nl-NL" sz="1600" dirty="0"/>
-                    </a:p>
-                  </a:txBody>
-                  <a:tcPr/>
-                </a:tc>
-                <a:extLst>
-                  <a:ext uri="{0D108BD9-81ED-4DB2-BD59-A6C34878D82A}">
-                    <a16:rowId xmlns:a16="http://schemas.microsoft.com/office/drawing/2014/main" val="1156060425"/>
-                  </a:ext>
-                </a:extLst>
-              </a:tr>
-            </a:tbl>
-          </a:graphicData>
-        </a:graphic>
-      </p:graphicFrame>
       <mc:AlternateContent xmlns:mc="http://schemas.openxmlformats.org/markup-compatibility/2006" xmlns:a14="http://schemas.microsoft.com/office/drawing/2010/main">
         <mc:Choice Requires="a14">
           <p:sp>
@@ -15687,8 +15464,8 @@
           </p:sp>
         </mc:Fallback>
       </mc:AlternateContent>
-      <mc:AlternateContent xmlns:mc="http://schemas.openxmlformats.org/markup-compatibility/2006" xmlns:a14="http://schemas.microsoft.com/office/drawing/2010/main">
-        <mc:Choice Requires="a14">
+      <mc:AlternateContent xmlns:mc="http://schemas.openxmlformats.org/markup-compatibility/2006">
+        <mc:Choice xmlns:a14="http://schemas.microsoft.com/office/drawing/2010/main" Requires="a14">
           <p:sp>
             <p:nvSpPr>
               <p:cNvPr id="7" name="Tekstvak 6"/>
@@ -15698,7 +15475,7 @@
             <p:spPr>
               <a:xfrm>
                 <a:off x="3851920" y="4705073"/>
-                <a:ext cx="3572260" cy="525016"/>
+                <a:ext cx="3572260" cy="530594"/>
               </a:xfrm>
               <a:prstGeom prst="rect">
                 <a:avLst/>
@@ -15743,7 +15520,13 @@
                             <a:rPr lang="nl-NL" sz="1800" b="0" i="1" smtClean="0">
                               <a:latin typeface="Cambria Math" panose="02040503050406030204" pitchFamily="18" charset="0"/>
                             </a:rPr>
-                            <m:t>20</m:t>
+                            <m:t>5</m:t>
+                          </m:r>
+                          <m:r>
+                            <a:rPr lang="nl-NL" sz="1800" b="0" i="1" smtClean="0">
+                              <a:latin typeface="Cambria Math" panose="02040503050406030204" pitchFamily="18" charset="0"/>
+                            </a:rPr>
+                            <m:t>0</m:t>
                           </m:r>
                         </m:num>
                         <m:den>
@@ -15751,7 +15534,25 @@
                             <a:rPr lang="nl-NL" sz="1800" b="0" i="1" smtClean="0">
                               <a:latin typeface="Cambria Math" panose="02040503050406030204" pitchFamily="18" charset="0"/>
                             </a:rPr>
-                            <m:t>20+10</m:t>
+                            <m:t>5</m:t>
+                          </m:r>
+                          <m:r>
+                            <a:rPr lang="nl-NL" sz="1800" b="0" i="1" smtClean="0">
+                              <a:latin typeface="Cambria Math" panose="02040503050406030204" pitchFamily="18" charset="0"/>
+                            </a:rPr>
+                            <m:t>0+</m:t>
+                          </m:r>
+                          <m:r>
+                            <a:rPr lang="nl-NL" sz="1800" b="0" i="1" smtClean="0">
+                              <a:latin typeface="Cambria Math" panose="02040503050406030204" pitchFamily="18" charset="0"/>
+                            </a:rPr>
+                            <m:t>1</m:t>
+                          </m:r>
+                          <m:r>
+                            <a:rPr lang="nl-NL" sz="1800" b="0" i="1" smtClean="0">
+                              <a:latin typeface="Cambria Math" panose="02040503050406030204" pitchFamily="18" charset="0"/>
+                            </a:rPr>
+                            <m:t>0</m:t>
                           </m:r>
                         </m:den>
                       </m:f>
@@ -15774,7 +15575,13 @@
                             <a:rPr lang="nl-NL" sz="1800" b="0" i="1" smtClean="0">
                               <a:latin typeface="Cambria Math" panose="02040503050406030204" pitchFamily="18" charset="0"/>
                             </a:rPr>
-                            <m:t>20</m:t>
+                            <m:t>5</m:t>
+                          </m:r>
+                          <m:r>
+                            <a:rPr lang="nl-NL" sz="1800" b="0" i="1" smtClean="0">
+                              <a:latin typeface="Cambria Math" panose="02040503050406030204" pitchFamily="18" charset="0"/>
+                            </a:rPr>
+                            <m:t>0</m:t>
                           </m:r>
                         </m:num>
                         <m:den>
@@ -15782,7 +15589,13 @@
                             <a:rPr lang="nl-NL" sz="1800" b="0" i="1" smtClean="0">
                               <a:latin typeface="Cambria Math" panose="02040503050406030204" pitchFamily="18" charset="0"/>
                             </a:rPr>
-                            <m:t>30</m:t>
+                            <m:t>6</m:t>
+                          </m:r>
+                          <m:r>
+                            <a:rPr lang="nl-NL" sz="1800" b="0" i="1" smtClean="0">
+                              <a:latin typeface="Cambria Math" panose="02040503050406030204" pitchFamily="18" charset="0"/>
+                            </a:rPr>
+                            <m:t>0</m:t>
                           </m:r>
                         </m:den>
                       </m:f>
@@ -15790,7 +15603,19 @@
                         <a:rPr lang="nl-NL" sz="1800" b="0" i="1" smtClean="0">
                           <a:latin typeface="Cambria Math" panose="02040503050406030204" pitchFamily="18" charset="0"/>
                         </a:rPr>
-                        <m:t>= 0.66 </m:t>
+                        <m:t>= 0.</m:t>
+                      </m:r>
+                      <m:r>
+                        <a:rPr lang="nl-NL" sz="1800" b="0" i="1" smtClean="0">
+                          <a:latin typeface="Cambria Math" panose="02040503050406030204" pitchFamily="18" charset="0"/>
+                        </a:rPr>
+                        <m:t>83</m:t>
+                      </m:r>
+                      <m:r>
+                        <a:rPr lang="nl-NL" sz="1800" b="0" i="1" smtClean="0">
+                          <a:latin typeface="Cambria Math" panose="02040503050406030204" pitchFamily="18" charset="0"/>
+                        </a:rPr>
+                        <m:t> </m:t>
                       </m:r>
                     </m:oMath>
                   </m:oMathPara>
@@ -15800,7 +15625,7 @@
             </p:txBody>
           </p:sp>
         </mc:Choice>
-        <mc:Fallback xmlns="">
+        <mc:Fallback>
           <p:sp>
             <p:nvSpPr>
               <p:cNvPr id="7" name="Tekstvak 6"/>
@@ -15812,7 +15637,7 @@
             <p:spPr>
               <a:xfrm>
                 <a:off x="3851920" y="4705073"/>
-                <a:ext cx="3572260" cy="525016"/>
+                <a:ext cx="3572260" cy="530594"/>
               </a:xfrm>
               <a:prstGeom prst="rect">
                 <a:avLst/>
@@ -15839,8 +15664,8 @@
           </p:sp>
         </mc:Fallback>
       </mc:AlternateContent>
-      <mc:AlternateContent xmlns:mc="http://schemas.openxmlformats.org/markup-compatibility/2006" xmlns:a14="http://schemas.microsoft.com/office/drawing/2010/main">
-        <mc:Choice Requires="a14">
+      <mc:AlternateContent xmlns:mc="http://schemas.openxmlformats.org/markup-compatibility/2006">
+        <mc:Choice xmlns:a14="http://schemas.microsoft.com/office/drawing/2010/main" Requires="a14">
           <p:sp>
             <p:nvSpPr>
               <p:cNvPr id="8" name="Tekstvak 7"/>
@@ -15850,7 +15675,7 @@
             <p:spPr>
               <a:xfrm>
                 <a:off x="3851920" y="5656179"/>
-                <a:ext cx="3028971" cy="525016"/>
+                <a:ext cx="3157211" cy="530594"/>
               </a:xfrm>
               <a:prstGeom prst="rect">
                 <a:avLst/>
@@ -15895,7 +15720,7 @@
                             <a:rPr lang="nl-NL" sz="1800" b="0" i="1" smtClean="0">
                               <a:latin typeface="Cambria Math" panose="02040503050406030204" pitchFamily="18" charset="0"/>
                             </a:rPr>
-                            <m:t>20</m:t>
+                            <m:t>50</m:t>
                           </m:r>
                         </m:num>
                         <m:den>
@@ -15903,7 +15728,25 @@
                             <a:rPr lang="nl-NL" sz="1800" b="0" i="1" smtClean="0">
                               <a:latin typeface="Cambria Math" panose="02040503050406030204" pitchFamily="18" charset="0"/>
                             </a:rPr>
-                            <m:t>20+30</m:t>
+                            <m:t>3</m:t>
+                          </m:r>
+                          <m:r>
+                            <a:rPr lang="nl-NL" sz="1800" b="0" i="1" smtClean="0">
+                              <a:latin typeface="Cambria Math" panose="02040503050406030204" pitchFamily="18" charset="0"/>
+                            </a:rPr>
+                            <m:t>0+</m:t>
+                          </m:r>
+                          <m:r>
+                            <a:rPr lang="nl-NL" sz="1800" b="0" i="1" smtClean="0">
+                              <a:latin typeface="Cambria Math" panose="02040503050406030204" pitchFamily="18" charset="0"/>
+                            </a:rPr>
+                            <m:t>5</m:t>
+                          </m:r>
+                          <m:r>
+                            <a:rPr lang="nl-NL" sz="1800" b="0" i="1" smtClean="0">
+                              <a:latin typeface="Cambria Math" panose="02040503050406030204" pitchFamily="18" charset="0"/>
+                            </a:rPr>
+                            <m:t>0</m:t>
                           </m:r>
                         </m:den>
                       </m:f>
@@ -15926,7 +15769,13 @@
                             <a:rPr lang="nl-NL" sz="1800" b="0" i="1" smtClean="0">
                               <a:latin typeface="Cambria Math" panose="02040503050406030204" pitchFamily="18" charset="0"/>
                             </a:rPr>
-                            <m:t>20</m:t>
+                            <m:t>5</m:t>
+                          </m:r>
+                          <m:r>
+                            <a:rPr lang="nl-NL" sz="1800" b="0" i="1" smtClean="0">
+                              <a:latin typeface="Cambria Math" panose="02040503050406030204" pitchFamily="18" charset="0"/>
+                            </a:rPr>
+                            <m:t>0</m:t>
                           </m:r>
                         </m:num>
                         <m:den>
@@ -15934,7 +15783,13 @@
                             <a:rPr lang="nl-NL" sz="1800" b="0" i="1" smtClean="0">
                               <a:latin typeface="Cambria Math" panose="02040503050406030204" pitchFamily="18" charset="0"/>
                             </a:rPr>
-                            <m:t>50</m:t>
+                            <m:t>8</m:t>
+                          </m:r>
+                          <m:r>
+                            <a:rPr lang="nl-NL" sz="1800" b="0" i="1" smtClean="0">
+                              <a:latin typeface="Cambria Math" panose="02040503050406030204" pitchFamily="18" charset="0"/>
+                            </a:rPr>
+                            <m:t>0</m:t>
                           </m:r>
                         </m:den>
                       </m:f>
@@ -15942,7 +15797,19 @@
                         <a:rPr lang="nl-NL" sz="1800" b="0" i="1" smtClean="0">
                           <a:latin typeface="Cambria Math" panose="02040503050406030204" pitchFamily="18" charset="0"/>
                         </a:rPr>
-                        <m:t>=0.4 </m:t>
+                        <m:t>=0.</m:t>
+                      </m:r>
+                      <m:r>
+                        <a:rPr lang="nl-NL" sz="1800" b="0" i="1" smtClean="0">
+                          <a:latin typeface="Cambria Math" panose="02040503050406030204" pitchFamily="18" charset="0"/>
+                        </a:rPr>
+                        <m:t>63</m:t>
+                      </m:r>
+                      <m:r>
+                        <a:rPr lang="nl-NL" sz="1800" b="0" i="1" smtClean="0">
+                          <a:latin typeface="Cambria Math" panose="02040503050406030204" pitchFamily="18" charset="0"/>
+                        </a:rPr>
+                        <m:t> </m:t>
                       </m:r>
                     </m:oMath>
                   </m:oMathPara>
@@ -15952,7 +15819,7 @@
             </p:txBody>
           </p:sp>
         </mc:Choice>
-        <mc:Fallback xmlns="">
+        <mc:Fallback>
           <p:sp>
             <p:nvSpPr>
               <p:cNvPr id="8" name="Tekstvak 7"/>
@@ -15964,7 +15831,7 @@
             <p:spPr>
               <a:xfrm>
                 <a:off x="3851920" y="5656179"/>
-                <a:ext cx="3028971" cy="525016"/>
+                <a:ext cx="3157211" cy="530594"/>
               </a:xfrm>
               <a:prstGeom prst="rect">
                 <a:avLst/>
@@ -15999,8 +15866,8 @@
         </p:nvSpPr>
         <p:spPr>
           <a:xfrm>
-            <a:off x="395536" y="3799117"/>
-            <a:ext cx="2683748" cy="584775"/>
+            <a:off x="454048" y="2883999"/>
+            <a:ext cx="2683748" cy="830997"/>
           </a:xfrm>
           <a:prstGeom prst="rect">
             <a:avLst/>
@@ -16044,6 +15911,8 @@
               <a:rPr lang="nl-NL" sz="1600" dirty="0" smtClean="0"/>
               <a:t>?</a:t>
             </a:r>
+          </a:p>
+          <a:p>
             <a:endParaRPr lang="nl-NL" sz="1600" dirty="0"/>
           </a:p>
         </p:txBody>
@@ -16182,6 +16051,268 @@
           </a:p>
         </p:txBody>
       </p:sp>
+      <p:graphicFrame>
+        <p:nvGraphicFramePr>
+          <p:cNvPr id="13" name="Tabel 12"/>
+          <p:cNvGraphicFramePr>
+            <a:graphicFrameLocks noGrp="1"/>
+          </p:cNvGraphicFramePr>
+          <p:nvPr>
+            <p:extLst>
+              <p:ext uri="{D42A27DB-BD31-4B8C-83A1-F6EECF244321}">
+                <p14:modId xmlns:p14="http://schemas.microsoft.com/office/powerpoint/2010/main" val="3486758746"/>
+              </p:ext>
+            </p:extLst>
+          </p:nvPr>
+        </p:nvGraphicFramePr>
+        <p:xfrm>
+          <a:off x="3605210" y="1441408"/>
+          <a:ext cx="5184576" cy="1981200"/>
+        </p:xfrm>
+        <a:graphic>
+          <a:graphicData uri="http://schemas.openxmlformats.org/drawingml/2006/table">
+            <a:tbl>
+              <a:tblPr firstRow="1" firstCol="1" bandRow="1">
+                <a:tableStyleId>{5C22544A-7EE6-4342-B048-85BDC9FD1C3A}</a:tableStyleId>
+              </a:tblPr>
+              <a:tblGrid>
+                <a:gridCol w="1577915">
+                  <a:extLst>
+                    <a:ext uri="{9D8B030D-6E8A-4147-A177-3AD203B41FA5}">
+                      <a16:colId xmlns:a16="http://schemas.microsoft.com/office/drawing/2014/main" val="26041744"/>
+                    </a:ext>
+                  </a:extLst>
+                </a:gridCol>
+                <a:gridCol w="1653053">
+                  <a:extLst>
+                    <a:ext uri="{9D8B030D-6E8A-4147-A177-3AD203B41FA5}">
+                      <a16:colId xmlns:a16="http://schemas.microsoft.com/office/drawing/2014/main" val="2902479022"/>
+                    </a:ext>
+                  </a:extLst>
+                </a:gridCol>
+                <a:gridCol w="1953608">
+                  <a:extLst>
+                    <a:ext uri="{9D8B030D-6E8A-4147-A177-3AD203B41FA5}">
+                      <a16:colId xmlns:a16="http://schemas.microsoft.com/office/drawing/2014/main" val="1314794491"/>
+                    </a:ext>
+                  </a:extLst>
+                </a:gridCol>
+              </a:tblGrid>
+              <a:tr h="426936">
+                <a:tc>
+                  <a:txBody>
+                    <a:bodyPr/>
+                    <a:lstStyle/>
+                    <a:p>
+                      <a:pPr algn="r"/>
+                      <a:endParaRPr lang="nl-NL" sz="1600" dirty="0"/>
+                    </a:p>
+                  </a:txBody>
+                  <a:tcPr/>
+                </a:tc>
+                <a:tc>
+                  <a:txBody>
+                    <a:bodyPr/>
+                    <a:lstStyle/>
+                    <a:p>
+                      <a:pPr algn="l"/>
+                      <a:r>
+                        <a:rPr lang="nl-NL" sz="1600" dirty="0" err="1" smtClean="0"/>
+                        <a:t>Predicted</a:t>
+                      </a:r>
+                      <a:r>
+                        <a:rPr lang="nl-NL" sz="1600" dirty="0" smtClean="0"/>
+                        <a:t>: </a:t>
+                      </a:r>
+                      <a:endParaRPr lang="nl-NL" sz="1600" dirty="0" smtClean="0"/>
+                    </a:p>
+                    <a:p>
+                      <a:pPr algn="l"/>
+                      <a:r>
+                        <a:rPr lang="nl-NL" sz="1600" dirty="0" err="1" smtClean="0"/>
+                        <a:t>Not</a:t>
+                      </a:r>
+                      <a:r>
+                        <a:rPr lang="nl-NL" sz="1600" baseline="0" dirty="0" smtClean="0"/>
+                        <a:t> s</a:t>
+                      </a:r>
+                      <a:r>
+                        <a:rPr lang="nl-NL" sz="1600" dirty="0" smtClean="0"/>
+                        <a:t>pam</a:t>
+                      </a:r>
+                      <a:endParaRPr lang="nl-NL" sz="1600" dirty="0"/>
+                    </a:p>
+                  </a:txBody>
+                  <a:tcPr/>
+                </a:tc>
+                <a:tc>
+                  <a:txBody>
+                    <a:bodyPr/>
+                    <a:lstStyle/>
+                    <a:p>
+                      <a:pPr algn="l"/>
+                      <a:r>
+                        <a:rPr lang="nl-NL" sz="1600" dirty="0" err="1" smtClean="0"/>
+                        <a:t>Predicted</a:t>
+                      </a:r>
+                      <a:r>
+                        <a:rPr lang="nl-NL" sz="1600" dirty="0" smtClean="0"/>
+                        <a:t>: </a:t>
+                      </a:r>
+                    </a:p>
+                    <a:p>
+                      <a:pPr algn="l"/>
+                      <a:r>
+                        <a:rPr lang="nl-NL" sz="1600" dirty="0" smtClean="0"/>
+                        <a:t>Spam</a:t>
+                      </a:r>
+                      <a:endParaRPr lang="nl-NL" sz="1600" dirty="0"/>
+                    </a:p>
+                  </a:txBody>
+                  <a:tcPr/>
+                </a:tc>
+                <a:extLst>
+                  <a:ext uri="{0D108BD9-81ED-4DB2-BD59-A6C34878D82A}">
+                    <a16:rowId xmlns:a16="http://schemas.microsoft.com/office/drawing/2014/main" val="3305753543"/>
+                  </a:ext>
+                </a:extLst>
+              </a:tr>
+              <a:tr h="426936">
+                <a:tc>
+                  <a:txBody>
+                    <a:bodyPr/>
+                    <a:lstStyle/>
+                    <a:p>
+                      <a:pPr algn="l"/>
+                      <a:r>
+                        <a:rPr lang="nl-NL" sz="1600" dirty="0" err="1" smtClean="0"/>
+                        <a:t>Actual</a:t>
+                      </a:r>
+                      <a:r>
+                        <a:rPr lang="nl-NL" sz="1600" dirty="0" smtClean="0"/>
+                        <a:t>:</a:t>
+                      </a:r>
+                    </a:p>
+                    <a:p>
+                      <a:pPr algn="l"/>
+                      <a:r>
+                        <a:rPr lang="nl-NL" sz="1600" dirty="0" err="1" smtClean="0"/>
+                        <a:t>Not</a:t>
+                      </a:r>
+                      <a:r>
+                        <a:rPr lang="nl-NL" sz="1600" dirty="0" smtClean="0"/>
+                        <a:t> spam</a:t>
+                      </a:r>
+                    </a:p>
+                  </a:txBody>
+                  <a:tcPr/>
+                </a:tc>
+                <a:tc>
+                  <a:txBody>
+                    <a:bodyPr/>
+                    <a:lstStyle/>
+                    <a:p>
+                      <a:pPr algn="r"/>
+                      <a:r>
+                        <a:rPr lang="nl-NL" sz="1600" dirty="0" smtClean="0"/>
+                        <a:t>20</a:t>
+                      </a:r>
+                      <a:endParaRPr lang="nl-NL" sz="1600" dirty="0"/>
+                    </a:p>
+                  </a:txBody>
+                  <a:tcPr/>
+                </a:tc>
+                <a:tc>
+                  <a:txBody>
+                    <a:bodyPr/>
+                    <a:lstStyle/>
+                    <a:p>
+                      <a:pPr algn="r"/>
+                      <a:r>
+                        <a:rPr lang="nl-NL" sz="1600" dirty="0" smtClean="0"/>
+                        <a:t>10</a:t>
+                      </a:r>
+                      <a:endParaRPr lang="nl-NL" sz="1600" dirty="0"/>
+                    </a:p>
+                  </a:txBody>
+                  <a:tcPr/>
+                </a:tc>
+                <a:extLst>
+                  <a:ext uri="{0D108BD9-81ED-4DB2-BD59-A6C34878D82A}">
+                    <a16:rowId xmlns:a16="http://schemas.microsoft.com/office/drawing/2014/main" val="2835981045"/>
+                  </a:ext>
+                </a:extLst>
+              </a:tr>
+              <a:tr h="514278">
+                <a:tc>
+                  <a:txBody>
+                    <a:bodyPr/>
+                    <a:lstStyle/>
+                    <a:p>
+                      <a:pPr algn="l"/>
+                      <a:r>
+                        <a:rPr lang="nl-NL" sz="1600" dirty="0" err="1" smtClean="0"/>
+                        <a:t>Actual</a:t>
+                      </a:r>
+                      <a:r>
+                        <a:rPr lang="nl-NL" sz="1600" dirty="0" smtClean="0"/>
+                        <a:t>:</a:t>
+                      </a:r>
+                    </a:p>
+                    <a:p>
+                      <a:pPr algn="l"/>
+                      <a:r>
+                        <a:rPr lang="nl-NL" sz="1600" dirty="0" smtClean="0"/>
+                        <a:t>Spam</a:t>
+                      </a:r>
+                    </a:p>
+                    <a:p>
+                      <a:pPr algn="l"/>
+                      <a:endParaRPr lang="nl-NL" sz="1600" dirty="0"/>
+                    </a:p>
+                  </a:txBody>
+                  <a:tcPr/>
+                </a:tc>
+                <a:tc>
+                  <a:txBody>
+                    <a:bodyPr/>
+                    <a:lstStyle/>
+                    <a:p>
+                      <a:pPr algn="r"/>
+                      <a:r>
+                        <a:rPr lang="nl-NL" sz="1600" dirty="0" smtClean="0"/>
+                        <a:t>30</a:t>
+                      </a:r>
+                      <a:endParaRPr lang="nl-NL" sz="1600" dirty="0"/>
+                    </a:p>
+                  </a:txBody>
+                  <a:tcPr/>
+                </a:tc>
+                <a:tc>
+                  <a:txBody>
+                    <a:bodyPr/>
+                    <a:lstStyle/>
+                    <a:p>
+                      <a:pPr algn="r"/>
+                      <a:r>
+                        <a:rPr lang="nl-NL" sz="1600" dirty="0" smtClean="0"/>
+                        <a:t>50</a:t>
+                      </a:r>
+                      <a:endParaRPr lang="nl-NL" sz="1600" dirty="0"/>
+                    </a:p>
+                  </a:txBody>
+                  <a:tcPr/>
+                </a:tc>
+                <a:extLst>
+                  <a:ext uri="{0D108BD9-81ED-4DB2-BD59-A6C34878D82A}">
+                    <a16:rowId xmlns:a16="http://schemas.microsoft.com/office/drawing/2014/main" val="1156060425"/>
+                  </a:ext>
+                </a:extLst>
+              </a:tr>
+            </a:tbl>
+          </a:graphicData>
+        </a:graphic>
+      </p:graphicFrame>
     </p:spTree>
     <p:extLst>
       <p:ext uri="{BB962C8B-B14F-4D97-AF65-F5344CB8AC3E}">
@@ -16192,6 +16323,13 @@
   <p:clrMapOvr>
     <a:masterClrMapping/>
   </p:clrMapOvr>
+  <p:timing>
+    <p:tnLst>
+      <p:par>
+        <p:cTn id="1" dur="indefinite" restart="never" nodeType="tmRoot"/>
+      </p:par>
+    </p:tnLst>
+  </p:timing>
 </p:sld>
 </file>
 
@@ -16258,7 +16396,7 @@
         <p:spPr bwMode="auto">
           <a:xfrm>
             <a:off x="838200" y="1340768"/>
-            <a:ext cx="7881938" cy="7429726"/>
+            <a:ext cx="7881938" cy="7645170"/>
           </a:xfrm>
           <a:prstGeom prst="rect">
             <a:avLst/>
@@ -16996,7 +17134,21 @@
                 <a:latin typeface="Courier New" panose="02070309020205020404" pitchFamily="49" charset="0"/>
                 <a:cs typeface="Courier New" panose="02070309020205020404" pitchFamily="49" charset="0"/>
               </a:rPr>
-              <a:t> variables. </a:t>
+              <a:t> </a:t>
+            </a:r>
+            <a:r>
+              <a:rPr lang="nl-NL" sz="1400" kern="0" dirty="0" smtClean="0">
+                <a:latin typeface="Courier New" panose="02070309020205020404" pitchFamily="49" charset="0"/>
+                <a:cs typeface="Courier New" panose="02070309020205020404" pitchFamily="49" charset="0"/>
+              </a:rPr>
+              <a:t>(independent) variables</a:t>
+            </a:r>
+            <a:r>
+              <a:rPr lang="nl-NL" sz="1400" kern="0" dirty="0">
+                <a:latin typeface="Courier New" panose="02070309020205020404" pitchFamily="49" charset="0"/>
+                <a:cs typeface="Courier New" panose="02070309020205020404" pitchFamily="49" charset="0"/>
+              </a:rPr>
+              <a:t>. </a:t>
             </a:r>
             <a:r>
               <a:rPr lang="nl-NL" sz="1400" kern="0" dirty="0" err="1">
@@ -17262,6 +17414,27 @@
               <a:t> </a:t>
             </a:r>
             <a:r>
+              <a:rPr lang="nl-NL" sz="1400" b="1" kern="0" dirty="0" err="1" smtClean="0">
+                <a:latin typeface="Courier New" panose="02070309020205020404" pitchFamily="49" charset="0"/>
+                <a:cs typeface="Courier New" panose="02070309020205020404" pitchFamily="49" charset="0"/>
+              </a:rPr>
+              <a:t>one</a:t>
+            </a:r>
+            <a:r>
+              <a:rPr lang="nl-NL" sz="1400" b="1" kern="0" dirty="0" smtClean="0">
+                <a:latin typeface="Courier New" panose="02070309020205020404" pitchFamily="49" charset="0"/>
+                <a:cs typeface="Courier New" panose="02070309020205020404" pitchFamily="49" charset="0"/>
+              </a:rPr>
+              <a:t> </a:t>
+            </a:r>
+            <a:r>
+              <a:rPr lang="nl-NL" sz="1400" kern="0" dirty="0" smtClean="0">
+                <a:latin typeface="Courier New" panose="02070309020205020404" pitchFamily="49" charset="0"/>
+                <a:cs typeface="Courier New" panose="02070309020205020404" pitchFamily="49" charset="0"/>
+              </a:rPr>
+              <a:t>of </a:t>
+            </a:r>
+            <a:r>
               <a:rPr lang="nl-NL" sz="1400" kern="0" dirty="0" err="1" smtClean="0">
                 <a:latin typeface="Courier New" panose="02070309020205020404" pitchFamily="49" charset="0"/>
                 <a:cs typeface="Courier New" panose="02070309020205020404" pitchFamily="49" charset="0"/>
@@ -17269,12 +17442,107 @@
               <a:t>them</a:t>
             </a:r>
             <a:r>
+              <a:rPr lang="nl-NL" sz="1400" kern="0" dirty="0">
+                <a:latin typeface="Courier New" panose="02070309020205020404" pitchFamily="49" charset="0"/>
+                <a:cs typeface="Courier New" panose="02070309020205020404" pitchFamily="49" charset="0"/>
+              </a:rPr>
+              <a:t> </a:t>
+            </a:r>
+            <a:r>
               <a:rPr lang="nl-NL" sz="1400" kern="0" dirty="0" smtClean="0">
                 <a:latin typeface="Courier New" panose="02070309020205020404" pitchFamily="49" charset="0"/>
                 <a:cs typeface="Courier New" panose="02070309020205020404" pitchFamily="49" charset="0"/>
               </a:rPr>
-              <a:t>.</a:t>
-            </a:r>
+              <a:t>(</a:t>
+            </a:r>
+            <a:r>
+              <a:rPr lang="nl-NL" sz="1400" kern="0" dirty="0" err="1" smtClean="0">
+                <a:latin typeface="Courier New" panose="02070309020205020404" pitchFamily="49" charset="0"/>
+                <a:cs typeface="Courier New" panose="02070309020205020404" pitchFamily="49" charset="0"/>
+              </a:rPr>
+              <a:t>remember</a:t>
+            </a:r>
+            <a:r>
+              <a:rPr lang="nl-NL" sz="1400" kern="0" dirty="0" smtClean="0">
+                <a:latin typeface="Courier New" panose="02070309020205020404" pitchFamily="49" charset="0"/>
+                <a:cs typeface="Courier New" panose="02070309020205020404" pitchFamily="49" charset="0"/>
+              </a:rPr>
+              <a:t> </a:t>
+            </a:r>
+            <a:r>
+              <a:rPr lang="nl-NL" sz="1400" kern="0" dirty="0" err="1" smtClean="0">
+                <a:latin typeface="Courier New" panose="02070309020205020404" pitchFamily="49" charset="0"/>
+                <a:cs typeface="Courier New" panose="02070309020205020404" pitchFamily="49" charset="0"/>
+              </a:rPr>
+              <a:t>that</a:t>
+            </a:r>
+            <a:r>
+              <a:rPr lang="nl-NL" sz="1400" kern="0" dirty="0" smtClean="0">
+                <a:latin typeface="Courier New" panose="02070309020205020404" pitchFamily="49" charset="0"/>
+                <a:cs typeface="Courier New" panose="02070309020205020404" pitchFamily="49" charset="0"/>
+              </a:rPr>
+              <a:t> </a:t>
+            </a:r>
+            <a:r>
+              <a:rPr lang="nl-NL" sz="1400" kern="0" dirty="0" err="1" smtClean="0">
+                <a:latin typeface="Courier New" panose="02070309020205020404" pitchFamily="49" charset="0"/>
+                <a:cs typeface="Courier New" panose="02070309020205020404" pitchFamily="49" charset="0"/>
+              </a:rPr>
+              <a:t>you</a:t>
+            </a:r>
+            <a:r>
+              <a:rPr lang="nl-NL" sz="1400" kern="0" dirty="0" smtClean="0">
+                <a:latin typeface="Courier New" panose="02070309020205020404" pitchFamily="49" charset="0"/>
+                <a:cs typeface="Courier New" panose="02070309020205020404" pitchFamily="49" charset="0"/>
+              </a:rPr>
+              <a:t> </a:t>
+            </a:r>
+            <a:r>
+              <a:rPr lang="nl-NL" sz="1400" kern="0" dirty="0" err="1" smtClean="0">
+                <a:latin typeface="Courier New" panose="02070309020205020404" pitchFamily="49" charset="0"/>
+                <a:cs typeface="Courier New" panose="02070309020205020404" pitchFamily="49" charset="0"/>
+              </a:rPr>
+              <a:t>shouldn’t</a:t>
+            </a:r>
+            <a:r>
+              <a:rPr lang="nl-NL" sz="1400" kern="0" dirty="0" smtClean="0">
+                <a:latin typeface="Courier New" panose="02070309020205020404" pitchFamily="49" charset="0"/>
+                <a:cs typeface="Courier New" panose="02070309020205020404" pitchFamily="49" charset="0"/>
+              </a:rPr>
+              <a:t> </a:t>
+            </a:r>
+            <a:r>
+              <a:rPr lang="nl-NL" sz="1400" kern="0" dirty="0" err="1" smtClean="0">
+                <a:latin typeface="Courier New" panose="02070309020205020404" pitchFamily="49" charset="0"/>
+                <a:cs typeface="Courier New" panose="02070309020205020404" pitchFamily="49" charset="0"/>
+              </a:rPr>
+              <a:t>add</a:t>
+            </a:r>
+            <a:r>
+              <a:rPr lang="nl-NL" sz="1400" kern="0" dirty="0" smtClean="0">
+                <a:latin typeface="Courier New" panose="02070309020205020404" pitchFamily="49" charset="0"/>
+                <a:cs typeface="Courier New" panose="02070309020205020404" pitchFamily="49" charset="0"/>
+              </a:rPr>
+              <a:t> “redundant” variables in </a:t>
+            </a:r>
+            <a:r>
+              <a:rPr lang="nl-NL" sz="1400" kern="0" dirty="0" err="1" smtClean="0">
+                <a:latin typeface="Courier New" panose="02070309020205020404" pitchFamily="49" charset="0"/>
+                <a:cs typeface="Courier New" panose="02070309020205020404" pitchFamily="49" charset="0"/>
+              </a:rPr>
+              <a:t>terms</a:t>
+            </a:r>
+            <a:r>
+              <a:rPr lang="nl-NL" sz="1400" kern="0" dirty="0" smtClean="0">
+                <a:latin typeface="Courier New" panose="02070309020205020404" pitchFamily="49" charset="0"/>
+                <a:cs typeface="Courier New" panose="02070309020205020404" pitchFamily="49" charset="0"/>
+              </a:rPr>
+              <a:t> of information)</a:t>
+            </a:r>
+            <a:endParaRPr lang="nl-NL" sz="1400" kern="0" dirty="0" smtClean="0">
+              <a:latin typeface="Courier New" panose="02070309020205020404" pitchFamily="49" charset="0"/>
+              <a:cs typeface="Courier New" panose="02070309020205020404" pitchFamily="49" charset="0"/>
+            </a:endParaRPr>
           </a:p>
           <a:p>
             <a:pPr>
@@ -17320,11 +17588,25 @@
               <a:t>and</a:t>
             </a:r>
             <a:r>
+              <a:rPr lang="nl-NL" sz="1400" kern="0" dirty="0">
+                <a:latin typeface="Courier New" panose="02070309020205020404" pitchFamily="49" charset="0"/>
+                <a:cs typeface="Courier New" panose="02070309020205020404" pitchFamily="49" charset="0"/>
+              </a:rPr>
+              <a:t> </a:t>
+            </a:r>
+            <a:r>
               <a:rPr lang="nl-NL" sz="1400" kern="0" dirty="0" smtClean="0">
                 <a:latin typeface="Courier New" panose="02070309020205020404" pitchFamily="49" charset="0"/>
                 <a:cs typeface="Courier New" panose="02070309020205020404" pitchFamily="49" charset="0"/>
               </a:rPr>
-              <a:t> data set.</a:t>
+              <a:t>test </a:t>
+            </a:r>
+            <a:r>
+              <a:rPr lang="nl-NL" sz="1400" kern="0" dirty="0" smtClean="0">
+                <a:latin typeface="Courier New" panose="02070309020205020404" pitchFamily="49" charset="0"/>
+                <a:cs typeface="Courier New" panose="02070309020205020404" pitchFamily="49" charset="0"/>
+              </a:rPr>
+              <a:t>set.</a:t>
             </a:r>
           </a:p>
           <a:p>
@@ -17679,6 +17961,13 @@
   <p:clrMapOvr>
     <a:masterClrMapping/>
   </p:clrMapOvr>
+  <p:timing>
+    <p:tnLst>
+      <p:par>
+        <p:cTn id="1" dur="indefinite" restart="never" nodeType="tmRoot"/>
+      </p:par>
+    </p:tnLst>
+  </p:timing>
 </p:sld>
 </file>
 
@@ -17910,6 +18199,13 @@
   <p:clrMapOvr>
     <a:masterClrMapping/>
   </p:clrMapOvr>
+  <p:timing>
+    <p:tnLst>
+      <p:par>
+        <p:cTn id="1" dur="indefinite" restart="never" nodeType="tmRoot"/>
+      </p:par>
+    </p:tnLst>
+  </p:timing>
 </p:sld>
 </file>
 

--- a/slides/ddl-w6l2.pptx
+++ b/slides/ddl-w6l2.pptx
@@ -256,7 +256,6 @@
           <c:dLbls>
             <c:dLbl>
               <c:idx val="0"/>
-              <c:layout/>
               <c:tx>
                 <c:rich>
                   <a:bodyPr/>
@@ -282,9 +281,7 @@
               <c:showPercent val="0"/>
               <c:showBubbleSize val="0"/>
               <c:extLst>
-                <c:ext xmlns:c15="http://schemas.microsoft.com/office/drawing/2012/chart" uri="{CE6537A1-D6FC-4f65-9D91-7224C49458BB}">
-                  <c15:layout/>
-                </c:ext>
+                <c:ext xmlns:c15="http://schemas.microsoft.com/office/drawing/2012/chart" uri="{CE6537A1-D6FC-4f65-9D91-7224C49458BB}"/>
                 <c:ext xmlns:c16="http://schemas.microsoft.com/office/drawing/2014/chart" uri="{C3380CC4-5D6E-409C-BE32-E72D297353CC}">
                   <c16:uniqueId val="{00000000-2E23-48E9-A739-930E51C69A1C}"/>
                 </c:ext>
@@ -292,7 +289,6 @@
             </c:dLbl>
             <c:dLbl>
               <c:idx val="1"/>
-              <c:layout/>
               <c:tx>
                 <c:rich>
                   <a:bodyPr/>
@@ -313,9 +309,7 @@
               <c:showPercent val="0"/>
               <c:showBubbleSize val="0"/>
               <c:extLst>
-                <c:ext xmlns:c15="http://schemas.microsoft.com/office/drawing/2012/chart" uri="{CE6537A1-D6FC-4f65-9D91-7224C49458BB}">
-                  <c15:layout/>
-                </c:ext>
+                <c:ext xmlns:c15="http://schemas.microsoft.com/office/drawing/2012/chart" uri="{CE6537A1-D6FC-4f65-9D91-7224C49458BB}"/>
                 <c:ext xmlns:c16="http://schemas.microsoft.com/office/drawing/2014/chart" uri="{C3380CC4-5D6E-409C-BE32-E72D297353CC}">
                   <c16:uniqueId val="{00000001-2E23-48E9-A739-930E51C69A1C}"/>
                 </c:ext>
@@ -323,7 +317,6 @@
             </c:dLbl>
             <c:dLbl>
               <c:idx val="2"/>
-              <c:layout/>
               <c:tx>
                 <c:rich>
                   <a:bodyPr/>
@@ -344,9 +337,7 @@
               <c:showPercent val="0"/>
               <c:showBubbleSize val="0"/>
               <c:extLst>
-                <c:ext xmlns:c15="http://schemas.microsoft.com/office/drawing/2012/chart" uri="{CE6537A1-D6FC-4f65-9D91-7224C49458BB}">
-                  <c15:layout/>
-                </c:ext>
+                <c:ext xmlns:c15="http://schemas.microsoft.com/office/drawing/2012/chart" uri="{CE6537A1-D6FC-4f65-9D91-7224C49458BB}"/>
                 <c:ext xmlns:c16="http://schemas.microsoft.com/office/drawing/2014/chart" uri="{C3380CC4-5D6E-409C-BE32-E72D297353CC}">
                   <c16:uniqueId val="{00000002-2E23-48E9-A739-930E51C69A1C}"/>
                 </c:ext>
@@ -515,7 +506,6 @@
               </a:p>
             </c:rich>
           </c:tx>
-          <c:layout/>
           <c:overlay val="0"/>
           <c:spPr>
             <a:noFill/>
@@ -644,7 +634,6 @@
               </a:p>
             </c:rich>
           </c:tx>
-          <c:layout/>
           <c:overlay val="0"/>
           <c:spPr>
             <a:noFill/>
@@ -1420,7 +1409,7 @@
             <a:fld id="{373F1B60-BDF4-4D63-AD79-99D5A5B1DF99}" type="datetime1">
               <a:rPr lang="en-US"/>
               <a:pPr/>
-              <a:t>12/19/2018</a:t>
+              <a:t>1/14/2019</a:t>
             </a:fld>
             <a:endParaRPr lang="en-US"/>
           </a:p>
@@ -1639,7 +1628,7 @@
             <a:fld id="{4387A7AA-DFE9-4771-BEDE-3294FCEBFB02}" type="datetime1">
               <a:rPr lang="en-US"/>
               <a:pPr/>
-              <a:t>12/19/2018</a:t>
+              <a:t>1/14/2019</a:t>
             </a:fld>
             <a:endParaRPr lang="en-US"/>
           </a:p>
@@ -2030,7 +2019,7 @@
             <a:fld id="{8541E2CD-DBF4-40F9-B6F8-EEFD0DF8A138}" type="datetime1">
               <a:rPr lang="en-US"/>
               <a:pPr/>
-              <a:t>12/19/2018</a:t>
+              <a:t>1/14/2019</a:t>
             </a:fld>
             <a:endParaRPr lang="en-US"/>
           </a:p>
@@ -2250,7 +2239,7 @@
             <a:fld id="{93F21019-3A00-48AC-9663-40DF67A83229}" type="datetime1">
               <a:rPr lang="en-US"/>
               <a:pPr/>
-              <a:t>12/19/2018</a:t>
+              <a:t>1/14/2019</a:t>
             </a:fld>
             <a:endParaRPr lang="en-US">
               <a:solidFill>
@@ -2436,7 +2425,7 @@
             <a:fld id="{8B2EF9C8-0AC3-4A53-9A61-1834A571F420}" type="datetime1">
               <a:rPr lang="en-US"/>
               <a:pPr/>
-              <a:t>12/19/2018</a:t>
+              <a:t>1/14/2019</a:t>
             </a:fld>
             <a:endParaRPr lang="en-US" sz="1400">
               <a:solidFill>
@@ -2633,7 +2622,7 @@
             <a:fld id="{F02960F3-A385-4905-A491-FDC17E063DD1}" type="datetime1">
               <a:rPr lang="en-US"/>
               <a:pPr/>
-              <a:t>12/19/2018</a:t>
+              <a:t>1/14/2019</a:t>
             </a:fld>
             <a:endParaRPr lang="en-US" sz="1400">
               <a:solidFill>
@@ -2892,7 +2881,7 @@
             <a:fld id="{CD3AD70A-8E2A-47B5-AC18-ABBB5A8E737D}" type="datetime1">
               <a:rPr lang="en-US"/>
               <a:pPr/>
-              <a:t>12/19/2018</a:t>
+              <a:t>1/14/2019</a:t>
             </a:fld>
             <a:endParaRPr lang="en-US" sz="1400">
               <a:solidFill>
@@ -3128,7 +3117,7 @@
             <a:fld id="{07008C2E-9BD6-496B-BFC3-B4A975EBC85E}" type="datetime1">
               <a:rPr lang="en-US"/>
               <a:pPr/>
-              <a:t>12/19/2018</a:t>
+              <a:t>1/14/2019</a:t>
             </a:fld>
             <a:endParaRPr lang="en-US" sz="1400">
               <a:solidFill>
@@ -3307,7 +3296,7 @@
             <a:fld id="{1AA2C3CF-866C-4FDE-B76D-4E9536901630}" type="datetime1">
               <a:rPr lang="en-US"/>
               <a:pPr/>
-              <a:t>12/19/2018</a:t>
+              <a:t>1/14/2019</a:t>
             </a:fld>
             <a:endParaRPr lang="en-US" sz="1400">
               <a:solidFill>
@@ -3486,7 +3475,7 @@
             <a:fld id="{555EE259-FE08-4558-B721-B189FFE77284}" type="datetime1">
               <a:rPr lang="en-US"/>
               <a:pPr/>
-              <a:t>12/19/2018</a:t>
+              <a:t>1/14/2019</a:t>
             </a:fld>
             <a:endParaRPr lang="en-US" sz="1400">
               <a:solidFill>
@@ -3755,7 +3744,7 @@
             <a:fld id="{0AF4064E-5624-49AB-B7C6-E301A8F6B1FF}" type="datetime1">
               <a:rPr lang="en-US"/>
               <a:pPr/>
-              <a:t>12/19/2018</a:t>
+              <a:t>1/14/2019</a:t>
             </a:fld>
             <a:endParaRPr lang="en-US" sz="1400">
               <a:solidFill>
@@ -3952,7 +3941,7 @@
             <a:fld id="{CBC97FCD-6C54-4833-B032-BFBCDFA8379D}" type="datetime1">
               <a:rPr lang="en-US"/>
               <a:pPr/>
-              <a:t>12/19/2018</a:t>
+              <a:t>1/14/2019</a:t>
             </a:fld>
             <a:endParaRPr lang="en-US" sz="1400">
               <a:solidFill>
@@ -4161,7 +4150,7 @@
             <a:fld id="{F04AA577-515A-431F-98B6-3B03494ABB11}" type="datetime1">
               <a:rPr lang="en-US"/>
               <a:pPr/>
-              <a:t>12/19/2018</a:t>
+              <a:t>1/14/2019</a:t>
             </a:fld>
             <a:endParaRPr lang="en-US" sz="1400">
               <a:solidFill>
@@ -4466,7 +4455,7 @@
             <a:fld id="{6475F1A4-C474-4345-A800-2F40B0E4E70C}" type="datetime1">
               <a:rPr lang="en-US"/>
               <a:pPr/>
-              <a:t>12/19/2018</a:t>
+              <a:t>1/14/2019</a:t>
             </a:fld>
             <a:endParaRPr lang="en-US" sz="1400">
               <a:solidFill>
@@ -4910,7 +4899,7 @@
             <a:fld id="{7BA535AB-820E-4207-9DA8-5F37106C7AF4}" type="datetime1">
               <a:rPr lang="en-US"/>
               <a:pPr/>
-              <a:t>12/19/2018</a:t>
+              <a:t>1/14/2019</a:t>
             </a:fld>
             <a:endParaRPr lang="en-US" sz="1400">
               <a:solidFill>
@@ -5045,7 +5034,7 @@
             <a:fld id="{0A7E69FA-D7EE-42C0-9117-1971B541885F}" type="datetime1">
               <a:rPr lang="en-US"/>
               <a:pPr/>
-              <a:t>12/19/2018</a:t>
+              <a:t>1/14/2019</a:t>
             </a:fld>
             <a:endParaRPr lang="en-US" sz="1400">
               <a:solidFill>
@@ -5157,7 +5146,7 @@
             <a:fld id="{10D7644E-1B5D-4325-BA79-338DF2B89B56}" type="datetime1">
               <a:rPr lang="en-US"/>
               <a:pPr/>
-              <a:t>12/19/2018</a:t>
+              <a:t>1/14/2019</a:t>
             </a:fld>
             <a:endParaRPr lang="en-US" sz="1400">
               <a:solidFill>
@@ -5451,7 +5440,7 @@
             <a:fld id="{B790C882-0B74-4932-8998-E9ABB8AF1740}" type="datetime1">
               <a:rPr lang="en-US"/>
               <a:pPr/>
-              <a:t>12/19/2018</a:t>
+              <a:t>1/14/2019</a:t>
             </a:fld>
             <a:endParaRPr lang="en-US" sz="1400">
               <a:solidFill>
@@ -5721,7 +5710,7 @@
             <a:fld id="{9DC585DC-AE7D-44C1-90AB-C3A391DEA065}" type="datetime1">
               <a:rPr lang="en-US"/>
               <a:pPr/>
-              <a:t>12/19/2018</a:t>
+              <a:t>1/14/2019</a:t>
             </a:fld>
             <a:endParaRPr lang="en-US" sz="1400">
               <a:solidFill>
@@ -5985,7 +5974,7 @@
             <a:fld id="{256CE565-1940-4E5F-9190-C0815CEAAA9D}" type="datetime1">
               <a:rPr lang="en-US"/>
               <a:pPr/>
-              <a:t>12/19/2018</a:t>
+              <a:t>1/14/2019</a:t>
             </a:fld>
             <a:endParaRPr lang="en-US"/>
           </a:p>
@@ -15464,8 +15453,8 @@
           </p:sp>
         </mc:Fallback>
       </mc:AlternateContent>
-      <mc:AlternateContent xmlns:mc="http://schemas.openxmlformats.org/markup-compatibility/2006">
-        <mc:Choice xmlns:a14="http://schemas.microsoft.com/office/drawing/2010/main" Requires="a14">
+      <mc:AlternateContent xmlns:mc="http://schemas.openxmlformats.org/markup-compatibility/2006" xmlns:a14="http://schemas.microsoft.com/office/drawing/2010/main">
+        <mc:Choice Requires="a14">
           <p:sp>
             <p:nvSpPr>
               <p:cNvPr id="7" name="Tekstvak 6"/>
@@ -15520,13 +15509,7 @@
                             <a:rPr lang="nl-NL" sz="1800" b="0" i="1" smtClean="0">
                               <a:latin typeface="Cambria Math" panose="02040503050406030204" pitchFamily="18" charset="0"/>
                             </a:rPr>
-                            <m:t>5</m:t>
-                          </m:r>
-                          <m:r>
-                            <a:rPr lang="nl-NL" sz="1800" b="0" i="1" smtClean="0">
-                              <a:latin typeface="Cambria Math" panose="02040503050406030204" pitchFamily="18" charset="0"/>
-                            </a:rPr>
-                            <m:t>0</m:t>
+                            <m:t>50</m:t>
                           </m:r>
                         </m:num>
                         <m:den>
@@ -15534,25 +15517,7 @@
                             <a:rPr lang="nl-NL" sz="1800" b="0" i="1" smtClean="0">
                               <a:latin typeface="Cambria Math" panose="02040503050406030204" pitchFamily="18" charset="0"/>
                             </a:rPr>
-                            <m:t>5</m:t>
-                          </m:r>
-                          <m:r>
-                            <a:rPr lang="nl-NL" sz="1800" b="0" i="1" smtClean="0">
-                              <a:latin typeface="Cambria Math" panose="02040503050406030204" pitchFamily="18" charset="0"/>
-                            </a:rPr>
-                            <m:t>0+</m:t>
-                          </m:r>
-                          <m:r>
-                            <a:rPr lang="nl-NL" sz="1800" b="0" i="1" smtClean="0">
-                              <a:latin typeface="Cambria Math" panose="02040503050406030204" pitchFamily="18" charset="0"/>
-                            </a:rPr>
-                            <m:t>1</m:t>
-                          </m:r>
-                          <m:r>
-                            <a:rPr lang="nl-NL" sz="1800" b="0" i="1" smtClean="0">
-                              <a:latin typeface="Cambria Math" panose="02040503050406030204" pitchFamily="18" charset="0"/>
-                            </a:rPr>
-                            <m:t>0</m:t>
+                            <m:t>50+10</m:t>
                           </m:r>
                         </m:den>
                       </m:f>
@@ -15575,13 +15540,7 @@
                             <a:rPr lang="nl-NL" sz="1800" b="0" i="1" smtClean="0">
                               <a:latin typeface="Cambria Math" panose="02040503050406030204" pitchFamily="18" charset="0"/>
                             </a:rPr>
-                            <m:t>5</m:t>
-                          </m:r>
-                          <m:r>
-                            <a:rPr lang="nl-NL" sz="1800" b="0" i="1" smtClean="0">
-                              <a:latin typeface="Cambria Math" panose="02040503050406030204" pitchFamily="18" charset="0"/>
-                            </a:rPr>
-                            <m:t>0</m:t>
+                            <m:t>50</m:t>
                           </m:r>
                         </m:num>
                         <m:den>
@@ -15589,13 +15548,7 @@
                             <a:rPr lang="nl-NL" sz="1800" b="0" i="1" smtClean="0">
                               <a:latin typeface="Cambria Math" panose="02040503050406030204" pitchFamily="18" charset="0"/>
                             </a:rPr>
-                            <m:t>6</m:t>
-                          </m:r>
-                          <m:r>
-                            <a:rPr lang="nl-NL" sz="1800" b="0" i="1" smtClean="0">
-                              <a:latin typeface="Cambria Math" panose="02040503050406030204" pitchFamily="18" charset="0"/>
-                            </a:rPr>
-                            <m:t>0</m:t>
+                            <m:t>60</m:t>
                           </m:r>
                         </m:den>
                       </m:f>
@@ -15603,19 +15556,7 @@
                         <a:rPr lang="nl-NL" sz="1800" b="0" i="1" smtClean="0">
                           <a:latin typeface="Cambria Math" panose="02040503050406030204" pitchFamily="18" charset="0"/>
                         </a:rPr>
-                        <m:t>= 0.</m:t>
-                      </m:r>
-                      <m:r>
-                        <a:rPr lang="nl-NL" sz="1800" b="0" i="1" smtClean="0">
-                          <a:latin typeface="Cambria Math" panose="02040503050406030204" pitchFamily="18" charset="0"/>
-                        </a:rPr>
-                        <m:t>83</m:t>
-                      </m:r>
-                      <m:r>
-                        <a:rPr lang="nl-NL" sz="1800" b="0" i="1" smtClean="0">
-                          <a:latin typeface="Cambria Math" panose="02040503050406030204" pitchFamily="18" charset="0"/>
-                        </a:rPr>
-                        <m:t> </m:t>
+                        <m:t>= 0.83 </m:t>
                       </m:r>
                     </m:oMath>
                   </m:oMathPara>
@@ -15625,7 +15566,7 @@
             </p:txBody>
           </p:sp>
         </mc:Choice>
-        <mc:Fallback>
+        <mc:Fallback xmlns="">
           <p:sp>
             <p:nvSpPr>
               <p:cNvPr id="7" name="Tekstvak 6"/>
@@ -15664,8 +15605,8 @@
           </p:sp>
         </mc:Fallback>
       </mc:AlternateContent>
-      <mc:AlternateContent xmlns:mc="http://schemas.openxmlformats.org/markup-compatibility/2006">
-        <mc:Choice xmlns:a14="http://schemas.microsoft.com/office/drawing/2010/main" Requires="a14">
+      <mc:AlternateContent xmlns:mc="http://schemas.openxmlformats.org/markup-compatibility/2006" xmlns:a14="http://schemas.microsoft.com/office/drawing/2010/main">
+        <mc:Choice Requires="a14">
           <p:sp>
             <p:nvSpPr>
               <p:cNvPr id="8" name="Tekstvak 7"/>
@@ -15728,25 +15669,7 @@
                             <a:rPr lang="nl-NL" sz="1800" b="0" i="1" smtClean="0">
                               <a:latin typeface="Cambria Math" panose="02040503050406030204" pitchFamily="18" charset="0"/>
                             </a:rPr>
-                            <m:t>3</m:t>
-                          </m:r>
-                          <m:r>
-                            <a:rPr lang="nl-NL" sz="1800" b="0" i="1" smtClean="0">
-                              <a:latin typeface="Cambria Math" panose="02040503050406030204" pitchFamily="18" charset="0"/>
-                            </a:rPr>
-                            <m:t>0+</m:t>
-                          </m:r>
-                          <m:r>
-                            <a:rPr lang="nl-NL" sz="1800" b="0" i="1" smtClean="0">
-                              <a:latin typeface="Cambria Math" panose="02040503050406030204" pitchFamily="18" charset="0"/>
-                            </a:rPr>
-                            <m:t>5</m:t>
-                          </m:r>
-                          <m:r>
-                            <a:rPr lang="nl-NL" sz="1800" b="0" i="1" smtClean="0">
-                              <a:latin typeface="Cambria Math" panose="02040503050406030204" pitchFamily="18" charset="0"/>
-                            </a:rPr>
-                            <m:t>0</m:t>
+                            <m:t>30+50</m:t>
                           </m:r>
                         </m:den>
                       </m:f>
@@ -15769,13 +15692,7 @@
                             <a:rPr lang="nl-NL" sz="1800" b="0" i="1" smtClean="0">
                               <a:latin typeface="Cambria Math" panose="02040503050406030204" pitchFamily="18" charset="0"/>
                             </a:rPr>
-                            <m:t>5</m:t>
-                          </m:r>
-                          <m:r>
-                            <a:rPr lang="nl-NL" sz="1800" b="0" i="1" smtClean="0">
-                              <a:latin typeface="Cambria Math" panose="02040503050406030204" pitchFamily="18" charset="0"/>
-                            </a:rPr>
-                            <m:t>0</m:t>
+                            <m:t>50</m:t>
                           </m:r>
                         </m:num>
                         <m:den>
@@ -15783,13 +15700,7 @@
                             <a:rPr lang="nl-NL" sz="1800" b="0" i="1" smtClean="0">
                               <a:latin typeface="Cambria Math" panose="02040503050406030204" pitchFamily="18" charset="0"/>
                             </a:rPr>
-                            <m:t>8</m:t>
-                          </m:r>
-                          <m:r>
-                            <a:rPr lang="nl-NL" sz="1800" b="0" i="1" smtClean="0">
-                              <a:latin typeface="Cambria Math" panose="02040503050406030204" pitchFamily="18" charset="0"/>
-                            </a:rPr>
-                            <m:t>0</m:t>
+                            <m:t>80</m:t>
                           </m:r>
                         </m:den>
                       </m:f>
@@ -15797,19 +15708,7 @@
                         <a:rPr lang="nl-NL" sz="1800" b="0" i="1" smtClean="0">
                           <a:latin typeface="Cambria Math" panose="02040503050406030204" pitchFamily="18" charset="0"/>
                         </a:rPr>
-                        <m:t>=0.</m:t>
-                      </m:r>
-                      <m:r>
-                        <a:rPr lang="nl-NL" sz="1800" b="0" i="1" smtClean="0">
-                          <a:latin typeface="Cambria Math" panose="02040503050406030204" pitchFamily="18" charset="0"/>
-                        </a:rPr>
-                        <m:t>63</m:t>
-                      </m:r>
-                      <m:r>
-                        <a:rPr lang="nl-NL" sz="1800" b="0" i="1" smtClean="0">
-                          <a:latin typeface="Cambria Math" panose="02040503050406030204" pitchFamily="18" charset="0"/>
-                        </a:rPr>
-                        <m:t> </m:t>
+                        <m:t>=0.63 </m:t>
                       </m:r>
                     </m:oMath>
                   </m:oMathPara>
@@ -15819,7 +15718,7 @@
             </p:txBody>
           </p:sp>
         </mc:Choice>
-        <mc:Fallback>
+        <mc:Fallback xmlns="">
           <p:sp>
             <p:nvSpPr>
               <p:cNvPr id="8" name="Tekstvak 7"/>
@@ -16060,13 +15959,13 @@
           <p:nvPr>
             <p:extLst>
               <p:ext uri="{D42A27DB-BD31-4B8C-83A1-F6EECF244321}">
-                <p14:modId xmlns:p14="http://schemas.microsoft.com/office/powerpoint/2010/main" val="3486758746"/>
+                <p14:modId xmlns:p14="http://schemas.microsoft.com/office/powerpoint/2010/main" val="390395702"/>
               </p:ext>
             </p:extLst>
           </p:nvPr>
         </p:nvGraphicFramePr>
         <p:xfrm>
-          <a:off x="3605210" y="1441408"/>
+          <a:off x="3418505" y="1318297"/>
           <a:ext cx="5184576" cy="1981200"/>
         </p:xfrm>
         <a:graphic>
@@ -16124,7 +16023,6 @@
                         <a:rPr lang="nl-NL" sz="1600" dirty="0" smtClean="0"/>
                         <a:t>: </a:t>
                       </a:r>
-                      <a:endParaRPr lang="nl-NL" sz="1600" dirty="0" smtClean="0"/>
                     </a:p>
                     <a:p>
                       <a:pPr algn="l"/>
@@ -16396,7 +16294,7 @@
         <p:spPr bwMode="auto">
           <a:xfrm>
             <a:off x="838200" y="1340768"/>
-            <a:ext cx="7881938" cy="7645170"/>
+            <a:ext cx="7881938" cy="6555641"/>
           </a:xfrm>
           <a:prstGeom prst="rect">
             <a:avLst/>
@@ -16607,182 +16505,182 @@
               <a:buNone/>
             </a:pPr>
             <a:r>
-              <a:rPr lang="nl-NL" sz="1400" kern="0" dirty="0" smtClean="0">
+              <a:rPr lang="nl-NL" sz="1200" kern="0" dirty="0" smtClean="0">
                 <a:latin typeface="Courier New" panose="02070309020205020404" pitchFamily="49" charset="0"/>
                 <a:cs typeface="Courier New" panose="02070309020205020404" pitchFamily="49" charset="0"/>
               </a:rPr>
               <a:t>We are </a:t>
             </a:r>
             <a:r>
-              <a:rPr lang="nl-NL" sz="1400" kern="0" dirty="0" err="1" smtClean="0">
+              <a:rPr lang="nl-NL" sz="1200" kern="0" dirty="0" err="1" smtClean="0">
                 <a:latin typeface="Courier New" panose="02070309020205020404" pitchFamily="49" charset="0"/>
                 <a:cs typeface="Courier New" panose="02070309020205020404" pitchFamily="49" charset="0"/>
               </a:rPr>
               <a:t>going</a:t>
             </a:r>
             <a:r>
-              <a:rPr lang="nl-NL" sz="1400" kern="0" dirty="0" smtClean="0">
+              <a:rPr lang="nl-NL" sz="1200" kern="0" dirty="0" smtClean="0">
                 <a:latin typeface="Courier New" panose="02070309020205020404" pitchFamily="49" charset="0"/>
                 <a:cs typeface="Courier New" panose="02070309020205020404" pitchFamily="49" charset="0"/>
               </a:rPr>
               <a:t> </a:t>
             </a:r>
             <a:r>
-              <a:rPr lang="nl-NL" sz="1400" kern="0" dirty="0" err="1" smtClean="0">
+              <a:rPr lang="nl-NL" sz="1200" kern="0" dirty="0" err="1" smtClean="0">
                 <a:latin typeface="Courier New" panose="02070309020205020404" pitchFamily="49" charset="0"/>
                 <a:cs typeface="Courier New" panose="02070309020205020404" pitchFamily="49" charset="0"/>
               </a:rPr>
               <a:t>to</a:t>
             </a:r>
             <a:r>
-              <a:rPr lang="nl-NL" sz="1400" kern="0" dirty="0" smtClean="0">
+              <a:rPr lang="nl-NL" sz="1200" kern="0" dirty="0" smtClean="0">
                 <a:latin typeface="Courier New" panose="02070309020205020404" pitchFamily="49" charset="0"/>
                 <a:cs typeface="Courier New" panose="02070309020205020404" pitchFamily="49" charset="0"/>
               </a:rPr>
               <a:t> </a:t>
             </a:r>
             <a:r>
-              <a:rPr lang="nl-NL" sz="1400" kern="0" dirty="0" err="1" smtClean="0">
+              <a:rPr lang="nl-NL" sz="1200" kern="0" dirty="0" err="1" smtClean="0">
                 <a:latin typeface="Courier New" panose="02070309020205020404" pitchFamily="49" charset="0"/>
                 <a:cs typeface="Courier New" panose="02070309020205020404" pitchFamily="49" charset="0"/>
               </a:rPr>
               <a:t>predict</a:t>
             </a:r>
             <a:r>
-              <a:rPr lang="nl-NL" sz="1400" kern="0" dirty="0" smtClean="0">
+              <a:rPr lang="nl-NL" sz="1200" kern="0" dirty="0" smtClean="0">
                 <a:latin typeface="Courier New" panose="02070309020205020404" pitchFamily="49" charset="0"/>
                 <a:cs typeface="Courier New" panose="02070309020205020404" pitchFamily="49" charset="0"/>
               </a:rPr>
               <a:t> </a:t>
             </a:r>
             <a:r>
-              <a:rPr lang="nl-NL" sz="1400" kern="0" dirty="0" err="1" smtClean="0">
+              <a:rPr lang="nl-NL" sz="1200" kern="0" dirty="0" err="1" smtClean="0">
                 <a:latin typeface="Courier New" panose="02070309020205020404" pitchFamily="49" charset="0"/>
                 <a:cs typeface="Courier New" panose="02070309020205020404" pitchFamily="49" charset="0"/>
               </a:rPr>
               <a:t>survivors</a:t>
             </a:r>
             <a:r>
-              <a:rPr lang="nl-NL" sz="1400" kern="0" dirty="0" smtClean="0">
+              <a:rPr lang="nl-NL" sz="1200" kern="0" dirty="0" smtClean="0">
                 <a:latin typeface="Courier New" panose="02070309020205020404" pitchFamily="49" charset="0"/>
                 <a:cs typeface="Courier New" panose="02070309020205020404" pitchFamily="49" charset="0"/>
               </a:rPr>
               <a:t> on the </a:t>
             </a:r>
             <a:r>
-              <a:rPr lang="nl-NL" sz="1400" i="1" kern="0" dirty="0" smtClean="0">
+              <a:rPr lang="nl-NL" sz="1200" i="1" kern="0" dirty="0" smtClean="0">
                 <a:latin typeface="Courier New" panose="02070309020205020404" pitchFamily="49" charset="0"/>
                 <a:cs typeface="Courier New" panose="02070309020205020404" pitchFamily="49" charset="0"/>
               </a:rPr>
               <a:t>Titanic. </a:t>
             </a:r>
             <a:r>
-              <a:rPr lang="nl-NL" sz="1400" kern="0" dirty="0" smtClean="0">
+              <a:rPr lang="nl-NL" sz="1200" kern="0" dirty="0" smtClean="0">
                 <a:latin typeface="Courier New" panose="02070309020205020404" pitchFamily="49" charset="0"/>
                 <a:cs typeface="Courier New" panose="02070309020205020404" pitchFamily="49" charset="0"/>
               </a:rPr>
               <a:t>This is a classic data set in machine </a:t>
             </a:r>
             <a:r>
-              <a:rPr lang="nl-NL" sz="1400" kern="0" dirty="0" err="1" smtClean="0">
+              <a:rPr lang="nl-NL" sz="1200" kern="0" dirty="0" err="1" smtClean="0">
                 <a:latin typeface="Courier New" panose="02070309020205020404" pitchFamily="49" charset="0"/>
                 <a:cs typeface="Courier New" panose="02070309020205020404" pitchFamily="49" charset="0"/>
               </a:rPr>
               <a:t>learning</a:t>
             </a:r>
             <a:r>
-              <a:rPr lang="nl-NL" sz="1400" kern="0" dirty="0" smtClean="0">
+              <a:rPr lang="nl-NL" sz="1200" kern="0" dirty="0" smtClean="0">
                 <a:latin typeface="Courier New" panose="02070309020205020404" pitchFamily="49" charset="0"/>
                 <a:cs typeface="Courier New" panose="02070309020205020404" pitchFamily="49" charset="0"/>
               </a:rPr>
               <a:t>. </a:t>
             </a:r>
             <a:r>
-              <a:rPr lang="nl-NL" sz="1400" kern="0" dirty="0" err="1" smtClean="0">
+              <a:rPr lang="nl-NL" sz="1200" kern="0" dirty="0" err="1" smtClean="0">
                 <a:latin typeface="Courier New" panose="02070309020205020404" pitchFamily="49" charset="0"/>
                 <a:cs typeface="Courier New" panose="02070309020205020404" pitchFamily="49" charset="0"/>
               </a:rPr>
               <a:t>So</a:t>
             </a:r>
             <a:r>
-              <a:rPr lang="nl-NL" sz="1400" kern="0" dirty="0" smtClean="0">
+              <a:rPr lang="nl-NL" sz="1200" kern="0" dirty="0" smtClean="0">
                 <a:latin typeface="Courier New" panose="02070309020205020404" pitchFamily="49" charset="0"/>
                 <a:cs typeface="Courier New" panose="02070309020205020404" pitchFamily="49" charset="0"/>
               </a:rPr>
               <a:t> </a:t>
             </a:r>
             <a:r>
-              <a:rPr lang="nl-NL" sz="1400" kern="0" dirty="0" err="1" smtClean="0">
+              <a:rPr lang="nl-NL" sz="1200" kern="0" dirty="0" err="1" smtClean="0">
                 <a:latin typeface="Courier New" panose="02070309020205020404" pitchFamily="49" charset="0"/>
                 <a:cs typeface="Courier New" panose="02070309020205020404" pitchFamily="49" charset="0"/>
               </a:rPr>
               <a:t>there</a:t>
             </a:r>
             <a:r>
-              <a:rPr lang="nl-NL" sz="1400" kern="0" dirty="0" smtClean="0">
+              <a:rPr lang="nl-NL" sz="1200" kern="0" dirty="0" smtClean="0">
                 <a:latin typeface="Courier New" panose="02070309020205020404" pitchFamily="49" charset="0"/>
                 <a:cs typeface="Courier New" panose="02070309020205020404" pitchFamily="49" charset="0"/>
               </a:rPr>
               <a:t> are plenty of </a:t>
             </a:r>
             <a:r>
-              <a:rPr lang="nl-NL" sz="1400" kern="0" dirty="0" err="1" smtClean="0">
+              <a:rPr lang="nl-NL" sz="1200" kern="0" dirty="0" err="1" smtClean="0">
                 <a:latin typeface="Courier New" panose="02070309020205020404" pitchFamily="49" charset="0"/>
                 <a:cs typeface="Courier New" panose="02070309020205020404" pitchFamily="49" charset="0"/>
               </a:rPr>
               <a:t>ideas</a:t>
             </a:r>
             <a:r>
-              <a:rPr lang="nl-NL" sz="1400" kern="0" dirty="0" smtClean="0">
+              <a:rPr lang="nl-NL" sz="1200" kern="0" dirty="0" smtClean="0">
                 <a:latin typeface="Courier New" panose="02070309020205020404" pitchFamily="49" charset="0"/>
                 <a:cs typeface="Courier New" panose="02070309020205020404" pitchFamily="49" charset="0"/>
               </a:rPr>
               <a:t> on the web. For </a:t>
             </a:r>
             <a:r>
-              <a:rPr lang="nl-NL" sz="1400" kern="0" dirty="0" err="1" smtClean="0">
+              <a:rPr lang="nl-NL" sz="1200" kern="0" dirty="0" err="1" smtClean="0">
                 <a:latin typeface="Courier New" panose="02070309020205020404" pitchFamily="49" charset="0"/>
                 <a:cs typeface="Courier New" panose="02070309020205020404" pitchFamily="49" charset="0"/>
               </a:rPr>
               <a:t>an</a:t>
             </a:r>
             <a:r>
-              <a:rPr lang="nl-NL" sz="1400" kern="0" dirty="0" smtClean="0">
+              <a:rPr lang="nl-NL" sz="1200" kern="0" dirty="0" smtClean="0">
                 <a:latin typeface="Courier New" panose="02070309020205020404" pitchFamily="49" charset="0"/>
                 <a:cs typeface="Courier New" panose="02070309020205020404" pitchFamily="49" charset="0"/>
               </a:rPr>
               <a:t> </a:t>
             </a:r>
             <a:r>
-              <a:rPr lang="nl-NL" sz="1400" kern="0" dirty="0" err="1" smtClean="0">
+              <a:rPr lang="nl-NL" sz="1200" kern="0" dirty="0" err="1" smtClean="0">
                 <a:latin typeface="Courier New" panose="02070309020205020404" pitchFamily="49" charset="0"/>
                 <a:cs typeface="Courier New" panose="02070309020205020404" pitchFamily="49" charset="0"/>
               </a:rPr>
               <a:t>explanation</a:t>
             </a:r>
             <a:r>
-              <a:rPr lang="nl-NL" sz="1400" kern="0" dirty="0" smtClean="0">
+              <a:rPr lang="nl-NL" sz="1200" kern="0" dirty="0" smtClean="0">
                 <a:latin typeface="Courier New" panose="02070309020205020404" pitchFamily="49" charset="0"/>
                 <a:cs typeface="Courier New" panose="02070309020205020404" pitchFamily="49" charset="0"/>
               </a:rPr>
               <a:t> of the variables, </a:t>
             </a:r>
             <a:r>
-              <a:rPr lang="nl-NL" sz="1400" kern="0" dirty="0" err="1" smtClean="0">
+              <a:rPr lang="nl-NL" sz="1200" kern="0" dirty="0" err="1" smtClean="0">
                 <a:latin typeface="Courier New" panose="02070309020205020404" pitchFamily="49" charset="0"/>
                 <a:cs typeface="Courier New" panose="02070309020205020404" pitchFamily="49" charset="0"/>
               </a:rPr>
               <a:t>see</a:t>
             </a:r>
             <a:r>
-              <a:rPr lang="nl-NL" sz="1400" kern="0" dirty="0" smtClean="0">
+              <a:rPr lang="nl-NL" sz="1200" kern="0" dirty="0" smtClean="0">
                 <a:latin typeface="Courier New" panose="02070309020205020404" pitchFamily="49" charset="0"/>
                 <a:cs typeface="Courier New" panose="02070309020205020404" pitchFamily="49" charset="0"/>
               </a:rPr>
               <a:t> </a:t>
             </a:r>
             <a:r>
-              <a:rPr lang="nl-NL" sz="1400" kern="0" dirty="0" smtClean="0">
+              <a:rPr lang="nl-NL" sz="1200" kern="0" dirty="0" smtClean="0">
                 <a:latin typeface="Courier New" panose="02070309020205020404" pitchFamily="49" charset="0"/>
                 <a:cs typeface="Courier New" panose="02070309020205020404" pitchFamily="49" charset="0"/>
                 <a:hlinkClick r:id="rId2"/>
@@ -16790,7 +16688,7 @@
               <a:t>here</a:t>
             </a:r>
             <a:r>
-              <a:rPr lang="nl-NL" sz="1400" kern="0" dirty="0" smtClean="0">
+              <a:rPr lang="nl-NL" sz="1200" kern="0" dirty="0" smtClean="0">
                 <a:latin typeface="Courier New" panose="02070309020205020404" pitchFamily="49" charset="0"/>
                 <a:cs typeface="Courier New" panose="02070309020205020404" pitchFamily="49" charset="0"/>
               </a:rPr>
@@ -16802,7 +16700,7 @@
               <a:buFont typeface="Zapf Dingbats" charset="2"/>
               <a:buNone/>
             </a:pPr>
-            <a:endParaRPr lang="nl-NL" sz="1400" kern="0" dirty="0">
+            <a:endParaRPr lang="nl-NL" sz="1200" kern="0" dirty="0">
               <a:latin typeface="Courier New" panose="02070309020205020404" pitchFamily="49" charset="0"/>
               <a:cs typeface="Courier New" panose="02070309020205020404" pitchFamily="49" charset="0"/>
             </a:endParaRPr>
@@ -16813,161 +16711,161 @@
               <a:buNone/>
             </a:pPr>
             <a:r>
-              <a:rPr lang="nl-NL" sz="1400" kern="0" dirty="0" err="1" smtClean="0">
+              <a:rPr lang="nl-NL" sz="1200" kern="0" dirty="0" err="1" smtClean="0">
                 <a:latin typeface="Courier New" panose="02070309020205020404" pitchFamily="49" charset="0"/>
                 <a:cs typeface="Courier New" panose="02070309020205020404" pitchFamily="49" charset="0"/>
               </a:rPr>
               <a:t>You</a:t>
             </a:r>
             <a:r>
-              <a:rPr lang="nl-NL" sz="1400" kern="0" dirty="0" smtClean="0">
+              <a:rPr lang="nl-NL" sz="1200" kern="0" dirty="0" smtClean="0">
                 <a:latin typeface="Courier New" panose="02070309020205020404" pitchFamily="49" charset="0"/>
                 <a:cs typeface="Courier New" panose="02070309020205020404" pitchFamily="49" charset="0"/>
               </a:rPr>
               <a:t> </a:t>
             </a:r>
             <a:r>
-              <a:rPr lang="nl-NL" sz="1400" kern="0" dirty="0" err="1" smtClean="0">
+              <a:rPr lang="nl-NL" sz="1200" kern="0" dirty="0" err="1" smtClean="0">
                 <a:latin typeface="Courier New" panose="02070309020205020404" pitchFamily="49" charset="0"/>
                 <a:cs typeface="Courier New" panose="02070309020205020404" pitchFamily="49" charset="0"/>
               </a:rPr>
               <a:t>can</a:t>
             </a:r>
             <a:r>
-              <a:rPr lang="nl-NL" sz="1400" kern="0" dirty="0" smtClean="0">
+              <a:rPr lang="nl-NL" sz="1200" kern="0" dirty="0" smtClean="0">
                 <a:latin typeface="Courier New" panose="02070309020205020404" pitchFamily="49" charset="0"/>
                 <a:cs typeface="Courier New" panose="02070309020205020404" pitchFamily="49" charset="0"/>
               </a:rPr>
               <a:t> </a:t>
             </a:r>
             <a:r>
-              <a:rPr lang="nl-NL" sz="1400" kern="0" dirty="0" err="1" smtClean="0">
+              <a:rPr lang="nl-NL" sz="1200" kern="0" dirty="0" err="1" smtClean="0">
                 <a:latin typeface="Courier New" panose="02070309020205020404" pitchFamily="49" charset="0"/>
                 <a:cs typeface="Courier New" panose="02070309020205020404" pitchFamily="49" charset="0"/>
               </a:rPr>
               <a:t>find</a:t>
             </a:r>
             <a:r>
-              <a:rPr lang="nl-NL" sz="1400" kern="0" dirty="0" smtClean="0">
+              <a:rPr lang="nl-NL" sz="1200" kern="0" dirty="0" smtClean="0">
                 <a:latin typeface="Courier New" panose="02070309020205020404" pitchFamily="49" charset="0"/>
                 <a:cs typeface="Courier New" panose="02070309020205020404" pitchFamily="49" charset="0"/>
               </a:rPr>
               <a:t> the data set in the </a:t>
             </a:r>
             <a:r>
-              <a:rPr lang="nl-NL" sz="1400" kern="0" dirty="0" err="1" smtClean="0">
+              <a:rPr lang="nl-NL" sz="1200" kern="0" dirty="0" err="1" smtClean="0">
                 <a:latin typeface="Courier New" panose="02070309020205020404" pitchFamily="49" charset="0"/>
                 <a:cs typeface="Courier New" panose="02070309020205020404" pitchFamily="49" charset="0"/>
               </a:rPr>
               <a:t>Exercises</a:t>
             </a:r>
             <a:r>
-              <a:rPr lang="nl-NL" sz="1400" kern="0" dirty="0" smtClean="0">
+              <a:rPr lang="nl-NL" sz="1200" kern="0" dirty="0" smtClean="0">
                 <a:latin typeface="Courier New" panose="02070309020205020404" pitchFamily="49" charset="0"/>
                 <a:cs typeface="Courier New" panose="02070309020205020404" pitchFamily="49" charset="0"/>
               </a:rPr>
               <a:t> folder. See the Notebook </a:t>
             </a:r>
             <a:r>
-              <a:rPr lang="nl-NL" sz="1400" i="1" kern="0" dirty="0" smtClean="0">
+              <a:rPr lang="nl-NL" sz="1200" i="1" kern="0" dirty="0" smtClean="0">
                 <a:latin typeface="Courier New" panose="02070309020205020404" pitchFamily="49" charset="0"/>
                 <a:cs typeface="Courier New" panose="02070309020205020404" pitchFamily="49" charset="0"/>
               </a:rPr>
               <a:t>k-</a:t>
             </a:r>
             <a:r>
-              <a:rPr lang="nl-NL" sz="1400" i="1" kern="0" dirty="0" err="1" smtClean="0">
+              <a:rPr lang="nl-NL" sz="1200" i="1" kern="0" dirty="0" err="1" smtClean="0">
                 <a:latin typeface="Courier New" panose="02070309020205020404" pitchFamily="49" charset="0"/>
                 <a:cs typeface="Courier New" panose="02070309020205020404" pitchFamily="49" charset="0"/>
               </a:rPr>
               <a:t>nn</a:t>
             </a:r>
             <a:r>
-              <a:rPr lang="nl-NL" sz="1400" i="1" kern="0" dirty="0" smtClean="0">
+              <a:rPr lang="nl-NL" sz="1200" i="1" kern="0" dirty="0" smtClean="0">
                 <a:latin typeface="Courier New" panose="02070309020205020404" pitchFamily="49" charset="0"/>
                 <a:cs typeface="Courier New" panose="02070309020205020404" pitchFamily="49" charset="0"/>
               </a:rPr>
               <a:t> </a:t>
             </a:r>
             <a:r>
-              <a:rPr lang="nl-NL" sz="1400" kern="0" dirty="0" smtClean="0">
+              <a:rPr lang="nl-NL" sz="1200" kern="0" dirty="0" smtClean="0">
                 <a:latin typeface="Courier New" panose="02070309020205020404" pitchFamily="49" charset="0"/>
                 <a:cs typeface="Courier New" panose="02070309020205020404" pitchFamily="49" charset="0"/>
               </a:rPr>
               <a:t>in the </a:t>
             </a:r>
             <a:r>
-              <a:rPr lang="nl-NL" sz="1400" kern="0" dirty="0" err="1" smtClean="0">
+              <a:rPr lang="nl-NL" sz="1200" kern="0" dirty="0" err="1" smtClean="0">
                 <a:latin typeface="Courier New" panose="02070309020205020404" pitchFamily="49" charset="0"/>
                 <a:cs typeface="Courier New" panose="02070309020205020404" pitchFamily="49" charset="0"/>
               </a:rPr>
               <a:t>Examples</a:t>
             </a:r>
             <a:r>
-              <a:rPr lang="nl-NL" sz="1400" kern="0" dirty="0" smtClean="0">
+              <a:rPr lang="nl-NL" sz="1200" kern="0" dirty="0" smtClean="0">
                 <a:latin typeface="Courier New" panose="02070309020205020404" pitchFamily="49" charset="0"/>
                 <a:cs typeface="Courier New" panose="02070309020205020404" pitchFamily="49" charset="0"/>
               </a:rPr>
               <a:t> folder </a:t>
             </a:r>
             <a:r>
-              <a:rPr lang="nl-NL" sz="1400" kern="0" dirty="0" err="1" smtClean="0">
+              <a:rPr lang="nl-NL" sz="1200" kern="0" dirty="0" err="1" smtClean="0">
                 <a:latin typeface="Courier New" panose="02070309020205020404" pitchFamily="49" charset="0"/>
                 <a:cs typeface="Courier New" panose="02070309020205020404" pitchFamily="49" charset="0"/>
               </a:rPr>
               <a:t>for</a:t>
             </a:r>
             <a:r>
-              <a:rPr lang="nl-NL" sz="1400" kern="0" dirty="0" smtClean="0">
+              <a:rPr lang="nl-NL" sz="1200" kern="0" dirty="0" smtClean="0">
                 <a:latin typeface="Courier New" panose="02070309020205020404" pitchFamily="49" charset="0"/>
                 <a:cs typeface="Courier New" panose="02070309020205020404" pitchFamily="49" charset="0"/>
               </a:rPr>
               <a:t> </a:t>
             </a:r>
             <a:r>
-              <a:rPr lang="nl-NL" sz="1400" kern="0" dirty="0" err="1" smtClean="0">
+              <a:rPr lang="nl-NL" sz="1200" kern="0" dirty="0" err="1" smtClean="0">
                 <a:latin typeface="Courier New" panose="02070309020205020404" pitchFamily="49" charset="0"/>
                 <a:cs typeface="Courier New" panose="02070309020205020404" pitchFamily="49" charset="0"/>
               </a:rPr>
               <a:t>example</a:t>
             </a:r>
             <a:r>
-              <a:rPr lang="nl-NL" sz="1400" kern="0" dirty="0" smtClean="0">
+              <a:rPr lang="nl-NL" sz="1200" kern="0" dirty="0" smtClean="0">
                 <a:latin typeface="Courier New" panose="02070309020205020404" pitchFamily="49" charset="0"/>
                 <a:cs typeface="Courier New" panose="02070309020205020404" pitchFamily="49" charset="0"/>
               </a:rPr>
               <a:t> code, </a:t>
             </a:r>
             <a:r>
-              <a:rPr lang="nl-NL" sz="1400" kern="0" dirty="0" err="1" smtClean="0">
+              <a:rPr lang="nl-NL" sz="1200" kern="0" dirty="0" err="1" smtClean="0">
                 <a:latin typeface="Courier New" panose="02070309020205020404" pitchFamily="49" charset="0"/>
                 <a:cs typeface="Courier New" panose="02070309020205020404" pitchFamily="49" charset="0"/>
               </a:rPr>
               <a:t>and</a:t>
             </a:r>
             <a:r>
-              <a:rPr lang="nl-NL" sz="1400" kern="0" dirty="0" smtClean="0">
+              <a:rPr lang="nl-NL" sz="1200" kern="0" dirty="0" smtClean="0">
                 <a:latin typeface="Courier New" panose="02070309020205020404" pitchFamily="49" charset="0"/>
                 <a:cs typeface="Courier New" panose="02070309020205020404" pitchFamily="49" charset="0"/>
               </a:rPr>
               <a:t> the </a:t>
             </a:r>
             <a:r>
-              <a:rPr lang="nl-NL" sz="1400" i="1" kern="0" dirty="0" err="1" smtClean="0">
+              <a:rPr lang="nl-NL" sz="1200" i="1" kern="0" dirty="0" err="1" smtClean="0">
                 <a:latin typeface="Courier New" panose="02070309020205020404" pitchFamily="49" charset="0"/>
                 <a:cs typeface="Courier New" panose="02070309020205020404" pitchFamily="49" charset="0"/>
               </a:rPr>
               <a:t>cookbook</a:t>
             </a:r>
             <a:r>
-              <a:rPr lang="nl-NL" sz="1400" i="1" kern="0" dirty="0" smtClean="0">
+              <a:rPr lang="nl-NL" sz="1200" i="1" kern="0" dirty="0" smtClean="0">
                 <a:latin typeface="Courier New" panose="02070309020205020404" pitchFamily="49" charset="0"/>
                 <a:cs typeface="Courier New" panose="02070309020205020404" pitchFamily="49" charset="0"/>
               </a:rPr>
               <a:t> </a:t>
             </a:r>
             <a:r>
-              <a:rPr lang="nl-NL" sz="1400" kern="0" dirty="0" smtClean="0">
+              <a:rPr lang="nl-NL" sz="1200" kern="0" dirty="0" smtClean="0">
                 <a:latin typeface="Courier New" panose="02070309020205020404" pitchFamily="49" charset="0"/>
                 <a:cs typeface="Courier New" panose="02070309020205020404" pitchFamily="49" charset="0"/>
               </a:rPr>
@@ -16979,7 +16877,7 @@
               <a:buFont typeface="Zapf Dingbats" charset="2"/>
               <a:buNone/>
             </a:pPr>
-            <a:endParaRPr lang="nl-NL" sz="1400" kern="0" dirty="0">
+            <a:endParaRPr lang="nl-NL" sz="1200" kern="0" dirty="0">
               <a:latin typeface="Courier New" panose="02070309020205020404" pitchFamily="49" charset="0"/>
               <a:cs typeface="Courier New" panose="02070309020205020404" pitchFamily="49" charset="0"/>
             </a:endParaRPr>
@@ -16990,189 +16888,189 @@
               <a:buAutoNum type="arabicPeriod"/>
             </a:pPr>
             <a:r>
-              <a:rPr lang="nl-NL" sz="1400" kern="0" dirty="0" err="1" smtClean="0">
+              <a:rPr lang="nl-NL" sz="1200" kern="0" dirty="0" err="1" smtClean="0">
                 <a:latin typeface="Courier New" panose="02070309020205020404" pitchFamily="49" charset="0"/>
                 <a:cs typeface="Courier New" panose="02070309020205020404" pitchFamily="49" charset="0"/>
               </a:rPr>
               <a:t>Inspect</a:t>
             </a:r>
             <a:r>
-              <a:rPr lang="nl-NL" sz="1400" kern="0" dirty="0" smtClean="0">
+              <a:rPr lang="nl-NL" sz="1200" kern="0" dirty="0" smtClean="0">
                 <a:latin typeface="Courier New" panose="02070309020205020404" pitchFamily="49" charset="0"/>
                 <a:cs typeface="Courier New" panose="02070309020205020404" pitchFamily="49" charset="0"/>
               </a:rPr>
               <a:t> the data set. </a:t>
             </a:r>
             <a:r>
-              <a:rPr lang="nl-NL" sz="1400" kern="0" dirty="0" err="1" smtClean="0">
+              <a:rPr lang="nl-NL" sz="1200" kern="0" dirty="0" err="1" smtClean="0">
                 <a:latin typeface="Courier New" panose="02070309020205020404" pitchFamily="49" charset="0"/>
                 <a:cs typeface="Courier New" panose="02070309020205020404" pitchFamily="49" charset="0"/>
               </a:rPr>
               <a:t>There</a:t>
             </a:r>
             <a:r>
-              <a:rPr lang="nl-NL" sz="1400" kern="0" dirty="0" smtClean="0">
+              <a:rPr lang="nl-NL" sz="1200" kern="0" dirty="0" smtClean="0">
                 <a:latin typeface="Courier New" panose="02070309020205020404" pitchFamily="49" charset="0"/>
                 <a:cs typeface="Courier New" panose="02070309020205020404" pitchFamily="49" charset="0"/>
               </a:rPr>
               <a:t> </a:t>
             </a:r>
             <a:r>
-              <a:rPr lang="nl-NL" sz="1400" kern="0" dirty="0">
+              <a:rPr lang="nl-NL" sz="1200" kern="0" dirty="0">
                 <a:latin typeface="Courier New" panose="02070309020205020404" pitchFamily="49" charset="0"/>
                 <a:cs typeface="Courier New" panose="02070309020205020404" pitchFamily="49" charset="0"/>
               </a:rPr>
               <a:t>are </a:t>
             </a:r>
             <a:r>
-              <a:rPr lang="nl-NL" sz="1400" kern="0" dirty="0" smtClean="0">
+              <a:rPr lang="nl-NL" sz="1200" kern="0" dirty="0" smtClean="0">
                 <a:latin typeface="Courier New" panose="02070309020205020404" pitchFamily="49" charset="0"/>
                 <a:cs typeface="Courier New" panose="02070309020205020404" pitchFamily="49" charset="0"/>
               </a:rPr>
               <a:t>5 </a:t>
             </a:r>
             <a:r>
-              <a:rPr lang="nl-NL" sz="1400" kern="0" dirty="0">
+              <a:rPr lang="nl-NL" sz="1200" kern="0" dirty="0">
                 <a:latin typeface="Courier New" panose="02070309020205020404" pitchFamily="49" charset="0"/>
                 <a:cs typeface="Courier New" panose="02070309020205020404" pitchFamily="49" charset="0"/>
               </a:rPr>
               <a:t>columns </a:t>
             </a:r>
             <a:r>
-              <a:rPr lang="nl-NL" sz="1400" kern="0" dirty="0" err="1">
+              <a:rPr lang="nl-NL" sz="1200" kern="0" dirty="0" err="1">
                 <a:latin typeface="Courier New" panose="02070309020205020404" pitchFamily="49" charset="0"/>
                 <a:cs typeface="Courier New" panose="02070309020205020404" pitchFamily="49" charset="0"/>
               </a:rPr>
               <a:t>which</a:t>
             </a:r>
             <a:r>
-              <a:rPr lang="nl-NL" sz="1400" kern="0" dirty="0">
+              <a:rPr lang="nl-NL" sz="1200" kern="0" dirty="0">
                 <a:latin typeface="Courier New" panose="02070309020205020404" pitchFamily="49" charset="0"/>
                 <a:cs typeface="Courier New" panose="02070309020205020404" pitchFamily="49" charset="0"/>
               </a:rPr>
               <a:t> </a:t>
             </a:r>
             <a:r>
-              <a:rPr lang="nl-NL" sz="1400" kern="0" dirty="0" err="1">
+              <a:rPr lang="nl-NL" sz="1200" kern="0" dirty="0" err="1">
                 <a:latin typeface="Courier New" panose="02070309020205020404" pitchFamily="49" charset="0"/>
                 <a:cs typeface="Courier New" panose="02070309020205020404" pitchFamily="49" charset="0"/>
               </a:rPr>
               <a:t>contain</a:t>
             </a:r>
             <a:r>
-              <a:rPr lang="nl-NL" sz="1400" kern="0" dirty="0">
+              <a:rPr lang="nl-NL" sz="1200" kern="0" dirty="0">
                 <a:latin typeface="Courier New" panose="02070309020205020404" pitchFamily="49" charset="0"/>
                 <a:cs typeface="Courier New" panose="02070309020205020404" pitchFamily="49" charset="0"/>
               </a:rPr>
               <a:t> ‘easy </a:t>
             </a:r>
             <a:r>
-              <a:rPr lang="nl-NL" sz="1400" kern="0" dirty="0" err="1">
+              <a:rPr lang="nl-NL" sz="1200" kern="0" dirty="0" err="1">
                 <a:latin typeface="Courier New" panose="02070309020205020404" pitchFamily="49" charset="0"/>
                 <a:cs typeface="Courier New" panose="02070309020205020404" pitchFamily="49" charset="0"/>
               </a:rPr>
               <a:t>to</a:t>
             </a:r>
             <a:r>
-              <a:rPr lang="nl-NL" sz="1400" kern="0" dirty="0">
+              <a:rPr lang="nl-NL" sz="1200" kern="0" dirty="0">
                 <a:latin typeface="Courier New" panose="02070309020205020404" pitchFamily="49" charset="0"/>
                 <a:cs typeface="Courier New" panose="02070309020205020404" pitchFamily="49" charset="0"/>
               </a:rPr>
               <a:t> </a:t>
             </a:r>
             <a:r>
-              <a:rPr lang="nl-NL" sz="1400" kern="0" dirty="0" err="1">
+              <a:rPr lang="nl-NL" sz="1200" kern="0" dirty="0" err="1">
                 <a:latin typeface="Courier New" panose="02070309020205020404" pitchFamily="49" charset="0"/>
                 <a:cs typeface="Courier New" panose="02070309020205020404" pitchFamily="49" charset="0"/>
               </a:rPr>
               <a:t>work</a:t>
             </a:r>
             <a:r>
-              <a:rPr lang="nl-NL" sz="1400" kern="0" dirty="0">
+              <a:rPr lang="nl-NL" sz="1200" kern="0" dirty="0">
                 <a:latin typeface="Courier New" panose="02070309020205020404" pitchFamily="49" charset="0"/>
                 <a:cs typeface="Courier New" panose="02070309020205020404" pitchFamily="49" charset="0"/>
               </a:rPr>
               <a:t> </a:t>
             </a:r>
             <a:r>
-              <a:rPr lang="nl-NL" sz="1400" kern="0" dirty="0" err="1">
+              <a:rPr lang="nl-NL" sz="1200" kern="0" dirty="0" err="1">
                 <a:latin typeface="Courier New" panose="02070309020205020404" pitchFamily="49" charset="0"/>
                 <a:cs typeface="Courier New" panose="02070309020205020404" pitchFamily="49" charset="0"/>
               </a:rPr>
               <a:t>with</a:t>
             </a:r>
             <a:r>
-              <a:rPr lang="nl-NL" sz="1400" kern="0" dirty="0">
+              <a:rPr lang="nl-NL" sz="1200" kern="0" dirty="0">
                 <a:latin typeface="Courier New" panose="02070309020205020404" pitchFamily="49" charset="0"/>
                 <a:cs typeface="Courier New" panose="02070309020205020404" pitchFamily="49" charset="0"/>
               </a:rPr>
               <a:t>’ </a:t>
             </a:r>
             <a:r>
-              <a:rPr lang="nl-NL" sz="1400" kern="0" dirty="0" err="1">
+              <a:rPr lang="nl-NL" sz="1200" kern="0" dirty="0" err="1">
                 <a:latin typeface="Courier New" panose="02070309020205020404" pitchFamily="49" charset="0"/>
                 <a:cs typeface="Courier New" panose="02070309020205020404" pitchFamily="49" charset="0"/>
               </a:rPr>
               <a:t>qualitative</a:t>
             </a:r>
             <a:r>
-              <a:rPr lang="nl-NL" sz="1400" kern="0" dirty="0">
+              <a:rPr lang="nl-NL" sz="1200" kern="0" dirty="0">
                 <a:latin typeface="Courier New" panose="02070309020205020404" pitchFamily="49" charset="0"/>
                 <a:cs typeface="Courier New" panose="02070309020205020404" pitchFamily="49" charset="0"/>
               </a:rPr>
               <a:t> or </a:t>
             </a:r>
             <a:r>
-              <a:rPr lang="nl-NL" sz="1400" kern="0" dirty="0" err="1">
+              <a:rPr lang="nl-NL" sz="1200" kern="0" dirty="0" err="1">
                 <a:latin typeface="Courier New" panose="02070309020205020404" pitchFamily="49" charset="0"/>
                 <a:cs typeface="Courier New" panose="02070309020205020404" pitchFamily="49" charset="0"/>
               </a:rPr>
               <a:t>quantitative</a:t>
             </a:r>
             <a:r>
-              <a:rPr lang="nl-NL" sz="1400" kern="0" dirty="0">
+              <a:rPr lang="nl-NL" sz="1200" kern="0" dirty="0">
                 <a:latin typeface="Courier New" panose="02070309020205020404" pitchFamily="49" charset="0"/>
                 <a:cs typeface="Courier New" panose="02070309020205020404" pitchFamily="49" charset="0"/>
               </a:rPr>
               <a:t> </a:t>
             </a:r>
             <a:r>
-              <a:rPr lang="nl-NL" sz="1400" kern="0" dirty="0" smtClean="0">
+              <a:rPr lang="nl-NL" sz="1200" kern="0" dirty="0" smtClean="0">
                 <a:latin typeface="Courier New" panose="02070309020205020404" pitchFamily="49" charset="0"/>
                 <a:cs typeface="Courier New" panose="02070309020205020404" pitchFamily="49" charset="0"/>
               </a:rPr>
               <a:t>(independent) variables</a:t>
             </a:r>
             <a:r>
-              <a:rPr lang="nl-NL" sz="1400" kern="0" dirty="0">
+              <a:rPr lang="nl-NL" sz="1200" kern="0" dirty="0">
                 <a:latin typeface="Courier New" panose="02070309020205020404" pitchFamily="49" charset="0"/>
                 <a:cs typeface="Courier New" panose="02070309020205020404" pitchFamily="49" charset="0"/>
               </a:rPr>
               <a:t>. </a:t>
             </a:r>
             <a:r>
-              <a:rPr lang="nl-NL" sz="1400" kern="0" dirty="0" err="1">
+              <a:rPr lang="nl-NL" sz="1200" kern="0" dirty="0" err="1">
                 <a:latin typeface="Courier New" panose="02070309020205020404" pitchFamily="49" charset="0"/>
                 <a:cs typeface="Courier New" panose="02070309020205020404" pitchFamily="49" charset="0"/>
               </a:rPr>
               <a:t>Which</a:t>
             </a:r>
             <a:r>
-              <a:rPr lang="nl-NL" sz="1400" kern="0" dirty="0">
+              <a:rPr lang="nl-NL" sz="1200" kern="0" dirty="0">
                 <a:latin typeface="Courier New" panose="02070309020205020404" pitchFamily="49" charset="0"/>
                 <a:cs typeface="Courier New" panose="02070309020205020404" pitchFamily="49" charset="0"/>
               </a:rPr>
               <a:t> are </a:t>
             </a:r>
             <a:r>
-              <a:rPr lang="nl-NL" sz="1400" kern="0" dirty="0" err="1">
+              <a:rPr lang="nl-NL" sz="1200" kern="0" dirty="0" err="1">
                 <a:latin typeface="Courier New" panose="02070309020205020404" pitchFamily="49" charset="0"/>
                 <a:cs typeface="Courier New" panose="02070309020205020404" pitchFamily="49" charset="0"/>
               </a:rPr>
               <a:t>they</a:t>
             </a:r>
             <a:r>
-              <a:rPr lang="nl-NL" sz="1400" kern="0" dirty="0">
+              <a:rPr lang="nl-NL" sz="1200" kern="0" dirty="0">
                 <a:latin typeface="Courier New" panose="02070309020205020404" pitchFamily="49" charset="0"/>
                 <a:cs typeface="Courier New" panose="02070309020205020404" pitchFamily="49" charset="0"/>
               </a:rPr>
@@ -17184,7 +17082,7 @@
               <a:buFont typeface="Zapf Dingbats" charset="2"/>
               <a:buAutoNum type="arabicPeriod"/>
             </a:pPr>
-            <a:endParaRPr lang="nl-NL" sz="1400" kern="0" dirty="0">
+            <a:endParaRPr lang="nl-NL" sz="1200" kern="0" dirty="0">
               <a:latin typeface="Courier New" panose="02070309020205020404" pitchFamily="49" charset="0"/>
               <a:cs typeface="Courier New" panose="02070309020205020404" pitchFamily="49" charset="0"/>
             </a:endParaRPr>
@@ -17195,119 +17093,119 @@
               <a:buAutoNum type="arabicPeriod"/>
             </a:pPr>
             <a:r>
-              <a:rPr lang="nl-NL" sz="1400" kern="0" dirty="0" err="1" smtClean="0">
+              <a:rPr lang="nl-NL" sz="1200" kern="0" dirty="0" err="1" smtClean="0">
                 <a:latin typeface="Courier New" panose="02070309020205020404" pitchFamily="49" charset="0"/>
                 <a:cs typeface="Courier New" panose="02070309020205020404" pitchFamily="49" charset="0"/>
               </a:rPr>
               <a:t>Then</a:t>
             </a:r>
             <a:r>
-              <a:rPr lang="nl-NL" sz="1400" kern="0" dirty="0" smtClean="0">
+              <a:rPr lang="nl-NL" sz="1200" kern="0" dirty="0" smtClean="0">
                 <a:latin typeface="Courier New" panose="02070309020205020404" pitchFamily="49" charset="0"/>
                 <a:cs typeface="Courier New" panose="02070309020205020404" pitchFamily="49" charset="0"/>
               </a:rPr>
               <a:t>, get </a:t>
             </a:r>
             <a:r>
-              <a:rPr lang="nl-NL" sz="1400" kern="0" dirty="0" err="1" smtClean="0">
+              <a:rPr lang="nl-NL" sz="1200" kern="0" dirty="0" err="1" smtClean="0">
                 <a:latin typeface="Courier New" panose="02070309020205020404" pitchFamily="49" charset="0"/>
                 <a:cs typeface="Courier New" panose="02070309020205020404" pitchFamily="49" charset="0"/>
               </a:rPr>
               <a:t>rid</a:t>
             </a:r>
             <a:r>
-              <a:rPr lang="nl-NL" sz="1400" kern="0" dirty="0" smtClean="0">
+              <a:rPr lang="nl-NL" sz="1200" kern="0" dirty="0" smtClean="0">
                 <a:latin typeface="Courier New" panose="02070309020205020404" pitchFamily="49" charset="0"/>
                 <a:cs typeface="Courier New" panose="02070309020205020404" pitchFamily="49" charset="0"/>
               </a:rPr>
               <a:t> of the </a:t>
             </a:r>
             <a:r>
-              <a:rPr lang="nl-NL" sz="1400" kern="0" dirty="0" err="1" smtClean="0">
+              <a:rPr lang="nl-NL" sz="1200" kern="0" dirty="0" err="1" smtClean="0">
                 <a:latin typeface="Courier New" panose="02070309020205020404" pitchFamily="49" charset="0"/>
                 <a:cs typeface="Courier New" panose="02070309020205020404" pitchFamily="49" charset="0"/>
               </a:rPr>
               <a:t>rows</a:t>
             </a:r>
             <a:r>
-              <a:rPr lang="nl-NL" sz="1400" kern="0" dirty="0" smtClean="0">
+              <a:rPr lang="nl-NL" sz="1200" kern="0" dirty="0" smtClean="0">
                 <a:latin typeface="Courier New" panose="02070309020205020404" pitchFamily="49" charset="0"/>
                 <a:cs typeface="Courier New" panose="02070309020205020404" pitchFamily="49" charset="0"/>
               </a:rPr>
               <a:t> </a:t>
             </a:r>
             <a:r>
-              <a:rPr lang="nl-NL" sz="1400" kern="0" dirty="0" err="1" smtClean="0">
+              <a:rPr lang="nl-NL" sz="1200" kern="0" dirty="0" err="1" smtClean="0">
                 <a:latin typeface="Courier New" panose="02070309020205020404" pitchFamily="49" charset="0"/>
                 <a:cs typeface="Courier New" panose="02070309020205020404" pitchFamily="49" charset="0"/>
               </a:rPr>
               <a:t>with</a:t>
             </a:r>
             <a:r>
-              <a:rPr lang="nl-NL" sz="1400" kern="0" dirty="0" smtClean="0">
+              <a:rPr lang="nl-NL" sz="1200" kern="0" dirty="0" smtClean="0">
                 <a:latin typeface="Courier New" panose="02070309020205020404" pitchFamily="49" charset="0"/>
                 <a:cs typeface="Courier New" panose="02070309020205020404" pitchFamily="49" charset="0"/>
               </a:rPr>
               <a:t> empty </a:t>
             </a:r>
             <a:r>
-              <a:rPr lang="nl-NL" sz="1400" kern="0" dirty="0" err="1" smtClean="0">
+              <a:rPr lang="nl-NL" sz="1200" kern="0" dirty="0" err="1" smtClean="0">
                 <a:latin typeface="Courier New" panose="02070309020205020404" pitchFamily="49" charset="0"/>
                 <a:cs typeface="Courier New" panose="02070309020205020404" pitchFamily="49" charset="0"/>
               </a:rPr>
               <a:t>cells</a:t>
             </a:r>
             <a:r>
-              <a:rPr lang="nl-NL" sz="1400" kern="0" dirty="0" smtClean="0">
+              <a:rPr lang="nl-NL" sz="1200" kern="0" dirty="0" smtClean="0">
                 <a:latin typeface="Courier New" panose="02070309020205020404" pitchFamily="49" charset="0"/>
                 <a:cs typeface="Courier New" panose="02070309020205020404" pitchFamily="49" charset="0"/>
               </a:rPr>
               <a:t>. </a:t>
             </a:r>
             <a:r>
-              <a:rPr lang="nl-NL" sz="1400" kern="0" dirty="0" err="1" smtClean="0">
+              <a:rPr lang="nl-NL" sz="1200" kern="0" dirty="0" err="1" smtClean="0">
                 <a:latin typeface="Courier New" panose="02070309020205020404" pitchFamily="49" charset="0"/>
                 <a:cs typeface="Courier New" panose="02070309020205020404" pitchFamily="49" charset="0"/>
               </a:rPr>
               <a:t>Why</a:t>
             </a:r>
             <a:r>
-              <a:rPr lang="nl-NL" sz="1400" kern="0" dirty="0" smtClean="0">
+              <a:rPr lang="nl-NL" sz="1200" kern="0" dirty="0" smtClean="0">
                 <a:latin typeface="Courier New" panose="02070309020205020404" pitchFamily="49" charset="0"/>
                 <a:cs typeface="Courier New" panose="02070309020205020404" pitchFamily="49" charset="0"/>
               </a:rPr>
               <a:t> </a:t>
             </a:r>
             <a:r>
-              <a:rPr lang="nl-NL" sz="1400" kern="0" dirty="0" err="1" smtClean="0">
+              <a:rPr lang="nl-NL" sz="1200" kern="0" dirty="0" err="1" smtClean="0">
                 <a:latin typeface="Courier New" panose="02070309020205020404" pitchFamily="49" charset="0"/>
                 <a:cs typeface="Courier New" panose="02070309020205020404" pitchFamily="49" charset="0"/>
               </a:rPr>
               <a:t>should</a:t>
             </a:r>
             <a:r>
-              <a:rPr lang="nl-NL" sz="1400" kern="0" dirty="0" smtClean="0">
+              <a:rPr lang="nl-NL" sz="1200" kern="0" dirty="0" smtClean="0">
                 <a:latin typeface="Courier New" panose="02070309020205020404" pitchFamily="49" charset="0"/>
                 <a:cs typeface="Courier New" panose="02070309020205020404" pitchFamily="49" charset="0"/>
               </a:rPr>
               <a:t> we do this </a:t>
             </a:r>
             <a:r>
-              <a:rPr lang="nl-NL" sz="1400" i="1" kern="0" dirty="0" err="1" smtClean="0">
+              <a:rPr lang="nl-NL" sz="1200" i="1" kern="0" dirty="0" err="1" smtClean="0">
                 <a:latin typeface="Courier New" panose="02070309020205020404" pitchFamily="49" charset="0"/>
                 <a:cs typeface="Courier New" panose="02070309020205020404" pitchFamily="49" charset="0"/>
               </a:rPr>
               <a:t>after</a:t>
             </a:r>
             <a:r>
-              <a:rPr lang="nl-NL" sz="1400" i="1" kern="0" dirty="0" smtClean="0">
+              <a:rPr lang="nl-NL" sz="1200" i="1" kern="0" dirty="0" smtClean="0">
                 <a:latin typeface="Courier New" panose="02070309020205020404" pitchFamily="49" charset="0"/>
                 <a:cs typeface="Courier New" panose="02070309020205020404" pitchFamily="49" charset="0"/>
               </a:rPr>
               <a:t> </a:t>
             </a:r>
             <a:r>
-              <a:rPr lang="nl-NL" sz="1400" kern="0" dirty="0" smtClean="0">
+              <a:rPr lang="nl-NL" sz="1200" kern="0" dirty="0" smtClean="0">
                 <a:latin typeface="Courier New" panose="02070309020205020404" pitchFamily="49" charset="0"/>
                 <a:cs typeface="Courier New" panose="02070309020205020404" pitchFamily="49" charset="0"/>
               </a:rPr>
@@ -17319,7 +17217,7 @@
               <a:buFont typeface="Zapf Dingbats" charset="2"/>
               <a:buAutoNum type="arabicPeriod"/>
             </a:pPr>
-            <a:endParaRPr lang="nl-NL" sz="1400" kern="0" dirty="0">
+            <a:endParaRPr lang="nl-NL" sz="1200" kern="0" dirty="0">
               <a:latin typeface="Courier New" panose="02070309020205020404" pitchFamily="49" charset="0"/>
               <a:cs typeface="Courier New" panose="02070309020205020404" pitchFamily="49" charset="0"/>
             </a:endParaRPr>
@@ -17330,226 +17228,222 @@
               <a:buAutoNum type="arabicPeriod"/>
             </a:pPr>
             <a:r>
-              <a:rPr lang="nl-NL" sz="1400" kern="0" dirty="0" err="1" smtClean="0">
+              <a:rPr lang="nl-NL" sz="1200" kern="0" dirty="0" err="1" smtClean="0">
                 <a:latin typeface="Courier New" panose="02070309020205020404" pitchFamily="49" charset="0"/>
                 <a:cs typeface="Courier New" panose="02070309020205020404" pitchFamily="49" charset="0"/>
               </a:rPr>
               <a:t>Create</a:t>
             </a:r>
             <a:r>
-              <a:rPr lang="nl-NL" sz="1400" kern="0" dirty="0" smtClean="0">
+              <a:rPr lang="nl-NL" sz="1200" kern="0" dirty="0" smtClean="0">
                 <a:latin typeface="Courier New" panose="02070309020205020404" pitchFamily="49" charset="0"/>
                 <a:cs typeface="Courier New" panose="02070309020205020404" pitchFamily="49" charset="0"/>
               </a:rPr>
               <a:t> dummy variables </a:t>
             </a:r>
             <a:r>
-              <a:rPr lang="nl-NL" sz="1400" kern="0" dirty="0" err="1" smtClean="0">
+              <a:rPr lang="nl-NL" sz="1200" kern="0" dirty="0" err="1" smtClean="0">
                 <a:latin typeface="Courier New" panose="02070309020205020404" pitchFamily="49" charset="0"/>
                 <a:cs typeface="Courier New" panose="02070309020205020404" pitchFamily="49" charset="0"/>
               </a:rPr>
               <a:t>for</a:t>
             </a:r>
             <a:r>
-              <a:rPr lang="nl-NL" sz="1400" kern="0" dirty="0" smtClean="0">
+              <a:rPr lang="nl-NL" sz="1200" kern="0" dirty="0" smtClean="0">
                 <a:latin typeface="Courier New" panose="02070309020205020404" pitchFamily="49" charset="0"/>
                 <a:cs typeface="Courier New" panose="02070309020205020404" pitchFamily="49" charset="0"/>
               </a:rPr>
               <a:t> the </a:t>
             </a:r>
             <a:r>
-              <a:rPr lang="nl-NL" sz="1400" kern="0" dirty="0" err="1" smtClean="0">
+              <a:rPr lang="nl-NL" sz="1200" kern="0" dirty="0" err="1" smtClean="0">
                 <a:latin typeface="Courier New" panose="02070309020205020404" pitchFamily="49" charset="0"/>
                 <a:cs typeface="Courier New" panose="02070309020205020404" pitchFamily="49" charset="0"/>
               </a:rPr>
               <a:t>qualitative</a:t>
             </a:r>
             <a:r>
-              <a:rPr lang="nl-NL" sz="1400" kern="0" dirty="0" smtClean="0">
+              <a:rPr lang="nl-NL" sz="1200" kern="0" dirty="0" smtClean="0">
                 <a:latin typeface="Courier New" panose="02070309020205020404" pitchFamily="49" charset="0"/>
                 <a:cs typeface="Courier New" panose="02070309020205020404" pitchFamily="49" charset="0"/>
               </a:rPr>
               <a:t> </a:t>
             </a:r>
             <a:r>
-              <a:rPr lang="nl-NL" sz="1400" kern="0" dirty="0" err="1" smtClean="0">
+              <a:rPr lang="nl-NL" sz="1200" kern="0" dirty="0" err="1" smtClean="0">
                 <a:latin typeface="Courier New" panose="02070309020205020404" pitchFamily="49" charset="0"/>
                 <a:cs typeface="Courier New" panose="02070309020205020404" pitchFamily="49" charset="0"/>
               </a:rPr>
               <a:t>variable</a:t>
             </a:r>
             <a:r>
-              <a:rPr lang="nl-NL" sz="1400" kern="0" dirty="0" smtClean="0">
+              <a:rPr lang="nl-NL" sz="1200" kern="0" dirty="0" smtClean="0">
                 <a:latin typeface="Courier New" panose="02070309020205020404" pitchFamily="49" charset="0"/>
                 <a:cs typeface="Courier New" panose="02070309020205020404" pitchFamily="49" charset="0"/>
               </a:rPr>
               <a:t> </a:t>
             </a:r>
             <a:r>
-              <a:rPr lang="nl-NL" sz="1400" kern="0" dirty="0" err="1" smtClean="0">
+              <a:rPr lang="nl-NL" sz="1200" kern="0" dirty="0" err="1" smtClean="0">
                 <a:latin typeface="Courier New" panose="02070309020205020404" pitchFamily="49" charset="0"/>
                 <a:cs typeface="Courier New" panose="02070309020205020404" pitchFamily="49" charset="0"/>
               </a:rPr>
               <a:t>and</a:t>
             </a:r>
             <a:r>
-              <a:rPr lang="nl-NL" sz="1400" kern="0" dirty="0" smtClean="0">
+              <a:rPr lang="nl-NL" sz="1200" kern="0" dirty="0" smtClean="0">
                 <a:latin typeface="Courier New" panose="02070309020205020404" pitchFamily="49" charset="0"/>
                 <a:cs typeface="Courier New" panose="02070309020205020404" pitchFamily="49" charset="0"/>
               </a:rPr>
               <a:t> </a:t>
             </a:r>
             <a:r>
-              <a:rPr lang="nl-NL" sz="1400" kern="0" dirty="0" err="1" smtClean="0">
+              <a:rPr lang="nl-NL" sz="1200" kern="0" dirty="0" err="1" smtClean="0">
                 <a:latin typeface="Courier New" panose="02070309020205020404" pitchFamily="49" charset="0"/>
                 <a:cs typeface="Courier New" panose="02070309020205020404" pitchFamily="49" charset="0"/>
               </a:rPr>
               <a:t>add</a:t>
             </a:r>
             <a:r>
-              <a:rPr lang="nl-NL" sz="1400" kern="0" dirty="0" smtClean="0">
+              <a:rPr lang="nl-NL" sz="1200" kern="0" dirty="0" smtClean="0">
                 <a:latin typeface="Courier New" panose="02070309020205020404" pitchFamily="49" charset="0"/>
                 <a:cs typeface="Courier New" panose="02070309020205020404" pitchFamily="49" charset="0"/>
               </a:rPr>
               <a:t> </a:t>
             </a:r>
             <a:r>
-              <a:rPr lang="nl-NL" sz="1400" b="1" kern="0" dirty="0" err="1" smtClean="0">
+              <a:rPr lang="nl-NL" sz="1200" b="1" kern="0" dirty="0" err="1" smtClean="0">
                 <a:latin typeface="Courier New" panose="02070309020205020404" pitchFamily="49" charset="0"/>
                 <a:cs typeface="Courier New" panose="02070309020205020404" pitchFamily="49" charset="0"/>
               </a:rPr>
               <a:t>one</a:t>
             </a:r>
             <a:r>
-              <a:rPr lang="nl-NL" sz="1400" b="1" kern="0" dirty="0" smtClean="0">
+              <a:rPr lang="nl-NL" sz="1200" b="1" kern="0" dirty="0" smtClean="0">
                 <a:latin typeface="Courier New" panose="02070309020205020404" pitchFamily="49" charset="0"/>
                 <a:cs typeface="Courier New" panose="02070309020205020404" pitchFamily="49" charset="0"/>
               </a:rPr>
               <a:t> </a:t>
             </a:r>
             <a:r>
-              <a:rPr lang="nl-NL" sz="1400" kern="0" dirty="0" smtClean="0">
+              <a:rPr lang="nl-NL" sz="1200" kern="0" dirty="0" smtClean="0">
                 <a:latin typeface="Courier New" panose="02070309020205020404" pitchFamily="49" charset="0"/>
                 <a:cs typeface="Courier New" panose="02070309020205020404" pitchFamily="49" charset="0"/>
               </a:rPr>
               <a:t>of </a:t>
             </a:r>
             <a:r>
-              <a:rPr lang="nl-NL" sz="1400" kern="0" dirty="0" err="1" smtClean="0">
+              <a:rPr lang="nl-NL" sz="1200" kern="0" dirty="0" err="1" smtClean="0">
                 <a:latin typeface="Courier New" panose="02070309020205020404" pitchFamily="49" charset="0"/>
                 <a:cs typeface="Courier New" panose="02070309020205020404" pitchFamily="49" charset="0"/>
               </a:rPr>
               <a:t>them</a:t>
             </a:r>
             <a:r>
-              <a:rPr lang="nl-NL" sz="1400" kern="0" dirty="0">
+              <a:rPr lang="nl-NL" sz="1200" kern="0" dirty="0">
                 <a:latin typeface="Courier New" panose="02070309020205020404" pitchFamily="49" charset="0"/>
                 <a:cs typeface="Courier New" panose="02070309020205020404" pitchFamily="49" charset="0"/>
               </a:rPr>
               <a:t> </a:t>
             </a:r>
             <a:r>
-              <a:rPr lang="nl-NL" sz="1400" kern="0" dirty="0" smtClean="0">
+              <a:rPr lang="nl-NL" sz="1200" kern="0" dirty="0" smtClean="0">
                 <a:latin typeface="Courier New" panose="02070309020205020404" pitchFamily="49" charset="0"/>
                 <a:cs typeface="Courier New" panose="02070309020205020404" pitchFamily="49" charset="0"/>
               </a:rPr>
               <a:t>(</a:t>
             </a:r>
             <a:r>
-              <a:rPr lang="nl-NL" sz="1400" kern="0" dirty="0" err="1" smtClean="0">
+              <a:rPr lang="nl-NL" sz="1200" kern="0" dirty="0" err="1" smtClean="0">
                 <a:latin typeface="Courier New" panose="02070309020205020404" pitchFamily="49" charset="0"/>
                 <a:cs typeface="Courier New" panose="02070309020205020404" pitchFamily="49" charset="0"/>
               </a:rPr>
               <a:t>remember</a:t>
             </a:r>
             <a:r>
-              <a:rPr lang="nl-NL" sz="1400" kern="0" dirty="0" smtClean="0">
+              <a:rPr lang="nl-NL" sz="1200" kern="0" dirty="0" smtClean="0">
                 <a:latin typeface="Courier New" panose="02070309020205020404" pitchFamily="49" charset="0"/>
                 <a:cs typeface="Courier New" panose="02070309020205020404" pitchFamily="49" charset="0"/>
               </a:rPr>
               <a:t> </a:t>
             </a:r>
             <a:r>
-              <a:rPr lang="nl-NL" sz="1400" kern="0" dirty="0" err="1" smtClean="0">
+              <a:rPr lang="nl-NL" sz="1200" kern="0" dirty="0" err="1" smtClean="0">
                 <a:latin typeface="Courier New" panose="02070309020205020404" pitchFamily="49" charset="0"/>
                 <a:cs typeface="Courier New" panose="02070309020205020404" pitchFamily="49" charset="0"/>
               </a:rPr>
               <a:t>that</a:t>
             </a:r>
             <a:r>
-              <a:rPr lang="nl-NL" sz="1400" kern="0" dirty="0" smtClean="0">
+              <a:rPr lang="nl-NL" sz="1200" kern="0" dirty="0" smtClean="0">
                 <a:latin typeface="Courier New" panose="02070309020205020404" pitchFamily="49" charset="0"/>
                 <a:cs typeface="Courier New" panose="02070309020205020404" pitchFamily="49" charset="0"/>
               </a:rPr>
               <a:t> </a:t>
             </a:r>
             <a:r>
-              <a:rPr lang="nl-NL" sz="1400" kern="0" dirty="0" err="1" smtClean="0">
+              <a:rPr lang="nl-NL" sz="1200" kern="0" dirty="0" err="1" smtClean="0">
                 <a:latin typeface="Courier New" panose="02070309020205020404" pitchFamily="49" charset="0"/>
                 <a:cs typeface="Courier New" panose="02070309020205020404" pitchFamily="49" charset="0"/>
               </a:rPr>
               <a:t>you</a:t>
             </a:r>
             <a:r>
-              <a:rPr lang="nl-NL" sz="1400" kern="0" dirty="0" smtClean="0">
+              <a:rPr lang="nl-NL" sz="1200" kern="0" dirty="0" smtClean="0">
                 <a:latin typeface="Courier New" panose="02070309020205020404" pitchFamily="49" charset="0"/>
                 <a:cs typeface="Courier New" panose="02070309020205020404" pitchFamily="49" charset="0"/>
               </a:rPr>
               <a:t> </a:t>
             </a:r>
             <a:r>
-              <a:rPr lang="nl-NL" sz="1400" kern="0" dirty="0" err="1" smtClean="0">
+              <a:rPr lang="nl-NL" sz="1200" kern="0" dirty="0" err="1" smtClean="0">
                 <a:latin typeface="Courier New" panose="02070309020205020404" pitchFamily="49" charset="0"/>
                 <a:cs typeface="Courier New" panose="02070309020205020404" pitchFamily="49" charset="0"/>
               </a:rPr>
               <a:t>shouldn’t</a:t>
             </a:r>
             <a:r>
-              <a:rPr lang="nl-NL" sz="1400" kern="0" dirty="0" smtClean="0">
+              <a:rPr lang="nl-NL" sz="1200" kern="0" dirty="0" smtClean="0">
                 <a:latin typeface="Courier New" panose="02070309020205020404" pitchFamily="49" charset="0"/>
                 <a:cs typeface="Courier New" panose="02070309020205020404" pitchFamily="49" charset="0"/>
               </a:rPr>
               <a:t> </a:t>
             </a:r>
             <a:r>
-              <a:rPr lang="nl-NL" sz="1400" kern="0" dirty="0" err="1" smtClean="0">
+              <a:rPr lang="nl-NL" sz="1200" kern="0" dirty="0" err="1" smtClean="0">
                 <a:latin typeface="Courier New" panose="02070309020205020404" pitchFamily="49" charset="0"/>
                 <a:cs typeface="Courier New" panose="02070309020205020404" pitchFamily="49" charset="0"/>
               </a:rPr>
               <a:t>add</a:t>
             </a:r>
             <a:r>
-              <a:rPr lang="nl-NL" sz="1400" kern="0" dirty="0" smtClean="0">
+              <a:rPr lang="nl-NL" sz="1200" kern="0" dirty="0" smtClean="0">
                 <a:latin typeface="Courier New" panose="02070309020205020404" pitchFamily="49" charset="0"/>
                 <a:cs typeface="Courier New" panose="02070309020205020404" pitchFamily="49" charset="0"/>
               </a:rPr>
               <a:t> “redundant” variables in </a:t>
             </a:r>
             <a:r>
-              <a:rPr lang="nl-NL" sz="1400" kern="0" dirty="0" err="1" smtClean="0">
+              <a:rPr lang="nl-NL" sz="1200" kern="0" dirty="0" err="1" smtClean="0">
                 <a:latin typeface="Courier New" panose="02070309020205020404" pitchFamily="49" charset="0"/>
                 <a:cs typeface="Courier New" panose="02070309020205020404" pitchFamily="49" charset="0"/>
               </a:rPr>
               <a:t>terms</a:t>
             </a:r>
             <a:r>
-              <a:rPr lang="nl-NL" sz="1400" kern="0" dirty="0" smtClean="0">
+              <a:rPr lang="nl-NL" sz="1200" kern="0" dirty="0" smtClean="0">
                 <a:latin typeface="Courier New" panose="02070309020205020404" pitchFamily="49" charset="0"/>
                 <a:cs typeface="Courier New" panose="02070309020205020404" pitchFamily="49" charset="0"/>
               </a:rPr>
               <a:t> of information)</a:t>
             </a:r>
-            <a:endParaRPr lang="nl-NL" sz="1400" kern="0" dirty="0" smtClean="0">
-              <a:latin typeface="Courier New" panose="02070309020205020404" pitchFamily="49" charset="0"/>
-              <a:cs typeface="Courier New" panose="02070309020205020404" pitchFamily="49" charset="0"/>
-            </a:endParaRPr>
           </a:p>
           <a:p>
             <a:pPr>
               <a:buFont typeface="Zapf Dingbats" charset="2"/>
               <a:buAutoNum type="arabicPeriod"/>
             </a:pPr>
-            <a:endParaRPr lang="nl-NL" sz="1400" kern="0" dirty="0" smtClean="0">
+            <a:endParaRPr lang="nl-NL" sz="1200" kern="0" dirty="0" smtClean="0">
               <a:latin typeface="Courier New" panose="02070309020205020404" pitchFamily="49" charset="0"/>
               <a:cs typeface="Courier New" panose="02070309020205020404" pitchFamily="49" charset="0"/>
             </a:endParaRPr>
@@ -17560,53 +17454,46 @@
               <a:buAutoNum type="arabicPeriod"/>
             </a:pPr>
             <a:r>
-              <a:rPr lang="nl-NL" sz="1400" kern="0" dirty="0" smtClean="0">
+              <a:rPr lang="nl-NL" sz="1200" kern="0" dirty="0" smtClean="0">
                 <a:latin typeface="Courier New" panose="02070309020205020404" pitchFamily="49" charset="0"/>
                 <a:cs typeface="Courier New" panose="02070309020205020404" pitchFamily="49" charset="0"/>
               </a:rPr>
               <a:t>Split the data </a:t>
             </a:r>
             <a:r>
-              <a:rPr lang="nl-NL" sz="1400" kern="0" dirty="0" err="1" smtClean="0">
+              <a:rPr lang="nl-NL" sz="1200" kern="0" dirty="0" err="1" smtClean="0">
                 <a:latin typeface="Courier New" panose="02070309020205020404" pitchFamily="49" charset="0"/>
                 <a:cs typeface="Courier New" panose="02070309020205020404" pitchFamily="49" charset="0"/>
               </a:rPr>
               <a:t>into</a:t>
             </a:r>
             <a:r>
-              <a:rPr lang="nl-NL" sz="1400" kern="0" dirty="0" smtClean="0">
+              <a:rPr lang="nl-NL" sz="1200" kern="0" dirty="0" smtClean="0">
                 <a:latin typeface="Courier New" panose="02070309020205020404" pitchFamily="49" charset="0"/>
                 <a:cs typeface="Courier New" panose="02070309020205020404" pitchFamily="49" charset="0"/>
               </a:rPr>
               <a:t> a training </a:t>
             </a:r>
             <a:r>
-              <a:rPr lang="nl-NL" sz="1400" kern="0" dirty="0" err="1" smtClean="0">
+              <a:rPr lang="nl-NL" sz="1200" kern="0" dirty="0" err="1" smtClean="0">
                 <a:latin typeface="Courier New" panose="02070309020205020404" pitchFamily="49" charset="0"/>
                 <a:cs typeface="Courier New" panose="02070309020205020404" pitchFamily="49" charset="0"/>
               </a:rPr>
               <a:t>and</a:t>
             </a:r>
             <a:r>
-              <a:rPr lang="nl-NL" sz="1400" kern="0" dirty="0">
+              <a:rPr lang="nl-NL" sz="1200" kern="0" dirty="0">
                 <a:latin typeface="Courier New" panose="02070309020205020404" pitchFamily="49" charset="0"/>
                 <a:cs typeface="Courier New" panose="02070309020205020404" pitchFamily="49" charset="0"/>
               </a:rPr>
               <a:t> </a:t>
             </a:r>
             <a:r>
-              <a:rPr lang="nl-NL" sz="1400" kern="0" dirty="0" smtClean="0">
-                <a:latin typeface="Courier New" panose="02070309020205020404" pitchFamily="49" charset="0"/>
-                <a:cs typeface="Courier New" panose="02070309020205020404" pitchFamily="49" charset="0"/>
-              </a:rPr>
-              <a:t>test </a:t>
-            </a:r>
-            <a:r>
-              <a:rPr lang="nl-NL" sz="1400" kern="0" dirty="0" smtClean="0">
-                <a:latin typeface="Courier New" panose="02070309020205020404" pitchFamily="49" charset="0"/>
-                <a:cs typeface="Courier New" panose="02070309020205020404" pitchFamily="49" charset="0"/>
-              </a:rPr>
-              <a:t>set.</a:t>
+              <a:rPr lang="nl-NL" sz="1200" kern="0" dirty="0" smtClean="0">
+                <a:latin typeface="Courier New" panose="02070309020205020404" pitchFamily="49" charset="0"/>
+                <a:cs typeface="Courier New" panose="02070309020205020404" pitchFamily="49" charset="0"/>
+              </a:rPr>
+              <a:t>test set.</a:t>
             </a:r>
           </a:p>
           <a:p>
@@ -17614,7 +17501,7 @@
               <a:buFont typeface="Zapf Dingbats" charset="2"/>
               <a:buAutoNum type="arabicPeriod"/>
             </a:pPr>
-            <a:endParaRPr lang="nl-NL" sz="1400" kern="0" dirty="0">
+            <a:endParaRPr lang="nl-NL" sz="1200" kern="0" dirty="0">
               <a:latin typeface="Courier New" panose="02070309020205020404" pitchFamily="49" charset="0"/>
               <a:cs typeface="Courier New" panose="02070309020205020404" pitchFamily="49" charset="0"/>
             </a:endParaRPr>
@@ -17625,255 +17512,255 @@
               <a:buAutoNum type="arabicPeriod"/>
             </a:pPr>
             <a:r>
-              <a:rPr lang="nl-NL" sz="1400" kern="0" dirty="0" smtClean="0">
+              <a:rPr lang="nl-NL" sz="1200" kern="0" dirty="0" smtClean="0">
                 <a:latin typeface="Courier New" panose="02070309020205020404" pitchFamily="49" charset="0"/>
                 <a:cs typeface="Courier New" panose="02070309020205020404" pitchFamily="49" charset="0"/>
               </a:rPr>
               <a:t>Train a </a:t>
             </a:r>
             <a:r>
-              <a:rPr lang="nl-NL" sz="1400" kern="0" dirty="0" err="1" smtClean="0">
+              <a:rPr lang="nl-NL" sz="1200" kern="0" dirty="0" err="1" smtClean="0">
                 <a:latin typeface="Courier New" panose="02070309020205020404" pitchFamily="49" charset="0"/>
                 <a:cs typeface="Courier New" panose="02070309020205020404" pitchFamily="49" charset="0"/>
               </a:rPr>
               <a:t>kNN-algorithm</a:t>
             </a:r>
             <a:r>
-              <a:rPr lang="nl-NL" sz="1400" kern="0" dirty="0" smtClean="0">
+              <a:rPr lang="nl-NL" sz="1200" kern="0" dirty="0" smtClean="0">
                 <a:latin typeface="Courier New" panose="02070309020205020404" pitchFamily="49" charset="0"/>
                 <a:cs typeface="Courier New" panose="02070309020205020404" pitchFamily="49" charset="0"/>
               </a:rPr>
               <a:t> on the data, </a:t>
             </a:r>
             <a:r>
-              <a:rPr lang="nl-NL" sz="1400" kern="0" dirty="0" err="1" smtClean="0">
+              <a:rPr lang="nl-NL" sz="1200" kern="0" dirty="0" err="1" smtClean="0">
                 <a:latin typeface="Courier New" panose="02070309020205020404" pitchFamily="49" charset="0"/>
                 <a:cs typeface="Courier New" panose="02070309020205020404" pitchFamily="49" charset="0"/>
               </a:rPr>
               <a:t>with</a:t>
             </a:r>
             <a:r>
-              <a:rPr lang="nl-NL" sz="1400" kern="0" dirty="0" smtClean="0">
+              <a:rPr lang="nl-NL" sz="1200" kern="0" dirty="0" smtClean="0">
                 <a:latin typeface="Courier New" panose="02070309020205020404" pitchFamily="49" charset="0"/>
                 <a:cs typeface="Courier New" panose="02070309020205020404" pitchFamily="49" charset="0"/>
               </a:rPr>
               <a:t> </a:t>
             </a:r>
             <a:r>
-              <a:rPr lang="nl-NL" sz="1400" i="1" kern="0" dirty="0" smtClean="0">
+              <a:rPr lang="nl-NL" sz="1200" i="1" kern="0" dirty="0" smtClean="0">
                 <a:latin typeface="Courier New" panose="02070309020205020404" pitchFamily="49" charset="0"/>
                 <a:cs typeface="Courier New" panose="02070309020205020404" pitchFamily="49" charset="0"/>
               </a:rPr>
               <a:t>k = </a:t>
             </a:r>
             <a:r>
-              <a:rPr lang="nl-NL" sz="1400" kern="0" dirty="0">
+              <a:rPr lang="nl-NL" sz="1200" kern="0" dirty="0">
                 <a:latin typeface="Courier New" panose="02070309020205020404" pitchFamily="49" charset="0"/>
                 <a:cs typeface="Courier New" panose="02070309020205020404" pitchFamily="49" charset="0"/>
               </a:rPr>
               <a:t>3</a:t>
             </a:r>
-            <a:endParaRPr lang="nl-NL" sz="1400" kern="0" dirty="0" smtClean="0">
-              <a:latin typeface="Courier New" panose="02070309020205020404" pitchFamily="49" charset="0"/>
-              <a:cs typeface="Courier New" panose="02070309020205020404" pitchFamily="49" charset="0"/>
-            </a:endParaRPr>
-          </a:p>
-          <a:p>
-            <a:pPr lvl="1"/>
-            <a:r>
-              <a:rPr lang="nl-NL" sz="1200" kern="0" dirty="0" err="1" smtClean="0">
-                <a:latin typeface="Courier New" panose="02070309020205020404" pitchFamily="49" charset="0"/>
-                <a:cs typeface="Courier New" panose="02070309020205020404" pitchFamily="49" charset="0"/>
-              </a:rPr>
-              <a:t>Calculate</a:t>
-            </a:r>
-            <a:r>
-              <a:rPr lang="nl-NL" sz="1200" kern="0" dirty="0" smtClean="0">
-                <a:latin typeface="Courier New" panose="02070309020205020404" pitchFamily="49" charset="0"/>
-                <a:cs typeface="Courier New" panose="02070309020205020404" pitchFamily="49" charset="0"/>
-              </a:rPr>
-              <a:t> </a:t>
-            </a:r>
-            <a:r>
-              <a:rPr lang="nl-NL" sz="1200" kern="0" dirty="0" err="1" smtClean="0">
-                <a:latin typeface="Courier New" panose="02070309020205020404" pitchFamily="49" charset="0"/>
-                <a:cs typeface="Courier New" panose="02070309020205020404" pitchFamily="49" charset="0"/>
-              </a:rPr>
-              <a:t>accuracy</a:t>
-            </a:r>
-            <a:r>
-              <a:rPr lang="nl-NL" sz="1200" kern="0" dirty="0" smtClean="0">
-                <a:latin typeface="Courier New" panose="02070309020205020404" pitchFamily="49" charset="0"/>
-                <a:cs typeface="Courier New" panose="02070309020205020404" pitchFamily="49" charset="0"/>
-              </a:rPr>
-              <a:t>, </a:t>
-            </a:r>
-            <a:r>
-              <a:rPr lang="nl-NL" sz="1200" kern="0" dirty="0" err="1" smtClean="0">
-                <a:latin typeface="Courier New" panose="02070309020205020404" pitchFamily="49" charset="0"/>
-                <a:cs typeface="Courier New" panose="02070309020205020404" pitchFamily="49" charset="0"/>
-              </a:rPr>
-              <a:t>precision</a:t>
-            </a:r>
-            <a:r>
-              <a:rPr lang="nl-NL" sz="1200" kern="0" dirty="0" smtClean="0">
-                <a:latin typeface="Courier New" panose="02070309020205020404" pitchFamily="49" charset="0"/>
-                <a:cs typeface="Courier New" panose="02070309020205020404" pitchFamily="49" charset="0"/>
-              </a:rPr>
-              <a:t> </a:t>
-            </a:r>
-            <a:r>
-              <a:rPr lang="nl-NL" sz="1200" kern="0" dirty="0" err="1" smtClean="0">
-                <a:latin typeface="Courier New" panose="02070309020205020404" pitchFamily="49" charset="0"/>
-                <a:cs typeface="Courier New" panose="02070309020205020404" pitchFamily="49" charset="0"/>
-              </a:rPr>
-              <a:t>and</a:t>
-            </a:r>
-            <a:r>
-              <a:rPr lang="nl-NL" sz="1200" kern="0" dirty="0" smtClean="0">
-                <a:latin typeface="Courier New" panose="02070309020205020404" pitchFamily="49" charset="0"/>
-                <a:cs typeface="Courier New" panose="02070309020205020404" pitchFamily="49" charset="0"/>
-              </a:rPr>
-              <a:t> </a:t>
-            </a:r>
-            <a:r>
-              <a:rPr lang="nl-NL" sz="1200" kern="0" dirty="0" err="1" smtClean="0">
-                <a:latin typeface="Courier New" panose="02070309020205020404" pitchFamily="49" charset="0"/>
-                <a:cs typeface="Courier New" panose="02070309020205020404" pitchFamily="49" charset="0"/>
-              </a:rPr>
-              <a:t>recall</a:t>
-            </a:r>
-            <a:r>
-              <a:rPr lang="nl-NL" sz="1200" kern="0" dirty="0" smtClean="0">
-                <a:latin typeface="Courier New" panose="02070309020205020404" pitchFamily="49" charset="0"/>
-                <a:cs typeface="Courier New" panose="02070309020205020404" pitchFamily="49" charset="0"/>
-              </a:rPr>
-              <a:t> </a:t>
-            </a:r>
-            <a:r>
-              <a:rPr lang="nl-NL" sz="1200" kern="0" dirty="0" err="1" smtClean="0">
-                <a:latin typeface="Courier New" panose="02070309020205020404" pitchFamily="49" charset="0"/>
-                <a:cs typeface="Courier New" panose="02070309020205020404" pitchFamily="49" charset="0"/>
-              </a:rPr>
-              <a:t>for</a:t>
-            </a:r>
-            <a:r>
-              <a:rPr lang="nl-NL" sz="1200" kern="0" dirty="0" smtClean="0">
-                <a:latin typeface="Courier New" panose="02070309020205020404" pitchFamily="49" charset="0"/>
-                <a:cs typeface="Courier New" panose="02070309020205020404" pitchFamily="49" charset="0"/>
-              </a:rPr>
-              <a:t> survival </a:t>
-            </a:r>
-            <a:r>
-              <a:rPr lang="nl-NL" sz="1200" b="1" kern="0" dirty="0" smtClean="0">
-                <a:latin typeface="Courier New" panose="02070309020205020404" pitchFamily="49" charset="0"/>
-                <a:cs typeface="Courier New" panose="02070309020205020404" pitchFamily="49" charset="0"/>
-              </a:rPr>
-              <a:t>on the test set</a:t>
-            </a:r>
-            <a:endParaRPr lang="nl-NL" sz="1200" i="1" kern="0" dirty="0">
-              <a:latin typeface="Courier New" panose="02070309020205020404" pitchFamily="49" charset="0"/>
-              <a:cs typeface="Courier New" panose="02070309020205020404" pitchFamily="49" charset="0"/>
-            </a:endParaRPr>
-          </a:p>
-          <a:p>
-            <a:pPr lvl="1"/>
             <a:endParaRPr lang="nl-NL" sz="1200" kern="0" dirty="0" smtClean="0">
               <a:latin typeface="Courier New" panose="02070309020205020404" pitchFamily="49" charset="0"/>
               <a:cs typeface="Courier New" panose="02070309020205020404" pitchFamily="49" charset="0"/>
             </a:endParaRPr>
           </a:p>
           <a:p>
+            <a:pPr lvl="1"/>
+            <a:r>
+              <a:rPr lang="nl-NL" sz="1100" kern="0" dirty="0" err="1" smtClean="0">
+                <a:latin typeface="Courier New" panose="02070309020205020404" pitchFamily="49" charset="0"/>
+                <a:cs typeface="Courier New" panose="02070309020205020404" pitchFamily="49" charset="0"/>
+              </a:rPr>
+              <a:t>Calculate</a:t>
+            </a:r>
+            <a:r>
+              <a:rPr lang="nl-NL" sz="1100" kern="0" dirty="0" smtClean="0">
+                <a:latin typeface="Courier New" panose="02070309020205020404" pitchFamily="49" charset="0"/>
+                <a:cs typeface="Courier New" panose="02070309020205020404" pitchFamily="49" charset="0"/>
+              </a:rPr>
+              <a:t> </a:t>
+            </a:r>
+            <a:r>
+              <a:rPr lang="nl-NL" sz="1100" kern="0" dirty="0" err="1" smtClean="0">
+                <a:latin typeface="Courier New" panose="02070309020205020404" pitchFamily="49" charset="0"/>
+                <a:cs typeface="Courier New" panose="02070309020205020404" pitchFamily="49" charset="0"/>
+              </a:rPr>
+              <a:t>accuracy</a:t>
+            </a:r>
+            <a:r>
+              <a:rPr lang="nl-NL" sz="1100" kern="0" dirty="0" smtClean="0">
+                <a:latin typeface="Courier New" panose="02070309020205020404" pitchFamily="49" charset="0"/>
+                <a:cs typeface="Courier New" panose="02070309020205020404" pitchFamily="49" charset="0"/>
+              </a:rPr>
+              <a:t>, </a:t>
+            </a:r>
+            <a:r>
+              <a:rPr lang="nl-NL" sz="1100" kern="0" dirty="0" err="1" smtClean="0">
+                <a:latin typeface="Courier New" panose="02070309020205020404" pitchFamily="49" charset="0"/>
+                <a:cs typeface="Courier New" panose="02070309020205020404" pitchFamily="49" charset="0"/>
+              </a:rPr>
+              <a:t>precision</a:t>
+            </a:r>
+            <a:r>
+              <a:rPr lang="nl-NL" sz="1100" kern="0" dirty="0" smtClean="0">
+                <a:latin typeface="Courier New" panose="02070309020205020404" pitchFamily="49" charset="0"/>
+                <a:cs typeface="Courier New" panose="02070309020205020404" pitchFamily="49" charset="0"/>
+              </a:rPr>
+              <a:t> </a:t>
+            </a:r>
+            <a:r>
+              <a:rPr lang="nl-NL" sz="1100" kern="0" dirty="0" err="1" smtClean="0">
+                <a:latin typeface="Courier New" panose="02070309020205020404" pitchFamily="49" charset="0"/>
+                <a:cs typeface="Courier New" panose="02070309020205020404" pitchFamily="49" charset="0"/>
+              </a:rPr>
+              <a:t>and</a:t>
+            </a:r>
+            <a:r>
+              <a:rPr lang="nl-NL" sz="1100" kern="0" dirty="0" smtClean="0">
+                <a:latin typeface="Courier New" panose="02070309020205020404" pitchFamily="49" charset="0"/>
+                <a:cs typeface="Courier New" panose="02070309020205020404" pitchFamily="49" charset="0"/>
+              </a:rPr>
+              <a:t> </a:t>
+            </a:r>
+            <a:r>
+              <a:rPr lang="nl-NL" sz="1100" kern="0" dirty="0" err="1" smtClean="0">
+                <a:latin typeface="Courier New" panose="02070309020205020404" pitchFamily="49" charset="0"/>
+                <a:cs typeface="Courier New" panose="02070309020205020404" pitchFamily="49" charset="0"/>
+              </a:rPr>
+              <a:t>recall</a:t>
+            </a:r>
+            <a:r>
+              <a:rPr lang="nl-NL" sz="1100" kern="0" dirty="0" smtClean="0">
+                <a:latin typeface="Courier New" panose="02070309020205020404" pitchFamily="49" charset="0"/>
+                <a:cs typeface="Courier New" panose="02070309020205020404" pitchFamily="49" charset="0"/>
+              </a:rPr>
+              <a:t> </a:t>
+            </a:r>
+            <a:r>
+              <a:rPr lang="nl-NL" sz="1100" kern="0" dirty="0" err="1" smtClean="0">
+                <a:latin typeface="Courier New" panose="02070309020205020404" pitchFamily="49" charset="0"/>
+                <a:cs typeface="Courier New" panose="02070309020205020404" pitchFamily="49" charset="0"/>
+              </a:rPr>
+              <a:t>for</a:t>
+            </a:r>
+            <a:r>
+              <a:rPr lang="nl-NL" sz="1100" kern="0" dirty="0" smtClean="0">
+                <a:latin typeface="Courier New" panose="02070309020205020404" pitchFamily="49" charset="0"/>
+                <a:cs typeface="Courier New" panose="02070309020205020404" pitchFamily="49" charset="0"/>
+              </a:rPr>
+              <a:t> survival </a:t>
+            </a:r>
+            <a:r>
+              <a:rPr lang="nl-NL" sz="1100" b="1" kern="0" dirty="0" smtClean="0">
+                <a:latin typeface="Courier New" panose="02070309020205020404" pitchFamily="49" charset="0"/>
+                <a:cs typeface="Courier New" panose="02070309020205020404" pitchFamily="49" charset="0"/>
+              </a:rPr>
+              <a:t>on the test set</a:t>
+            </a:r>
+            <a:endParaRPr lang="nl-NL" sz="1100" i="1" kern="0" dirty="0">
+              <a:latin typeface="Courier New" panose="02070309020205020404" pitchFamily="49" charset="0"/>
+              <a:cs typeface="Courier New" panose="02070309020205020404" pitchFamily="49" charset="0"/>
+            </a:endParaRPr>
+          </a:p>
+          <a:p>
+            <a:pPr lvl="1"/>
+            <a:endParaRPr lang="nl-NL" sz="1100" kern="0" dirty="0" smtClean="0">
+              <a:latin typeface="Courier New" panose="02070309020205020404" pitchFamily="49" charset="0"/>
+              <a:cs typeface="Courier New" panose="02070309020205020404" pitchFamily="49" charset="0"/>
+            </a:endParaRPr>
+          </a:p>
+          <a:p>
             <a:pPr>
               <a:buFont typeface="+mj-lt"/>
               <a:buAutoNum type="arabicPeriod"/>
             </a:pPr>
             <a:r>
-              <a:rPr lang="nl-NL" sz="1400" kern="0" dirty="0" err="1" smtClean="0">
+              <a:rPr lang="nl-NL" sz="1200" kern="0" dirty="0" err="1" smtClean="0">
                 <a:latin typeface="Courier New" panose="02070309020205020404" pitchFamily="49" charset="0"/>
                 <a:cs typeface="Courier New" panose="02070309020205020404" pitchFamily="49" charset="0"/>
               </a:rPr>
               <a:t>Try</a:t>
             </a:r>
             <a:r>
-              <a:rPr lang="nl-NL" sz="1400" kern="0" dirty="0" smtClean="0">
+              <a:rPr lang="nl-NL" sz="1200" kern="0" dirty="0" smtClean="0">
                 <a:latin typeface="Courier New" panose="02070309020205020404" pitchFamily="49" charset="0"/>
                 <a:cs typeface="Courier New" panose="02070309020205020404" pitchFamily="49" charset="0"/>
               </a:rPr>
               <a:t> out different </a:t>
             </a:r>
             <a:r>
-              <a:rPr lang="nl-NL" sz="1400" kern="0" dirty="0" err="1" smtClean="0">
+              <a:rPr lang="nl-NL" sz="1200" kern="0" dirty="0" err="1" smtClean="0">
                 <a:latin typeface="Courier New" panose="02070309020205020404" pitchFamily="49" charset="0"/>
                 <a:cs typeface="Courier New" panose="02070309020205020404" pitchFamily="49" charset="0"/>
               </a:rPr>
               <a:t>settings</a:t>
             </a:r>
             <a:r>
-              <a:rPr lang="nl-NL" sz="1400" kern="0" dirty="0" smtClean="0">
+              <a:rPr lang="nl-NL" sz="1200" kern="0" dirty="0" smtClean="0">
                 <a:latin typeface="Courier New" panose="02070309020205020404" pitchFamily="49" charset="0"/>
                 <a:cs typeface="Courier New" panose="02070309020205020404" pitchFamily="49" charset="0"/>
               </a:rPr>
               <a:t> </a:t>
             </a:r>
             <a:r>
-              <a:rPr lang="nl-NL" sz="1400" kern="0" dirty="0" err="1" smtClean="0">
+              <a:rPr lang="nl-NL" sz="1200" kern="0" dirty="0" err="1" smtClean="0">
                 <a:latin typeface="Courier New" panose="02070309020205020404" pitchFamily="49" charset="0"/>
                 <a:cs typeface="Courier New" panose="02070309020205020404" pitchFamily="49" charset="0"/>
               </a:rPr>
               <a:t>for</a:t>
             </a:r>
             <a:r>
-              <a:rPr lang="nl-NL" sz="1400" kern="0" dirty="0" smtClean="0">
+              <a:rPr lang="nl-NL" sz="1200" kern="0" dirty="0" smtClean="0">
                 <a:latin typeface="Courier New" panose="02070309020205020404" pitchFamily="49" charset="0"/>
                 <a:cs typeface="Courier New" panose="02070309020205020404" pitchFamily="49" charset="0"/>
               </a:rPr>
               <a:t> </a:t>
             </a:r>
             <a:r>
-              <a:rPr lang="nl-NL" sz="1400" i="1" kern="0" dirty="0" smtClean="0">
+              <a:rPr lang="nl-NL" sz="1200" i="1" kern="0" dirty="0" smtClean="0">
                 <a:latin typeface="Courier New" panose="02070309020205020404" pitchFamily="49" charset="0"/>
                 <a:cs typeface="Courier New" panose="02070309020205020404" pitchFamily="49" charset="0"/>
               </a:rPr>
               <a:t>k</a:t>
             </a:r>
             <a:r>
-              <a:rPr lang="nl-NL" sz="1400" kern="0" dirty="0" smtClean="0">
+              <a:rPr lang="nl-NL" sz="1200" kern="0" dirty="0" smtClean="0">
                 <a:latin typeface="Courier New" panose="02070309020205020404" pitchFamily="49" charset="0"/>
                 <a:cs typeface="Courier New" panose="02070309020205020404" pitchFamily="49" charset="0"/>
               </a:rPr>
               <a:t>. </a:t>
             </a:r>
             <a:r>
-              <a:rPr lang="nl-NL" sz="1400" kern="0" dirty="0" err="1" smtClean="0">
+              <a:rPr lang="nl-NL" sz="1200" kern="0" dirty="0" err="1" smtClean="0">
                 <a:latin typeface="Courier New" panose="02070309020205020404" pitchFamily="49" charset="0"/>
                 <a:cs typeface="Courier New" panose="02070309020205020404" pitchFamily="49" charset="0"/>
               </a:rPr>
               <a:t>Which</a:t>
             </a:r>
             <a:r>
-              <a:rPr lang="nl-NL" sz="1400" kern="0" dirty="0" smtClean="0">
+              <a:rPr lang="nl-NL" sz="1200" kern="0" dirty="0" smtClean="0">
                 <a:latin typeface="Courier New" panose="02070309020205020404" pitchFamily="49" charset="0"/>
                 <a:cs typeface="Courier New" panose="02070309020205020404" pitchFamily="49" charset="0"/>
               </a:rPr>
               <a:t> </a:t>
             </a:r>
             <a:r>
-              <a:rPr lang="nl-NL" sz="1400" i="1" kern="0" dirty="0" smtClean="0">
+              <a:rPr lang="nl-NL" sz="1200" i="1" kern="0" dirty="0" smtClean="0">
                 <a:latin typeface="Courier New" panose="02070309020205020404" pitchFamily="49" charset="0"/>
                 <a:cs typeface="Courier New" panose="02070309020205020404" pitchFamily="49" charset="0"/>
               </a:rPr>
               <a:t>k </a:t>
             </a:r>
             <a:r>
-              <a:rPr lang="nl-NL" sz="1400" kern="0" dirty="0" err="1" smtClean="0">
+              <a:rPr lang="nl-NL" sz="1200" kern="0" dirty="0" err="1" smtClean="0">
                 <a:latin typeface="Courier New" panose="02070309020205020404" pitchFamily="49" charset="0"/>
                 <a:cs typeface="Courier New" panose="02070309020205020404" pitchFamily="49" charset="0"/>
               </a:rPr>
               <a:t>works</a:t>
             </a:r>
             <a:r>
-              <a:rPr lang="nl-NL" sz="1400" kern="0" dirty="0" smtClean="0">
+              <a:rPr lang="nl-NL" sz="1200" kern="0" dirty="0" smtClean="0">
                 <a:latin typeface="Courier New" panose="02070309020205020404" pitchFamily="49" charset="0"/>
                 <a:cs typeface="Courier New" panose="02070309020205020404" pitchFamily="49" charset="0"/>
               </a:rPr>
